--- a/Assignments/toot.ai_A2_vision_pitch.pptx
+++ b/Assignments/toot.ai_A2_vision_pitch.pptx
@@ -152,6 +152,7 @@
     <p1510:client id="{7D0EB698-F84F-41B9-855A-F0E0EF9344CA}" v="8" dt="2021-02-18T18:11:14.344"/>
     <p1510:client id="{AF92DCBE-6B12-4A23-85BD-1549F9DD18DA}" v="51" dt="2021-02-18T11:24:15.440"/>
     <p1510:client id="{B5BACD2D-C0CF-495D-862A-19D96D8B75A6}" v="160" dt="2021-02-18T16:50:52.082"/>
+    <p1510:client id="{CC71B785-EF17-4B76-972F-D19454A26348}" v="72" dt="2021-02-19T07:53:59.779"/>
     <p1510:client id="{CF085FC8-53F9-4EB7-870B-5E818299CFD1}" v="136" dt="2021-02-18T16:05:43.691"/>
     <p1510:client id="{D18D58D5-7E6B-4F0B-B724-9AF37C1142C9}" v="46" dt="2021-02-18T17:30:43.611"/>
     <p1510:client id="{D7840D99-4FBE-4B82-A919-56CD25E4427E}" v="1430" dt="2021-02-18T11:18:50.959"/>
@@ -162,1834 +163,6 @@
 
 <file path=ppt/changesInfos/changesInfo1.xml><?xml version="1.0" encoding="utf-8"?>
 <pc:chgInfo xmlns:a="http://schemas.openxmlformats.org/drawingml/2006/main" xmlns:r="http://schemas.openxmlformats.org/officeDocument/2006/relationships" xmlns:ac="http://schemas.microsoft.com/office/drawing/2013/main/command" xmlns:pc="http://schemas.microsoft.com/office/powerpoint/2013/main/command">
-  <pc:docChgLst>
-    <pc:chgData name="Mättas, O. (Otto)" userId="S::o.mattas@students.uu.nl::f944b869-84fe-4915-ac0f-2070e720f33b" providerId="AD" clId="Web-{B5BACD2D-C0CF-495D-862A-19D96D8B75A6}"/>
-    <pc:docChg chg="addSld delSld modSld">
-      <pc:chgData name="Mättas, O. (Otto)" userId="S::o.mattas@students.uu.nl::f944b869-84fe-4915-ac0f-2070e720f33b" providerId="AD" clId="Web-{B5BACD2D-C0CF-495D-862A-19D96D8B75A6}" dt="2021-02-18T16:50:52.082" v="102"/>
-      <pc:docMkLst>
-        <pc:docMk/>
-      </pc:docMkLst>
-      <pc:sldChg chg="addCm">
-        <pc:chgData name="Mättas, O. (Otto)" userId="S::o.mattas@students.uu.nl::f944b869-84fe-4915-ac0f-2070e720f33b" providerId="AD" clId="Web-{B5BACD2D-C0CF-495D-862A-19D96D8B75A6}" dt="2021-02-18T16:34:09.825" v="27"/>
-        <pc:sldMkLst>
-          <pc:docMk/>
-          <pc:sldMk cId="2942977414" sldId="259"/>
-        </pc:sldMkLst>
-      </pc:sldChg>
-      <pc:sldChg chg="modSp">
-        <pc:chgData name="Mättas, O. (Otto)" userId="S::o.mattas@students.uu.nl::f944b869-84fe-4915-ac0f-2070e720f33b" providerId="AD" clId="Web-{B5BACD2D-C0CF-495D-862A-19D96D8B75A6}" dt="2021-02-18T16:35:16.311" v="31" actId="1076"/>
-        <pc:sldMkLst>
-          <pc:docMk/>
-          <pc:sldMk cId="3940052765" sldId="260"/>
-        </pc:sldMkLst>
-        <pc:picChg chg="mod">
-          <ac:chgData name="Mättas, O. (Otto)" userId="S::o.mattas@students.uu.nl::f944b869-84fe-4915-ac0f-2070e720f33b" providerId="AD" clId="Web-{B5BACD2D-C0CF-495D-862A-19D96D8B75A6}" dt="2021-02-18T16:35:16.311" v="31" actId="1076"/>
-          <ac:picMkLst>
-            <pc:docMk/>
-            <pc:sldMk cId="3940052765" sldId="260"/>
-            <ac:picMk id="5" creationId="{75201437-FB9E-45C4-B9D3-6985C9DAAD21}"/>
-          </ac:picMkLst>
-        </pc:picChg>
-      </pc:sldChg>
-      <pc:sldChg chg="del">
-        <pc:chgData name="Mättas, O. (Otto)" userId="S::o.mattas@students.uu.nl::f944b869-84fe-4915-ac0f-2070e720f33b" providerId="AD" clId="Web-{B5BACD2D-C0CF-495D-862A-19D96D8B75A6}" dt="2021-02-18T16:50:52.082" v="102"/>
-        <pc:sldMkLst>
-          <pc:docMk/>
-          <pc:sldMk cId="2243679050" sldId="266"/>
-        </pc:sldMkLst>
-      </pc:sldChg>
-      <pc:sldChg chg="modSp del">
-        <pc:chgData name="Mättas, O. (Otto)" userId="S::o.mattas@students.uu.nl::f944b869-84fe-4915-ac0f-2070e720f33b" providerId="AD" clId="Web-{B5BACD2D-C0CF-495D-862A-19D96D8B75A6}" dt="2021-02-18T16:33:11.480" v="26"/>
-        <pc:sldMkLst>
-          <pc:docMk/>
-          <pc:sldMk cId="2808113713" sldId="272"/>
-        </pc:sldMkLst>
-        <pc:spChg chg="mod">
-          <ac:chgData name="Mättas, O. (Otto)" userId="S::o.mattas@students.uu.nl::f944b869-84fe-4915-ac0f-2070e720f33b" providerId="AD" clId="Web-{B5BACD2D-C0CF-495D-862A-19D96D8B75A6}" dt="2021-02-18T16:29:59.913" v="16" actId="20577"/>
-          <ac:spMkLst>
-            <pc:docMk/>
-            <pc:sldMk cId="2808113713" sldId="272"/>
-            <ac:spMk id="2" creationId="{F9337501-7464-4493-BBFD-1ABF0E419B60}"/>
-          </ac:spMkLst>
-        </pc:spChg>
-      </pc:sldChg>
-      <pc:sldChg chg="addSp delSp modSp addCm">
-        <pc:chgData name="Mättas, O. (Otto)" userId="S::o.mattas@students.uu.nl::f944b869-84fe-4915-ac0f-2070e720f33b" providerId="AD" clId="Web-{B5BACD2D-C0CF-495D-862A-19D96D8B75A6}" dt="2021-02-18T16:50:18.910" v="101" actId="14100"/>
-        <pc:sldMkLst>
-          <pc:docMk/>
-          <pc:sldMk cId="791204635" sldId="273"/>
-        </pc:sldMkLst>
-        <pc:spChg chg="mod">
-          <ac:chgData name="Mättas, O. (Otto)" userId="S::o.mattas@students.uu.nl::f944b869-84fe-4915-ac0f-2070e720f33b" providerId="AD" clId="Web-{B5BACD2D-C0CF-495D-862A-19D96D8B75A6}" dt="2021-02-18T16:50:12.597" v="100" actId="14100"/>
-          <ac:spMkLst>
-            <pc:docMk/>
-            <pc:sldMk cId="791204635" sldId="273"/>
-            <ac:spMk id="2" creationId="{13500107-AF01-4772-9FAD-298282E27771}"/>
-          </ac:spMkLst>
-        </pc:spChg>
-        <pc:spChg chg="mod">
-          <ac:chgData name="Mättas, O. (Otto)" userId="S::o.mattas@students.uu.nl::f944b869-84fe-4915-ac0f-2070e720f33b" providerId="AD" clId="Web-{B5BACD2D-C0CF-495D-862A-19D96D8B75A6}" dt="2021-02-18T16:50:18.910" v="101" actId="14100"/>
-          <ac:spMkLst>
-            <pc:docMk/>
-            <pc:sldMk cId="791204635" sldId="273"/>
-            <ac:spMk id="3" creationId="{E724A5E7-6828-46EE-A115-A33B8FA59E16}"/>
-          </ac:spMkLst>
-        </pc:spChg>
-        <pc:spChg chg="mod">
-          <ac:chgData name="Mättas, O. (Otto)" userId="S::o.mattas@students.uu.nl::f944b869-84fe-4915-ac0f-2070e720f33b" providerId="AD" clId="Web-{B5BACD2D-C0CF-495D-862A-19D96D8B75A6}" dt="2021-02-18T16:49:05.455" v="90"/>
-          <ac:spMkLst>
-            <pc:docMk/>
-            <pc:sldMk cId="791204635" sldId="273"/>
-            <ac:spMk id="4" creationId="{6A8513BB-6668-4079-9392-A158DF91FD21}"/>
-          </ac:spMkLst>
-        </pc:spChg>
-        <pc:spChg chg="del">
-          <ac:chgData name="Mättas, O. (Otto)" userId="S::o.mattas@students.uu.nl::f944b869-84fe-4915-ac0f-2070e720f33b" providerId="AD" clId="Web-{B5BACD2D-C0CF-495D-862A-19D96D8B75A6}" dt="2021-02-18T16:49:05.455" v="90"/>
-          <ac:spMkLst>
-            <pc:docMk/>
-            <pc:sldMk cId="791204635" sldId="273"/>
-            <ac:spMk id="34" creationId="{6132F700-8CFB-4C6C-B542-E0126AFD2ADE}"/>
-          </ac:spMkLst>
-        </pc:spChg>
-        <pc:spChg chg="del">
-          <ac:chgData name="Mättas, O. (Otto)" userId="S::o.mattas@students.uu.nl::f944b869-84fe-4915-ac0f-2070e720f33b" providerId="AD" clId="Web-{B5BACD2D-C0CF-495D-862A-19D96D8B75A6}" dt="2021-02-18T16:49:05.455" v="90"/>
-          <ac:spMkLst>
-            <pc:docMk/>
-            <pc:sldMk cId="791204635" sldId="273"/>
-            <ac:spMk id="36" creationId="{590E0492-A063-4322-A6F6-50EBE38B58F2}"/>
-          </ac:spMkLst>
-        </pc:spChg>
-        <pc:spChg chg="del">
-          <ac:chgData name="Mättas, O. (Otto)" userId="S::o.mattas@students.uu.nl::f944b869-84fe-4915-ac0f-2070e720f33b" providerId="AD" clId="Web-{B5BACD2D-C0CF-495D-862A-19D96D8B75A6}" dt="2021-02-18T16:49:05.455" v="90"/>
-          <ac:spMkLst>
-            <pc:docMk/>
-            <pc:sldMk cId="791204635" sldId="273"/>
-            <ac:spMk id="38" creationId="{8811F053-65BC-463F-A052-15EDF07DDC62}"/>
-          </ac:spMkLst>
-        </pc:spChg>
-        <pc:spChg chg="add">
-          <ac:chgData name="Mättas, O. (Otto)" userId="S::o.mattas@students.uu.nl::f944b869-84fe-4915-ac0f-2070e720f33b" providerId="AD" clId="Web-{B5BACD2D-C0CF-495D-862A-19D96D8B75A6}" dt="2021-02-18T16:49:05.455" v="90"/>
-          <ac:spMkLst>
-            <pc:docMk/>
-            <pc:sldMk cId="791204635" sldId="273"/>
-            <ac:spMk id="70" creationId="{F25D9EEC-24EA-4FED-9057-A7DF62184176}"/>
-          </ac:spMkLst>
-        </pc:spChg>
-        <pc:grpChg chg="del">
-          <ac:chgData name="Mättas, O. (Otto)" userId="S::o.mattas@students.uu.nl::f944b869-84fe-4915-ac0f-2070e720f33b" providerId="AD" clId="Web-{B5BACD2D-C0CF-495D-862A-19D96D8B75A6}" dt="2021-02-18T16:49:05.455" v="90"/>
-          <ac:grpSpMkLst>
-            <pc:docMk/>
-            <pc:sldMk cId="791204635" sldId="273"/>
-            <ac:grpSpMk id="8" creationId="{84DB7353-7D7A-431B-A5B6-A3845E6F2BB2}"/>
-          </ac:grpSpMkLst>
-        </pc:grpChg>
-        <pc:grpChg chg="del">
-          <ac:chgData name="Mättas, O. (Otto)" userId="S::o.mattas@students.uu.nl::f944b869-84fe-4915-ac0f-2070e720f33b" providerId="AD" clId="Web-{B5BACD2D-C0CF-495D-862A-19D96D8B75A6}" dt="2021-02-18T16:49:05.455" v="90"/>
-          <ac:grpSpMkLst>
-            <pc:docMk/>
-            <pc:sldMk cId="791204635" sldId="273"/>
-            <ac:grpSpMk id="29" creationId="{1B24766B-81CA-44C7-BF11-77A12BA42411}"/>
-          </ac:grpSpMkLst>
-        </pc:grpChg>
-        <pc:grpChg chg="add">
-          <ac:chgData name="Mättas, O. (Otto)" userId="S::o.mattas@students.uu.nl::f944b869-84fe-4915-ac0f-2070e720f33b" providerId="AD" clId="Web-{B5BACD2D-C0CF-495D-862A-19D96D8B75A6}" dt="2021-02-18T16:49:05.455" v="90"/>
-          <ac:grpSpMkLst>
-            <pc:docMk/>
-            <pc:sldMk cId="791204635" sldId="273"/>
-            <ac:grpSpMk id="44" creationId="{2DAE3342-9DFC-49D4-B09C-25E310769317}"/>
-          </ac:grpSpMkLst>
-        </pc:grpChg>
-        <pc:grpChg chg="add">
-          <ac:chgData name="Mättas, O. (Otto)" userId="S::o.mattas@students.uu.nl::f944b869-84fe-4915-ac0f-2070e720f33b" providerId="AD" clId="Web-{B5BACD2D-C0CF-495D-862A-19D96D8B75A6}" dt="2021-02-18T16:49:05.455" v="90"/>
-          <ac:grpSpMkLst>
-            <pc:docMk/>
-            <pc:sldMk cId="791204635" sldId="273"/>
-            <ac:grpSpMk id="65" creationId="{B54F73D8-62C2-4127-9D19-01219BBB9942}"/>
-          </ac:grpSpMkLst>
-        </pc:grpChg>
-        <pc:grpChg chg="add">
-          <ac:chgData name="Mättas, O. (Otto)" userId="S::o.mattas@students.uu.nl::f944b869-84fe-4915-ac0f-2070e720f33b" providerId="AD" clId="Web-{B5BACD2D-C0CF-495D-862A-19D96D8B75A6}" dt="2021-02-18T16:49:05.455" v="90"/>
-          <ac:grpSpMkLst>
-            <pc:docMk/>
-            <pc:sldMk cId="791204635" sldId="273"/>
-            <ac:grpSpMk id="72" creationId="{EE6BBC07-CF0C-4EE5-8031-F879DB97AE09}"/>
-          </ac:grpSpMkLst>
-        </pc:grpChg>
-        <pc:grpChg chg="add">
-          <ac:chgData name="Mättas, O. (Otto)" userId="S::o.mattas@students.uu.nl::f944b869-84fe-4915-ac0f-2070e720f33b" providerId="AD" clId="Web-{B5BACD2D-C0CF-495D-862A-19D96D8B75A6}" dt="2021-02-18T16:49:05.455" v="90"/>
-          <ac:grpSpMkLst>
-            <pc:docMk/>
-            <pc:sldMk cId="791204635" sldId="273"/>
-            <ac:grpSpMk id="93" creationId="{C823590F-2DA6-407F-920B-C16D7DF273D0}"/>
-          </ac:grpSpMkLst>
-        </pc:grpChg>
-        <pc:picChg chg="add">
-          <ac:chgData name="Mättas, O. (Otto)" userId="S::o.mattas@students.uu.nl::f944b869-84fe-4915-ac0f-2070e720f33b" providerId="AD" clId="Web-{B5BACD2D-C0CF-495D-862A-19D96D8B75A6}" dt="2021-02-18T16:49:05.455" v="90"/>
-          <ac:picMkLst>
-            <pc:docMk/>
-            <pc:sldMk cId="791204635" sldId="273"/>
-            <ac:picMk id="40" creationId="{AE7D6A68-B757-4080-958C-48FBB46F1090}"/>
-          </ac:picMkLst>
-        </pc:picChg>
-      </pc:sldChg>
-      <pc:sldChg chg="del">
-        <pc:chgData name="Mättas, O. (Otto)" userId="S::o.mattas@students.uu.nl::f944b869-84fe-4915-ac0f-2070e720f33b" providerId="AD" clId="Web-{B5BACD2D-C0CF-495D-862A-19D96D8B75A6}" dt="2021-02-18T16:49:21.393" v="91"/>
-        <pc:sldMkLst>
-          <pc:docMk/>
-          <pc:sldMk cId="80245984" sldId="275"/>
-        </pc:sldMkLst>
-      </pc:sldChg>
-      <pc:sldChg chg="addSp delSp modSp">
-        <pc:chgData name="Mättas, O. (Otto)" userId="S::o.mattas@students.uu.nl::f944b869-84fe-4915-ac0f-2070e720f33b" providerId="AD" clId="Web-{B5BACD2D-C0CF-495D-862A-19D96D8B75A6}" dt="2021-02-18T16:41:01.506" v="56"/>
-        <pc:sldMkLst>
-          <pc:docMk/>
-          <pc:sldMk cId="2936478737" sldId="277"/>
-        </pc:sldMkLst>
-        <pc:spChg chg="del">
-          <ac:chgData name="Mättas, O. (Otto)" userId="S::o.mattas@students.uu.nl::f944b869-84fe-4915-ac0f-2070e720f33b" providerId="AD" clId="Web-{B5BACD2D-C0CF-495D-862A-19D96D8B75A6}" dt="2021-02-18T16:40:57.631" v="54"/>
-          <ac:spMkLst>
-            <pc:docMk/>
-            <pc:sldMk cId="2936478737" sldId="277"/>
-            <ac:spMk id="2" creationId="{B238061C-8601-49D7-A023-7E0613707479}"/>
-          </ac:spMkLst>
-        </pc:spChg>
-        <pc:spChg chg="add del mod">
-          <ac:chgData name="Mättas, O. (Otto)" userId="S::o.mattas@students.uu.nl::f944b869-84fe-4915-ac0f-2070e720f33b" providerId="AD" clId="Web-{B5BACD2D-C0CF-495D-862A-19D96D8B75A6}" dt="2021-02-18T16:41:01.506" v="56"/>
-          <ac:spMkLst>
-            <pc:docMk/>
-            <pc:sldMk cId="2936478737" sldId="277"/>
-            <ac:spMk id="97" creationId="{7E9D2B18-666B-4228-9649-0B31872E29A2}"/>
-          </ac:spMkLst>
-        </pc:spChg>
-        <pc:picChg chg="add">
-          <ac:chgData name="Mättas, O. (Otto)" userId="S::o.mattas@students.uu.nl::f944b869-84fe-4915-ac0f-2070e720f33b" providerId="AD" clId="Web-{B5BACD2D-C0CF-495D-862A-19D96D8B75A6}" dt="2021-02-18T16:40:58.256" v="55"/>
-          <ac:picMkLst>
-            <pc:docMk/>
-            <pc:sldMk cId="2936478737" sldId="277"/>
-            <ac:picMk id="110" creationId="{340A2BBC-33B0-4B0E-B2CD-3B043A61BB75}"/>
-          </ac:picMkLst>
-        </pc:picChg>
-      </pc:sldChg>
-      <pc:sldChg chg="addSp delSp modSp addCm">
-        <pc:chgData name="Mättas, O. (Otto)" userId="S::o.mattas@students.uu.nl::f944b869-84fe-4915-ac0f-2070e720f33b" providerId="AD" clId="Web-{B5BACD2D-C0CF-495D-862A-19D96D8B75A6}" dt="2021-02-18T16:39:58.099" v="44" actId="1076"/>
-        <pc:sldMkLst>
-          <pc:docMk/>
-          <pc:sldMk cId="3166488700" sldId="278"/>
-        </pc:sldMkLst>
-        <pc:spChg chg="del">
-          <ac:chgData name="Mättas, O. (Otto)" userId="S::o.mattas@students.uu.nl::f944b869-84fe-4915-ac0f-2070e720f33b" providerId="AD" clId="Web-{B5BACD2D-C0CF-495D-862A-19D96D8B75A6}" dt="2021-02-18T16:39:40.145" v="41"/>
-          <ac:spMkLst>
-            <pc:docMk/>
-            <pc:sldMk cId="3166488700" sldId="278"/>
-            <ac:spMk id="2" creationId="{B238061C-8601-49D7-A023-7E0613707479}"/>
-          </ac:spMkLst>
-        </pc:spChg>
-        <pc:spChg chg="add del mod">
-          <ac:chgData name="Mättas, O. (Otto)" userId="S::o.mattas@students.uu.nl::f944b869-84fe-4915-ac0f-2070e720f33b" providerId="AD" clId="Web-{B5BACD2D-C0CF-495D-862A-19D96D8B75A6}" dt="2021-02-18T16:39:50.442" v="43"/>
-          <ac:spMkLst>
-            <pc:docMk/>
-            <pc:sldMk cId="3166488700" sldId="278"/>
-            <ac:spMk id="105" creationId="{2F46B0F4-157E-4BA8-8D11-CC3D117B7904}"/>
-          </ac:spMkLst>
-        </pc:spChg>
-        <pc:picChg chg="add mod">
-          <ac:chgData name="Mättas, O. (Otto)" userId="S::o.mattas@students.uu.nl::f944b869-84fe-4915-ac0f-2070e720f33b" providerId="AD" clId="Web-{B5BACD2D-C0CF-495D-862A-19D96D8B75A6}" dt="2021-02-18T16:39:58.099" v="44" actId="1076"/>
-          <ac:picMkLst>
-            <pc:docMk/>
-            <pc:sldMk cId="3166488700" sldId="278"/>
-            <ac:picMk id="103" creationId="{CDBD31A5-0E7B-4B41-AD02-B79475DAE712}"/>
-          </ac:picMkLst>
-        </pc:picChg>
-      </pc:sldChg>
-      <pc:sldChg chg="addSp delSp modSp">
-        <pc:chgData name="Mättas, O. (Otto)" userId="S::o.mattas@students.uu.nl::f944b869-84fe-4915-ac0f-2070e720f33b" providerId="AD" clId="Web-{B5BACD2D-C0CF-495D-862A-19D96D8B75A6}" dt="2021-02-18T16:40:47.115" v="53"/>
-        <pc:sldMkLst>
-          <pc:docMk/>
-          <pc:sldMk cId="1403399020" sldId="279"/>
-        </pc:sldMkLst>
-        <pc:spChg chg="del">
-          <ac:chgData name="Mättas, O. (Otto)" userId="S::o.mattas@students.uu.nl::f944b869-84fe-4915-ac0f-2070e720f33b" providerId="AD" clId="Web-{B5BACD2D-C0CF-495D-862A-19D96D8B75A6}" dt="2021-02-18T16:40:43.865" v="51"/>
-          <ac:spMkLst>
-            <pc:docMk/>
-            <pc:sldMk cId="1403399020" sldId="279"/>
-            <ac:spMk id="2" creationId="{B238061C-8601-49D7-A023-7E0613707479}"/>
-          </ac:spMkLst>
-        </pc:spChg>
-        <pc:spChg chg="add del mod">
-          <ac:chgData name="Mättas, O. (Otto)" userId="S::o.mattas@students.uu.nl::f944b869-84fe-4915-ac0f-2070e720f33b" providerId="AD" clId="Web-{B5BACD2D-C0CF-495D-862A-19D96D8B75A6}" dt="2021-02-18T16:40:47.115" v="53"/>
-          <ac:spMkLst>
-            <pc:docMk/>
-            <pc:sldMk cId="1403399020" sldId="279"/>
-            <ac:spMk id="96" creationId="{A516C1C0-2053-4D10-912D-914CA45A278A}"/>
-          </ac:spMkLst>
-        </pc:spChg>
-        <pc:picChg chg="add">
-          <ac:chgData name="Mättas, O. (Otto)" userId="S::o.mattas@students.uu.nl::f944b869-84fe-4915-ac0f-2070e720f33b" providerId="AD" clId="Web-{B5BACD2D-C0CF-495D-862A-19D96D8B75A6}" dt="2021-02-18T16:40:45.084" v="52"/>
-          <ac:picMkLst>
-            <pc:docMk/>
-            <pc:sldMk cId="1403399020" sldId="279"/>
-            <ac:picMk id="109" creationId="{3B19EDEC-5705-4CEF-8D8A-D7DE7A16A51A}"/>
-          </ac:picMkLst>
-        </pc:picChg>
-      </pc:sldChg>
-      <pc:sldChg chg="addSp delSp modSp">
-        <pc:chgData name="Mättas, O. (Otto)" userId="S::o.mattas@students.uu.nl::f944b869-84fe-4915-ac0f-2070e720f33b" providerId="AD" clId="Web-{B5BACD2D-C0CF-495D-862A-19D96D8B75A6}" dt="2021-02-18T16:40:34.334" v="50"/>
-        <pc:sldMkLst>
-          <pc:docMk/>
-          <pc:sldMk cId="547619505" sldId="280"/>
-        </pc:sldMkLst>
-        <pc:spChg chg="del">
-          <ac:chgData name="Mättas, O. (Otto)" userId="S::o.mattas@students.uu.nl::f944b869-84fe-4915-ac0f-2070e720f33b" providerId="AD" clId="Web-{B5BACD2D-C0CF-495D-862A-19D96D8B75A6}" dt="2021-02-18T16:40:28.068" v="48"/>
-          <ac:spMkLst>
-            <pc:docMk/>
-            <pc:sldMk cId="547619505" sldId="280"/>
-            <ac:spMk id="2" creationId="{B238061C-8601-49D7-A023-7E0613707479}"/>
-          </ac:spMkLst>
-        </pc:spChg>
-        <pc:spChg chg="add del mod">
-          <ac:chgData name="Mättas, O. (Otto)" userId="S::o.mattas@students.uu.nl::f944b869-84fe-4915-ac0f-2070e720f33b" providerId="AD" clId="Web-{B5BACD2D-C0CF-495D-862A-19D96D8B75A6}" dt="2021-02-18T16:40:34.334" v="50"/>
-          <ac:spMkLst>
-            <pc:docMk/>
-            <pc:sldMk cId="547619505" sldId="280"/>
-            <ac:spMk id="95" creationId="{47F11616-7384-44EC-B333-34A36549DDED}"/>
-          </ac:spMkLst>
-        </pc:spChg>
-        <pc:picChg chg="add">
-          <ac:chgData name="Mättas, O. (Otto)" userId="S::o.mattas@students.uu.nl::f944b869-84fe-4915-ac0f-2070e720f33b" providerId="AD" clId="Web-{B5BACD2D-C0CF-495D-862A-19D96D8B75A6}" dt="2021-02-18T16:40:28.803" v="49"/>
-          <ac:picMkLst>
-            <pc:docMk/>
-            <pc:sldMk cId="547619505" sldId="280"/>
-            <ac:picMk id="108" creationId="{9EC1EBBD-9F47-4DB3-888B-5022E7048DF0}"/>
-          </ac:picMkLst>
-        </pc:picChg>
-      </pc:sldChg>
-      <pc:sldChg chg="addSp delSp modSp">
-        <pc:chgData name="Mättas, O. (Otto)" userId="S::o.mattas@students.uu.nl::f944b869-84fe-4915-ac0f-2070e720f33b" providerId="AD" clId="Web-{B5BACD2D-C0CF-495D-862A-19D96D8B75A6}" dt="2021-02-18T16:40:18.943" v="47"/>
-        <pc:sldMkLst>
-          <pc:docMk/>
-          <pc:sldMk cId="3176483059" sldId="281"/>
-        </pc:sldMkLst>
-        <pc:spChg chg="del">
-          <ac:chgData name="Mättas, O. (Otto)" userId="S::o.mattas@students.uu.nl::f944b869-84fe-4915-ac0f-2070e720f33b" providerId="AD" clId="Web-{B5BACD2D-C0CF-495D-862A-19D96D8B75A6}" dt="2021-02-18T16:40:15.052" v="45"/>
-          <ac:spMkLst>
-            <pc:docMk/>
-            <pc:sldMk cId="3176483059" sldId="281"/>
-            <ac:spMk id="2" creationId="{B238061C-8601-49D7-A023-7E0613707479}"/>
-          </ac:spMkLst>
-        </pc:spChg>
-        <pc:spChg chg="add del mod">
-          <ac:chgData name="Mättas, O. (Otto)" userId="S::o.mattas@students.uu.nl::f944b869-84fe-4915-ac0f-2070e720f33b" providerId="AD" clId="Web-{B5BACD2D-C0CF-495D-862A-19D96D8B75A6}" dt="2021-02-18T16:40:18.943" v="47"/>
-          <ac:spMkLst>
-            <pc:docMk/>
-            <pc:sldMk cId="3176483059" sldId="281"/>
-            <ac:spMk id="105" creationId="{74677B4A-07C6-4436-88CD-B75F877EAC2B}"/>
-          </ac:spMkLst>
-        </pc:spChg>
-        <pc:picChg chg="add">
-          <ac:chgData name="Mättas, O. (Otto)" userId="S::o.mattas@students.uu.nl::f944b869-84fe-4915-ac0f-2070e720f33b" providerId="AD" clId="Web-{B5BACD2D-C0CF-495D-862A-19D96D8B75A6}" dt="2021-02-18T16:40:16.271" v="46"/>
-          <ac:picMkLst>
-            <pc:docMk/>
-            <pc:sldMk cId="3176483059" sldId="281"/>
-            <ac:picMk id="118" creationId="{6B9AC844-BE9B-4CFF-B424-9B7E20DCE148}"/>
-          </ac:picMkLst>
-        </pc:picChg>
-      </pc:sldChg>
-      <pc:sldChg chg="addSp delSp modSp new mod setBg">
-        <pc:chgData name="Mättas, O. (Otto)" userId="S::o.mattas@students.uu.nl::f944b869-84fe-4915-ac0f-2070e720f33b" providerId="AD" clId="Web-{B5BACD2D-C0CF-495D-862A-19D96D8B75A6}" dt="2021-02-18T16:35:58.922" v="38"/>
-        <pc:sldMkLst>
-          <pc:docMk/>
-          <pc:sldMk cId="3131762565" sldId="282"/>
-        </pc:sldMkLst>
-        <pc:spChg chg="mod ord">
-          <ac:chgData name="Mättas, O. (Otto)" userId="S::o.mattas@students.uu.nl::f944b869-84fe-4915-ac0f-2070e720f33b" providerId="AD" clId="Web-{B5BACD2D-C0CF-495D-862A-19D96D8B75A6}" dt="2021-02-18T16:33:01.418" v="25"/>
-          <ac:spMkLst>
-            <pc:docMk/>
-            <pc:sldMk cId="3131762565" sldId="282"/>
-            <ac:spMk id="2" creationId="{DF945E70-BAD2-47EA-B666-19218F126767}"/>
-          </ac:spMkLst>
-        </pc:spChg>
-        <pc:grpChg chg="add">
-          <ac:chgData name="Mättas, O. (Otto)" userId="S::o.mattas@students.uu.nl::f944b869-84fe-4915-ac0f-2070e720f33b" providerId="AD" clId="Web-{B5BACD2D-C0CF-495D-862A-19D96D8B75A6}" dt="2021-02-18T16:33:01.418" v="25"/>
-          <ac:grpSpMkLst>
-            <pc:docMk/>
-            <pc:sldMk cId="3131762565" sldId="282"/>
-            <ac:grpSpMk id="5" creationId="{02809643-1A52-4ED2-AA8C-EEF67E927206}"/>
-          </ac:grpSpMkLst>
-        </pc:grpChg>
-        <pc:grpChg chg="add del">
-          <ac:chgData name="Mättas, O. (Otto)" userId="S::o.mattas@students.uu.nl::f944b869-84fe-4915-ac0f-2070e720f33b" providerId="AD" clId="Web-{B5BACD2D-C0CF-495D-862A-19D96D8B75A6}" dt="2021-02-18T16:32:55.292" v="22"/>
-          <ac:grpSpMkLst>
-            <pc:docMk/>
-            <pc:sldMk cId="3131762565" sldId="282"/>
-            <ac:grpSpMk id="8" creationId="{02809643-1A52-4ED2-AA8C-EEF67E927206}"/>
-          </ac:grpSpMkLst>
-        </pc:grpChg>
-        <pc:picChg chg="add mod ord">
-          <ac:chgData name="Mättas, O. (Otto)" userId="S::o.mattas@students.uu.nl::f944b869-84fe-4915-ac0f-2070e720f33b" providerId="AD" clId="Web-{B5BACD2D-C0CF-495D-862A-19D96D8B75A6}" dt="2021-02-18T16:35:57.359" v="37"/>
-          <ac:picMkLst>
-            <pc:docMk/>
-            <pc:sldMk cId="3131762565" sldId="282"/>
-            <ac:picMk id="3" creationId="{39AAD341-10EE-4589-A369-E7B2D7F4F691}"/>
-          </ac:picMkLst>
-        </pc:picChg>
-        <pc:picChg chg="add del ord">
-          <ac:chgData name="Mättas, O. (Otto)" userId="S::o.mattas@students.uu.nl::f944b869-84fe-4915-ac0f-2070e720f33b" providerId="AD" clId="Web-{B5BACD2D-C0CF-495D-862A-19D96D8B75A6}" dt="2021-02-18T16:35:58.922" v="38"/>
-          <ac:picMkLst>
-            <pc:docMk/>
-            <pc:sldMk cId="3131762565" sldId="282"/>
-            <ac:picMk id="4" creationId="{D3DE0694-8EA7-4472-86F9-E8E8CB1D43A9}"/>
-          </ac:picMkLst>
-        </pc:picChg>
-      </pc:sldChg>
-    </pc:docChg>
-  </pc:docChgLst>
-  <pc:docChgLst>
-    <pc:chgData name="Jim Ekanem" userId="edad37bd-28d4-4c80-a826-0524b9fe325d" providerId="ADAL" clId="{CF085FC8-53F9-4EB7-870B-5E818299CFD1}"/>
-    <pc:docChg chg="undo redo custSel addSld delSld modSld sldOrd">
-      <pc:chgData name="Jim Ekanem" userId="edad37bd-28d4-4c80-a826-0524b9fe325d" providerId="ADAL" clId="{CF085FC8-53F9-4EB7-870B-5E818299CFD1}" dt="2021-02-18T15:59:36.996" v="205"/>
-      <pc:docMkLst>
-        <pc:docMk/>
-      </pc:docMkLst>
-      <pc:sldChg chg="addCm modCm">
-        <pc:chgData name="Jim Ekanem" userId="edad37bd-28d4-4c80-a826-0524b9fe325d" providerId="ADAL" clId="{CF085FC8-53F9-4EB7-870B-5E818299CFD1}" dt="2021-02-18T15:23:18.620" v="26"/>
-        <pc:sldMkLst>
-          <pc:docMk/>
-          <pc:sldMk cId="2942977414" sldId="259"/>
-        </pc:sldMkLst>
-      </pc:sldChg>
-      <pc:sldChg chg="modSp mod">
-        <pc:chgData name="Jim Ekanem" userId="edad37bd-28d4-4c80-a826-0524b9fe325d" providerId="ADAL" clId="{CF085FC8-53F9-4EB7-870B-5E818299CFD1}" dt="2021-02-18T15:58:41.489" v="203" actId="255"/>
-        <pc:sldMkLst>
-          <pc:docMk/>
-          <pc:sldMk cId="2808113713" sldId="272"/>
-        </pc:sldMkLst>
-        <pc:spChg chg="mod">
-          <ac:chgData name="Jim Ekanem" userId="edad37bd-28d4-4c80-a826-0524b9fe325d" providerId="ADAL" clId="{CF085FC8-53F9-4EB7-870B-5E818299CFD1}" dt="2021-02-18T15:58:41.489" v="203" actId="255"/>
-          <ac:spMkLst>
-            <pc:docMk/>
-            <pc:sldMk cId="2808113713" sldId="272"/>
-            <ac:spMk id="2" creationId="{F9337501-7464-4493-BBFD-1ABF0E419B60}"/>
-          </ac:spMkLst>
-        </pc:spChg>
-      </pc:sldChg>
-      <pc:sldChg chg="addCm modCm">
-        <pc:chgData name="Jim Ekanem" userId="edad37bd-28d4-4c80-a826-0524b9fe325d" providerId="ADAL" clId="{CF085FC8-53F9-4EB7-870B-5E818299CFD1}" dt="2021-02-18T15:59:36.996" v="205"/>
-        <pc:sldMkLst>
-          <pc:docMk/>
-          <pc:sldMk cId="791204635" sldId="273"/>
-        </pc:sldMkLst>
-      </pc:sldChg>
-      <pc:sldChg chg="addSp delSp modSp add del mod modShow addCm modCm">
-        <pc:chgData name="Jim Ekanem" userId="edad37bd-28d4-4c80-a826-0524b9fe325d" providerId="ADAL" clId="{CF085FC8-53F9-4EB7-870B-5E818299CFD1}" dt="2021-02-18T15:52:28.221" v="151" actId="2696"/>
-        <pc:sldMkLst>
-          <pc:docMk/>
-          <pc:sldMk cId="3666444239" sldId="274"/>
-        </pc:sldMkLst>
-        <pc:spChg chg="add mod">
-          <ac:chgData name="Jim Ekanem" userId="edad37bd-28d4-4c80-a826-0524b9fe325d" providerId="ADAL" clId="{CF085FC8-53F9-4EB7-870B-5E818299CFD1}" dt="2021-02-18T15:43:36.566" v="72" actId="207"/>
-          <ac:spMkLst>
-            <pc:docMk/>
-            <pc:sldMk cId="3666444239" sldId="274"/>
-            <ac:spMk id="3" creationId="{86696E38-21A7-4D9D-8A68-72C8E4F5E48A}"/>
-          </ac:spMkLst>
-        </pc:spChg>
-        <pc:spChg chg="add mod">
-          <ac:chgData name="Jim Ekanem" userId="edad37bd-28d4-4c80-a826-0524b9fe325d" providerId="ADAL" clId="{CF085FC8-53F9-4EB7-870B-5E818299CFD1}" dt="2021-02-18T15:43:06.092" v="65" actId="207"/>
-          <ac:spMkLst>
-            <pc:docMk/>
-            <pc:sldMk cId="3666444239" sldId="274"/>
-            <ac:spMk id="32" creationId="{C6AD9C99-E286-4EC4-B40F-98837C3D3269}"/>
-          </ac:spMkLst>
-        </pc:spChg>
-        <pc:spChg chg="add mod">
-          <ac:chgData name="Jim Ekanem" userId="edad37bd-28d4-4c80-a826-0524b9fe325d" providerId="ADAL" clId="{CF085FC8-53F9-4EB7-870B-5E818299CFD1}" dt="2021-02-18T15:43:36.566" v="72" actId="207"/>
-          <ac:spMkLst>
-            <pc:docMk/>
-            <pc:sldMk cId="3666444239" sldId="274"/>
-            <ac:spMk id="37" creationId="{ACEA1DC9-D9D7-40BF-B5C1-49E27FD85ED0}"/>
-          </ac:spMkLst>
-        </pc:spChg>
-        <pc:spChg chg="add mod">
-          <ac:chgData name="Jim Ekanem" userId="edad37bd-28d4-4c80-a826-0524b9fe325d" providerId="ADAL" clId="{CF085FC8-53F9-4EB7-870B-5E818299CFD1}" dt="2021-02-18T15:43:36.566" v="72" actId="207"/>
-          <ac:spMkLst>
-            <pc:docMk/>
-            <pc:sldMk cId="3666444239" sldId="274"/>
-            <ac:spMk id="38" creationId="{CCE45493-99BB-4327-A574-1BEB8A1A3D42}"/>
-          </ac:spMkLst>
-        </pc:spChg>
-        <pc:spChg chg="add del mod">
-          <ac:chgData name="Jim Ekanem" userId="edad37bd-28d4-4c80-a826-0524b9fe325d" providerId="ADAL" clId="{CF085FC8-53F9-4EB7-870B-5E818299CFD1}" dt="2021-02-18T15:50:39.281" v="131" actId="478"/>
-          <ac:spMkLst>
-            <pc:docMk/>
-            <pc:sldMk cId="3666444239" sldId="274"/>
-            <ac:spMk id="39" creationId="{4EF0CA2F-F09C-420B-B04B-773ECDA44F15}"/>
-          </ac:spMkLst>
-        </pc:spChg>
-        <pc:graphicFrameChg chg="mod modGraphic">
-          <ac:chgData name="Jim Ekanem" userId="edad37bd-28d4-4c80-a826-0524b9fe325d" providerId="ADAL" clId="{CF085FC8-53F9-4EB7-870B-5E818299CFD1}" dt="2021-02-18T15:50:41.275" v="132" actId="478"/>
-          <ac:graphicFrameMkLst>
-            <pc:docMk/>
-            <pc:sldMk cId="3666444239" sldId="274"/>
-            <ac:graphicFrameMk id="5" creationId="{F0C8A44F-8CC2-460B-85DC-5F7EA19140DE}"/>
-          </ac:graphicFrameMkLst>
-        </pc:graphicFrameChg>
-        <pc:picChg chg="add mod">
-          <ac:chgData name="Jim Ekanem" userId="edad37bd-28d4-4c80-a826-0524b9fe325d" providerId="ADAL" clId="{CF085FC8-53F9-4EB7-870B-5E818299CFD1}" dt="2021-02-18T15:46:13.575" v="83" actId="1076"/>
-          <ac:picMkLst>
-            <pc:docMk/>
-            <pc:sldMk cId="3666444239" sldId="274"/>
-            <ac:picMk id="6" creationId="{F48BB55A-14EA-4C8C-A992-C9357414078C}"/>
-          </ac:picMkLst>
-        </pc:picChg>
-        <pc:picChg chg="add mod">
-          <ac:chgData name="Jim Ekanem" userId="edad37bd-28d4-4c80-a826-0524b9fe325d" providerId="ADAL" clId="{CF085FC8-53F9-4EB7-870B-5E818299CFD1}" dt="2021-02-18T15:46:31.295" v="90" actId="1076"/>
-          <ac:picMkLst>
-            <pc:docMk/>
-            <pc:sldMk cId="3666444239" sldId="274"/>
-            <ac:picMk id="9" creationId="{CABD2DB6-DEE1-4B14-8A1E-2939053687B9}"/>
-          </ac:picMkLst>
-        </pc:picChg>
-        <pc:picChg chg="add mod">
-          <ac:chgData name="Jim Ekanem" userId="edad37bd-28d4-4c80-a826-0524b9fe325d" providerId="ADAL" clId="{CF085FC8-53F9-4EB7-870B-5E818299CFD1}" dt="2021-02-18T15:46:53.412" v="98" actId="1076"/>
-          <ac:picMkLst>
-            <pc:docMk/>
-            <pc:sldMk cId="3666444239" sldId="274"/>
-            <ac:picMk id="40" creationId="{6F2211A8-E031-4FED-A383-CCD6253A65A8}"/>
-          </ac:picMkLst>
-        </pc:picChg>
-        <pc:picChg chg="add mod">
-          <ac:chgData name="Jim Ekanem" userId="edad37bd-28d4-4c80-a826-0524b9fe325d" providerId="ADAL" clId="{CF085FC8-53F9-4EB7-870B-5E818299CFD1}" dt="2021-02-18T15:50:54.181" v="138" actId="1076"/>
-          <ac:picMkLst>
-            <pc:docMk/>
-            <pc:sldMk cId="3666444239" sldId="274"/>
-            <ac:picMk id="42" creationId="{EBD87097-B30E-4104-A2CC-757D294D66C7}"/>
-          </ac:picMkLst>
-        </pc:picChg>
-        <pc:picChg chg="add del mod">
-          <ac:chgData name="Jim Ekanem" userId="edad37bd-28d4-4c80-a826-0524b9fe325d" providerId="ADAL" clId="{CF085FC8-53F9-4EB7-870B-5E818299CFD1}" dt="2021-02-18T15:50:51.300" v="136" actId="478"/>
-          <ac:picMkLst>
-            <pc:docMk/>
-            <pc:sldMk cId="3666444239" sldId="274"/>
-            <ac:picMk id="44" creationId="{5C252BBD-C2C6-4A0B-A5EA-6488E959E9D5}"/>
-          </ac:picMkLst>
-        </pc:picChg>
-      </pc:sldChg>
-      <pc:sldChg chg="add">
-        <pc:chgData name="Jim Ekanem" userId="edad37bd-28d4-4c80-a826-0524b9fe325d" providerId="ADAL" clId="{CF085FC8-53F9-4EB7-870B-5E818299CFD1}" dt="2021-02-18T15:14:16.574" v="21" actId="2890"/>
-        <pc:sldMkLst>
-          <pc:docMk/>
-          <pc:sldMk cId="80245984" sldId="275"/>
-        </pc:sldMkLst>
-      </pc:sldChg>
-      <pc:sldChg chg="modSp add del ord">
-        <pc:chgData name="Jim Ekanem" userId="edad37bd-28d4-4c80-a826-0524b9fe325d" providerId="ADAL" clId="{CF085FC8-53F9-4EB7-870B-5E818299CFD1}" dt="2021-02-18T15:53:57.858" v="169" actId="2696"/>
-        <pc:sldMkLst>
-          <pc:docMk/>
-          <pc:sldMk cId="1609430094" sldId="276"/>
-        </pc:sldMkLst>
-        <pc:graphicFrameChg chg="mod">
-          <ac:chgData name="Jim Ekanem" userId="edad37bd-28d4-4c80-a826-0524b9fe325d" providerId="ADAL" clId="{CF085FC8-53F9-4EB7-870B-5E818299CFD1}" dt="2021-02-18T15:51:45.121" v="142" actId="1582"/>
-          <ac:graphicFrameMkLst>
-            <pc:docMk/>
-            <pc:sldMk cId="1609430094" sldId="276"/>
-            <ac:graphicFrameMk id="5" creationId="{F0C8A44F-8CC2-460B-85DC-5F7EA19140DE}"/>
-          </ac:graphicFrameMkLst>
-        </pc:graphicFrameChg>
-      </pc:sldChg>
-      <pc:sldChg chg="addSp delSp modSp add del mod">
-        <pc:chgData name="Jim Ekanem" userId="edad37bd-28d4-4c80-a826-0524b9fe325d" providerId="ADAL" clId="{CF085FC8-53F9-4EB7-870B-5E818299CFD1}" dt="2021-02-18T15:55:39.486" v="194" actId="20577"/>
-        <pc:sldMkLst>
-          <pc:docMk/>
-          <pc:sldMk cId="2936478737" sldId="277"/>
-        </pc:sldMkLst>
-        <pc:graphicFrameChg chg="mod">
-          <ac:chgData name="Jim Ekanem" userId="edad37bd-28d4-4c80-a826-0524b9fe325d" providerId="ADAL" clId="{CF085FC8-53F9-4EB7-870B-5E818299CFD1}" dt="2021-02-18T15:55:39.486" v="194" actId="20577"/>
-          <ac:graphicFrameMkLst>
-            <pc:docMk/>
-            <pc:sldMk cId="2936478737" sldId="277"/>
-            <ac:graphicFrameMk id="5" creationId="{F0C8A44F-8CC2-460B-85DC-5F7EA19140DE}"/>
-          </ac:graphicFrameMkLst>
-        </pc:graphicFrameChg>
-        <pc:picChg chg="add del">
-          <ac:chgData name="Jim Ekanem" userId="edad37bd-28d4-4c80-a826-0524b9fe325d" providerId="ADAL" clId="{CF085FC8-53F9-4EB7-870B-5E818299CFD1}" dt="2021-02-18T15:52:22.647" v="148" actId="478"/>
-          <ac:picMkLst>
-            <pc:docMk/>
-            <pc:sldMk cId="2936478737" sldId="277"/>
-            <ac:picMk id="9" creationId="{CABD2DB6-DEE1-4B14-8A1E-2939053687B9}"/>
-          </ac:picMkLst>
-        </pc:picChg>
-        <pc:picChg chg="add del">
-          <ac:chgData name="Jim Ekanem" userId="edad37bd-28d4-4c80-a826-0524b9fe325d" providerId="ADAL" clId="{CF085FC8-53F9-4EB7-870B-5E818299CFD1}" dt="2021-02-18T15:52:19.748" v="147" actId="478"/>
-          <ac:picMkLst>
-            <pc:docMk/>
-            <pc:sldMk cId="2936478737" sldId="277"/>
-            <ac:picMk id="40" creationId="{6F2211A8-E031-4FED-A383-CCD6253A65A8}"/>
-          </ac:picMkLst>
-        </pc:picChg>
-      </pc:sldChg>
-      <pc:sldChg chg="delSp modSp add mod addCm modCm">
-        <pc:chgData name="Jim Ekanem" userId="edad37bd-28d4-4c80-a826-0524b9fe325d" providerId="ADAL" clId="{CF085FC8-53F9-4EB7-870B-5E818299CFD1}" dt="2021-02-18T15:58:24.007" v="202"/>
-        <pc:sldMkLst>
-          <pc:docMk/>
-          <pc:sldMk cId="3166488700" sldId="278"/>
-        </pc:sldMkLst>
-        <pc:spChg chg="mod">
-          <ac:chgData name="Jim Ekanem" userId="edad37bd-28d4-4c80-a826-0524b9fe325d" providerId="ADAL" clId="{CF085FC8-53F9-4EB7-870B-5E818299CFD1}" dt="2021-02-18T15:58:24.007" v="202"/>
-          <ac:spMkLst>
-            <pc:docMk/>
-            <pc:sldMk cId="3166488700" sldId="278"/>
-            <ac:spMk id="2" creationId="{B238061C-8601-49D7-A023-7E0613707479}"/>
-          </ac:spMkLst>
-        </pc:spChg>
-        <pc:spChg chg="mod">
-          <ac:chgData name="Jim Ekanem" userId="edad37bd-28d4-4c80-a826-0524b9fe325d" providerId="ADAL" clId="{CF085FC8-53F9-4EB7-870B-5E818299CFD1}" dt="2021-02-18T15:53:06.317" v="157" actId="14100"/>
-          <ac:spMkLst>
-            <pc:docMk/>
-            <pc:sldMk cId="3166488700" sldId="278"/>
-            <ac:spMk id="39" creationId="{4EF0CA2F-F09C-420B-B04B-773ECDA44F15}"/>
-          </ac:spMkLst>
-        </pc:spChg>
-        <pc:graphicFrameChg chg="mod">
-          <ac:chgData name="Jim Ekanem" userId="edad37bd-28d4-4c80-a826-0524b9fe325d" providerId="ADAL" clId="{CF085FC8-53F9-4EB7-870B-5E818299CFD1}" dt="2021-02-18T15:53:39.159" v="167" actId="20577"/>
-          <ac:graphicFrameMkLst>
-            <pc:docMk/>
-            <pc:sldMk cId="3166488700" sldId="278"/>
-            <ac:graphicFrameMk id="5" creationId="{F0C8A44F-8CC2-460B-85DC-5F7EA19140DE}"/>
-          </ac:graphicFrameMkLst>
-        </pc:graphicFrameChg>
-        <pc:picChg chg="del">
-          <ac:chgData name="Jim Ekanem" userId="edad37bd-28d4-4c80-a826-0524b9fe325d" providerId="ADAL" clId="{CF085FC8-53F9-4EB7-870B-5E818299CFD1}" dt="2021-02-18T15:53:39.985" v="168" actId="478"/>
-          <ac:picMkLst>
-            <pc:docMk/>
-            <pc:sldMk cId="3166488700" sldId="278"/>
-            <ac:picMk id="9" creationId="{CABD2DB6-DEE1-4B14-8A1E-2939053687B9}"/>
-          </ac:picMkLst>
-        </pc:picChg>
-        <pc:picChg chg="del">
-          <ac:chgData name="Jim Ekanem" userId="edad37bd-28d4-4c80-a826-0524b9fe325d" providerId="ADAL" clId="{CF085FC8-53F9-4EB7-870B-5E818299CFD1}" dt="2021-02-18T15:53:33.676" v="165" actId="478"/>
-          <ac:picMkLst>
-            <pc:docMk/>
-            <pc:sldMk cId="3166488700" sldId="278"/>
-            <ac:picMk id="40" creationId="{6F2211A8-E031-4FED-A383-CCD6253A65A8}"/>
-          </ac:picMkLst>
-        </pc:picChg>
-        <pc:picChg chg="del">
-          <ac:chgData name="Jim Ekanem" userId="edad37bd-28d4-4c80-a826-0524b9fe325d" providerId="ADAL" clId="{CF085FC8-53F9-4EB7-870B-5E818299CFD1}" dt="2021-02-18T15:53:26.729" v="162" actId="478"/>
-          <ac:picMkLst>
-            <pc:docMk/>
-            <pc:sldMk cId="3166488700" sldId="278"/>
-            <ac:picMk id="42" creationId="{EBD87097-B30E-4104-A2CC-757D294D66C7}"/>
-          </ac:picMkLst>
-        </pc:picChg>
-        <pc:picChg chg="del">
-          <ac:chgData name="Jim Ekanem" userId="edad37bd-28d4-4c80-a826-0524b9fe325d" providerId="ADAL" clId="{CF085FC8-53F9-4EB7-870B-5E818299CFD1}" dt="2021-02-18T15:53:08.592" v="158" actId="478"/>
-          <ac:picMkLst>
-            <pc:docMk/>
-            <pc:sldMk cId="3166488700" sldId="278"/>
-            <ac:picMk id="44" creationId="{5C252BBD-C2C6-4A0B-A5EA-6488E959E9D5}"/>
-          </ac:picMkLst>
-        </pc:picChg>
-      </pc:sldChg>
-      <pc:sldChg chg="add">
-        <pc:chgData name="Jim Ekanem" userId="edad37bd-28d4-4c80-a826-0524b9fe325d" providerId="ADAL" clId="{CF085FC8-53F9-4EB7-870B-5E818299CFD1}" dt="2021-02-18T15:53:22.741" v="160" actId="2890"/>
-        <pc:sldMkLst>
-          <pc:docMk/>
-          <pc:sldMk cId="1403399020" sldId="279"/>
-        </pc:sldMkLst>
-      </pc:sldChg>
-      <pc:sldChg chg="add">
-        <pc:chgData name="Jim Ekanem" userId="edad37bd-28d4-4c80-a826-0524b9fe325d" providerId="ADAL" clId="{CF085FC8-53F9-4EB7-870B-5E818299CFD1}" dt="2021-02-18T15:53:29.306" v="163" actId="2890"/>
-        <pc:sldMkLst>
-          <pc:docMk/>
-          <pc:sldMk cId="547619505" sldId="280"/>
-        </pc:sldMkLst>
-      </pc:sldChg>
-      <pc:sldChg chg="modSp add mod">
-        <pc:chgData name="Jim Ekanem" userId="edad37bd-28d4-4c80-a826-0524b9fe325d" providerId="ADAL" clId="{CF085FC8-53F9-4EB7-870B-5E818299CFD1}" dt="2021-02-18T15:58:21.876" v="201"/>
-        <pc:sldMkLst>
-          <pc:docMk/>
-          <pc:sldMk cId="3176483059" sldId="281"/>
-        </pc:sldMkLst>
-        <pc:spChg chg="mod">
-          <ac:chgData name="Jim Ekanem" userId="edad37bd-28d4-4c80-a826-0524b9fe325d" providerId="ADAL" clId="{CF085FC8-53F9-4EB7-870B-5E818299CFD1}" dt="2021-02-18T15:58:21.876" v="201"/>
-          <ac:spMkLst>
-            <pc:docMk/>
-            <pc:sldMk cId="3176483059" sldId="281"/>
-            <ac:spMk id="2" creationId="{B238061C-8601-49D7-A023-7E0613707479}"/>
-          </ac:spMkLst>
-        </pc:spChg>
-      </pc:sldChg>
-    </pc:docChg>
-  </pc:docChgLst>
-  <pc:docChgLst>
-    <pc:chgData name="Mättas, O. (Otto)" userId="S::o.mattas@students.uu.nl::f944b869-84fe-4915-ac0f-2070e720f33b" providerId="AD" clId="Web-{AF92DCBE-6B12-4A23-85BD-1549F9DD18DA}"/>
-    <pc:docChg chg="addSld delSld modSld addMainMaster delMainMaster">
-      <pc:chgData name="Mättas, O. (Otto)" userId="S::o.mattas@students.uu.nl::f944b869-84fe-4915-ac0f-2070e720f33b" providerId="AD" clId="Web-{AF92DCBE-6B12-4A23-85BD-1549F9DD18DA}" dt="2021-02-18T11:24:15.440" v="37"/>
-      <pc:docMkLst>
-        <pc:docMk/>
-      </pc:docMkLst>
-      <pc:sldChg chg="addSp delSp modSp mod modClrScheme delDesignElem chgLayout">
-        <pc:chgData name="Mättas, O. (Otto)" userId="S::o.mattas@students.uu.nl::f944b869-84fe-4915-ac0f-2070e720f33b" providerId="AD" clId="Web-{AF92DCBE-6B12-4A23-85BD-1549F9DD18DA}" dt="2021-02-18T11:20:25.496" v="3"/>
-        <pc:sldMkLst>
-          <pc:docMk/>
-          <pc:sldMk cId="2942977414" sldId="259"/>
-        </pc:sldMkLst>
-        <pc:spChg chg="mod ord">
-          <ac:chgData name="Mättas, O. (Otto)" userId="S::o.mattas@students.uu.nl::f944b869-84fe-4915-ac0f-2070e720f33b" providerId="AD" clId="Web-{AF92DCBE-6B12-4A23-85BD-1549F9DD18DA}" dt="2021-02-18T11:20:25.496" v="3"/>
-          <ac:spMkLst>
-            <pc:docMk/>
-            <pc:sldMk cId="2942977414" sldId="259"/>
-            <ac:spMk id="2" creationId="{3C99E8F2-BD1A-48E0-96E7-9F2C4A9D5F81}"/>
-          </ac:spMkLst>
-        </pc:spChg>
-        <pc:spChg chg="mod ord">
-          <ac:chgData name="Mättas, O. (Otto)" userId="S::o.mattas@students.uu.nl::f944b869-84fe-4915-ac0f-2070e720f33b" providerId="AD" clId="Web-{AF92DCBE-6B12-4A23-85BD-1549F9DD18DA}" dt="2021-02-18T11:20:25.496" v="3"/>
-          <ac:spMkLst>
-            <pc:docMk/>
-            <pc:sldMk cId="2942977414" sldId="259"/>
-            <ac:spMk id="3" creationId="{BFECE727-F53F-4D44-A07A-D22D81C5C7A7}"/>
-          </ac:spMkLst>
-        </pc:spChg>
-        <pc:spChg chg="add">
-          <ac:chgData name="Mättas, O. (Otto)" userId="S::o.mattas@students.uu.nl::f944b869-84fe-4915-ac0f-2070e720f33b" providerId="AD" clId="Web-{AF92DCBE-6B12-4A23-85BD-1549F9DD18DA}" dt="2021-02-18T11:20:25.496" v="3"/>
-          <ac:spMkLst>
-            <pc:docMk/>
-            <pc:sldMk cId="2942977414" sldId="259"/>
-            <ac:spMk id="31" creationId="{14836A48-4CAC-4A40-97EB-8ACA9B26A98A}"/>
-          </ac:spMkLst>
-        </pc:spChg>
-        <pc:spChg chg="del">
-          <ac:chgData name="Mättas, O. (Otto)" userId="S::o.mattas@students.uu.nl::f944b869-84fe-4915-ac0f-2070e720f33b" providerId="AD" clId="Web-{AF92DCBE-6B12-4A23-85BD-1549F9DD18DA}" dt="2021-02-18T11:19:51.370" v="1"/>
-          <ac:spMkLst>
-            <pc:docMk/>
-            <pc:sldMk cId="2942977414" sldId="259"/>
-            <ac:spMk id="52" creationId="{BA6285CA-6AFA-4F27-AFB5-1B32CDE09B1A}"/>
-          </ac:spMkLst>
-        </pc:spChg>
-        <pc:spChg chg="del">
-          <ac:chgData name="Mättas, O. (Otto)" userId="S::o.mattas@students.uu.nl::f944b869-84fe-4915-ac0f-2070e720f33b" providerId="AD" clId="Web-{AF92DCBE-6B12-4A23-85BD-1549F9DD18DA}" dt="2021-02-18T11:19:51.370" v="1"/>
-          <ac:spMkLst>
-            <pc:docMk/>
-            <pc:sldMk cId="2942977414" sldId="259"/>
-            <ac:spMk id="54" creationId="{F8DD0EAF-BF73-48D8-A426-3085C4B88FAA}"/>
-          </ac:spMkLst>
-        </pc:spChg>
-        <pc:spChg chg="del">
-          <ac:chgData name="Mättas, O. (Otto)" userId="S::o.mattas@students.uu.nl::f944b869-84fe-4915-ac0f-2070e720f33b" providerId="AD" clId="Web-{AF92DCBE-6B12-4A23-85BD-1549F9DD18DA}" dt="2021-02-18T11:19:51.370" v="1"/>
-          <ac:spMkLst>
-            <pc:docMk/>
-            <pc:sldMk cId="2942977414" sldId="259"/>
-            <ac:spMk id="56" creationId="{7BCC6446-8462-4A63-9B6F-8F57EC40F648}"/>
-          </ac:spMkLst>
-        </pc:spChg>
-        <pc:grpChg chg="add">
-          <ac:chgData name="Mättas, O. (Otto)" userId="S::o.mattas@students.uu.nl::f944b869-84fe-4915-ac0f-2070e720f33b" providerId="AD" clId="Web-{AF92DCBE-6B12-4A23-85BD-1549F9DD18DA}" dt="2021-02-18T11:20:25.496" v="3"/>
-          <ac:grpSpMkLst>
-            <pc:docMk/>
-            <pc:sldMk cId="2942977414" sldId="259"/>
-            <ac:grpSpMk id="32" creationId="{99502C85-D694-4534-81D2-BE2E526122E1}"/>
-          </ac:grpSpMkLst>
-        </pc:grpChg>
-        <pc:grpChg chg="add">
-          <ac:chgData name="Mättas, O. (Otto)" userId="S::o.mattas@students.uu.nl::f944b869-84fe-4915-ac0f-2070e720f33b" providerId="AD" clId="Web-{AF92DCBE-6B12-4A23-85BD-1549F9DD18DA}" dt="2021-02-18T11:20:25.496" v="3"/>
-          <ac:grpSpMkLst>
-            <pc:docMk/>
-            <pc:sldMk cId="2942977414" sldId="259"/>
-            <ac:grpSpMk id="36" creationId="{6890A515-B90B-43BC-876F-580D2FC47EC0}"/>
-          </ac:grpSpMkLst>
-        </pc:grpChg>
-        <pc:grpChg chg="del">
-          <ac:chgData name="Mättas, O. (Otto)" userId="S::o.mattas@students.uu.nl::f944b869-84fe-4915-ac0f-2070e720f33b" providerId="AD" clId="Web-{AF92DCBE-6B12-4A23-85BD-1549F9DD18DA}" dt="2021-02-18T11:19:51.370" v="1"/>
-          <ac:grpSpMkLst>
-            <pc:docMk/>
-            <pc:sldMk cId="2942977414" sldId="259"/>
-            <ac:grpSpMk id="58" creationId="{8118ECEF-CA6A-4CB6-BCA5-59B2DB40C4AB}"/>
-          </ac:grpSpMkLst>
-        </pc:grpChg>
-        <pc:picChg chg="mod ord">
-          <ac:chgData name="Mättas, O. (Otto)" userId="S::o.mattas@students.uu.nl::f944b869-84fe-4915-ac0f-2070e720f33b" providerId="AD" clId="Web-{AF92DCBE-6B12-4A23-85BD-1549F9DD18DA}" dt="2021-02-18T11:20:25.496" v="3"/>
-          <ac:picMkLst>
-            <pc:docMk/>
-            <pc:sldMk cId="2942977414" sldId="259"/>
-            <ac:picMk id="4" creationId="{38C2E213-0C12-4798-8BA9-8D234CD533F1}"/>
-          </ac:picMkLst>
-        </pc:picChg>
-      </pc:sldChg>
-      <pc:sldChg chg="delSp mod modClrScheme delDesignElem chgLayout">
-        <pc:chgData name="Mättas, O. (Otto)" userId="S::o.mattas@students.uu.nl::f944b869-84fe-4915-ac0f-2070e720f33b" providerId="AD" clId="Web-{AF92DCBE-6B12-4A23-85BD-1549F9DD18DA}" dt="2021-02-18T11:20:06.948" v="2"/>
-        <pc:sldMkLst>
-          <pc:docMk/>
-          <pc:sldMk cId="3940052765" sldId="260"/>
-        </pc:sldMkLst>
-        <pc:spChg chg="del">
-          <ac:chgData name="Mättas, O. (Otto)" userId="S::o.mattas@students.uu.nl::f944b869-84fe-4915-ac0f-2070e720f33b" providerId="AD" clId="Web-{AF92DCBE-6B12-4A23-85BD-1549F9DD18DA}" dt="2021-02-18T11:19:51.370" v="1"/>
-          <ac:spMkLst>
-            <pc:docMk/>
-            <pc:sldMk cId="3940052765" sldId="260"/>
-            <ac:spMk id="10" creationId="{A4798C7F-C8CA-4799-BF37-3AB4642CDB66}"/>
-          </ac:spMkLst>
-        </pc:spChg>
-        <pc:spChg chg="del">
-          <ac:chgData name="Mättas, O. (Otto)" userId="S::o.mattas@students.uu.nl::f944b869-84fe-4915-ac0f-2070e720f33b" providerId="AD" clId="Web-{AF92DCBE-6B12-4A23-85BD-1549F9DD18DA}" dt="2021-02-18T11:19:51.370" v="1"/>
-          <ac:spMkLst>
-            <pc:docMk/>
-            <pc:sldMk cId="3940052765" sldId="260"/>
-            <ac:spMk id="43" creationId="{216BB147-20D5-4D93-BDA5-1BC614D6A4B2}"/>
-          </ac:spMkLst>
-        </pc:spChg>
-        <pc:spChg chg="del">
-          <ac:chgData name="Mättas, O. (Otto)" userId="S::o.mattas@students.uu.nl::f944b869-84fe-4915-ac0f-2070e720f33b" providerId="AD" clId="Web-{AF92DCBE-6B12-4A23-85BD-1549F9DD18DA}" dt="2021-02-18T11:19:51.370" v="1"/>
-          <ac:spMkLst>
-            <pc:docMk/>
-            <pc:sldMk cId="3940052765" sldId="260"/>
-            <ac:spMk id="45" creationId="{0A253F60-DE40-4508-A37A-61331DF1DD5D}"/>
-          </ac:spMkLst>
-        </pc:spChg>
-        <pc:spChg chg="del">
-          <ac:chgData name="Mättas, O. (Otto)" userId="S::o.mattas@students.uu.nl::f944b869-84fe-4915-ac0f-2070e720f33b" providerId="AD" clId="Web-{AF92DCBE-6B12-4A23-85BD-1549F9DD18DA}" dt="2021-02-18T11:19:51.370" v="1"/>
-          <ac:spMkLst>
-            <pc:docMk/>
-            <pc:sldMk cId="3940052765" sldId="260"/>
-            <ac:spMk id="47" creationId="{326AD51D-D59E-4689-A5DF-6A9857053BF6}"/>
-          </ac:spMkLst>
-        </pc:spChg>
-        <pc:spChg chg="del">
-          <ac:chgData name="Mättas, O. (Otto)" userId="S::o.mattas@students.uu.nl::f944b869-84fe-4915-ac0f-2070e720f33b" providerId="AD" clId="Web-{AF92DCBE-6B12-4A23-85BD-1549F9DD18DA}" dt="2021-02-18T11:19:51.370" v="1"/>
-          <ac:spMkLst>
-            <pc:docMk/>
-            <pc:sldMk cId="3940052765" sldId="260"/>
-            <ac:spMk id="80" creationId="{7A6DA27B-24A2-4FAF-9CB9-A814BF835B9F}"/>
-          </ac:spMkLst>
-        </pc:spChg>
-        <pc:spChg chg="del">
-          <ac:chgData name="Mättas, O. (Otto)" userId="S::o.mattas@students.uu.nl::f944b869-84fe-4915-ac0f-2070e720f33b" providerId="AD" clId="Web-{AF92DCBE-6B12-4A23-85BD-1549F9DD18DA}" dt="2021-02-18T11:19:51.370" v="1"/>
-          <ac:spMkLst>
-            <pc:docMk/>
-            <pc:sldMk cId="3940052765" sldId="260"/>
-            <ac:spMk id="113" creationId="{13B6DAC6-0186-4D62-AD69-90B9C0411EA3}"/>
-          </ac:spMkLst>
-        </pc:spChg>
-        <pc:spChg chg="del">
-          <ac:chgData name="Mättas, O. (Otto)" userId="S::o.mattas@students.uu.nl::f944b869-84fe-4915-ac0f-2070e720f33b" providerId="AD" clId="Web-{AF92DCBE-6B12-4A23-85BD-1549F9DD18DA}" dt="2021-02-18T11:19:51.370" v="1"/>
-          <ac:spMkLst>
-            <pc:docMk/>
-            <pc:sldMk cId="3940052765" sldId="260"/>
-            <ac:spMk id="115" creationId="{BA6285CA-6AFA-4F27-AFB5-1B32CDE09B1A}"/>
-          </ac:spMkLst>
-        </pc:spChg>
-        <pc:spChg chg="del">
-          <ac:chgData name="Mättas, O. (Otto)" userId="S::o.mattas@students.uu.nl::f944b869-84fe-4915-ac0f-2070e720f33b" providerId="AD" clId="Web-{AF92DCBE-6B12-4A23-85BD-1549F9DD18DA}" dt="2021-02-18T11:19:51.370" v="1"/>
-          <ac:spMkLst>
-            <pc:docMk/>
-            <pc:sldMk cId="3940052765" sldId="260"/>
-            <ac:spMk id="117" creationId="{4BE5C09D-B3C1-42F3-B945-39AEDFD19898}"/>
-          </ac:spMkLst>
-        </pc:spChg>
-        <pc:grpChg chg="del">
-          <ac:chgData name="Mättas, O. (Otto)" userId="S::o.mattas@students.uu.nl::f944b869-84fe-4915-ac0f-2070e720f33b" providerId="AD" clId="Web-{AF92DCBE-6B12-4A23-85BD-1549F9DD18DA}" dt="2021-02-18T11:19:51.370" v="1"/>
-          <ac:grpSpMkLst>
-            <pc:docMk/>
-            <pc:sldMk cId="3940052765" sldId="260"/>
-            <ac:grpSpMk id="12" creationId="{87F0794B-55D3-4D2D-BDE7-4688ED321E42}"/>
-          </ac:grpSpMkLst>
-        </pc:grpChg>
-        <pc:grpChg chg="del">
-          <ac:chgData name="Mättas, O. (Otto)" userId="S::o.mattas@students.uu.nl::f944b869-84fe-4915-ac0f-2070e720f33b" providerId="AD" clId="Web-{AF92DCBE-6B12-4A23-85BD-1549F9DD18DA}" dt="2021-02-18T11:19:51.370" v="1"/>
-          <ac:grpSpMkLst>
-            <pc:docMk/>
-            <pc:sldMk cId="3940052765" sldId="260"/>
-            <ac:grpSpMk id="49" creationId="{05578CCE-1E06-4634-B7D3-B75915B79B54}"/>
-          </ac:grpSpMkLst>
-        </pc:grpChg>
-        <pc:grpChg chg="del">
-          <ac:chgData name="Mättas, O. (Otto)" userId="S::o.mattas@students.uu.nl::f944b869-84fe-4915-ac0f-2070e720f33b" providerId="AD" clId="Web-{AF92DCBE-6B12-4A23-85BD-1549F9DD18DA}" dt="2021-02-18T11:19:51.370" v="1"/>
-          <ac:grpSpMkLst>
-            <pc:docMk/>
-            <pc:sldMk cId="3940052765" sldId="260"/>
-            <ac:grpSpMk id="82" creationId="{ED48258A-6826-4A24-97F8-B65FE4D99A4E}"/>
-          </ac:grpSpMkLst>
-        </pc:grpChg>
-        <pc:grpChg chg="del">
-          <ac:chgData name="Mättas, O. (Otto)" userId="S::o.mattas@students.uu.nl::f944b869-84fe-4915-ac0f-2070e720f33b" providerId="AD" clId="Web-{AF92DCBE-6B12-4A23-85BD-1549F9DD18DA}" dt="2021-02-18T11:19:51.370" v="1"/>
-          <ac:grpSpMkLst>
-            <pc:docMk/>
-            <pc:sldMk cId="3940052765" sldId="260"/>
-            <ac:grpSpMk id="119" creationId="{91108A0F-8C78-4294-B028-9F09581FC0A3}"/>
-          </ac:grpSpMkLst>
-        </pc:grpChg>
-      </pc:sldChg>
-      <pc:sldChg chg="delSp mod modClrScheme delDesignElem chgLayout">
-        <pc:chgData name="Mättas, O. (Otto)" userId="S::o.mattas@students.uu.nl::f944b869-84fe-4915-ac0f-2070e720f33b" providerId="AD" clId="Web-{AF92DCBE-6B12-4A23-85BD-1549F9DD18DA}" dt="2021-02-18T11:20:06.948" v="2"/>
-        <pc:sldMkLst>
-          <pc:docMk/>
-          <pc:sldMk cId="3916209493" sldId="261"/>
-        </pc:sldMkLst>
-        <pc:spChg chg="del">
-          <ac:chgData name="Mättas, O. (Otto)" userId="S::o.mattas@students.uu.nl::f944b869-84fe-4915-ac0f-2070e720f33b" providerId="AD" clId="Web-{AF92DCBE-6B12-4A23-85BD-1549F9DD18DA}" dt="2021-02-18T11:19:51.370" v="1"/>
-          <ac:spMkLst>
-            <pc:docMk/>
-            <pc:sldMk cId="3916209493" sldId="261"/>
-            <ac:spMk id="9" creationId="{A4798C7F-C8CA-4799-BF37-3AB4642CDB66}"/>
-          </ac:spMkLst>
-        </pc:spChg>
-        <pc:spChg chg="del">
-          <ac:chgData name="Mättas, O. (Otto)" userId="S::o.mattas@students.uu.nl::f944b869-84fe-4915-ac0f-2070e720f33b" providerId="AD" clId="Web-{AF92DCBE-6B12-4A23-85BD-1549F9DD18DA}" dt="2021-02-18T11:19:51.370" v="1"/>
-          <ac:spMkLst>
-            <pc:docMk/>
-            <pc:sldMk cId="3916209493" sldId="261"/>
-            <ac:spMk id="42" creationId="{216BB147-20D5-4D93-BDA5-1BC614D6A4B2}"/>
-          </ac:spMkLst>
-        </pc:spChg>
-        <pc:spChg chg="del">
-          <ac:chgData name="Mättas, O. (Otto)" userId="S::o.mattas@students.uu.nl::f944b869-84fe-4915-ac0f-2070e720f33b" providerId="AD" clId="Web-{AF92DCBE-6B12-4A23-85BD-1549F9DD18DA}" dt="2021-02-18T11:19:51.370" v="1"/>
-          <ac:spMkLst>
-            <pc:docMk/>
-            <pc:sldMk cId="3916209493" sldId="261"/>
-            <ac:spMk id="44" creationId="{0A253F60-DE40-4508-A37A-61331DF1DD5D}"/>
-          </ac:spMkLst>
-        </pc:spChg>
-        <pc:spChg chg="del">
-          <ac:chgData name="Mättas, O. (Otto)" userId="S::o.mattas@students.uu.nl::f944b869-84fe-4915-ac0f-2070e720f33b" providerId="AD" clId="Web-{AF92DCBE-6B12-4A23-85BD-1549F9DD18DA}" dt="2021-02-18T11:19:51.370" v="1"/>
-          <ac:spMkLst>
-            <pc:docMk/>
-            <pc:sldMk cId="3916209493" sldId="261"/>
-            <ac:spMk id="46" creationId="{326AD51D-D59E-4689-A5DF-6A9857053BF6}"/>
-          </ac:spMkLst>
-        </pc:spChg>
-        <pc:spChg chg="del">
-          <ac:chgData name="Mättas, O. (Otto)" userId="S::o.mattas@students.uu.nl::f944b869-84fe-4915-ac0f-2070e720f33b" providerId="AD" clId="Web-{AF92DCBE-6B12-4A23-85BD-1549F9DD18DA}" dt="2021-02-18T11:19:51.370" v="1"/>
-          <ac:spMkLst>
-            <pc:docMk/>
-            <pc:sldMk cId="3916209493" sldId="261"/>
-            <ac:spMk id="79" creationId="{7A6DA27B-24A2-4FAF-9CB9-A814BF835B9F}"/>
-          </ac:spMkLst>
-        </pc:spChg>
-        <pc:spChg chg="del">
-          <ac:chgData name="Mättas, O. (Otto)" userId="S::o.mattas@students.uu.nl::f944b869-84fe-4915-ac0f-2070e720f33b" providerId="AD" clId="Web-{AF92DCBE-6B12-4A23-85BD-1549F9DD18DA}" dt="2021-02-18T11:19:51.370" v="1"/>
-          <ac:spMkLst>
-            <pc:docMk/>
-            <pc:sldMk cId="3916209493" sldId="261"/>
-            <ac:spMk id="112" creationId="{13B6DAC6-0186-4D62-AD69-90B9C0411EA3}"/>
-          </ac:spMkLst>
-        </pc:spChg>
-        <pc:spChg chg="del">
-          <ac:chgData name="Mättas, O. (Otto)" userId="S::o.mattas@students.uu.nl::f944b869-84fe-4915-ac0f-2070e720f33b" providerId="AD" clId="Web-{AF92DCBE-6B12-4A23-85BD-1549F9DD18DA}" dt="2021-02-18T11:19:51.370" v="1"/>
-          <ac:spMkLst>
-            <pc:docMk/>
-            <pc:sldMk cId="3916209493" sldId="261"/>
-            <ac:spMk id="114" creationId="{BA6285CA-6AFA-4F27-AFB5-1B32CDE09B1A}"/>
-          </ac:spMkLst>
-        </pc:spChg>
-        <pc:spChg chg="del">
-          <ac:chgData name="Mättas, O. (Otto)" userId="S::o.mattas@students.uu.nl::f944b869-84fe-4915-ac0f-2070e720f33b" providerId="AD" clId="Web-{AF92DCBE-6B12-4A23-85BD-1549F9DD18DA}" dt="2021-02-18T11:19:51.370" v="1"/>
-          <ac:spMkLst>
-            <pc:docMk/>
-            <pc:sldMk cId="3916209493" sldId="261"/>
-            <ac:spMk id="116" creationId="{4BE5C09D-B3C1-42F3-B945-39AEDFD19898}"/>
-          </ac:spMkLst>
-        </pc:spChg>
-        <pc:grpChg chg="del">
-          <ac:chgData name="Mättas, O. (Otto)" userId="S::o.mattas@students.uu.nl::f944b869-84fe-4915-ac0f-2070e720f33b" providerId="AD" clId="Web-{AF92DCBE-6B12-4A23-85BD-1549F9DD18DA}" dt="2021-02-18T11:19:51.370" v="1"/>
-          <ac:grpSpMkLst>
-            <pc:docMk/>
-            <pc:sldMk cId="3916209493" sldId="261"/>
-            <ac:grpSpMk id="11" creationId="{87F0794B-55D3-4D2D-BDE7-4688ED321E42}"/>
-          </ac:grpSpMkLst>
-        </pc:grpChg>
-        <pc:grpChg chg="del">
-          <ac:chgData name="Mättas, O. (Otto)" userId="S::o.mattas@students.uu.nl::f944b869-84fe-4915-ac0f-2070e720f33b" providerId="AD" clId="Web-{AF92DCBE-6B12-4A23-85BD-1549F9DD18DA}" dt="2021-02-18T11:19:51.370" v="1"/>
-          <ac:grpSpMkLst>
-            <pc:docMk/>
-            <pc:sldMk cId="3916209493" sldId="261"/>
-            <ac:grpSpMk id="48" creationId="{05578CCE-1E06-4634-B7D3-B75915B79B54}"/>
-          </ac:grpSpMkLst>
-        </pc:grpChg>
-        <pc:grpChg chg="del">
-          <ac:chgData name="Mättas, O. (Otto)" userId="S::o.mattas@students.uu.nl::f944b869-84fe-4915-ac0f-2070e720f33b" providerId="AD" clId="Web-{AF92DCBE-6B12-4A23-85BD-1549F9DD18DA}" dt="2021-02-18T11:19:51.370" v="1"/>
-          <ac:grpSpMkLst>
-            <pc:docMk/>
-            <pc:sldMk cId="3916209493" sldId="261"/>
-            <ac:grpSpMk id="81" creationId="{ED48258A-6826-4A24-97F8-B65FE4D99A4E}"/>
-          </ac:grpSpMkLst>
-        </pc:grpChg>
-        <pc:grpChg chg="del">
-          <ac:chgData name="Mättas, O. (Otto)" userId="S::o.mattas@students.uu.nl::f944b869-84fe-4915-ac0f-2070e720f33b" providerId="AD" clId="Web-{AF92DCBE-6B12-4A23-85BD-1549F9DD18DA}" dt="2021-02-18T11:19:51.370" v="1"/>
-          <ac:grpSpMkLst>
-            <pc:docMk/>
-            <pc:sldMk cId="3916209493" sldId="261"/>
-            <ac:grpSpMk id="118" creationId="{628E122F-BCB2-43BD-850B-48491CEEF415}"/>
-          </ac:grpSpMkLst>
-        </pc:grpChg>
-      </pc:sldChg>
-      <pc:sldChg chg="addSp delSp modSp mod modClrScheme delDesignElem chgLayout">
-        <pc:chgData name="Mättas, O. (Otto)" userId="S::o.mattas@students.uu.nl::f944b869-84fe-4915-ac0f-2070e720f33b" providerId="AD" clId="Web-{AF92DCBE-6B12-4A23-85BD-1549F9DD18DA}" dt="2021-02-18T11:20:44.231" v="4"/>
-        <pc:sldMkLst>
-          <pc:docMk/>
-          <pc:sldMk cId="4145148005" sldId="262"/>
-        </pc:sldMkLst>
-        <pc:spChg chg="add">
-          <ac:chgData name="Mättas, O. (Otto)" userId="S::o.mattas@students.uu.nl::f944b869-84fe-4915-ac0f-2070e720f33b" providerId="AD" clId="Web-{AF92DCBE-6B12-4A23-85BD-1549F9DD18DA}" dt="2021-02-18T11:20:44.231" v="4"/>
-          <ac:spMkLst>
-            <pc:docMk/>
-            <pc:sldMk cId="4145148005" sldId="262"/>
-            <ac:spMk id="7" creationId="{982413CC-69E6-4BDA-A88D-E4EF8F95B27D}"/>
-          </ac:spMkLst>
-        </pc:spChg>
-        <pc:spChg chg="del">
-          <ac:chgData name="Mättas, O. (Otto)" userId="S::o.mattas@students.uu.nl::f944b869-84fe-4915-ac0f-2070e720f33b" providerId="AD" clId="Web-{AF92DCBE-6B12-4A23-85BD-1549F9DD18DA}" dt="2021-02-18T11:19:51.370" v="1"/>
-          <ac:spMkLst>
-            <pc:docMk/>
-            <pc:sldMk cId="4145148005" sldId="262"/>
-            <ac:spMk id="10" creationId="{8E7E1993-6448-42F8-8FB3-76104F45B344}"/>
-          </ac:spMkLst>
-        </pc:spChg>
-        <pc:spChg chg="del">
-          <ac:chgData name="Mättas, O. (Otto)" userId="S::o.mattas@students.uu.nl::f944b869-84fe-4915-ac0f-2070e720f33b" providerId="AD" clId="Web-{AF92DCBE-6B12-4A23-85BD-1549F9DD18DA}" dt="2021-02-18T11:19:51.370" v="1"/>
-          <ac:spMkLst>
-            <pc:docMk/>
-            <pc:sldMk cId="4145148005" sldId="262"/>
-            <ac:spMk id="12" creationId="{5B62175A-9061-4508-B024-671E2C3C3AAD}"/>
-          </ac:spMkLst>
-        </pc:spChg>
-        <pc:spChg chg="del">
-          <ac:chgData name="Mättas, O. (Otto)" userId="S::o.mattas@students.uu.nl::f944b869-84fe-4915-ac0f-2070e720f33b" providerId="AD" clId="Web-{AF92DCBE-6B12-4A23-85BD-1549F9DD18DA}" dt="2021-02-18T11:19:51.370" v="1"/>
-          <ac:spMkLst>
-            <pc:docMk/>
-            <pc:sldMk cId="4145148005" sldId="262"/>
-            <ac:spMk id="14" creationId="{2391C84E-C2EA-44FC-A7D1-FAE3E2850552}"/>
-          </ac:spMkLst>
-        </pc:spChg>
-        <pc:spChg chg="del">
-          <ac:chgData name="Mättas, O. (Otto)" userId="S::o.mattas@students.uu.nl::f944b869-84fe-4915-ac0f-2070e720f33b" providerId="AD" clId="Web-{AF92DCBE-6B12-4A23-85BD-1549F9DD18DA}" dt="2021-02-18T11:19:51.370" v="1"/>
-          <ac:spMkLst>
-            <pc:docMk/>
-            <pc:sldMk cId="4145148005" sldId="262"/>
-            <ac:spMk id="47" creationId="{7D7F7755-C305-4B28-8A86-8EA8898124E3}"/>
-          </ac:spMkLst>
-        </pc:spChg>
-        <pc:grpChg chg="add">
-          <ac:chgData name="Mättas, O. (Otto)" userId="S::o.mattas@students.uu.nl::f944b869-84fe-4915-ac0f-2070e720f33b" providerId="AD" clId="Web-{AF92DCBE-6B12-4A23-85BD-1549F9DD18DA}" dt="2021-02-18T11:20:44.231" v="4"/>
-          <ac:grpSpMkLst>
-            <pc:docMk/>
-            <pc:sldMk cId="4145148005" sldId="262"/>
-            <ac:grpSpMk id="8" creationId="{4F1F7357-8633-4CE7-BF80-475EE8A2FAEA}"/>
-          </ac:grpSpMkLst>
-        </pc:grpChg>
-        <pc:grpChg chg="del">
-          <ac:chgData name="Mättas, O. (Otto)" userId="S::o.mattas@students.uu.nl::f944b869-84fe-4915-ac0f-2070e720f33b" providerId="AD" clId="Web-{AF92DCBE-6B12-4A23-85BD-1549F9DD18DA}" dt="2021-02-18T11:19:51.370" v="1"/>
-          <ac:grpSpMkLst>
-            <pc:docMk/>
-            <pc:sldMk cId="4145148005" sldId="262"/>
-            <ac:grpSpMk id="16" creationId="{47B3131A-B518-43E5-A896-E9D654A4863F}"/>
-          </ac:grpSpMkLst>
-        </pc:grpChg>
-        <pc:graphicFrameChg chg="mod ord modGraphic">
-          <ac:chgData name="Mättas, O. (Otto)" userId="S::o.mattas@students.uu.nl::f944b869-84fe-4915-ac0f-2070e720f33b" providerId="AD" clId="Web-{AF92DCBE-6B12-4A23-85BD-1549F9DD18DA}" dt="2021-02-18T11:20:44.231" v="4"/>
-          <ac:graphicFrameMkLst>
-            <pc:docMk/>
-            <pc:sldMk cId="4145148005" sldId="262"/>
-            <ac:graphicFrameMk id="5" creationId="{4462317A-43FB-4114-8CBE-E0D7CDFEB563}"/>
-          </ac:graphicFrameMkLst>
-        </pc:graphicFrameChg>
-      </pc:sldChg>
-      <pc:sldChg chg="addSp delSp modSp mod modClrScheme delDesignElem chgLayout">
-        <pc:chgData name="Mättas, O. (Otto)" userId="S::o.mattas@students.uu.nl::f944b869-84fe-4915-ac0f-2070e720f33b" providerId="AD" clId="Web-{AF92DCBE-6B12-4A23-85BD-1549F9DD18DA}" dt="2021-02-18T11:20:59.669" v="5"/>
-        <pc:sldMkLst>
-          <pc:docMk/>
-          <pc:sldMk cId="2936770168" sldId="263"/>
-        </pc:sldMkLst>
-        <pc:spChg chg="add">
-          <ac:chgData name="Mättas, O. (Otto)" userId="S::o.mattas@students.uu.nl::f944b869-84fe-4915-ac0f-2070e720f33b" providerId="AD" clId="Web-{AF92DCBE-6B12-4A23-85BD-1549F9DD18DA}" dt="2021-02-18T11:20:59.669" v="5"/>
-          <ac:spMkLst>
-            <pc:docMk/>
-            <pc:sldMk cId="2936770168" sldId="263"/>
-            <ac:spMk id="10" creationId="{982413CC-69E6-4BDA-A88D-E4EF8F95B27D}"/>
-          </ac:spMkLst>
-        </pc:spChg>
-        <pc:spChg chg="del">
-          <ac:chgData name="Mättas, O. (Otto)" userId="S::o.mattas@students.uu.nl::f944b869-84fe-4915-ac0f-2070e720f33b" providerId="AD" clId="Web-{AF92DCBE-6B12-4A23-85BD-1549F9DD18DA}" dt="2021-02-18T11:19:51.370" v="1"/>
-          <ac:spMkLst>
-            <pc:docMk/>
-            <pc:sldMk cId="2936770168" sldId="263"/>
-            <ac:spMk id="48" creationId="{C0CB7D2E-C7F8-43A5-99C4-1D761C49BD79}"/>
-          </ac:spMkLst>
-        </pc:spChg>
-        <pc:spChg chg="del">
-          <ac:chgData name="Mättas, O. (Otto)" userId="S::o.mattas@students.uu.nl::f944b869-84fe-4915-ac0f-2070e720f33b" providerId="AD" clId="Web-{AF92DCBE-6B12-4A23-85BD-1549F9DD18DA}" dt="2021-02-18T11:19:51.370" v="1"/>
-          <ac:spMkLst>
-            <pc:docMk/>
-            <pc:sldMk cId="2936770168" sldId="263"/>
-            <ac:spMk id="51" creationId="{8E7E1993-6448-42F8-8FB3-76104F45B344}"/>
-          </ac:spMkLst>
-        </pc:spChg>
-        <pc:spChg chg="del">
-          <ac:chgData name="Mättas, O. (Otto)" userId="S::o.mattas@students.uu.nl::f944b869-84fe-4915-ac0f-2070e720f33b" providerId="AD" clId="Web-{AF92DCBE-6B12-4A23-85BD-1549F9DD18DA}" dt="2021-02-18T11:19:51.370" v="1"/>
-          <ac:spMkLst>
-            <pc:docMk/>
-            <pc:sldMk cId="2936770168" sldId="263"/>
-            <ac:spMk id="55" creationId="{2391C84E-C2EA-44FC-A7D1-FAE3E2850552}"/>
-          </ac:spMkLst>
-        </pc:spChg>
-        <pc:spChg chg="del">
-          <ac:chgData name="Mättas, O. (Otto)" userId="S::o.mattas@students.uu.nl::f944b869-84fe-4915-ac0f-2070e720f33b" providerId="AD" clId="Web-{AF92DCBE-6B12-4A23-85BD-1549F9DD18DA}" dt="2021-02-18T11:19:51.370" v="1"/>
-          <ac:spMkLst>
-            <pc:docMk/>
-            <pc:sldMk cId="2936770168" sldId="263"/>
-            <ac:spMk id="88" creationId="{A21FD571-42E4-4432-8E86-148D0A97D63E}"/>
-          </ac:spMkLst>
-        </pc:spChg>
-        <pc:grpChg chg="add">
-          <ac:chgData name="Mättas, O. (Otto)" userId="S::o.mattas@students.uu.nl::f944b869-84fe-4915-ac0f-2070e720f33b" providerId="AD" clId="Web-{AF92DCBE-6B12-4A23-85BD-1549F9DD18DA}" dt="2021-02-18T11:20:59.669" v="5"/>
-          <ac:grpSpMkLst>
-            <pc:docMk/>
-            <pc:sldMk cId="2936770168" sldId="263"/>
-            <ac:grpSpMk id="12" creationId="{4F1F7357-8633-4CE7-BF80-475EE8A2FAEA}"/>
-          </ac:grpSpMkLst>
-        </pc:grpChg>
-        <pc:grpChg chg="del">
-          <ac:chgData name="Mättas, O. (Otto)" userId="S::o.mattas@students.uu.nl::f944b869-84fe-4915-ac0f-2070e720f33b" providerId="AD" clId="Web-{AF92DCBE-6B12-4A23-85BD-1549F9DD18DA}" dt="2021-02-18T11:19:51.370" v="1"/>
-          <ac:grpSpMkLst>
-            <pc:docMk/>
-            <pc:sldMk cId="2936770168" sldId="263"/>
-            <ac:grpSpMk id="57" creationId="{47B3131A-B518-43E5-A896-E9D654A4863F}"/>
-          </ac:grpSpMkLst>
-        </pc:grpChg>
-        <pc:graphicFrameChg chg="mod ord modGraphic">
-          <ac:chgData name="Mättas, O. (Otto)" userId="S::o.mattas@students.uu.nl::f944b869-84fe-4915-ac0f-2070e720f33b" providerId="AD" clId="Web-{AF92DCBE-6B12-4A23-85BD-1549F9DD18DA}" dt="2021-02-18T11:20:59.669" v="5"/>
-          <ac:graphicFrameMkLst>
-            <pc:docMk/>
-            <pc:sldMk cId="2936770168" sldId="263"/>
-            <ac:graphicFrameMk id="5" creationId="{DBB9DA2F-3D83-45DF-B6BB-A9370C601005}"/>
-          </ac:graphicFrameMkLst>
-        </pc:graphicFrameChg>
-      </pc:sldChg>
-      <pc:sldChg chg="addSp delSp modSp mod modClrScheme delDesignElem chgLayout">
-        <pc:chgData name="Mättas, O. (Otto)" userId="S::o.mattas@students.uu.nl::f944b869-84fe-4915-ac0f-2070e720f33b" providerId="AD" clId="Web-{AF92DCBE-6B12-4A23-85BD-1549F9DD18DA}" dt="2021-02-18T11:21:16.419" v="6"/>
-        <pc:sldMkLst>
-          <pc:docMk/>
-          <pc:sldMk cId="2243679050" sldId="266"/>
-        </pc:sldMkLst>
-        <pc:spChg chg="mod ord">
-          <ac:chgData name="Mättas, O. (Otto)" userId="S::o.mattas@students.uu.nl::f944b869-84fe-4915-ac0f-2070e720f33b" providerId="AD" clId="Web-{AF92DCBE-6B12-4A23-85BD-1549F9DD18DA}" dt="2021-02-18T11:21:16.419" v="6"/>
-          <ac:spMkLst>
-            <pc:docMk/>
-            <pc:sldMk cId="2243679050" sldId="266"/>
-            <ac:spMk id="2" creationId="{B238061C-8601-49D7-A023-7E0613707479}"/>
-          </ac:spMkLst>
-        </pc:spChg>
-        <pc:spChg chg="del">
-          <ac:chgData name="Mättas, O. (Otto)" userId="S::o.mattas@students.uu.nl::f944b869-84fe-4915-ac0f-2070e720f33b" providerId="AD" clId="Web-{AF92DCBE-6B12-4A23-85BD-1549F9DD18DA}" dt="2021-02-18T11:19:51.370" v="1"/>
-          <ac:spMkLst>
-            <pc:docMk/>
-            <pc:sldMk cId="2243679050" sldId="266"/>
-            <ac:spMk id="9" creationId="{A4798C7F-C8CA-4799-BF37-3AB4642CDB66}"/>
-          </ac:spMkLst>
-        </pc:spChg>
-        <pc:spChg chg="del">
-          <ac:chgData name="Mättas, O. (Otto)" userId="S::o.mattas@students.uu.nl::f944b869-84fe-4915-ac0f-2070e720f33b" providerId="AD" clId="Web-{AF92DCBE-6B12-4A23-85BD-1549F9DD18DA}" dt="2021-02-18T11:19:51.370" v="1"/>
-          <ac:spMkLst>
-            <pc:docMk/>
-            <pc:sldMk cId="2243679050" sldId="266"/>
-            <ac:spMk id="42" creationId="{216BB147-20D5-4D93-BDA5-1BC614D6A4B2}"/>
-          </ac:spMkLst>
-        </pc:spChg>
-        <pc:spChg chg="del">
-          <ac:chgData name="Mättas, O. (Otto)" userId="S::o.mattas@students.uu.nl::f944b869-84fe-4915-ac0f-2070e720f33b" providerId="AD" clId="Web-{AF92DCBE-6B12-4A23-85BD-1549F9DD18DA}" dt="2021-02-18T11:19:51.370" v="1"/>
-          <ac:spMkLst>
-            <pc:docMk/>
-            <pc:sldMk cId="2243679050" sldId="266"/>
-            <ac:spMk id="44" creationId="{0A253F60-DE40-4508-A37A-61331DF1DD5D}"/>
-          </ac:spMkLst>
-        </pc:spChg>
-        <pc:spChg chg="del">
-          <ac:chgData name="Mättas, O. (Otto)" userId="S::o.mattas@students.uu.nl::f944b869-84fe-4915-ac0f-2070e720f33b" providerId="AD" clId="Web-{AF92DCBE-6B12-4A23-85BD-1549F9DD18DA}" dt="2021-02-18T11:19:51.370" v="1"/>
-          <ac:spMkLst>
-            <pc:docMk/>
-            <pc:sldMk cId="2243679050" sldId="266"/>
-            <ac:spMk id="46" creationId="{C701CD53-28FC-491C-9022-F74BE327CC33}"/>
-          </ac:spMkLst>
-        </pc:spChg>
-        <pc:spChg chg="del">
-          <ac:chgData name="Mättas, O. (Otto)" userId="S::o.mattas@students.uu.nl::f944b869-84fe-4915-ac0f-2070e720f33b" providerId="AD" clId="Web-{AF92DCBE-6B12-4A23-85BD-1549F9DD18DA}" dt="2021-02-18T11:19:51.370" v="1"/>
-          <ac:spMkLst>
-            <pc:docMk/>
-            <pc:sldMk cId="2243679050" sldId="266"/>
-            <ac:spMk id="79" creationId="{F9B84E06-1DBF-4F55-9B5E-F2F1E38EBA57}"/>
-          </ac:spMkLst>
-        </pc:spChg>
-        <pc:spChg chg="del">
-          <ac:chgData name="Mättas, O. (Otto)" userId="S::o.mattas@students.uu.nl::f944b869-84fe-4915-ac0f-2070e720f33b" providerId="AD" clId="Web-{AF92DCBE-6B12-4A23-85BD-1549F9DD18DA}" dt="2021-02-18T11:19:51.370" v="1"/>
-          <ac:spMkLst>
-            <pc:docMk/>
-            <pc:sldMk cId="2243679050" sldId="266"/>
-            <ac:spMk id="112" creationId="{8E7E1993-6448-42F8-8FB3-76104F45B344}"/>
-          </ac:spMkLst>
-        </pc:spChg>
-        <pc:spChg chg="del">
-          <ac:chgData name="Mättas, O. (Otto)" userId="S::o.mattas@students.uu.nl::f944b869-84fe-4915-ac0f-2070e720f33b" providerId="AD" clId="Web-{AF92DCBE-6B12-4A23-85BD-1549F9DD18DA}" dt="2021-02-18T11:19:51.370" v="1"/>
-          <ac:spMkLst>
-            <pc:docMk/>
-            <pc:sldMk cId="2243679050" sldId="266"/>
-            <ac:spMk id="114" creationId="{3CDAD724-AF32-45EC-B0B9-360C73C9D26E}"/>
-          </ac:spMkLst>
-        </pc:spChg>
-        <pc:spChg chg="del">
-          <ac:chgData name="Mättas, O. (Otto)" userId="S::o.mattas@students.uu.nl::f944b869-84fe-4915-ac0f-2070e720f33b" providerId="AD" clId="Web-{AF92DCBE-6B12-4A23-85BD-1549F9DD18DA}" dt="2021-02-18T11:19:51.370" v="1"/>
-          <ac:spMkLst>
-            <pc:docMk/>
-            <pc:sldMk cId="2243679050" sldId="266"/>
-            <ac:spMk id="116" creationId="{2391C84E-C2EA-44FC-A7D1-FAE3E2850552}"/>
-          </ac:spMkLst>
-        </pc:spChg>
-        <pc:spChg chg="del">
-          <ac:chgData name="Mättas, O. (Otto)" userId="S::o.mattas@students.uu.nl::f944b869-84fe-4915-ac0f-2070e720f33b" providerId="AD" clId="Web-{AF92DCBE-6B12-4A23-85BD-1549F9DD18DA}" dt="2021-02-18T11:19:51.370" v="1"/>
-          <ac:spMkLst>
-            <pc:docMk/>
-            <pc:sldMk cId="2243679050" sldId="266"/>
-            <ac:spMk id="149" creationId="{BA4D4000-2689-4306-BBA6-BF744AB5F807}"/>
-          </ac:spMkLst>
-        </pc:spChg>
-        <pc:grpChg chg="add">
-          <ac:chgData name="Mättas, O. (Otto)" userId="S::o.mattas@students.uu.nl::f944b869-84fe-4915-ac0f-2070e720f33b" providerId="AD" clId="Web-{AF92DCBE-6B12-4A23-85BD-1549F9DD18DA}" dt="2021-02-18T11:21:16.419" v="6"/>
-          <ac:grpSpMkLst>
-            <pc:docMk/>
-            <pc:sldMk cId="2243679050" sldId="266"/>
-            <ac:grpSpMk id="10" creationId="{5B5504F5-A44D-4727-B62D-D306EE4C0C9D}"/>
-          </ac:grpSpMkLst>
-        </pc:grpChg>
-        <pc:grpChg chg="del">
-          <ac:chgData name="Mättas, O. (Otto)" userId="S::o.mattas@students.uu.nl::f944b869-84fe-4915-ac0f-2070e720f33b" providerId="AD" clId="Web-{AF92DCBE-6B12-4A23-85BD-1549F9DD18DA}" dt="2021-02-18T11:19:51.370" v="1"/>
-          <ac:grpSpMkLst>
-            <pc:docMk/>
-            <pc:sldMk cId="2243679050" sldId="266"/>
-            <ac:grpSpMk id="11" creationId="{87F0794B-55D3-4D2D-BDE7-4688ED321E42}"/>
-          </ac:grpSpMkLst>
-        </pc:grpChg>
-        <pc:grpChg chg="add">
-          <ac:chgData name="Mättas, O. (Otto)" userId="S::o.mattas@students.uu.nl::f944b869-84fe-4915-ac0f-2070e720f33b" providerId="AD" clId="Web-{AF92DCBE-6B12-4A23-85BD-1549F9DD18DA}" dt="2021-02-18T11:21:16.419" v="6"/>
-          <ac:grpSpMkLst>
-            <pc:docMk/>
-            <pc:sldMk cId="2243679050" sldId="266"/>
-            <ac:grpSpMk id="33" creationId="{02A5D777-C3C4-4D83-B4A3-0C83DBE1CB12}"/>
-          </ac:grpSpMkLst>
-        </pc:grpChg>
-        <pc:grpChg chg="del">
-          <ac:chgData name="Mättas, O. (Otto)" userId="S::o.mattas@students.uu.nl::f944b869-84fe-4915-ac0f-2070e720f33b" providerId="AD" clId="Web-{AF92DCBE-6B12-4A23-85BD-1549F9DD18DA}" dt="2021-02-18T11:19:51.370" v="1"/>
-          <ac:grpSpMkLst>
-            <pc:docMk/>
-            <pc:sldMk cId="2243679050" sldId="266"/>
-            <ac:grpSpMk id="48" creationId="{BC25D6CE-B5F2-4E0D-894F-9521E2433076}"/>
-          </ac:grpSpMkLst>
-        </pc:grpChg>
-        <pc:grpChg chg="del">
-          <ac:chgData name="Mättas, O. (Otto)" userId="S::o.mattas@students.uu.nl::f944b869-84fe-4915-ac0f-2070e720f33b" providerId="AD" clId="Web-{AF92DCBE-6B12-4A23-85BD-1549F9DD18DA}" dt="2021-02-18T11:19:51.370" v="1"/>
-          <ac:grpSpMkLst>
-            <pc:docMk/>
-            <pc:sldMk cId="2243679050" sldId="266"/>
-            <ac:grpSpMk id="81" creationId="{2D739D9D-4A11-49F5-B045-708F7DED1CD4}"/>
-          </ac:grpSpMkLst>
-        </pc:grpChg>
-        <pc:grpChg chg="del">
-          <ac:chgData name="Mättas, O. (Otto)" userId="S::o.mattas@students.uu.nl::f944b869-84fe-4915-ac0f-2070e720f33b" providerId="AD" clId="Web-{AF92DCBE-6B12-4A23-85BD-1549F9DD18DA}" dt="2021-02-18T11:19:51.370" v="1"/>
-          <ac:grpSpMkLst>
-            <pc:docMk/>
-            <pc:sldMk cId="2243679050" sldId="266"/>
-            <ac:grpSpMk id="118" creationId="{47B3131A-B518-43E5-A896-E9D654A4863F}"/>
-          </ac:grpSpMkLst>
-        </pc:grpChg>
-        <pc:graphicFrameChg chg="mod ord modGraphic">
-          <ac:chgData name="Mättas, O. (Otto)" userId="S::o.mattas@students.uu.nl::f944b869-84fe-4915-ac0f-2070e720f33b" providerId="AD" clId="Web-{AF92DCBE-6B12-4A23-85BD-1549F9DD18DA}" dt="2021-02-18T11:21:16.419" v="6"/>
-          <ac:graphicFrameMkLst>
-            <pc:docMk/>
-            <pc:sldMk cId="2243679050" sldId="266"/>
-            <ac:graphicFrameMk id="5" creationId="{F0C8A44F-8CC2-460B-85DC-5F7EA19140DE}"/>
-          </ac:graphicFrameMkLst>
-        </pc:graphicFrameChg>
-      </pc:sldChg>
-      <pc:sldChg chg="delSp modSp del mod modClrScheme chgLayout">
-        <pc:chgData name="Mättas, O. (Otto)" userId="S::o.mattas@students.uu.nl::f944b869-84fe-4915-ac0f-2070e720f33b" providerId="AD" clId="Web-{AF92DCBE-6B12-4A23-85BD-1549F9DD18DA}" dt="2021-02-18T11:24:15.440" v="37"/>
-        <pc:sldMkLst>
-          <pc:docMk/>
-          <pc:sldMk cId="3352485896" sldId="267"/>
-        </pc:sldMkLst>
-        <pc:spChg chg="mod ord">
-          <ac:chgData name="Mättas, O. (Otto)" userId="S::o.mattas@students.uu.nl::f944b869-84fe-4915-ac0f-2070e720f33b" providerId="AD" clId="Web-{AF92DCBE-6B12-4A23-85BD-1549F9DD18DA}" dt="2021-02-18T11:21:35.685" v="14" actId="20577"/>
-          <ac:spMkLst>
-            <pc:docMk/>
-            <pc:sldMk cId="3352485896" sldId="267"/>
-            <ac:spMk id="3" creationId="{85F1C677-B643-4C9A-8F66-3425EDA81799}"/>
-          </ac:spMkLst>
-        </pc:spChg>
-        <pc:spChg chg="del mod ord">
-          <ac:chgData name="Mättas, O. (Otto)" userId="S::o.mattas@students.uu.nl::f944b869-84fe-4915-ac0f-2070e720f33b" providerId="AD" clId="Web-{AF92DCBE-6B12-4A23-85BD-1549F9DD18DA}" dt="2021-02-18T11:21:26.419" v="7"/>
-          <ac:spMkLst>
-            <pc:docMk/>
-            <pc:sldMk cId="3352485896" sldId="267"/>
-            <ac:spMk id="4" creationId="{4D2760C3-1379-4CED-8E25-7626EA4EA1BF}"/>
-          </ac:spMkLst>
-        </pc:spChg>
-      </pc:sldChg>
-      <pc:sldChg chg="del">
-        <pc:chgData name="Mättas, O. (Otto)" userId="S::o.mattas@students.uu.nl::f944b869-84fe-4915-ac0f-2070e720f33b" providerId="AD" clId="Web-{AF92DCBE-6B12-4A23-85BD-1549F9DD18DA}" dt="2021-02-18T11:19:23.900" v="0"/>
-        <pc:sldMkLst>
-          <pc:docMk/>
-          <pc:sldMk cId="2239535384" sldId="268"/>
-        </pc:sldMkLst>
-      </pc:sldChg>
-      <pc:sldChg chg="modSp del mod modClrScheme chgLayout">
-        <pc:chgData name="Mättas, O. (Otto)" userId="S::o.mattas@students.uu.nl::f944b869-84fe-4915-ac0f-2070e720f33b" providerId="AD" clId="Web-{AF92DCBE-6B12-4A23-85BD-1549F9DD18DA}" dt="2021-02-18T11:23:08.250" v="27"/>
-        <pc:sldMkLst>
-          <pc:docMk/>
-          <pc:sldMk cId="996816977" sldId="269"/>
-        </pc:sldMkLst>
-        <pc:spChg chg="mod ord">
-          <ac:chgData name="Mättas, O. (Otto)" userId="S::o.mattas@students.uu.nl::f944b869-84fe-4915-ac0f-2070e720f33b" providerId="AD" clId="Web-{AF92DCBE-6B12-4A23-85BD-1549F9DD18DA}" dt="2021-02-18T11:20:06.948" v="2"/>
-          <ac:spMkLst>
-            <pc:docMk/>
-            <pc:sldMk cId="996816977" sldId="269"/>
-            <ac:spMk id="3" creationId="{B8CB00BB-DE84-4184-8C86-7AD831B937A5}"/>
-          </ac:spMkLst>
-        </pc:spChg>
-      </pc:sldChg>
-      <pc:sldChg chg="delSp modSp del mod modClrScheme delDesignElem chgLayout">
-        <pc:chgData name="Mättas, O. (Otto)" userId="S::o.mattas@students.uu.nl::f944b869-84fe-4915-ac0f-2070e720f33b" providerId="AD" clId="Web-{AF92DCBE-6B12-4A23-85BD-1549F9DD18DA}" dt="2021-02-18T11:23:02.125" v="26"/>
-        <pc:sldMkLst>
-          <pc:docMk/>
-          <pc:sldMk cId="2138862049" sldId="270"/>
-        </pc:sldMkLst>
-        <pc:spChg chg="mod ord">
-          <ac:chgData name="Mättas, O. (Otto)" userId="S::o.mattas@students.uu.nl::f944b869-84fe-4915-ac0f-2070e720f33b" providerId="AD" clId="Web-{AF92DCBE-6B12-4A23-85BD-1549F9DD18DA}" dt="2021-02-18T11:20:06.948" v="2"/>
-          <ac:spMkLst>
-            <pc:docMk/>
-            <pc:sldMk cId="2138862049" sldId="270"/>
-            <ac:spMk id="3" creationId="{3CA9CCB2-A4BF-41E7-8EEC-3FEA6D9C7CB1}"/>
-          </ac:spMkLst>
-        </pc:spChg>
-        <pc:spChg chg="del">
-          <ac:chgData name="Mättas, O. (Otto)" userId="S::o.mattas@students.uu.nl::f944b869-84fe-4915-ac0f-2070e720f33b" providerId="AD" clId="Web-{AF92DCBE-6B12-4A23-85BD-1549F9DD18DA}" dt="2021-02-18T11:19:51.370" v="1"/>
-          <ac:spMkLst>
-            <pc:docMk/>
-            <pc:sldMk cId="2138862049" sldId="270"/>
-            <ac:spMk id="8" creationId="{1C582B07-D0F0-4B6B-A5D9-D2F192CB3A4E}"/>
-          </ac:spMkLst>
-        </pc:spChg>
-        <pc:spChg chg="del">
-          <ac:chgData name="Mättas, O. (Otto)" userId="S::o.mattas@students.uu.nl::f944b869-84fe-4915-ac0f-2070e720f33b" providerId="AD" clId="Web-{AF92DCBE-6B12-4A23-85BD-1549F9DD18DA}" dt="2021-02-18T11:19:51.370" v="1"/>
-          <ac:spMkLst>
-            <pc:docMk/>
-            <pc:sldMk cId="2138862049" sldId="270"/>
-            <ac:spMk id="10" creationId="{21B645D3-580E-4657-9154-484648880ED5}"/>
-          </ac:spMkLst>
-        </pc:spChg>
-        <pc:spChg chg="del">
-          <ac:chgData name="Mättas, O. (Otto)" userId="S::o.mattas@students.uu.nl::f944b869-84fe-4915-ac0f-2070e720f33b" providerId="AD" clId="Web-{AF92DCBE-6B12-4A23-85BD-1549F9DD18DA}" dt="2021-02-18T11:19:51.370" v="1"/>
-          <ac:spMkLst>
-            <pc:docMk/>
-            <pc:sldMk cId="2138862049" sldId="270"/>
-            <ac:spMk id="12" creationId="{DA1A4301-6FFC-4C82-A1FA-7634D8CAA8F5}"/>
-          </ac:spMkLst>
-        </pc:spChg>
-        <pc:spChg chg="del">
-          <ac:chgData name="Mättas, O. (Otto)" userId="S::o.mattas@students.uu.nl::f944b869-84fe-4915-ac0f-2070e720f33b" providerId="AD" clId="Web-{AF92DCBE-6B12-4A23-85BD-1549F9DD18DA}" dt="2021-02-18T11:19:51.370" v="1"/>
-          <ac:spMkLst>
-            <pc:docMk/>
-            <pc:sldMk cId="2138862049" sldId="270"/>
-            <ac:spMk id="14" creationId="{27870DA4-44E8-43FB-940A-4AF9766959C0}"/>
-          </ac:spMkLst>
-        </pc:spChg>
-        <pc:grpChg chg="del">
-          <ac:chgData name="Mättas, O. (Otto)" userId="S::o.mattas@students.uu.nl::f944b869-84fe-4915-ac0f-2070e720f33b" providerId="AD" clId="Web-{AF92DCBE-6B12-4A23-85BD-1549F9DD18DA}" dt="2021-02-18T11:19:51.370" v="1"/>
-          <ac:grpSpMkLst>
-            <pc:docMk/>
-            <pc:sldMk cId="2138862049" sldId="270"/>
-            <ac:grpSpMk id="16" creationId="{8323DD1D-77DE-48B2-A0A0-6265801531E5}"/>
-          </ac:grpSpMkLst>
-        </pc:grpChg>
-      </pc:sldChg>
-      <pc:sldChg chg="modSp new del">
-        <pc:chgData name="Mättas, O. (Otto)" userId="S::o.mattas@students.uu.nl::f944b869-84fe-4915-ac0f-2070e720f33b" providerId="AD" clId="Web-{AF92DCBE-6B12-4A23-85BD-1549F9DD18DA}" dt="2021-02-18T11:22:59.360" v="25"/>
-        <pc:sldMkLst>
-          <pc:docMk/>
-          <pc:sldMk cId="1052269357" sldId="271"/>
-        </pc:sldMkLst>
-        <pc:spChg chg="mod">
-          <ac:chgData name="Mättas, O. (Otto)" userId="S::o.mattas@students.uu.nl::f944b869-84fe-4915-ac0f-2070e720f33b" providerId="AD" clId="Web-{AF92DCBE-6B12-4A23-85BD-1549F9DD18DA}" dt="2021-02-18T11:22:25.437" v="18" actId="20577"/>
-          <ac:spMkLst>
-            <pc:docMk/>
-            <pc:sldMk cId="1052269357" sldId="271"/>
-            <ac:spMk id="3" creationId="{483AA7CD-4046-4D28-9188-C6A8800FCA7E}"/>
-          </ac:spMkLst>
-        </pc:spChg>
-      </pc:sldChg>
-      <pc:sldChg chg="addSp modSp new mod setBg">
-        <pc:chgData name="Mättas, O. (Otto)" userId="S::o.mattas@students.uu.nl::f944b869-84fe-4915-ac0f-2070e720f33b" providerId="AD" clId="Web-{AF92DCBE-6B12-4A23-85BD-1549F9DD18DA}" dt="2021-02-18T11:22:51.547" v="24"/>
-        <pc:sldMkLst>
-          <pc:docMk/>
-          <pc:sldMk cId="2808113713" sldId="272"/>
-        </pc:sldMkLst>
-        <pc:spChg chg="add mod">
-          <ac:chgData name="Mättas, O. (Otto)" userId="S::o.mattas@students.uu.nl::f944b869-84fe-4915-ac0f-2070e720f33b" providerId="AD" clId="Web-{AF92DCBE-6B12-4A23-85BD-1549F9DD18DA}" dt="2021-02-18T11:22:51.547" v="24"/>
-          <ac:spMkLst>
-            <pc:docMk/>
-            <pc:sldMk cId="2808113713" sldId="272"/>
-            <ac:spMk id="2" creationId="{F9337501-7464-4493-BBFD-1ABF0E419B60}"/>
-          </ac:spMkLst>
-        </pc:spChg>
-        <pc:spChg chg="add">
-          <ac:chgData name="Mättas, O. (Otto)" userId="S::o.mattas@students.uu.nl::f944b869-84fe-4915-ac0f-2070e720f33b" providerId="AD" clId="Web-{AF92DCBE-6B12-4A23-85BD-1549F9DD18DA}" dt="2021-02-18T11:22:51.547" v="24"/>
-          <ac:spMkLst>
-            <pc:docMk/>
-            <pc:sldMk cId="2808113713" sldId="272"/>
-            <ac:spMk id="35" creationId="{F3C5918A-1DC5-4CF3-AA27-00AA3088AA9F}"/>
-          </ac:spMkLst>
-        </pc:spChg>
-        <pc:spChg chg="add">
-          <ac:chgData name="Mättas, O. (Otto)" userId="S::o.mattas@students.uu.nl::f944b869-84fe-4915-ac0f-2070e720f33b" providerId="AD" clId="Web-{AF92DCBE-6B12-4A23-85BD-1549F9DD18DA}" dt="2021-02-18T11:22:51.547" v="24"/>
-          <ac:spMkLst>
-            <pc:docMk/>
-            <pc:sldMk cId="2808113713" sldId="272"/>
-            <ac:spMk id="37" creationId="{B786683A-6FD6-4BF7-B3B0-DC397677391F}"/>
-          </ac:spMkLst>
-        </pc:spChg>
-        <pc:spChg chg="add">
-          <ac:chgData name="Mättas, O. (Otto)" userId="S::o.mattas@students.uu.nl::f944b869-84fe-4915-ac0f-2070e720f33b" providerId="AD" clId="Web-{AF92DCBE-6B12-4A23-85BD-1549F9DD18DA}" dt="2021-02-18T11:22:51.547" v="24"/>
-          <ac:spMkLst>
-            <pc:docMk/>
-            <pc:sldMk cId="2808113713" sldId="272"/>
-            <ac:spMk id="39" creationId="{05169E50-59FB-4AEE-B61D-44A882A4CD2C}"/>
-          </ac:spMkLst>
-        </pc:spChg>
-        <pc:spChg chg="add">
-          <ac:chgData name="Mättas, O. (Otto)" userId="S::o.mattas@students.uu.nl::f944b869-84fe-4915-ac0f-2070e720f33b" providerId="AD" clId="Web-{AF92DCBE-6B12-4A23-85BD-1549F9DD18DA}" dt="2021-02-18T11:22:51.547" v="24"/>
-          <ac:spMkLst>
-            <pc:docMk/>
-            <pc:sldMk cId="2808113713" sldId="272"/>
-            <ac:spMk id="41" creationId="{117C30F0-5A38-4B60-B632-3AF7C2780824}"/>
-          </ac:spMkLst>
-        </pc:spChg>
-        <pc:spChg chg="add">
-          <ac:chgData name="Mättas, O. (Otto)" userId="S::o.mattas@students.uu.nl::f944b869-84fe-4915-ac0f-2070e720f33b" providerId="AD" clId="Web-{AF92DCBE-6B12-4A23-85BD-1549F9DD18DA}" dt="2021-02-18T11:22:51.547" v="24"/>
-          <ac:spMkLst>
-            <pc:docMk/>
-            <pc:sldMk cId="2808113713" sldId="272"/>
-            <ac:spMk id="43" creationId="{A200CBA5-3F2B-4AAC-9F86-99AFECC19C1D}"/>
-          </ac:spMkLst>
-        </pc:spChg>
-        <pc:grpChg chg="add">
-          <ac:chgData name="Mättas, O. (Otto)" userId="S::o.mattas@students.uu.nl::f944b869-84fe-4915-ac0f-2070e720f33b" providerId="AD" clId="Web-{AF92DCBE-6B12-4A23-85BD-1549F9DD18DA}" dt="2021-02-18T11:22:51.547" v="24"/>
-          <ac:grpSpMkLst>
-            <pc:docMk/>
-            <pc:sldMk cId="2808113713" sldId="272"/>
-            <ac:grpSpMk id="7" creationId="{15E1AC81-83F2-45A8-9054-15570F4E2557}"/>
-          </ac:grpSpMkLst>
-        </pc:grpChg>
-        <pc:grpChg chg="add">
-          <ac:chgData name="Mättas, O. (Otto)" userId="S::o.mattas@students.uu.nl::f944b869-84fe-4915-ac0f-2070e720f33b" providerId="AD" clId="Web-{AF92DCBE-6B12-4A23-85BD-1549F9DD18DA}" dt="2021-02-18T11:22:51.547" v="24"/>
-          <ac:grpSpMkLst>
-            <pc:docMk/>
-            <pc:sldMk cId="2808113713" sldId="272"/>
-            <ac:grpSpMk id="30" creationId="{FBF129BC-EA9E-4D20-898B-399F7727DFB9}"/>
-          </ac:grpSpMkLst>
-        </pc:grpChg>
-      </pc:sldChg>
-      <pc:sldChg chg="addSp modSp new mod setBg">
-        <pc:chgData name="Mättas, O. (Otto)" userId="S::o.mattas@students.uu.nl::f944b869-84fe-4915-ac0f-2070e720f33b" providerId="AD" clId="Web-{AF92DCBE-6B12-4A23-85BD-1549F9DD18DA}" dt="2021-02-18T11:24:10.502" v="36"/>
-        <pc:sldMkLst>
-          <pc:docMk/>
-          <pc:sldMk cId="791204635" sldId="273"/>
-        </pc:sldMkLst>
-        <pc:spChg chg="mod">
-          <ac:chgData name="Mättas, O. (Otto)" userId="S::o.mattas@students.uu.nl::f944b869-84fe-4915-ac0f-2070e720f33b" providerId="AD" clId="Web-{AF92DCBE-6B12-4A23-85BD-1549F9DD18DA}" dt="2021-02-18T11:24:10.502" v="36"/>
-          <ac:spMkLst>
-            <pc:docMk/>
-            <pc:sldMk cId="791204635" sldId="273"/>
-            <ac:spMk id="2" creationId="{13500107-AF01-4772-9FAD-298282E27771}"/>
-          </ac:spMkLst>
-        </pc:spChg>
-        <pc:spChg chg="mod">
-          <ac:chgData name="Mättas, O. (Otto)" userId="S::o.mattas@students.uu.nl::f944b869-84fe-4915-ac0f-2070e720f33b" providerId="AD" clId="Web-{AF92DCBE-6B12-4A23-85BD-1549F9DD18DA}" dt="2021-02-18T11:24:10.502" v="36"/>
-          <ac:spMkLst>
-            <pc:docMk/>
-            <pc:sldMk cId="791204635" sldId="273"/>
-            <ac:spMk id="3" creationId="{E724A5E7-6828-46EE-A115-A33B8FA59E16}"/>
-          </ac:spMkLst>
-        </pc:spChg>
-        <pc:spChg chg="add">
-          <ac:chgData name="Mättas, O. (Otto)" userId="S::o.mattas@students.uu.nl::f944b869-84fe-4915-ac0f-2070e720f33b" providerId="AD" clId="Web-{AF92DCBE-6B12-4A23-85BD-1549F9DD18DA}" dt="2021-02-18T11:24:10.502" v="36"/>
-          <ac:spMkLst>
-            <pc:docMk/>
-            <pc:sldMk cId="791204635" sldId="273"/>
-            <ac:spMk id="34" creationId="{6132F700-8CFB-4C6C-B542-E0126AFD2ADE}"/>
-          </ac:spMkLst>
-        </pc:spChg>
-        <pc:spChg chg="add">
-          <ac:chgData name="Mättas, O. (Otto)" userId="S::o.mattas@students.uu.nl::f944b869-84fe-4915-ac0f-2070e720f33b" providerId="AD" clId="Web-{AF92DCBE-6B12-4A23-85BD-1549F9DD18DA}" dt="2021-02-18T11:24:10.502" v="36"/>
-          <ac:spMkLst>
-            <pc:docMk/>
-            <pc:sldMk cId="791204635" sldId="273"/>
-            <ac:spMk id="36" creationId="{590E0492-A063-4322-A6F6-50EBE38B58F2}"/>
-          </ac:spMkLst>
-        </pc:spChg>
-        <pc:spChg chg="add">
-          <ac:chgData name="Mättas, O. (Otto)" userId="S::o.mattas@students.uu.nl::f944b869-84fe-4915-ac0f-2070e720f33b" providerId="AD" clId="Web-{AF92DCBE-6B12-4A23-85BD-1549F9DD18DA}" dt="2021-02-18T11:24:10.502" v="36"/>
-          <ac:spMkLst>
-            <pc:docMk/>
-            <pc:sldMk cId="791204635" sldId="273"/>
-            <ac:spMk id="38" creationId="{8811F053-65BC-463F-A052-15EDF07DDC62}"/>
-          </ac:spMkLst>
-        </pc:spChg>
-        <pc:grpChg chg="add">
-          <ac:chgData name="Mättas, O. (Otto)" userId="S::o.mattas@students.uu.nl::f944b869-84fe-4915-ac0f-2070e720f33b" providerId="AD" clId="Web-{AF92DCBE-6B12-4A23-85BD-1549F9DD18DA}" dt="2021-02-18T11:24:10.502" v="36"/>
-          <ac:grpSpMkLst>
-            <pc:docMk/>
-            <pc:sldMk cId="791204635" sldId="273"/>
-            <ac:grpSpMk id="8" creationId="{84DB7353-7D7A-431B-A5B6-A3845E6F2BB2}"/>
-          </ac:grpSpMkLst>
-        </pc:grpChg>
-        <pc:grpChg chg="add">
-          <ac:chgData name="Mättas, O. (Otto)" userId="S::o.mattas@students.uu.nl::f944b869-84fe-4915-ac0f-2070e720f33b" providerId="AD" clId="Web-{AF92DCBE-6B12-4A23-85BD-1549F9DD18DA}" dt="2021-02-18T11:24:10.502" v="36"/>
-          <ac:grpSpMkLst>
-            <pc:docMk/>
-            <pc:sldMk cId="791204635" sldId="273"/>
-            <ac:grpSpMk id="29" creationId="{1B24766B-81CA-44C7-BF11-77A12BA42411}"/>
-          </ac:grpSpMkLst>
-        </pc:grpChg>
-      </pc:sldChg>
-      <pc:sldMasterChg chg="del delSldLayout">
-        <pc:chgData name="Mättas, O. (Otto)" userId="S::o.mattas@students.uu.nl::f944b869-84fe-4915-ac0f-2070e720f33b" providerId="AD" clId="Web-{AF92DCBE-6B12-4A23-85BD-1549F9DD18DA}" dt="2021-02-18T11:19:51.370" v="1"/>
-        <pc:sldMasterMkLst>
-          <pc:docMk/>
-          <pc:sldMasterMk cId="3073113103" sldId="2147483837"/>
-        </pc:sldMasterMkLst>
-        <pc:sldLayoutChg chg="del">
-          <pc:chgData name="Mättas, O. (Otto)" userId="S::o.mattas@students.uu.nl::f944b869-84fe-4915-ac0f-2070e720f33b" providerId="AD" clId="Web-{AF92DCBE-6B12-4A23-85BD-1549F9DD18DA}" dt="2021-02-18T11:19:51.370" v="1"/>
-          <pc:sldLayoutMkLst>
-            <pc:docMk/>
-            <pc:sldMasterMk cId="3073113103" sldId="2147483837"/>
-            <pc:sldLayoutMk cId="1909958680" sldId="2147483826"/>
-          </pc:sldLayoutMkLst>
-        </pc:sldLayoutChg>
-        <pc:sldLayoutChg chg="del">
-          <pc:chgData name="Mättas, O. (Otto)" userId="S::o.mattas@students.uu.nl::f944b869-84fe-4915-ac0f-2070e720f33b" providerId="AD" clId="Web-{AF92DCBE-6B12-4A23-85BD-1549F9DD18DA}" dt="2021-02-18T11:19:51.370" v="1"/>
-          <pc:sldLayoutMkLst>
-            <pc:docMk/>
-            <pc:sldMasterMk cId="3073113103" sldId="2147483837"/>
-            <pc:sldLayoutMk cId="1962207166" sldId="2147483827"/>
-          </pc:sldLayoutMkLst>
-        </pc:sldLayoutChg>
-        <pc:sldLayoutChg chg="del">
-          <pc:chgData name="Mättas, O. (Otto)" userId="S::o.mattas@students.uu.nl::f944b869-84fe-4915-ac0f-2070e720f33b" providerId="AD" clId="Web-{AF92DCBE-6B12-4A23-85BD-1549F9DD18DA}" dt="2021-02-18T11:19:51.370" v="1"/>
-          <pc:sldLayoutMkLst>
-            <pc:docMk/>
-            <pc:sldMasterMk cId="3073113103" sldId="2147483837"/>
-            <pc:sldLayoutMk cId="1898096197" sldId="2147483828"/>
-          </pc:sldLayoutMkLst>
-        </pc:sldLayoutChg>
-        <pc:sldLayoutChg chg="del">
-          <pc:chgData name="Mättas, O. (Otto)" userId="S::o.mattas@students.uu.nl::f944b869-84fe-4915-ac0f-2070e720f33b" providerId="AD" clId="Web-{AF92DCBE-6B12-4A23-85BD-1549F9DD18DA}" dt="2021-02-18T11:19:51.370" v="1"/>
-          <pc:sldLayoutMkLst>
-            <pc:docMk/>
-            <pc:sldMasterMk cId="3073113103" sldId="2147483837"/>
-            <pc:sldLayoutMk cId="1208919444" sldId="2147483829"/>
-          </pc:sldLayoutMkLst>
-        </pc:sldLayoutChg>
-        <pc:sldLayoutChg chg="del">
-          <pc:chgData name="Mättas, O. (Otto)" userId="S::o.mattas@students.uu.nl::f944b869-84fe-4915-ac0f-2070e720f33b" providerId="AD" clId="Web-{AF92DCBE-6B12-4A23-85BD-1549F9DD18DA}" dt="2021-02-18T11:19:51.370" v="1"/>
-          <pc:sldLayoutMkLst>
-            <pc:docMk/>
-            <pc:sldMasterMk cId="3073113103" sldId="2147483837"/>
-            <pc:sldLayoutMk cId="38639405" sldId="2147483830"/>
-          </pc:sldLayoutMkLst>
-        </pc:sldLayoutChg>
-        <pc:sldLayoutChg chg="del">
-          <pc:chgData name="Mättas, O. (Otto)" userId="S::o.mattas@students.uu.nl::f944b869-84fe-4915-ac0f-2070e720f33b" providerId="AD" clId="Web-{AF92DCBE-6B12-4A23-85BD-1549F9DD18DA}" dt="2021-02-18T11:19:51.370" v="1"/>
-          <pc:sldLayoutMkLst>
-            <pc:docMk/>
-            <pc:sldMasterMk cId="3073113103" sldId="2147483837"/>
-            <pc:sldLayoutMk cId="1556968761" sldId="2147483831"/>
-          </pc:sldLayoutMkLst>
-        </pc:sldLayoutChg>
-        <pc:sldLayoutChg chg="del">
-          <pc:chgData name="Mättas, O. (Otto)" userId="S::o.mattas@students.uu.nl::f944b869-84fe-4915-ac0f-2070e720f33b" providerId="AD" clId="Web-{AF92DCBE-6B12-4A23-85BD-1549F9DD18DA}" dt="2021-02-18T11:19:51.370" v="1"/>
-          <pc:sldLayoutMkLst>
-            <pc:docMk/>
-            <pc:sldMasterMk cId="3073113103" sldId="2147483837"/>
-            <pc:sldLayoutMk cId="1544083366" sldId="2147483832"/>
-          </pc:sldLayoutMkLst>
-        </pc:sldLayoutChg>
-        <pc:sldLayoutChg chg="del">
-          <pc:chgData name="Mättas, O. (Otto)" userId="S::o.mattas@students.uu.nl::f944b869-84fe-4915-ac0f-2070e720f33b" providerId="AD" clId="Web-{AF92DCBE-6B12-4A23-85BD-1549F9DD18DA}" dt="2021-02-18T11:19:51.370" v="1"/>
-          <pc:sldLayoutMkLst>
-            <pc:docMk/>
-            <pc:sldMasterMk cId="3073113103" sldId="2147483837"/>
-            <pc:sldLayoutMk cId="3742730611" sldId="2147483833"/>
-          </pc:sldLayoutMkLst>
-        </pc:sldLayoutChg>
-        <pc:sldLayoutChg chg="del">
-          <pc:chgData name="Mättas, O. (Otto)" userId="S::o.mattas@students.uu.nl::f944b869-84fe-4915-ac0f-2070e720f33b" providerId="AD" clId="Web-{AF92DCBE-6B12-4A23-85BD-1549F9DD18DA}" dt="2021-02-18T11:19:51.370" v="1"/>
-          <pc:sldLayoutMkLst>
-            <pc:docMk/>
-            <pc:sldMasterMk cId="3073113103" sldId="2147483837"/>
-            <pc:sldLayoutMk cId="1320726923" sldId="2147483834"/>
-          </pc:sldLayoutMkLst>
-        </pc:sldLayoutChg>
-        <pc:sldLayoutChg chg="del">
-          <pc:chgData name="Mättas, O. (Otto)" userId="S::o.mattas@students.uu.nl::f944b869-84fe-4915-ac0f-2070e720f33b" providerId="AD" clId="Web-{AF92DCBE-6B12-4A23-85BD-1549F9DD18DA}" dt="2021-02-18T11:19:51.370" v="1"/>
-          <pc:sldLayoutMkLst>
-            <pc:docMk/>
-            <pc:sldMasterMk cId="3073113103" sldId="2147483837"/>
-            <pc:sldLayoutMk cId="2875095821" sldId="2147483835"/>
-          </pc:sldLayoutMkLst>
-        </pc:sldLayoutChg>
-        <pc:sldLayoutChg chg="del">
-          <pc:chgData name="Mättas, O. (Otto)" userId="S::o.mattas@students.uu.nl::f944b869-84fe-4915-ac0f-2070e720f33b" providerId="AD" clId="Web-{AF92DCBE-6B12-4A23-85BD-1549F9DD18DA}" dt="2021-02-18T11:19:51.370" v="1"/>
-          <pc:sldLayoutMkLst>
-            <pc:docMk/>
-            <pc:sldMasterMk cId="3073113103" sldId="2147483837"/>
-            <pc:sldLayoutMk cId="3300323690" sldId="2147483836"/>
-          </pc:sldLayoutMkLst>
-        </pc:sldLayoutChg>
-      </pc:sldMasterChg>
-      <pc:sldMasterChg chg="add del addSldLayout delSldLayout modSldLayout">
-        <pc:chgData name="Mättas, O. (Otto)" userId="S::o.mattas@students.uu.nl::f944b869-84fe-4915-ac0f-2070e720f33b" providerId="AD" clId="Web-{AF92DCBE-6B12-4A23-85BD-1549F9DD18DA}" dt="2021-02-18T11:20:06.948" v="2"/>
-        <pc:sldMasterMkLst>
-          <pc:docMk/>
-          <pc:sldMasterMk cId="4291875758" sldId="2147483838"/>
-        </pc:sldMasterMkLst>
-        <pc:sldLayoutChg chg="add del mod replId">
-          <pc:chgData name="Mättas, O. (Otto)" userId="S::o.mattas@students.uu.nl::f944b869-84fe-4915-ac0f-2070e720f33b" providerId="AD" clId="Web-{AF92DCBE-6B12-4A23-85BD-1549F9DD18DA}" dt="2021-02-18T11:20:06.948" v="2"/>
-          <pc:sldLayoutMkLst>
-            <pc:docMk/>
-            <pc:sldMasterMk cId="4291875758" sldId="2147483838"/>
-            <pc:sldLayoutMk cId="152597344" sldId="2147483839"/>
-          </pc:sldLayoutMkLst>
-        </pc:sldLayoutChg>
-        <pc:sldLayoutChg chg="add del mod replId">
-          <pc:chgData name="Mättas, O. (Otto)" userId="S::o.mattas@students.uu.nl::f944b869-84fe-4915-ac0f-2070e720f33b" providerId="AD" clId="Web-{AF92DCBE-6B12-4A23-85BD-1549F9DD18DA}" dt="2021-02-18T11:20:06.948" v="2"/>
-          <pc:sldLayoutMkLst>
-            <pc:docMk/>
-            <pc:sldMasterMk cId="4291875758" sldId="2147483838"/>
-            <pc:sldLayoutMk cId="4185413107" sldId="2147483840"/>
-          </pc:sldLayoutMkLst>
-        </pc:sldLayoutChg>
-        <pc:sldLayoutChg chg="add del mod replId">
-          <pc:chgData name="Mättas, O. (Otto)" userId="S::o.mattas@students.uu.nl::f944b869-84fe-4915-ac0f-2070e720f33b" providerId="AD" clId="Web-{AF92DCBE-6B12-4A23-85BD-1549F9DD18DA}" dt="2021-02-18T11:20:06.948" v="2"/>
-          <pc:sldLayoutMkLst>
-            <pc:docMk/>
-            <pc:sldMasterMk cId="4291875758" sldId="2147483838"/>
-            <pc:sldLayoutMk cId="1411371219" sldId="2147483841"/>
-          </pc:sldLayoutMkLst>
-        </pc:sldLayoutChg>
-        <pc:sldLayoutChg chg="add del mod replId">
-          <pc:chgData name="Mättas, O. (Otto)" userId="S::o.mattas@students.uu.nl::f944b869-84fe-4915-ac0f-2070e720f33b" providerId="AD" clId="Web-{AF92DCBE-6B12-4A23-85BD-1549F9DD18DA}" dt="2021-02-18T11:20:06.948" v="2"/>
-          <pc:sldLayoutMkLst>
-            <pc:docMk/>
-            <pc:sldMasterMk cId="4291875758" sldId="2147483838"/>
-            <pc:sldLayoutMk cId="1619938899" sldId="2147483842"/>
-          </pc:sldLayoutMkLst>
-        </pc:sldLayoutChg>
-        <pc:sldLayoutChg chg="add del mod replId">
-          <pc:chgData name="Mättas, O. (Otto)" userId="S::o.mattas@students.uu.nl::f944b869-84fe-4915-ac0f-2070e720f33b" providerId="AD" clId="Web-{AF92DCBE-6B12-4A23-85BD-1549F9DD18DA}" dt="2021-02-18T11:20:06.948" v="2"/>
-          <pc:sldLayoutMkLst>
-            <pc:docMk/>
-            <pc:sldMasterMk cId="4291875758" sldId="2147483838"/>
-            <pc:sldLayoutMk cId="2140960112" sldId="2147483843"/>
-          </pc:sldLayoutMkLst>
-        </pc:sldLayoutChg>
-        <pc:sldLayoutChg chg="add del mod replId">
-          <pc:chgData name="Mättas, O. (Otto)" userId="S::o.mattas@students.uu.nl::f944b869-84fe-4915-ac0f-2070e720f33b" providerId="AD" clId="Web-{AF92DCBE-6B12-4A23-85BD-1549F9DD18DA}" dt="2021-02-18T11:20:06.948" v="2"/>
-          <pc:sldLayoutMkLst>
-            <pc:docMk/>
-            <pc:sldMasterMk cId="4291875758" sldId="2147483838"/>
-            <pc:sldLayoutMk cId="4212621668" sldId="2147483844"/>
-          </pc:sldLayoutMkLst>
-        </pc:sldLayoutChg>
-        <pc:sldLayoutChg chg="add del mod replId">
-          <pc:chgData name="Mättas, O. (Otto)" userId="S::o.mattas@students.uu.nl::f944b869-84fe-4915-ac0f-2070e720f33b" providerId="AD" clId="Web-{AF92DCBE-6B12-4A23-85BD-1549F9DD18DA}" dt="2021-02-18T11:20:06.948" v="2"/>
-          <pc:sldLayoutMkLst>
-            <pc:docMk/>
-            <pc:sldMasterMk cId="4291875758" sldId="2147483838"/>
-            <pc:sldLayoutMk cId="413376393" sldId="2147483845"/>
-          </pc:sldLayoutMkLst>
-        </pc:sldLayoutChg>
-        <pc:sldLayoutChg chg="add del mod replId">
-          <pc:chgData name="Mättas, O. (Otto)" userId="S::o.mattas@students.uu.nl::f944b869-84fe-4915-ac0f-2070e720f33b" providerId="AD" clId="Web-{AF92DCBE-6B12-4A23-85BD-1549F9DD18DA}" dt="2021-02-18T11:20:06.948" v="2"/>
-          <pc:sldLayoutMkLst>
-            <pc:docMk/>
-            <pc:sldMasterMk cId="4291875758" sldId="2147483838"/>
-            <pc:sldLayoutMk cId="1483103964" sldId="2147483846"/>
-          </pc:sldLayoutMkLst>
-        </pc:sldLayoutChg>
-        <pc:sldLayoutChg chg="add del mod replId">
-          <pc:chgData name="Mättas, O. (Otto)" userId="S::o.mattas@students.uu.nl::f944b869-84fe-4915-ac0f-2070e720f33b" providerId="AD" clId="Web-{AF92DCBE-6B12-4A23-85BD-1549F9DD18DA}" dt="2021-02-18T11:20:06.948" v="2"/>
-          <pc:sldLayoutMkLst>
-            <pc:docMk/>
-            <pc:sldMasterMk cId="4291875758" sldId="2147483838"/>
-            <pc:sldLayoutMk cId="1289015123" sldId="2147483847"/>
-          </pc:sldLayoutMkLst>
-        </pc:sldLayoutChg>
-        <pc:sldLayoutChg chg="add del mod replId">
-          <pc:chgData name="Mättas, O. (Otto)" userId="S::o.mattas@students.uu.nl::f944b869-84fe-4915-ac0f-2070e720f33b" providerId="AD" clId="Web-{AF92DCBE-6B12-4A23-85BD-1549F9DD18DA}" dt="2021-02-18T11:20:06.948" v="2"/>
-          <pc:sldLayoutMkLst>
-            <pc:docMk/>
-            <pc:sldMasterMk cId="4291875758" sldId="2147483838"/>
-            <pc:sldLayoutMk cId="863447338" sldId="2147483848"/>
-          </pc:sldLayoutMkLst>
-        </pc:sldLayoutChg>
-        <pc:sldLayoutChg chg="add del mod replId">
-          <pc:chgData name="Mättas, O. (Otto)" userId="S::o.mattas@students.uu.nl::f944b869-84fe-4915-ac0f-2070e720f33b" providerId="AD" clId="Web-{AF92DCBE-6B12-4A23-85BD-1549F9DD18DA}" dt="2021-02-18T11:20:06.948" v="2"/>
-          <pc:sldLayoutMkLst>
-            <pc:docMk/>
-            <pc:sldMasterMk cId="4291875758" sldId="2147483838"/>
-            <pc:sldLayoutMk cId="3751248931" sldId="2147483849"/>
-          </pc:sldLayoutMkLst>
-        </pc:sldLayoutChg>
-        <pc:sldLayoutChg chg="add del mod replId">
-          <pc:chgData name="Mättas, O. (Otto)" userId="S::o.mattas@students.uu.nl::f944b869-84fe-4915-ac0f-2070e720f33b" providerId="AD" clId="Web-{AF92DCBE-6B12-4A23-85BD-1549F9DD18DA}" dt="2021-02-18T11:20:06.948" v="2"/>
-          <pc:sldLayoutMkLst>
-            <pc:docMk/>
-            <pc:sldMasterMk cId="4291875758" sldId="2147483838"/>
-            <pc:sldLayoutMk cId="746602215" sldId="2147483850"/>
-          </pc:sldLayoutMkLst>
-        </pc:sldLayoutChg>
-        <pc:sldLayoutChg chg="add del mod replId">
-          <pc:chgData name="Mättas, O. (Otto)" userId="S::o.mattas@students.uu.nl::f944b869-84fe-4915-ac0f-2070e720f33b" providerId="AD" clId="Web-{AF92DCBE-6B12-4A23-85BD-1549F9DD18DA}" dt="2021-02-18T11:20:06.948" v="2"/>
-          <pc:sldLayoutMkLst>
-            <pc:docMk/>
-            <pc:sldMasterMk cId="4291875758" sldId="2147483838"/>
-            <pc:sldLayoutMk cId="2021150122" sldId="2147483851"/>
-          </pc:sldLayoutMkLst>
-        </pc:sldLayoutChg>
-        <pc:sldLayoutChg chg="add del mod replId">
-          <pc:chgData name="Mättas, O. (Otto)" userId="S::o.mattas@students.uu.nl::f944b869-84fe-4915-ac0f-2070e720f33b" providerId="AD" clId="Web-{AF92DCBE-6B12-4A23-85BD-1549F9DD18DA}" dt="2021-02-18T11:20:06.948" v="2"/>
-          <pc:sldLayoutMkLst>
-            <pc:docMk/>
-            <pc:sldMasterMk cId="4291875758" sldId="2147483838"/>
-            <pc:sldLayoutMk cId="636341208" sldId="2147483852"/>
-          </pc:sldLayoutMkLst>
-        </pc:sldLayoutChg>
-        <pc:sldLayoutChg chg="add del mod replId">
-          <pc:chgData name="Mättas, O. (Otto)" userId="S::o.mattas@students.uu.nl::f944b869-84fe-4915-ac0f-2070e720f33b" providerId="AD" clId="Web-{AF92DCBE-6B12-4A23-85BD-1549F9DD18DA}" dt="2021-02-18T11:20:06.948" v="2"/>
-          <pc:sldLayoutMkLst>
-            <pc:docMk/>
-            <pc:sldMasterMk cId="4291875758" sldId="2147483838"/>
-            <pc:sldLayoutMk cId="188416580" sldId="2147483853"/>
-          </pc:sldLayoutMkLst>
-        </pc:sldLayoutChg>
-        <pc:sldLayoutChg chg="add del mod replId">
-          <pc:chgData name="Mättas, O. (Otto)" userId="S::o.mattas@students.uu.nl::f944b869-84fe-4915-ac0f-2070e720f33b" providerId="AD" clId="Web-{AF92DCBE-6B12-4A23-85BD-1549F9DD18DA}" dt="2021-02-18T11:20:06.948" v="2"/>
-          <pc:sldLayoutMkLst>
-            <pc:docMk/>
-            <pc:sldMasterMk cId="4291875758" sldId="2147483838"/>
-            <pc:sldLayoutMk cId="1120204979" sldId="2147483854"/>
-          </pc:sldLayoutMkLst>
-        </pc:sldLayoutChg>
-        <pc:sldLayoutChg chg="add del mod replId">
-          <pc:chgData name="Mättas, O. (Otto)" userId="S::o.mattas@students.uu.nl::f944b869-84fe-4915-ac0f-2070e720f33b" providerId="AD" clId="Web-{AF92DCBE-6B12-4A23-85BD-1549F9DD18DA}" dt="2021-02-18T11:20:06.948" v="2"/>
-          <pc:sldLayoutMkLst>
-            <pc:docMk/>
-            <pc:sldMasterMk cId="4291875758" sldId="2147483838"/>
-            <pc:sldLayoutMk cId="3092900937" sldId="2147483855"/>
-          </pc:sldLayoutMkLst>
-        </pc:sldLayoutChg>
-      </pc:sldMasterChg>
-      <pc:sldMasterChg chg="add addSldLayout modSldLayout">
-        <pc:chgData name="Mättas, O. (Otto)" userId="S::o.mattas@students.uu.nl::f944b869-84fe-4915-ac0f-2070e720f33b" providerId="AD" clId="Web-{AF92DCBE-6B12-4A23-85BD-1549F9DD18DA}" dt="2021-02-18T11:20:06.948" v="2"/>
-        <pc:sldMasterMkLst>
-          <pc:docMk/>
-          <pc:sldMasterMk cId="2179112944" sldId="2147483856"/>
-        </pc:sldMasterMkLst>
-        <pc:sldLayoutChg chg="add mod replId">
-          <pc:chgData name="Mättas, O. (Otto)" userId="S::o.mattas@students.uu.nl::f944b869-84fe-4915-ac0f-2070e720f33b" providerId="AD" clId="Web-{AF92DCBE-6B12-4A23-85BD-1549F9DD18DA}" dt="2021-02-18T11:20:06.948" v="2"/>
-          <pc:sldLayoutMkLst>
-            <pc:docMk/>
-            <pc:sldMasterMk cId="2179112944" sldId="2147483856"/>
-            <pc:sldLayoutMk cId="2913463134" sldId="2147483857"/>
-          </pc:sldLayoutMkLst>
-        </pc:sldLayoutChg>
-        <pc:sldLayoutChg chg="add mod replId">
-          <pc:chgData name="Mättas, O. (Otto)" userId="S::o.mattas@students.uu.nl::f944b869-84fe-4915-ac0f-2070e720f33b" providerId="AD" clId="Web-{AF92DCBE-6B12-4A23-85BD-1549F9DD18DA}" dt="2021-02-18T11:20:06.948" v="2"/>
-          <pc:sldLayoutMkLst>
-            <pc:docMk/>
-            <pc:sldMasterMk cId="2179112944" sldId="2147483856"/>
-            <pc:sldLayoutMk cId="163377270" sldId="2147483858"/>
-          </pc:sldLayoutMkLst>
-        </pc:sldLayoutChg>
-        <pc:sldLayoutChg chg="add mod replId">
-          <pc:chgData name="Mättas, O. (Otto)" userId="S::o.mattas@students.uu.nl::f944b869-84fe-4915-ac0f-2070e720f33b" providerId="AD" clId="Web-{AF92DCBE-6B12-4A23-85BD-1549F9DD18DA}" dt="2021-02-18T11:20:06.948" v="2"/>
-          <pc:sldLayoutMkLst>
-            <pc:docMk/>
-            <pc:sldMasterMk cId="2179112944" sldId="2147483856"/>
-            <pc:sldLayoutMk cId="3886655507" sldId="2147483859"/>
-          </pc:sldLayoutMkLst>
-        </pc:sldLayoutChg>
-        <pc:sldLayoutChg chg="add mod replId">
-          <pc:chgData name="Mättas, O. (Otto)" userId="S::o.mattas@students.uu.nl::f944b869-84fe-4915-ac0f-2070e720f33b" providerId="AD" clId="Web-{AF92DCBE-6B12-4A23-85BD-1549F9DD18DA}" dt="2021-02-18T11:20:06.948" v="2"/>
-          <pc:sldLayoutMkLst>
-            <pc:docMk/>
-            <pc:sldMasterMk cId="2179112944" sldId="2147483856"/>
-            <pc:sldLayoutMk cId="1542229629" sldId="2147483860"/>
-          </pc:sldLayoutMkLst>
-        </pc:sldLayoutChg>
-        <pc:sldLayoutChg chg="add mod replId">
-          <pc:chgData name="Mättas, O. (Otto)" userId="S::o.mattas@students.uu.nl::f944b869-84fe-4915-ac0f-2070e720f33b" providerId="AD" clId="Web-{AF92DCBE-6B12-4A23-85BD-1549F9DD18DA}" dt="2021-02-18T11:20:06.948" v="2"/>
-          <pc:sldLayoutMkLst>
-            <pc:docMk/>
-            <pc:sldMasterMk cId="2179112944" sldId="2147483856"/>
-            <pc:sldLayoutMk cId="3111242900" sldId="2147483861"/>
-          </pc:sldLayoutMkLst>
-        </pc:sldLayoutChg>
-        <pc:sldLayoutChg chg="add mod replId">
-          <pc:chgData name="Mättas, O. (Otto)" userId="S::o.mattas@students.uu.nl::f944b869-84fe-4915-ac0f-2070e720f33b" providerId="AD" clId="Web-{AF92DCBE-6B12-4A23-85BD-1549F9DD18DA}" dt="2021-02-18T11:20:06.948" v="2"/>
-          <pc:sldLayoutMkLst>
-            <pc:docMk/>
-            <pc:sldMasterMk cId="2179112944" sldId="2147483856"/>
-            <pc:sldLayoutMk cId="2721938079" sldId="2147483862"/>
-          </pc:sldLayoutMkLst>
-        </pc:sldLayoutChg>
-        <pc:sldLayoutChg chg="add mod replId">
-          <pc:chgData name="Mättas, O. (Otto)" userId="S::o.mattas@students.uu.nl::f944b869-84fe-4915-ac0f-2070e720f33b" providerId="AD" clId="Web-{AF92DCBE-6B12-4A23-85BD-1549F9DD18DA}" dt="2021-02-18T11:20:06.948" v="2"/>
-          <pc:sldLayoutMkLst>
-            <pc:docMk/>
-            <pc:sldMasterMk cId="2179112944" sldId="2147483856"/>
-            <pc:sldLayoutMk cId="1475076730" sldId="2147483863"/>
-          </pc:sldLayoutMkLst>
-        </pc:sldLayoutChg>
-        <pc:sldLayoutChg chg="add mod replId">
-          <pc:chgData name="Mättas, O. (Otto)" userId="S::o.mattas@students.uu.nl::f944b869-84fe-4915-ac0f-2070e720f33b" providerId="AD" clId="Web-{AF92DCBE-6B12-4A23-85BD-1549F9DD18DA}" dt="2021-02-18T11:20:06.948" v="2"/>
-          <pc:sldLayoutMkLst>
-            <pc:docMk/>
-            <pc:sldMasterMk cId="2179112944" sldId="2147483856"/>
-            <pc:sldLayoutMk cId="1274766439" sldId="2147483864"/>
-          </pc:sldLayoutMkLst>
-        </pc:sldLayoutChg>
-        <pc:sldLayoutChg chg="add mod replId">
-          <pc:chgData name="Mättas, O. (Otto)" userId="S::o.mattas@students.uu.nl::f944b869-84fe-4915-ac0f-2070e720f33b" providerId="AD" clId="Web-{AF92DCBE-6B12-4A23-85BD-1549F9DD18DA}" dt="2021-02-18T11:20:06.948" v="2"/>
-          <pc:sldLayoutMkLst>
-            <pc:docMk/>
-            <pc:sldMasterMk cId="2179112944" sldId="2147483856"/>
-            <pc:sldLayoutMk cId="1262936127" sldId="2147483865"/>
-          </pc:sldLayoutMkLst>
-        </pc:sldLayoutChg>
-        <pc:sldLayoutChg chg="add mod replId">
-          <pc:chgData name="Mättas, O. (Otto)" userId="S::o.mattas@students.uu.nl::f944b869-84fe-4915-ac0f-2070e720f33b" providerId="AD" clId="Web-{AF92DCBE-6B12-4A23-85BD-1549F9DD18DA}" dt="2021-02-18T11:20:06.948" v="2"/>
-          <pc:sldLayoutMkLst>
-            <pc:docMk/>
-            <pc:sldMasterMk cId="2179112944" sldId="2147483856"/>
-            <pc:sldLayoutMk cId="417577253" sldId="2147483866"/>
-          </pc:sldLayoutMkLst>
-        </pc:sldLayoutChg>
-        <pc:sldLayoutChg chg="add mod replId">
-          <pc:chgData name="Mättas, O. (Otto)" userId="S::o.mattas@students.uu.nl::f944b869-84fe-4915-ac0f-2070e720f33b" providerId="AD" clId="Web-{AF92DCBE-6B12-4A23-85BD-1549F9DD18DA}" dt="2021-02-18T11:20:06.948" v="2"/>
-          <pc:sldLayoutMkLst>
-            <pc:docMk/>
-            <pc:sldMasterMk cId="2179112944" sldId="2147483856"/>
-            <pc:sldLayoutMk cId="1856299591" sldId="2147483867"/>
-          </pc:sldLayoutMkLst>
-        </pc:sldLayoutChg>
-      </pc:sldMasterChg>
-    </pc:docChg>
-  </pc:docChgLst>
   <pc:docChgLst>
     <pc:chgData name="Mättas, O. (Otto)" userId="S::o.mattas@students.uu.nl::f944b869-84fe-4915-ac0f-2070e720f33b" providerId="AD" clId="Web-{78D0EDBA-C0DC-4D76-868C-87F9F7636497}"/>
     <pc:docChg chg="modSld">
@@ -2023,1790 +196,112 @@
     </pc:docChg>
   </pc:docChgLst>
   <pc:docChgLst>
-    <pc:chgData name="Mättas, O. (Otto)" userId="S::o.mattas@students.uu.nl::f944b869-84fe-4915-ac0f-2070e720f33b" providerId="AD" clId="Web-{D7840D99-4FBE-4B82-A919-56CD25E4427E}"/>
-    <pc:docChg chg="addSld delSld modSld addMainMaster delMainMaster">
-      <pc:chgData name="Mättas, O. (Otto)" userId="S::o.mattas@students.uu.nl::f944b869-84fe-4915-ac0f-2070e720f33b" providerId="AD" clId="Web-{D7840D99-4FBE-4B82-A919-56CD25E4427E}" dt="2021-02-18T11:18:47.225" v="738" actId="20577"/>
+    <pc:chgData name="Mättas, O. (Otto)" userId="S::o.mattas@students.uu.nl::f944b869-84fe-4915-ac0f-2070e720f33b" providerId="AD" clId="Web-{215D138E-632B-4E6F-BAAE-169C6CC24215}"/>
+    <pc:docChg chg="addSld delSld modSld">
+      <pc:chgData name="Mättas, O. (Otto)" userId="S::o.mattas@students.uu.nl::f944b869-84fe-4915-ac0f-2070e720f33b" providerId="AD" clId="Web-{215D138E-632B-4E6F-BAAE-169C6CC24215}" dt="2021-02-18T18:16:17.464" v="24"/>
       <pc:docMkLst>
         <pc:docMk/>
       </pc:docMkLst>
-      <pc:sldChg chg="addSp delSp modSp del mod setBg modClrScheme chgLayout">
-        <pc:chgData name="Mättas, O. (Otto)" userId="S::o.mattas@students.uu.nl::f944b869-84fe-4915-ac0f-2070e720f33b" providerId="AD" clId="Web-{D7840D99-4FBE-4B82-A919-56CD25E4427E}" dt="2021-02-18T10:39:13.345" v="211"/>
-        <pc:sldMkLst>
-          <pc:docMk/>
-          <pc:sldMk cId="109857222" sldId="256"/>
-        </pc:sldMkLst>
-        <pc:spChg chg="mod">
-          <ac:chgData name="Mättas, O. (Otto)" userId="S::o.mattas@students.uu.nl::f944b869-84fe-4915-ac0f-2070e720f33b" providerId="AD" clId="Web-{D7840D99-4FBE-4B82-A919-56CD25E4427E}" dt="2021-02-18T10:37:01.419" v="199" actId="1076"/>
-          <ac:spMkLst>
-            <pc:docMk/>
-            <pc:sldMk cId="109857222" sldId="256"/>
-            <ac:spMk id="2" creationId="{00000000-0000-0000-0000-000000000000}"/>
-          </ac:spMkLst>
-        </pc:spChg>
-        <pc:spChg chg="del mod">
-          <ac:chgData name="Mättas, O. (Otto)" userId="S::o.mattas@students.uu.nl::f944b869-84fe-4915-ac0f-2070e720f33b" providerId="AD" clId="Web-{D7840D99-4FBE-4B82-A919-56CD25E4427E}" dt="2021-02-18T09:50:13.699" v="14"/>
-          <ac:spMkLst>
-            <pc:docMk/>
-            <pc:sldMk cId="109857222" sldId="256"/>
-            <ac:spMk id="3" creationId="{00000000-0000-0000-0000-000000000000}"/>
-          </ac:spMkLst>
-        </pc:spChg>
-        <pc:spChg chg="add mod">
-          <ac:chgData name="Mättas, O. (Otto)" userId="S::o.mattas@students.uu.nl::f944b869-84fe-4915-ac0f-2070e720f33b" providerId="AD" clId="Web-{D7840D99-4FBE-4B82-A919-56CD25E4427E}" dt="2021-02-18T10:37:05.826" v="200" actId="1076"/>
-          <ac:spMkLst>
-            <pc:docMk/>
-            <pc:sldMk cId="109857222" sldId="256"/>
-            <ac:spMk id="3" creationId="{B0FA5F64-4433-4D3F-B057-C29F936D6B74}"/>
-          </ac:spMkLst>
-        </pc:spChg>
-        <pc:spChg chg="add del">
-          <ac:chgData name="Mättas, O. (Otto)" userId="S::o.mattas@students.uu.nl::f944b869-84fe-4915-ac0f-2070e720f33b" providerId="AD" clId="Web-{D7840D99-4FBE-4B82-A919-56CD25E4427E}" dt="2021-02-18T10:36:02.761" v="191"/>
-          <ac:spMkLst>
-            <pc:docMk/>
-            <pc:sldMk cId="109857222" sldId="256"/>
-            <ac:spMk id="5" creationId="{A5543539-5025-458F-BDBA-7E1723EDE578}"/>
-          </ac:spMkLst>
-        </pc:spChg>
-        <pc:spChg chg="add del mod">
-          <ac:chgData name="Mättas, O. (Otto)" userId="S::o.mattas@students.uu.nl::f944b869-84fe-4915-ac0f-2070e720f33b" providerId="AD" clId="Web-{D7840D99-4FBE-4B82-A919-56CD25E4427E}" dt="2021-02-18T10:36:00.121" v="190"/>
-          <ac:spMkLst>
-            <pc:docMk/>
-            <pc:sldMk cId="109857222" sldId="256"/>
-            <ac:spMk id="6" creationId="{062C3D79-F99E-47E5-A109-C3AD87EFDBBD}"/>
-          </ac:spMkLst>
-        </pc:spChg>
-        <pc:spChg chg="add del mod">
-          <ac:chgData name="Mättas, O. (Otto)" userId="S::o.mattas@students.uu.nl::f944b869-84fe-4915-ac0f-2070e720f33b" providerId="AD" clId="Web-{D7840D99-4FBE-4B82-A919-56CD25E4427E}" dt="2021-02-18T09:50:23.465" v="15"/>
-          <ac:spMkLst>
-            <pc:docMk/>
-            <pc:sldMk cId="109857222" sldId="256"/>
-            <ac:spMk id="6" creationId="{33873244-75BC-4A4B-94F7-89B6B9CD434C}"/>
-          </ac:spMkLst>
-        </pc:spChg>
-        <pc:spChg chg="add del mod">
-          <ac:chgData name="Mättas, O. (Otto)" userId="S::o.mattas@students.uu.nl::f944b869-84fe-4915-ac0f-2070e720f33b" providerId="AD" clId="Web-{D7840D99-4FBE-4B82-A919-56CD25E4427E}" dt="2021-02-18T10:36:04.355" v="192"/>
-          <ac:spMkLst>
-            <pc:docMk/>
-            <pc:sldMk cId="109857222" sldId="256"/>
-            <ac:spMk id="8" creationId="{2DD51BC6-FFCA-417B-B59A-F22103E488FD}"/>
-          </ac:spMkLst>
-        </pc:spChg>
-        <pc:spChg chg="add del">
-          <ac:chgData name="Mättas, O. (Otto)" userId="S::o.mattas@students.uu.nl::f944b869-84fe-4915-ac0f-2070e720f33b" providerId="AD" clId="Web-{D7840D99-4FBE-4B82-A919-56CD25E4427E}" dt="2021-02-18T09:50:50.045" v="16"/>
-          <ac:spMkLst>
-            <pc:docMk/>
-            <pc:sldMk cId="109857222" sldId="256"/>
-            <ac:spMk id="9" creationId="{1E644DE9-8D09-43E2-BA69-F57482CFC93A}"/>
-          </ac:spMkLst>
-        </pc:spChg>
-        <pc:spChg chg="add del">
-          <ac:chgData name="Mättas, O. (Otto)" userId="S::o.mattas@students.uu.nl::f944b869-84fe-4915-ac0f-2070e720f33b" providerId="AD" clId="Web-{D7840D99-4FBE-4B82-A919-56CD25E4427E}" dt="2021-02-18T09:50:50.045" v="16"/>
-          <ac:spMkLst>
-            <pc:docMk/>
-            <pc:sldMk cId="109857222" sldId="256"/>
-            <ac:spMk id="11" creationId="{6C23C919-B32E-40FF-B3D8-631316E84E3E}"/>
-          </ac:spMkLst>
-        </pc:spChg>
-        <pc:spChg chg="add del">
-          <ac:chgData name="Mättas, O. (Otto)" userId="S::o.mattas@students.uu.nl::f944b869-84fe-4915-ac0f-2070e720f33b" providerId="AD" clId="Web-{D7840D99-4FBE-4B82-A919-56CD25E4427E}" dt="2021-02-18T09:51:29.486" v="20"/>
-          <ac:spMkLst>
-            <pc:docMk/>
-            <pc:sldMk cId="109857222" sldId="256"/>
-            <ac:spMk id="16" creationId="{E91DC736-0EF8-4F87-9146-EBF1D2EE4D3D}"/>
-          </ac:spMkLst>
-        </pc:spChg>
-        <pc:spChg chg="add del">
-          <ac:chgData name="Mättas, O. (Otto)" userId="S::o.mattas@students.uu.nl::f944b869-84fe-4915-ac0f-2070e720f33b" providerId="AD" clId="Web-{D7840D99-4FBE-4B82-A919-56CD25E4427E}" dt="2021-02-18T09:51:29.486" v="20"/>
-          <ac:spMkLst>
-            <pc:docMk/>
-            <pc:sldMk cId="109857222" sldId="256"/>
-            <ac:spMk id="18" creationId="{097CD68E-23E3-4007-8847-CD0944C4F7BE}"/>
-          </ac:spMkLst>
-        </pc:spChg>
-        <pc:spChg chg="add del">
-          <ac:chgData name="Mättas, O. (Otto)" userId="S::o.mattas@students.uu.nl::f944b869-84fe-4915-ac0f-2070e720f33b" providerId="AD" clId="Web-{D7840D99-4FBE-4B82-A919-56CD25E4427E}" dt="2021-02-18T09:51:29.486" v="20"/>
-          <ac:spMkLst>
-            <pc:docMk/>
-            <pc:sldMk cId="109857222" sldId="256"/>
-            <ac:spMk id="20" creationId="{AF2F604E-43BE-4DC3-B983-E071523364F8}"/>
-          </ac:spMkLst>
-        </pc:spChg>
-        <pc:spChg chg="add del">
-          <ac:chgData name="Mättas, O. (Otto)" userId="S::o.mattas@students.uu.nl::f944b869-84fe-4915-ac0f-2070e720f33b" providerId="AD" clId="Web-{D7840D99-4FBE-4B82-A919-56CD25E4427E}" dt="2021-02-18T09:51:29.486" v="20"/>
-          <ac:spMkLst>
-            <pc:docMk/>
-            <pc:sldMk cId="109857222" sldId="256"/>
-            <ac:spMk id="22" creationId="{08C9B587-E65E-4B52-B37C-ABEBB6E87928}"/>
-          </ac:spMkLst>
-        </pc:spChg>
-        <pc:spChg chg="add">
-          <ac:chgData name="Mättas, O. (Otto)" userId="S::o.mattas@students.uu.nl::f944b869-84fe-4915-ac0f-2070e720f33b" providerId="AD" clId="Web-{D7840D99-4FBE-4B82-A919-56CD25E4427E}" dt="2021-02-18T09:51:29.486" v="20"/>
-          <ac:spMkLst>
-            <pc:docMk/>
-            <pc:sldMk cId="109857222" sldId="256"/>
-            <ac:spMk id="27" creationId="{BA6285CA-6AFA-4F27-AFB5-1B32CDE09B1A}"/>
-          </ac:spMkLst>
-        </pc:spChg>
-        <pc:spChg chg="add">
-          <ac:chgData name="Mättas, O. (Otto)" userId="S::o.mattas@students.uu.nl::f944b869-84fe-4915-ac0f-2070e720f33b" providerId="AD" clId="Web-{D7840D99-4FBE-4B82-A919-56CD25E4427E}" dt="2021-02-18T09:51:29.486" v="20"/>
-          <ac:spMkLst>
-            <pc:docMk/>
-            <pc:sldMk cId="109857222" sldId="256"/>
-            <ac:spMk id="29" creationId="{F8DD0EAF-BF73-48D8-A426-3085C4B88FAA}"/>
-          </ac:spMkLst>
-        </pc:spChg>
-        <pc:spChg chg="add">
-          <ac:chgData name="Mättas, O. (Otto)" userId="S::o.mattas@students.uu.nl::f944b869-84fe-4915-ac0f-2070e720f33b" providerId="AD" clId="Web-{D7840D99-4FBE-4B82-A919-56CD25E4427E}" dt="2021-02-18T09:51:29.486" v="20"/>
-          <ac:spMkLst>
-            <pc:docMk/>
-            <pc:sldMk cId="109857222" sldId="256"/>
-            <ac:spMk id="31" creationId="{7BCC6446-8462-4A63-9B6F-8F57EC40F648}"/>
-          </ac:spMkLst>
-        </pc:spChg>
-        <pc:grpChg chg="add">
-          <ac:chgData name="Mättas, O. (Otto)" userId="S::o.mattas@students.uu.nl::f944b869-84fe-4915-ac0f-2070e720f33b" providerId="AD" clId="Web-{D7840D99-4FBE-4B82-A919-56CD25E4427E}" dt="2021-02-18T09:51:29.486" v="20"/>
-          <ac:grpSpMkLst>
-            <pc:docMk/>
-            <pc:sldMk cId="109857222" sldId="256"/>
-            <ac:grpSpMk id="33" creationId="{8118ECEF-CA6A-4CB6-BCA5-59B2DB40C4AB}"/>
-          </ac:grpSpMkLst>
-        </pc:grpChg>
-        <pc:picChg chg="add mod ord">
-          <ac:chgData name="Mättas, O. (Otto)" userId="S::o.mattas@students.uu.nl::f944b869-84fe-4915-ac0f-2070e720f33b" providerId="AD" clId="Web-{D7840D99-4FBE-4B82-A919-56CD25E4427E}" dt="2021-02-18T10:37:10.451" v="201"/>
-          <ac:picMkLst>
-            <pc:docMk/>
-            <pc:sldMk cId="109857222" sldId="256"/>
-            <ac:picMk id="4" creationId="{11FF6C02-B344-42B3-8582-C610697C4062}"/>
-          </ac:picMkLst>
-        </pc:picChg>
-      </pc:sldChg>
-      <pc:sldChg chg="addSp delSp modSp new del">
-        <pc:chgData name="Mättas, O. (Otto)" userId="S::o.mattas@students.uu.nl::f944b869-84fe-4915-ac0f-2070e720f33b" providerId="AD" clId="Web-{D7840D99-4FBE-4B82-A919-56CD25E4427E}" dt="2021-02-18T10:57:51.330" v="370"/>
-        <pc:sldMkLst>
-          <pc:docMk/>
-          <pc:sldMk cId="2626502531" sldId="257"/>
-        </pc:sldMkLst>
-        <pc:spChg chg="del mod">
-          <ac:chgData name="Mättas, O. (Otto)" userId="S::o.mattas@students.uu.nl::f944b869-84fe-4915-ac0f-2070e720f33b" providerId="AD" clId="Web-{D7840D99-4FBE-4B82-A919-56CD25E4427E}" dt="2021-02-18T10:06:54.173" v="140"/>
-          <ac:spMkLst>
-            <pc:docMk/>
-            <pc:sldMk cId="2626502531" sldId="257"/>
-            <ac:spMk id="2" creationId="{DBD96396-78E8-4A97-9EDC-45B8255CBC45}"/>
-          </ac:spMkLst>
-        </pc:spChg>
-        <pc:spChg chg="mod">
-          <ac:chgData name="Mättas, O. (Otto)" userId="S::o.mattas@students.uu.nl::f944b869-84fe-4915-ac0f-2070e720f33b" providerId="AD" clId="Web-{D7840D99-4FBE-4B82-A919-56CD25E4427E}" dt="2021-02-18T10:07:06.033" v="143" actId="14100"/>
-          <ac:spMkLst>
-            <pc:docMk/>
-            <pc:sldMk cId="2626502531" sldId="257"/>
-            <ac:spMk id="3" creationId="{59AF4931-D4A7-4115-B5A8-BA8779CDA94E}"/>
-          </ac:spMkLst>
-        </pc:spChg>
-        <pc:spChg chg="del">
-          <ac:chgData name="Mättas, O. (Otto)" userId="S::o.mattas@students.uu.nl::f944b869-84fe-4915-ac0f-2070e720f33b" providerId="AD" clId="Web-{D7840D99-4FBE-4B82-A919-56CD25E4427E}" dt="2021-02-18T10:06:57.439" v="142"/>
-          <ac:spMkLst>
-            <pc:docMk/>
-            <pc:sldMk cId="2626502531" sldId="257"/>
-            <ac:spMk id="4" creationId="{A56D7AF6-17B8-417E-8B1D-AAD522501788}"/>
-          </ac:spMkLst>
-        </pc:spChg>
-        <pc:spChg chg="add del mod">
-          <ac:chgData name="Mättas, O. (Otto)" userId="S::o.mattas@students.uu.nl::f944b869-84fe-4915-ac0f-2070e720f33b" providerId="AD" clId="Web-{D7840D99-4FBE-4B82-A919-56CD25E4427E}" dt="2021-02-18T10:06:56.048" v="141"/>
-          <ac:spMkLst>
-            <pc:docMk/>
-            <pc:sldMk cId="2626502531" sldId="257"/>
-            <ac:spMk id="6" creationId="{BE85CC54-043C-4643-9C24-699E55AC67B3}"/>
-          </ac:spMkLst>
-        </pc:spChg>
-      </pc:sldChg>
-      <pc:sldChg chg="addSp delSp modSp new del mod setBg">
-        <pc:chgData name="Mättas, O. (Otto)" userId="S::o.mattas@students.uu.nl::f944b869-84fe-4915-ac0f-2070e720f33b" providerId="AD" clId="Web-{D7840D99-4FBE-4B82-A919-56CD25E4427E}" dt="2021-02-18T10:58:02.002" v="371"/>
-        <pc:sldMkLst>
-          <pc:docMk/>
-          <pc:sldMk cId="2652283454" sldId="258"/>
-        </pc:sldMkLst>
-        <pc:spChg chg="add del mod">
-          <ac:chgData name="Mättas, O. (Otto)" userId="S::o.mattas@students.uu.nl::f944b869-84fe-4915-ac0f-2070e720f33b" providerId="AD" clId="Web-{D7840D99-4FBE-4B82-A919-56CD25E4427E}" dt="2021-02-18T10:07:41.145" v="151"/>
-          <ac:spMkLst>
-            <pc:docMk/>
-            <pc:sldMk cId="2652283454" sldId="258"/>
-            <ac:spMk id="2" creationId="{793F66B1-1F93-4125-9EA0-CD25522B5249}"/>
-          </ac:spMkLst>
-        </pc:spChg>
-        <pc:spChg chg="add">
-          <ac:chgData name="Mättas, O. (Otto)" userId="S::o.mattas@students.uu.nl::f944b869-84fe-4915-ac0f-2070e720f33b" providerId="AD" clId="Web-{D7840D99-4FBE-4B82-A919-56CD25E4427E}" dt="2021-02-18T10:07:41.145" v="151"/>
-          <ac:spMkLst>
-            <pc:docMk/>
-            <pc:sldMk cId="2652283454" sldId="258"/>
-            <ac:spMk id="8" creationId="{A4798C7F-C8CA-4799-BF37-3AB4642CDB66}"/>
-          </ac:spMkLst>
-        </pc:spChg>
-        <pc:spChg chg="add">
-          <ac:chgData name="Mättas, O. (Otto)" userId="S::o.mattas@students.uu.nl::f944b869-84fe-4915-ac0f-2070e720f33b" providerId="AD" clId="Web-{D7840D99-4FBE-4B82-A919-56CD25E4427E}" dt="2021-02-18T10:07:41.145" v="151"/>
-          <ac:spMkLst>
-            <pc:docMk/>
-            <pc:sldMk cId="2652283454" sldId="258"/>
-            <ac:spMk id="41" creationId="{216BB147-20D5-4D93-BDA5-1BC614D6A4B2}"/>
-          </ac:spMkLst>
-        </pc:spChg>
-        <pc:spChg chg="add">
-          <ac:chgData name="Mättas, O. (Otto)" userId="S::o.mattas@students.uu.nl::f944b869-84fe-4915-ac0f-2070e720f33b" providerId="AD" clId="Web-{D7840D99-4FBE-4B82-A919-56CD25E4427E}" dt="2021-02-18T10:07:41.145" v="151"/>
-          <ac:spMkLst>
-            <pc:docMk/>
-            <pc:sldMk cId="2652283454" sldId="258"/>
-            <ac:spMk id="43" creationId="{0A253F60-DE40-4508-A37A-61331DF1DD5D}"/>
-          </ac:spMkLst>
-        </pc:spChg>
-        <pc:spChg chg="add">
-          <ac:chgData name="Mättas, O. (Otto)" userId="S::o.mattas@students.uu.nl::f944b869-84fe-4915-ac0f-2070e720f33b" providerId="AD" clId="Web-{D7840D99-4FBE-4B82-A919-56CD25E4427E}" dt="2021-02-18T10:07:41.145" v="151"/>
-          <ac:spMkLst>
-            <pc:docMk/>
-            <pc:sldMk cId="2652283454" sldId="258"/>
-            <ac:spMk id="45" creationId="{C701CD53-28FC-491C-9022-F74BE327CC33}"/>
-          </ac:spMkLst>
-        </pc:spChg>
-        <pc:spChg chg="add">
-          <ac:chgData name="Mättas, O. (Otto)" userId="S::o.mattas@students.uu.nl::f944b869-84fe-4915-ac0f-2070e720f33b" providerId="AD" clId="Web-{D7840D99-4FBE-4B82-A919-56CD25E4427E}" dt="2021-02-18T10:07:41.145" v="151"/>
-          <ac:spMkLst>
-            <pc:docMk/>
-            <pc:sldMk cId="2652283454" sldId="258"/>
-            <ac:spMk id="78" creationId="{F9B84E06-1DBF-4F55-9B5E-F2F1E38EBA57}"/>
-          </ac:spMkLst>
-        </pc:spChg>
-        <pc:spChg chg="add">
-          <ac:chgData name="Mättas, O. (Otto)" userId="S::o.mattas@students.uu.nl::f944b869-84fe-4915-ac0f-2070e720f33b" providerId="AD" clId="Web-{D7840D99-4FBE-4B82-A919-56CD25E4427E}" dt="2021-02-18T10:07:41.145" v="151"/>
-          <ac:spMkLst>
-            <pc:docMk/>
-            <pc:sldMk cId="2652283454" sldId="258"/>
-            <ac:spMk id="111" creationId="{8E7E1993-6448-42F8-8FB3-76104F45B344}"/>
-          </ac:spMkLst>
-        </pc:spChg>
-        <pc:spChg chg="add">
-          <ac:chgData name="Mättas, O. (Otto)" userId="S::o.mattas@students.uu.nl::f944b869-84fe-4915-ac0f-2070e720f33b" providerId="AD" clId="Web-{D7840D99-4FBE-4B82-A919-56CD25E4427E}" dt="2021-02-18T10:07:41.145" v="151"/>
-          <ac:spMkLst>
-            <pc:docMk/>
-            <pc:sldMk cId="2652283454" sldId="258"/>
-            <ac:spMk id="113" creationId="{5B62175A-9061-4508-B024-671E2C3C3AAD}"/>
-          </ac:spMkLst>
-        </pc:spChg>
-        <pc:spChg chg="add">
-          <ac:chgData name="Mättas, O. (Otto)" userId="S::o.mattas@students.uu.nl::f944b869-84fe-4915-ac0f-2070e720f33b" providerId="AD" clId="Web-{D7840D99-4FBE-4B82-A919-56CD25E4427E}" dt="2021-02-18T10:07:41.145" v="151"/>
-          <ac:spMkLst>
-            <pc:docMk/>
-            <pc:sldMk cId="2652283454" sldId="258"/>
-            <ac:spMk id="115" creationId="{2391C84E-C2EA-44FC-A7D1-FAE3E2850552}"/>
-          </ac:spMkLst>
-        </pc:spChg>
-        <pc:spChg chg="add">
-          <ac:chgData name="Mättas, O. (Otto)" userId="S::o.mattas@students.uu.nl::f944b869-84fe-4915-ac0f-2070e720f33b" providerId="AD" clId="Web-{D7840D99-4FBE-4B82-A919-56CD25E4427E}" dt="2021-02-18T10:07:41.145" v="151"/>
-          <ac:spMkLst>
-            <pc:docMk/>
-            <pc:sldMk cId="2652283454" sldId="258"/>
-            <ac:spMk id="148" creationId="{7D7F7755-C305-4B28-8A86-8EA8898124E3}"/>
-          </ac:spMkLst>
-        </pc:spChg>
-        <pc:grpChg chg="add">
-          <ac:chgData name="Mättas, O. (Otto)" userId="S::o.mattas@students.uu.nl::f944b869-84fe-4915-ac0f-2070e720f33b" providerId="AD" clId="Web-{D7840D99-4FBE-4B82-A919-56CD25E4427E}" dt="2021-02-18T10:07:41.145" v="151"/>
-          <ac:grpSpMkLst>
-            <pc:docMk/>
-            <pc:sldMk cId="2652283454" sldId="258"/>
-            <ac:grpSpMk id="10" creationId="{87F0794B-55D3-4D2D-BDE7-4688ED321E42}"/>
-          </ac:grpSpMkLst>
-        </pc:grpChg>
-        <pc:grpChg chg="add">
-          <ac:chgData name="Mättas, O. (Otto)" userId="S::o.mattas@students.uu.nl::f944b869-84fe-4915-ac0f-2070e720f33b" providerId="AD" clId="Web-{D7840D99-4FBE-4B82-A919-56CD25E4427E}" dt="2021-02-18T10:07:41.145" v="151"/>
-          <ac:grpSpMkLst>
-            <pc:docMk/>
-            <pc:sldMk cId="2652283454" sldId="258"/>
-            <ac:grpSpMk id="47" creationId="{BC25D6CE-B5F2-4E0D-894F-9521E2433076}"/>
-          </ac:grpSpMkLst>
-        </pc:grpChg>
-        <pc:grpChg chg="add">
-          <ac:chgData name="Mättas, O. (Otto)" userId="S::o.mattas@students.uu.nl::f944b869-84fe-4915-ac0f-2070e720f33b" providerId="AD" clId="Web-{D7840D99-4FBE-4B82-A919-56CD25E4427E}" dt="2021-02-18T10:07:41.145" v="151"/>
-          <ac:grpSpMkLst>
-            <pc:docMk/>
-            <pc:sldMk cId="2652283454" sldId="258"/>
-            <ac:grpSpMk id="80" creationId="{2D739D9D-4A11-49F5-B045-708F7DED1CD4}"/>
-          </ac:grpSpMkLst>
-        </pc:grpChg>
-        <pc:grpChg chg="add">
-          <ac:chgData name="Mättas, O. (Otto)" userId="S::o.mattas@students.uu.nl::f944b869-84fe-4915-ac0f-2070e720f33b" providerId="AD" clId="Web-{D7840D99-4FBE-4B82-A919-56CD25E4427E}" dt="2021-02-18T10:07:41.145" v="151"/>
-          <ac:grpSpMkLst>
-            <pc:docMk/>
-            <pc:sldMk cId="2652283454" sldId="258"/>
-            <ac:grpSpMk id="117" creationId="{47B3131A-B518-43E5-A896-E9D654A4863F}"/>
-          </ac:grpSpMkLst>
-        </pc:grpChg>
-        <pc:graphicFrameChg chg="add">
-          <ac:chgData name="Mättas, O. (Otto)" userId="S::o.mattas@students.uu.nl::f944b869-84fe-4915-ac0f-2070e720f33b" providerId="AD" clId="Web-{D7840D99-4FBE-4B82-A919-56CD25E4427E}" dt="2021-02-18T10:07:41.145" v="151"/>
-          <ac:graphicFrameMkLst>
-            <pc:docMk/>
-            <pc:sldMk cId="2652283454" sldId="258"/>
-            <ac:graphicFrameMk id="4" creationId="{3C51D4A9-6E06-4BED-ACE4-CFED7FB6C6DF}"/>
-          </ac:graphicFrameMkLst>
-        </pc:graphicFrameChg>
-      </pc:sldChg>
-      <pc:sldChg chg="addSp delSp modSp new mod setBg">
-        <pc:chgData name="Mättas, O. (Otto)" userId="S::o.mattas@students.uu.nl::f944b869-84fe-4915-ac0f-2070e720f33b" providerId="AD" clId="Web-{D7840D99-4FBE-4B82-A919-56CD25E4427E}" dt="2021-02-18T10:38:58.219" v="210" actId="14100"/>
-        <pc:sldMkLst>
-          <pc:docMk/>
-          <pc:sldMk cId="2942977414" sldId="259"/>
-        </pc:sldMkLst>
-        <pc:spChg chg="mod">
-          <ac:chgData name="Mättas, O. (Otto)" userId="S::o.mattas@students.uu.nl::f944b869-84fe-4915-ac0f-2070e720f33b" providerId="AD" clId="Web-{D7840D99-4FBE-4B82-A919-56CD25E4427E}" dt="2021-02-18T10:38:42.594" v="209" actId="20577"/>
-          <ac:spMkLst>
-            <pc:docMk/>
-            <pc:sldMk cId="2942977414" sldId="259"/>
-            <ac:spMk id="2" creationId="{3C99E8F2-BD1A-48E0-96E7-9F2C4A9D5F81}"/>
-          </ac:spMkLst>
-        </pc:spChg>
-        <pc:spChg chg="mod">
-          <ac:chgData name="Mättas, O. (Otto)" userId="S::o.mattas@students.uu.nl::f944b869-84fe-4915-ac0f-2070e720f33b" providerId="AD" clId="Web-{D7840D99-4FBE-4B82-A919-56CD25E4427E}" dt="2021-02-18T10:38:38.188" v="208" actId="20577"/>
-          <ac:spMkLst>
-            <pc:docMk/>
-            <pc:sldMk cId="2942977414" sldId="259"/>
-            <ac:spMk id="3" creationId="{BFECE727-F53F-4D44-A07A-D22D81C5C7A7}"/>
-          </ac:spMkLst>
-        </pc:spChg>
-        <pc:spChg chg="add del">
-          <ac:chgData name="Mättas, O. (Otto)" userId="S::o.mattas@students.uu.nl::f944b869-84fe-4915-ac0f-2070e720f33b" providerId="AD" clId="Web-{D7840D99-4FBE-4B82-A919-56CD25E4427E}" dt="2021-02-18T10:38:22.781" v="207"/>
-          <ac:spMkLst>
-            <pc:docMk/>
-            <pc:sldMk cId="2942977414" sldId="259"/>
-            <ac:spMk id="5" creationId="{BA6285CA-6AFA-4F27-AFB5-1B32CDE09B1A}"/>
-          </ac:spMkLst>
-        </pc:spChg>
-        <pc:spChg chg="add del">
-          <ac:chgData name="Mättas, O. (Otto)" userId="S::o.mattas@students.uu.nl::f944b869-84fe-4915-ac0f-2070e720f33b" providerId="AD" clId="Web-{D7840D99-4FBE-4B82-A919-56CD25E4427E}" dt="2021-02-18T10:38:22.781" v="207"/>
-          <ac:spMkLst>
-            <pc:docMk/>
-            <pc:sldMk cId="2942977414" sldId="259"/>
-            <ac:spMk id="6" creationId="{D690347A-6937-4F6D-93E3-D398D803DE33}"/>
-          </ac:spMkLst>
-        </pc:spChg>
-        <pc:spChg chg="add del">
-          <ac:chgData name="Mättas, O. (Otto)" userId="S::o.mattas@students.uu.nl::f944b869-84fe-4915-ac0f-2070e720f33b" providerId="AD" clId="Web-{D7840D99-4FBE-4B82-A919-56CD25E4427E}" dt="2021-02-18T10:38:22.781" v="207"/>
-          <ac:spMkLst>
-            <pc:docMk/>
-            <pc:sldMk cId="2942977414" sldId="259"/>
-            <ac:spMk id="7" creationId="{DE6FA2BA-220F-4070-A46C-D437A6D2421C}"/>
-          </ac:spMkLst>
-        </pc:spChg>
-        <pc:spChg chg="add del">
-          <ac:chgData name="Mättas, O. (Otto)" userId="S::o.mattas@students.uu.nl::f944b869-84fe-4915-ac0f-2070e720f33b" providerId="AD" clId="Web-{D7840D99-4FBE-4B82-A919-56CD25E4427E}" dt="2021-02-18T10:37:42.405" v="203"/>
-          <ac:spMkLst>
-            <pc:docMk/>
-            <pc:sldMk cId="2942977414" sldId="259"/>
-            <ac:spMk id="8" creationId="{BA6285CA-6AFA-4F27-AFB5-1B32CDE09B1A}"/>
-          </ac:spMkLst>
-        </pc:spChg>
-        <pc:spChg chg="add del">
-          <ac:chgData name="Mättas, O. (Otto)" userId="S::o.mattas@students.uu.nl::f944b869-84fe-4915-ac0f-2070e720f33b" providerId="AD" clId="Web-{D7840D99-4FBE-4B82-A919-56CD25E4427E}" dt="2021-02-18T10:38:22.781" v="207"/>
-          <ac:spMkLst>
-            <pc:docMk/>
-            <pc:sldMk cId="2942977414" sldId="259"/>
-            <ac:spMk id="9" creationId="{B18D2A95-840F-45DF-AD93-5FA412FCC7EA}"/>
-          </ac:spMkLst>
-        </pc:spChg>
-        <pc:spChg chg="add del">
-          <ac:chgData name="Mättas, O. (Otto)" userId="S::o.mattas@students.uu.nl::f944b869-84fe-4915-ac0f-2070e720f33b" providerId="AD" clId="Web-{D7840D99-4FBE-4B82-A919-56CD25E4427E}" dt="2021-02-18T10:37:42.405" v="203"/>
-          <ac:spMkLst>
-            <pc:docMk/>
-            <pc:sldMk cId="2942977414" sldId="259"/>
-            <ac:spMk id="10" creationId="{F25649CC-2F8D-4B4A-909E-0269173E1D44}"/>
-          </ac:spMkLst>
-        </pc:spChg>
-        <pc:spChg chg="add del">
-          <ac:chgData name="Mättas, O. (Otto)" userId="S::o.mattas@students.uu.nl::f944b869-84fe-4915-ac0f-2070e720f33b" providerId="AD" clId="Web-{D7840D99-4FBE-4B82-A919-56CD25E4427E}" dt="2021-02-18T10:38:22.781" v="207"/>
-          <ac:spMkLst>
-            <pc:docMk/>
-            <pc:sldMk cId="2942977414" sldId="259"/>
-            <ac:spMk id="11" creationId="{F92A3F2D-F424-43A3-88B0-FB258A0C1829}"/>
-          </ac:spMkLst>
-        </pc:spChg>
-        <pc:spChg chg="add del">
-          <ac:chgData name="Mättas, O. (Otto)" userId="S::o.mattas@students.uu.nl::f944b869-84fe-4915-ac0f-2070e720f33b" providerId="AD" clId="Web-{D7840D99-4FBE-4B82-A919-56CD25E4427E}" dt="2021-02-18T10:37:42.405" v="203"/>
-          <ac:spMkLst>
-            <pc:docMk/>
-            <pc:sldMk cId="2942977414" sldId="259"/>
-            <ac:spMk id="12" creationId="{EFA7FFE7-B4B1-4C77-ABD3-FE284CE2673C}"/>
-          </ac:spMkLst>
-        </pc:spChg>
-        <pc:spChg chg="add del">
-          <ac:chgData name="Mättas, O. (Otto)" userId="S::o.mattas@students.uu.nl::f944b869-84fe-4915-ac0f-2070e720f33b" providerId="AD" clId="Web-{D7840D99-4FBE-4B82-A919-56CD25E4427E}" dt="2021-02-18T10:37:42.405" v="203"/>
-          <ac:spMkLst>
-            <pc:docMk/>
-            <pc:sldMk cId="2942977414" sldId="259"/>
-            <ac:spMk id="14" creationId="{DE6FA2BA-220F-4070-A46C-D437A6D2421C}"/>
-          </ac:spMkLst>
-        </pc:spChg>
-        <pc:spChg chg="add del">
-          <ac:chgData name="Mättas, O. (Otto)" userId="S::o.mattas@students.uu.nl::f944b869-84fe-4915-ac0f-2070e720f33b" providerId="AD" clId="Web-{D7840D99-4FBE-4B82-A919-56CD25E4427E}" dt="2021-02-18T10:37:42.405" v="203"/>
-          <ac:spMkLst>
-            <pc:docMk/>
-            <pc:sldMk cId="2942977414" sldId="259"/>
-            <ac:spMk id="16" creationId="{37CE8AAF-11BE-4CD8-AFF3-BD3038B18F09}"/>
-          </ac:spMkLst>
-        </pc:spChg>
-        <pc:spChg chg="add">
-          <ac:chgData name="Mättas, O. (Otto)" userId="S::o.mattas@students.uu.nl::f944b869-84fe-4915-ac0f-2070e720f33b" providerId="AD" clId="Web-{D7840D99-4FBE-4B82-A919-56CD25E4427E}" dt="2021-02-18T10:38:22.781" v="207"/>
-          <ac:spMkLst>
-            <pc:docMk/>
-            <pc:sldMk cId="2942977414" sldId="259"/>
-            <ac:spMk id="52" creationId="{BA6285CA-6AFA-4F27-AFB5-1B32CDE09B1A}"/>
-          </ac:spMkLst>
-        </pc:spChg>
-        <pc:spChg chg="add">
-          <ac:chgData name="Mättas, O. (Otto)" userId="S::o.mattas@students.uu.nl::f944b869-84fe-4915-ac0f-2070e720f33b" providerId="AD" clId="Web-{D7840D99-4FBE-4B82-A919-56CD25E4427E}" dt="2021-02-18T10:38:22.781" v="207"/>
-          <ac:spMkLst>
-            <pc:docMk/>
-            <pc:sldMk cId="2942977414" sldId="259"/>
-            <ac:spMk id="54" creationId="{F8DD0EAF-BF73-48D8-A426-3085C4B88FAA}"/>
-          </ac:spMkLst>
-        </pc:spChg>
-        <pc:spChg chg="add">
-          <ac:chgData name="Mättas, O. (Otto)" userId="S::o.mattas@students.uu.nl::f944b869-84fe-4915-ac0f-2070e720f33b" providerId="AD" clId="Web-{D7840D99-4FBE-4B82-A919-56CD25E4427E}" dt="2021-02-18T10:38:22.781" v="207"/>
-          <ac:spMkLst>
-            <pc:docMk/>
-            <pc:sldMk cId="2942977414" sldId="259"/>
-            <ac:spMk id="56" creationId="{7BCC6446-8462-4A63-9B6F-8F57EC40F648}"/>
-          </ac:spMkLst>
-        </pc:spChg>
-        <pc:grpChg chg="add del">
-          <ac:chgData name="Mättas, O. (Otto)" userId="S::o.mattas@students.uu.nl::f944b869-84fe-4915-ac0f-2070e720f33b" providerId="AD" clId="Web-{D7840D99-4FBE-4B82-A919-56CD25E4427E}" dt="2021-02-18T10:38:22.781" v="207"/>
-          <ac:grpSpMkLst>
-            <pc:docMk/>
-            <pc:sldMk cId="2942977414" sldId="259"/>
-            <ac:grpSpMk id="13" creationId="{E8BBA9B4-EF00-4579-A73A-061C5F902438}"/>
-          </ac:grpSpMkLst>
-        </pc:grpChg>
-        <pc:grpChg chg="add del">
-          <ac:chgData name="Mättas, O. (Otto)" userId="S::o.mattas@students.uu.nl::f944b869-84fe-4915-ac0f-2070e720f33b" providerId="AD" clId="Web-{D7840D99-4FBE-4B82-A919-56CD25E4427E}" dt="2021-02-18T10:37:42.405" v="203"/>
-          <ac:grpSpMkLst>
-            <pc:docMk/>
-            <pc:sldMk cId="2942977414" sldId="259"/>
-            <ac:grpSpMk id="18" creationId="{E8BBA9B4-EF00-4579-A73A-061C5F902438}"/>
-          </ac:grpSpMkLst>
-        </pc:grpChg>
-        <pc:grpChg chg="add">
-          <ac:chgData name="Mättas, O. (Otto)" userId="S::o.mattas@students.uu.nl::f944b869-84fe-4915-ac0f-2070e720f33b" providerId="AD" clId="Web-{D7840D99-4FBE-4B82-A919-56CD25E4427E}" dt="2021-02-18T10:38:22.781" v="207"/>
-          <ac:grpSpMkLst>
-            <pc:docMk/>
-            <pc:sldMk cId="2942977414" sldId="259"/>
-            <ac:grpSpMk id="58" creationId="{8118ECEF-CA6A-4CB6-BCA5-59B2DB40C4AB}"/>
-          </ac:grpSpMkLst>
-        </pc:grpChg>
-        <pc:picChg chg="add mod">
-          <ac:chgData name="Mättas, O. (Otto)" userId="S::o.mattas@students.uu.nl::f944b869-84fe-4915-ac0f-2070e720f33b" providerId="AD" clId="Web-{D7840D99-4FBE-4B82-A919-56CD25E4427E}" dt="2021-02-18T10:38:58.219" v="210" actId="14100"/>
-          <ac:picMkLst>
-            <pc:docMk/>
-            <pc:sldMk cId="2942977414" sldId="259"/>
-            <ac:picMk id="4" creationId="{38C2E213-0C12-4798-8BA9-8D234CD533F1}"/>
-          </ac:picMkLst>
-        </pc:picChg>
-      </pc:sldChg>
-      <pc:sldChg chg="addSp delSp modSp new mod setBg">
-        <pc:chgData name="Mättas, O. (Otto)" userId="S::o.mattas@students.uu.nl::f944b869-84fe-4915-ac0f-2070e720f33b" providerId="AD" clId="Web-{D7840D99-4FBE-4B82-A919-56CD25E4427E}" dt="2021-02-18T10:45:47.668" v="217"/>
-        <pc:sldMkLst>
-          <pc:docMk/>
-          <pc:sldMk cId="3940052765" sldId="260"/>
-        </pc:sldMkLst>
-        <pc:spChg chg="del">
-          <ac:chgData name="Mättas, O. (Otto)" userId="S::o.mattas@students.uu.nl::f944b869-84fe-4915-ac0f-2070e720f33b" providerId="AD" clId="Web-{D7840D99-4FBE-4B82-A919-56CD25E4427E}" dt="2021-02-18T10:40:10.175" v="215"/>
-          <ac:spMkLst>
-            <pc:docMk/>
-            <pc:sldMk cId="3940052765" sldId="260"/>
-            <ac:spMk id="2" creationId="{60A5EB27-9FF3-4FBB-979C-A896C91BA51D}"/>
-          </ac:spMkLst>
-        </pc:spChg>
-        <pc:spChg chg="del">
-          <ac:chgData name="Mättas, O. (Otto)" userId="S::o.mattas@students.uu.nl::f944b869-84fe-4915-ac0f-2070e720f33b" providerId="AD" clId="Web-{D7840D99-4FBE-4B82-A919-56CD25E4427E}" dt="2021-02-18T10:40:03.971" v="213"/>
-          <ac:spMkLst>
-            <pc:docMk/>
-            <pc:sldMk cId="3940052765" sldId="260"/>
-            <ac:spMk id="3" creationId="{00AF745F-2B0C-4C8C-B755-50EF4146D911}"/>
-          </ac:spMkLst>
-        </pc:spChg>
-        <pc:spChg chg="del">
-          <ac:chgData name="Mättas, O. (Otto)" userId="S::o.mattas@students.uu.nl::f944b869-84fe-4915-ac0f-2070e720f33b" providerId="AD" clId="Web-{D7840D99-4FBE-4B82-A919-56CD25E4427E}" dt="2021-02-18T10:40:05.784" v="214"/>
-          <ac:spMkLst>
-            <pc:docMk/>
-            <pc:sldMk cId="3940052765" sldId="260"/>
-            <ac:spMk id="4" creationId="{97D96E55-A2F7-4B4B-9D0E-3DB87922BAC7}"/>
-          </ac:spMkLst>
-        </pc:spChg>
-        <pc:spChg chg="add">
-          <ac:chgData name="Mättas, O. (Otto)" userId="S::o.mattas@students.uu.nl::f944b869-84fe-4915-ac0f-2070e720f33b" providerId="AD" clId="Web-{D7840D99-4FBE-4B82-A919-56CD25E4427E}" dt="2021-02-18T10:45:47.668" v="217"/>
-          <ac:spMkLst>
-            <pc:docMk/>
-            <pc:sldMk cId="3940052765" sldId="260"/>
-            <ac:spMk id="10" creationId="{A4798C7F-C8CA-4799-BF37-3AB4642CDB66}"/>
-          </ac:spMkLst>
-        </pc:spChg>
-        <pc:spChg chg="add">
-          <ac:chgData name="Mättas, O. (Otto)" userId="S::o.mattas@students.uu.nl::f944b869-84fe-4915-ac0f-2070e720f33b" providerId="AD" clId="Web-{D7840D99-4FBE-4B82-A919-56CD25E4427E}" dt="2021-02-18T10:45:47.668" v="217"/>
-          <ac:spMkLst>
-            <pc:docMk/>
-            <pc:sldMk cId="3940052765" sldId="260"/>
-            <ac:spMk id="43" creationId="{216BB147-20D5-4D93-BDA5-1BC614D6A4B2}"/>
-          </ac:spMkLst>
-        </pc:spChg>
-        <pc:spChg chg="add">
-          <ac:chgData name="Mättas, O. (Otto)" userId="S::o.mattas@students.uu.nl::f944b869-84fe-4915-ac0f-2070e720f33b" providerId="AD" clId="Web-{D7840D99-4FBE-4B82-A919-56CD25E4427E}" dt="2021-02-18T10:45:47.668" v="217"/>
-          <ac:spMkLst>
-            <pc:docMk/>
-            <pc:sldMk cId="3940052765" sldId="260"/>
-            <ac:spMk id="45" creationId="{0A253F60-DE40-4508-A37A-61331DF1DD5D}"/>
-          </ac:spMkLst>
-        </pc:spChg>
-        <pc:spChg chg="add">
-          <ac:chgData name="Mättas, O. (Otto)" userId="S::o.mattas@students.uu.nl::f944b869-84fe-4915-ac0f-2070e720f33b" providerId="AD" clId="Web-{D7840D99-4FBE-4B82-A919-56CD25E4427E}" dt="2021-02-18T10:45:47.668" v="217"/>
-          <ac:spMkLst>
-            <pc:docMk/>
-            <pc:sldMk cId="3940052765" sldId="260"/>
-            <ac:spMk id="47" creationId="{326AD51D-D59E-4689-A5DF-6A9857053BF6}"/>
-          </ac:spMkLst>
-        </pc:spChg>
-        <pc:spChg chg="add">
-          <ac:chgData name="Mättas, O. (Otto)" userId="S::o.mattas@students.uu.nl::f944b869-84fe-4915-ac0f-2070e720f33b" providerId="AD" clId="Web-{D7840D99-4FBE-4B82-A919-56CD25E4427E}" dt="2021-02-18T10:45:47.668" v="217"/>
-          <ac:spMkLst>
-            <pc:docMk/>
-            <pc:sldMk cId="3940052765" sldId="260"/>
-            <ac:spMk id="80" creationId="{7A6DA27B-24A2-4FAF-9CB9-A814BF835B9F}"/>
-          </ac:spMkLst>
-        </pc:spChg>
-        <pc:spChg chg="add">
-          <ac:chgData name="Mättas, O. (Otto)" userId="S::o.mattas@students.uu.nl::f944b869-84fe-4915-ac0f-2070e720f33b" providerId="AD" clId="Web-{D7840D99-4FBE-4B82-A919-56CD25E4427E}" dt="2021-02-18T10:45:47.668" v="217"/>
-          <ac:spMkLst>
-            <pc:docMk/>
-            <pc:sldMk cId="3940052765" sldId="260"/>
-            <ac:spMk id="113" creationId="{13B6DAC6-0186-4D62-AD69-90B9C0411EA3}"/>
-          </ac:spMkLst>
-        </pc:spChg>
-        <pc:spChg chg="add">
-          <ac:chgData name="Mättas, O. (Otto)" userId="S::o.mattas@students.uu.nl::f944b869-84fe-4915-ac0f-2070e720f33b" providerId="AD" clId="Web-{D7840D99-4FBE-4B82-A919-56CD25E4427E}" dt="2021-02-18T10:45:47.668" v="217"/>
-          <ac:spMkLst>
-            <pc:docMk/>
-            <pc:sldMk cId="3940052765" sldId="260"/>
-            <ac:spMk id="115" creationId="{BA6285CA-6AFA-4F27-AFB5-1B32CDE09B1A}"/>
-          </ac:spMkLst>
-        </pc:spChg>
-        <pc:spChg chg="add">
-          <ac:chgData name="Mättas, O. (Otto)" userId="S::o.mattas@students.uu.nl::f944b869-84fe-4915-ac0f-2070e720f33b" providerId="AD" clId="Web-{D7840D99-4FBE-4B82-A919-56CD25E4427E}" dt="2021-02-18T10:45:47.668" v="217"/>
-          <ac:spMkLst>
-            <pc:docMk/>
-            <pc:sldMk cId="3940052765" sldId="260"/>
-            <ac:spMk id="117" creationId="{4BE5C09D-B3C1-42F3-B945-39AEDFD19898}"/>
-          </ac:spMkLst>
-        </pc:spChg>
-        <pc:grpChg chg="add">
-          <ac:chgData name="Mättas, O. (Otto)" userId="S::o.mattas@students.uu.nl::f944b869-84fe-4915-ac0f-2070e720f33b" providerId="AD" clId="Web-{D7840D99-4FBE-4B82-A919-56CD25E4427E}" dt="2021-02-18T10:45:47.668" v="217"/>
-          <ac:grpSpMkLst>
-            <pc:docMk/>
-            <pc:sldMk cId="3940052765" sldId="260"/>
-            <ac:grpSpMk id="12" creationId="{87F0794B-55D3-4D2D-BDE7-4688ED321E42}"/>
-          </ac:grpSpMkLst>
-        </pc:grpChg>
-        <pc:grpChg chg="add">
-          <ac:chgData name="Mättas, O. (Otto)" userId="S::o.mattas@students.uu.nl::f944b869-84fe-4915-ac0f-2070e720f33b" providerId="AD" clId="Web-{D7840D99-4FBE-4B82-A919-56CD25E4427E}" dt="2021-02-18T10:45:47.668" v="217"/>
-          <ac:grpSpMkLst>
-            <pc:docMk/>
-            <pc:sldMk cId="3940052765" sldId="260"/>
-            <ac:grpSpMk id="49" creationId="{05578CCE-1E06-4634-B7D3-B75915B79B54}"/>
-          </ac:grpSpMkLst>
-        </pc:grpChg>
-        <pc:grpChg chg="add">
-          <ac:chgData name="Mättas, O. (Otto)" userId="S::o.mattas@students.uu.nl::f944b869-84fe-4915-ac0f-2070e720f33b" providerId="AD" clId="Web-{D7840D99-4FBE-4B82-A919-56CD25E4427E}" dt="2021-02-18T10:45:47.668" v="217"/>
-          <ac:grpSpMkLst>
-            <pc:docMk/>
-            <pc:sldMk cId="3940052765" sldId="260"/>
-            <ac:grpSpMk id="82" creationId="{ED48258A-6826-4A24-97F8-B65FE4D99A4E}"/>
-          </ac:grpSpMkLst>
-        </pc:grpChg>
-        <pc:grpChg chg="add">
-          <ac:chgData name="Mättas, O. (Otto)" userId="S::o.mattas@students.uu.nl::f944b869-84fe-4915-ac0f-2070e720f33b" providerId="AD" clId="Web-{D7840D99-4FBE-4B82-A919-56CD25E4427E}" dt="2021-02-18T10:45:47.668" v="217"/>
-          <ac:grpSpMkLst>
-            <pc:docMk/>
-            <pc:sldMk cId="3940052765" sldId="260"/>
-            <ac:grpSpMk id="119" creationId="{91108A0F-8C78-4294-B028-9F09581FC0A3}"/>
-          </ac:grpSpMkLst>
-        </pc:grpChg>
-        <pc:picChg chg="add mod">
-          <ac:chgData name="Mättas, O. (Otto)" userId="S::o.mattas@students.uu.nl::f944b869-84fe-4915-ac0f-2070e720f33b" providerId="AD" clId="Web-{D7840D99-4FBE-4B82-A919-56CD25E4427E}" dt="2021-02-18T10:45:47.668" v="217"/>
-          <ac:picMkLst>
-            <pc:docMk/>
-            <pc:sldMk cId="3940052765" sldId="260"/>
-            <ac:picMk id="5" creationId="{75201437-FB9E-45C4-B9D3-6985C9DAAD21}"/>
-          </ac:picMkLst>
-        </pc:picChg>
-      </pc:sldChg>
-      <pc:sldChg chg="addSp delSp modSp new mod setBg">
-        <pc:chgData name="Mättas, O. (Otto)" userId="S::o.mattas@students.uu.nl::f944b869-84fe-4915-ac0f-2070e720f33b" providerId="AD" clId="Web-{D7840D99-4FBE-4B82-A919-56CD25E4427E}" dt="2021-02-18T10:51:12.615" v="222"/>
-        <pc:sldMkLst>
-          <pc:docMk/>
-          <pc:sldMk cId="3916209493" sldId="261"/>
-        </pc:sldMkLst>
-        <pc:spChg chg="del">
-          <ac:chgData name="Mättas, O. (Otto)" userId="S::o.mattas@students.uu.nl::f944b869-84fe-4915-ac0f-2070e720f33b" providerId="AD" clId="Web-{D7840D99-4FBE-4B82-A919-56CD25E4427E}" dt="2021-02-18T10:50:55.708" v="219"/>
-          <ac:spMkLst>
-            <pc:docMk/>
-            <pc:sldMk cId="3916209493" sldId="261"/>
-            <ac:spMk id="2" creationId="{016660BA-E678-4359-8D74-B221F82D5DFA}"/>
-          </ac:spMkLst>
-        </pc:spChg>
-        <pc:spChg chg="del">
-          <ac:chgData name="Mättas, O. (Otto)" userId="S::o.mattas@students.uu.nl::f944b869-84fe-4915-ac0f-2070e720f33b" providerId="AD" clId="Web-{D7840D99-4FBE-4B82-A919-56CD25E4427E}" dt="2021-02-18T10:50:57.146" v="220"/>
-          <ac:spMkLst>
-            <pc:docMk/>
-            <pc:sldMk cId="3916209493" sldId="261"/>
-            <ac:spMk id="3" creationId="{9837CA79-270A-45B8-827A-47E9D9220CFA}"/>
-          </ac:spMkLst>
-        </pc:spChg>
-        <pc:spChg chg="add">
-          <ac:chgData name="Mättas, O. (Otto)" userId="S::o.mattas@students.uu.nl::f944b869-84fe-4915-ac0f-2070e720f33b" providerId="AD" clId="Web-{D7840D99-4FBE-4B82-A919-56CD25E4427E}" dt="2021-02-18T10:51:12.615" v="222"/>
-          <ac:spMkLst>
-            <pc:docMk/>
-            <pc:sldMk cId="3916209493" sldId="261"/>
-            <ac:spMk id="9" creationId="{A4798C7F-C8CA-4799-BF37-3AB4642CDB66}"/>
-          </ac:spMkLst>
-        </pc:spChg>
-        <pc:spChg chg="add">
-          <ac:chgData name="Mättas, O. (Otto)" userId="S::o.mattas@students.uu.nl::f944b869-84fe-4915-ac0f-2070e720f33b" providerId="AD" clId="Web-{D7840D99-4FBE-4B82-A919-56CD25E4427E}" dt="2021-02-18T10:51:12.615" v="222"/>
-          <ac:spMkLst>
-            <pc:docMk/>
-            <pc:sldMk cId="3916209493" sldId="261"/>
-            <ac:spMk id="42" creationId="{216BB147-20D5-4D93-BDA5-1BC614D6A4B2}"/>
-          </ac:spMkLst>
-        </pc:spChg>
-        <pc:spChg chg="add">
-          <ac:chgData name="Mättas, O. (Otto)" userId="S::o.mattas@students.uu.nl::f944b869-84fe-4915-ac0f-2070e720f33b" providerId="AD" clId="Web-{D7840D99-4FBE-4B82-A919-56CD25E4427E}" dt="2021-02-18T10:51:12.615" v="222"/>
-          <ac:spMkLst>
-            <pc:docMk/>
-            <pc:sldMk cId="3916209493" sldId="261"/>
-            <ac:spMk id="44" creationId="{0A253F60-DE40-4508-A37A-61331DF1DD5D}"/>
-          </ac:spMkLst>
-        </pc:spChg>
-        <pc:spChg chg="add">
-          <ac:chgData name="Mättas, O. (Otto)" userId="S::o.mattas@students.uu.nl::f944b869-84fe-4915-ac0f-2070e720f33b" providerId="AD" clId="Web-{D7840D99-4FBE-4B82-A919-56CD25E4427E}" dt="2021-02-18T10:51:12.615" v="222"/>
-          <ac:spMkLst>
-            <pc:docMk/>
-            <pc:sldMk cId="3916209493" sldId="261"/>
-            <ac:spMk id="46" creationId="{326AD51D-D59E-4689-A5DF-6A9857053BF6}"/>
-          </ac:spMkLst>
-        </pc:spChg>
-        <pc:spChg chg="add">
-          <ac:chgData name="Mättas, O. (Otto)" userId="S::o.mattas@students.uu.nl::f944b869-84fe-4915-ac0f-2070e720f33b" providerId="AD" clId="Web-{D7840D99-4FBE-4B82-A919-56CD25E4427E}" dt="2021-02-18T10:51:12.615" v="222"/>
-          <ac:spMkLst>
-            <pc:docMk/>
-            <pc:sldMk cId="3916209493" sldId="261"/>
-            <ac:spMk id="79" creationId="{7A6DA27B-24A2-4FAF-9CB9-A814BF835B9F}"/>
-          </ac:spMkLst>
-        </pc:spChg>
-        <pc:spChg chg="add">
-          <ac:chgData name="Mättas, O. (Otto)" userId="S::o.mattas@students.uu.nl::f944b869-84fe-4915-ac0f-2070e720f33b" providerId="AD" clId="Web-{D7840D99-4FBE-4B82-A919-56CD25E4427E}" dt="2021-02-18T10:51:12.615" v="222"/>
-          <ac:spMkLst>
-            <pc:docMk/>
-            <pc:sldMk cId="3916209493" sldId="261"/>
-            <ac:spMk id="112" creationId="{13B6DAC6-0186-4D62-AD69-90B9C0411EA3}"/>
-          </ac:spMkLst>
-        </pc:spChg>
-        <pc:spChg chg="add">
-          <ac:chgData name="Mättas, O. (Otto)" userId="S::o.mattas@students.uu.nl::f944b869-84fe-4915-ac0f-2070e720f33b" providerId="AD" clId="Web-{D7840D99-4FBE-4B82-A919-56CD25E4427E}" dt="2021-02-18T10:51:12.615" v="222"/>
-          <ac:spMkLst>
-            <pc:docMk/>
-            <pc:sldMk cId="3916209493" sldId="261"/>
-            <ac:spMk id="114" creationId="{BA6285CA-6AFA-4F27-AFB5-1B32CDE09B1A}"/>
-          </ac:spMkLst>
-        </pc:spChg>
-        <pc:spChg chg="add">
-          <ac:chgData name="Mättas, O. (Otto)" userId="S::o.mattas@students.uu.nl::f944b869-84fe-4915-ac0f-2070e720f33b" providerId="AD" clId="Web-{D7840D99-4FBE-4B82-A919-56CD25E4427E}" dt="2021-02-18T10:51:12.615" v="222"/>
-          <ac:spMkLst>
-            <pc:docMk/>
-            <pc:sldMk cId="3916209493" sldId="261"/>
-            <ac:spMk id="116" creationId="{4BE5C09D-B3C1-42F3-B945-39AEDFD19898}"/>
-          </ac:spMkLst>
-        </pc:spChg>
-        <pc:grpChg chg="add">
-          <ac:chgData name="Mättas, O. (Otto)" userId="S::o.mattas@students.uu.nl::f944b869-84fe-4915-ac0f-2070e720f33b" providerId="AD" clId="Web-{D7840D99-4FBE-4B82-A919-56CD25E4427E}" dt="2021-02-18T10:51:12.615" v="222"/>
-          <ac:grpSpMkLst>
-            <pc:docMk/>
-            <pc:sldMk cId="3916209493" sldId="261"/>
-            <ac:grpSpMk id="11" creationId="{87F0794B-55D3-4D2D-BDE7-4688ED321E42}"/>
-          </ac:grpSpMkLst>
-        </pc:grpChg>
-        <pc:grpChg chg="add">
-          <ac:chgData name="Mättas, O. (Otto)" userId="S::o.mattas@students.uu.nl::f944b869-84fe-4915-ac0f-2070e720f33b" providerId="AD" clId="Web-{D7840D99-4FBE-4B82-A919-56CD25E4427E}" dt="2021-02-18T10:51:12.615" v="222"/>
-          <ac:grpSpMkLst>
-            <pc:docMk/>
-            <pc:sldMk cId="3916209493" sldId="261"/>
-            <ac:grpSpMk id="48" creationId="{05578CCE-1E06-4634-B7D3-B75915B79B54}"/>
-          </ac:grpSpMkLst>
-        </pc:grpChg>
-        <pc:grpChg chg="add">
-          <ac:chgData name="Mättas, O. (Otto)" userId="S::o.mattas@students.uu.nl::f944b869-84fe-4915-ac0f-2070e720f33b" providerId="AD" clId="Web-{D7840D99-4FBE-4B82-A919-56CD25E4427E}" dt="2021-02-18T10:51:12.615" v="222"/>
-          <ac:grpSpMkLst>
-            <pc:docMk/>
-            <pc:sldMk cId="3916209493" sldId="261"/>
-            <ac:grpSpMk id="81" creationId="{ED48258A-6826-4A24-97F8-B65FE4D99A4E}"/>
-          </ac:grpSpMkLst>
-        </pc:grpChg>
-        <pc:grpChg chg="add">
-          <ac:chgData name="Mättas, O. (Otto)" userId="S::o.mattas@students.uu.nl::f944b869-84fe-4915-ac0f-2070e720f33b" providerId="AD" clId="Web-{D7840D99-4FBE-4B82-A919-56CD25E4427E}" dt="2021-02-18T10:51:12.615" v="222"/>
-          <ac:grpSpMkLst>
-            <pc:docMk/>
-            <pc:sldMk cId="3916209493" sldId="261"/>
-            <ac:grpSpMk id="118" creationId="{628E122F-BCB2-43BD-850B-48491CEEF415}"/>
-          </ac:grpSpMkLst>
-        </pc:grpChg>
-        <pc:picChg chg="add mod">
-          <ac:chgData name="Mättas, O. (Otto)" userId="S::o.mattas@students.uu.nl::f944b869-84fe-4915-ac0f-2070e720f33b" providerId="AD" clId="Web-{D7840D99-4FBE-4B82-A919-56CD25E4427E}" dt="2021-02-18T10:51:12.615" v="222"/>
-          <ac:picMkLst>
-            <pc:docMk/>
-            <pc:sldMk cId="3916209493" sldId="261"/>
-            <ac:picMk id="4" creationId="{15FC6A0F-6EC1-49E3-88C6-BC8668A9642B}"/>
-          </ac:picMkLst>
-        </pc:picChg>
-      </pc:sldChg>
-      <pc:sldChg chg="addSp delSp modSp new mod setBg">
-        <pc:chgData name="Mättas, O. (Otto)" userId="S::o.mattas@students.uu.nl::f944b869-84fe-4915-ac0f-2070e720f33b" providerId="AD" clId="Web-{D7840D99-4FBE-4B82-A919-56CD25E4427E}" dt="2021-02-18T10:54:18.980" v="272"/>
-        <pc:sldMkLst>
-          <pc:docMk/>
-          <pc:sldMk cId="4145148005" sldId="262"/>
-        </pc:sldMkLst>
-        <pc:spChg chg="del">
-          <ac:chgData name="Mättas, O. (Otto)" userId="S::o.mattas@students.uu.nl::f944b869-84fe-4915-ac0f-2070e720f33b" providerId="AD" clId="Web-{D7840D99-4FBE-4B82-A919-56CD25E4427E}" dt="2021-02-18T10:51:47.085" v="224"/>
-          <ac:spMkLst>
-            <pc:docMk/>
-            <pc:sldMk cId="4145148005" sldId="262"/>
-            <ac:spMk id="2" creationId="{3CA986FB-DF8A-459B-B6F7-A87A879D237E}"/>
-          </ac:spMkLst>
-        </pc:spChg>
-        <pc:spChg chg="del mod">
-          <ac:chgData name="Mättas, O. (Otto)" userId="S::o.mattas@students.uu.nl::f944b869-84fe-4915-ac0f-2070e720f33b" providerId="AD" clId="Web-{D7840D99-4FBE-4B82-A919-56CD25E4427E}" dt="2021-02-18T10:52:50.524" v="260"/>
-          <ac:spMkLst>
-            <pc:docMk/>
-            <pc:sldMk cId="4145148005" sldId="262"/>
-            <ac:spMk id="3" creationId="{77463601-5D79-47DD-A6A4-05A13E5432EC}"/>
-          </ac:spMkLst>
-        </pc:spChg>
-        <pc:spChg chg="add">
-          <ac:chgData name="Mättas, O. (Otto)" userId="S::o.mattas@students.uu.nl::f944b869-84fe-4915-ac0f-2070e720f33b" providerId="AD" clId="Web-{D7840D99-4FBE-4B82-A919-56CD25E4427E}" dt="2021-02-18T10:54:18.980" v="272"/>
-          <ac:spMkLst>
-            <pc:docMk/>
-            <pc:sldMk cId="4145148005" sldId="262"/>
-            <ac:spMk id="10" creationId="{8E7E1993-6448-42F8-8FB3-76104F45B344}"/>
-          </ac:spMkLst>
-        </pc:spChg>
-        <pc:spChg chg="add">
-          <ac:chgData name="Mättas, O. (Otto)" userId="S::o.mattas@students.uu.nl::f944b869-84fe-4915-ac0f-2070e720f33b" providerId="AD" clId="Web-{D7840D99-4FBE-4B82-A919-56CD25E4427E}" dt="2021-02-18T10:54:18.980" v="272"/>
-          <ac:spMkLst>
-            <pc:docMk/>
-            <pc:sldMk cId="4145148005" sldId="262"/>
-            <ac:spMk id="12" creationId="{5B62175A-9061-4508-B024-671E2C3C3AAD}"/>
-          </ac:spMkLst>
-        </pc:spChg>
-        <pc:spChg chg="add">
-          <ac:chgData name="Mättas, O. (Otto)" userId="S::o.mattas@students.uu.nl::f944b869-84fe-4915-ac0f-2070e720f33b" providerId="AD" clId="Web-{D7840D99-4FBE-4B82-A919-56CD25E4427E}" dt="2021-02-18T10:54:18.980" v="272"/>
-          <ac:spMkLst>
-            <pc:docMk/>
-            <pc:sldMk cId="4145148005" sldId="262"/>
-            <ac:spMk id="14" creationId="{2391C84E-C2EA-44FC-A7D1-FAE3E2850552}"/>
-          </ac:spMkLst>
-        </pc:spChg>
-        <pc:spChg chg="add">
-          <ac:chgData name="Mättas, O. (Otto)" userId="S::o.mattas@students.uu.nl::f944b869-84fe-4915-ac0f-2070e720f33b" providerId="AD" clId="Web-{D7840D99-4FBE-4B82-A919-56CD25E4427E}" dt="2021-02-18T10:54:18.980" v="272"/>
-          <ac:spMkLst>
-            <pc:docMk/>
-            <pc:sldMk cId="4145148005" sldId="262"/>
-            <ac:spMk id="47" creationId="{7D7F7755-C305-4B28-8A86-8EA8898124E3}"/>
-          </ac:spMkLst>
-        </pc:spChg>
-        <pc:grpChg chg="add">
-          <ac:chgData name="Mättas, O. (Otto)" userId="S::o.mattas@students.uu.nl::f944b869-84fe-4915-ac0f-2070e720f33b" providerId="AD" clId="Web-{D7840D99-4FBE-4B82-A919-56CD25E4427E}" dt="2021-02-18T10:54:18.980" v="272"/>
-          <ac:grpSpMkLst>
-            <pc:docMk/>
-            <pc:sldMk cId="4145148005" sldId="262"/>
-            <ac:grpSpMk id="16" creationId="{47B3131A-B518-43E5-A896-E9D654A4863F}"/>
-          </ac:grpSpMkLst>
-        </pc:grpChg>
-        <pc:graphicFrameChg chg="add mod modGraphic">
-          <ac:chgData name="Mättas, O. (Otto)" userId="S::o.mattas@students.uu.nl::f944b869-84fe-4915-ac0f-2070e720f33b" providerId="AD" clId="Web-{D7840D99-4FBE-4B82-A919-56CD25E4427E}" dt="2021-02-18T10:54:18.980" v="272"/>
-          <ac:graphicFrameMkLst>
-            <pc:docMk/>
-            <pc:sldMk cId="4145148005" sldId="262"/>
-            <ac:graphicFrameMk id="5" creationId="{4462317A-43FB-4114-8CBE-E0D7CDFEB563}"/>
-          </ac:graphicFrameMkLst>
-        </pc:graphicFrameChg>
-      </pc:sldChg>
-      <pc:sldChg chg="addSp delSp modSp new mod setBg">
-        <pc:chgData name="Mättas, O. (Otto)" userId="S::o.mattas@students.uu.nl::f944b869-84fe-4915-ac0f-2070e720f33b" providerId="AD" clId="Web-{D7840D99-4FBE-4B82-A919-56CD25E4427E}" dt="2021-02-18T11:02:10.946" v="454"/>
-        <pc:sldMkLst>
-          <pc:docMk/>
-          <pc:sldMk cId="2936770168" sldId="263"/>
-        </pc:sldMkLst>
-        <pc:spChg chg="del mod">
-          <ac:chgData name="Mättas, O. (Otto)" userId="S::o.mattas@students.uu.nl::f944b869-84fe-4915-ac0f-2070e720f33b" providerId="AD" clId="Web-{D7840D99-4FBE-4B82-A919-56CD25E4427E}" dt="2021-02-18T11:01:58.196" v="452"/>
-          <ac:spMkLst>
-            <pc:docMk/>
-            <pc:sldMk cId="2936770168" sldId="263"/>
-            <ac:spMk id="2" creationId="{E8F605E9-8F2C-428E-819C-4F0314319D70}"/>
-          </ac:spMkLst>
-        </pc:spChg>
-        <pc:spChg chg="del mod">
-          <ac:chgData name="Mättas, O. (Otto)" userId="S::o.mattas@students.uu.nl::f944b869-84fe-4915-ac0f-2070e720f33b" providerId="AD" clId="Web-{D7840D99-4FBE-4B82-A919-56CD25E4427E}" dt="2021-02-18T10:57:36.814" v="369"/>
-          <ac:spMkLst>
-            <pc:docMk/>
-            <pc:sldMk cId="2936770168" sldId="263"/>
-            <ac:spMk id="3" creationId="{7AF7D3EB-5806-4FFF-B284-CC730CA4D1EB}"/>
-          </ac:spMkLst>
-        </pc:spChg>
-        <pc:spChg chg="add del">
-          <ac:chgData name="Mättas, O. (Otto)" userId="S::o.mattas@students.uu.nl::f944b869-84fe-4915-ac0f-2070e720f33b" providerId="AD" clId="Web-{D7840D99-4FBE-4B82-A919-56CD25E4427E}" dt="2021-02-18T11:02:10.946" v="454"/>
-          <ac:spMkLst>
-            <pc:docMk/>
-            <pc:sldMk cId="2936770168" sldId="263"/>
-            <ac:spMk id="9" creationId="{8E7E1993-6448-42F8-8FB3-76104F45B344}"/>
-          </ac:spMkLst>
-        </pc:spChg>
-        <pc:spChg chg="add del">
-          <ac:chgData name="Mättas, O. (Otto)" userId="S::o.mattas@students.uu.nl::f944b869-84fe-4915-ac0f-2070e720f33b" providerId="AD" clId="Web-{D7840D99-4FBE-4B82-A919-56CD25E4427E}" dt="2021-02-18T11:02:10.946" v="454"/>
-          <ac:spMkLst>
-            <pc:docMk/>
-            <pc:sldMk cId="2936770168" sldId="263"/>
-            <ac:spMk id="11" creationId="{5B62175A-9061-4508-B024-671E2C3C3AAD}"/>
-          </ac:spMkLst>
-        </pc:spChg>
-        <pc:spChg chg="add del">
-          <ac:chgData name="Mättas, O. (Otto)" userId="S::o.mattas@students.uu.nl::f944b869-84fe-4915-ac0f-2070e720f33b" providerId="AD" clId="Web-{D7840D99-4FBE-4B82-A919-56CD25E4427E}" dt="2021-02-18T11:02:10.946" v="454"/>
-          <ac:spMkLst>
-            <pc:docMk/>
-            <pc:sldMk cId="2936770168" sldId="263"/>
-            <ac:spMk id="13" creationId="{2391C84E-C2EA-44FC-A7D1-FAE3E2850552}"/>
-          </ac:spMkLst>
-        </pc:spChg>
-        <pc:spChg chg="add del">
-          <ac:chgData name="Mättas, O. (Otto)" userId="S::o.mattas@students.uu.nl::f944b869-84fe-4915-ac0f-2070e720f33b" providerId="AD" clId="Web-{D7840D99-4FBE-4B82-A919-56CD25E4427E}" dt="2021-02-18T11:02:10.946" v="454"/>
-          <ac:spMkLst>
-            <pc:docMk/>
-            <pc:sldMk cId="2936770168" sldId="263"/>
-            <ac:spMk id="46" creationId="{7D7F7755-C305-4B28-8A86-8EA8898124E3}"/>
-          </ac:spMkLst>
-        </pc:spChg>
-        <pc:spChg chg="add">
-          <ac:chgData name="Mättas, O. (Otto)" userId="S::o.mattas@students.uu.nl::f944b869-84fe-4915-ac0f-2070e720f33b" providerId="AD" clId="Web-{D7840D99-4FBE-4B82-A919-56CD25E4427E}" dt="2021-02-18T11:02:10.946" v="454"/>
-          <ac:spMkLst>
-            <pc:docMk/>
-            <pc:sldMk cId="2936770168" sldId="263"/>
-            <ac:spMk id="48" creationId="{C0CB7D2E-C7F8-43A5-99C4-1D761C49BD79}"/>
-          </ac:spMkLst>
-        </pc:spChg>
-        <pc:spChg chg="add">
-          <ac:chgData name="Mättas, O. (Otto)" userId="S::o.mattas@students.uu.nl::f944b869-84fe-4915-ac0f-2070e720f33b" providerId="AD" clId="Web-{D7840D99-4FBE-4B82-A919-56CD25E4427E}" dt="2021-02-18T11:02:10.946" v="454"/>
-          <ac:spMkLst>
-            <pc:docMk/>
-            <pc:sldMk cId="2936770168" sldId="263"/>
-            <ac:spMk id="51" creationId="{8E7E1993-6448-42F8-8FB3-76104F45B344}"/>
-          </ac:spMkLst>
-        </pc:spChg>
-        <pc:spChg chg="add del mod">
-          <ac:chgData name="Mättas, O. (Otto)" userId="S::o.mattas@students.uu.nl::f944b869-84fe-4915-ac0f-2070e720f33b" providerId="AD" clId="Web-{D7840D99-4FBE-4B82-A919-56CD25E4427E}" dt="2021-02-18T11:02:01.337" v="453"/>
-          <ac:spMkLst>
-            <pc:docMk/>
-            <pc:sldMk cId="2936770168" sldId="263"/>
-            <ac:spMk id="53" creationId="{3E4CE31B-33CE-4DAF-AF22-FB03E1CEAE1D}"/>
-          </ac:spMkLst>
-        </pc:spChg>
-        <pc:spChg chg="add">
-          <ac:chgData name="Mättas, O. (Otto)" userId="S::o.mattas@students.uu.nl::f944b869-84fe-4915-ac0f-2070e720f33b" providerId="AD" clId="Web-{D7840D99-4FBE-4B82-A919-56CD25E4427E}" dt="2021-02-18T11:02:10.946" v="454"/>
-          <ac:spMkLst>
-            <pc:docMk/>
-            <pc:sldMk cId="2936770168" sldId="263"/>
-            <ac:spMk id="55" creationId="{2391C84E-C2EA-44FC-A7D1-FAE3E2850552}"/>
-          </ac:spMkLst>
-        </pc:spChg>
-        <pc:spChg chg="add">
-          <ac:chgData name="Mättas, O. (Otto)" userId="S::o.mattas@students.uu.nl::f944b869-84fe-4915-ac0f-2070e720f33b" providerId="AD" clId="Web-{D7840D99-4FBE-4B82-A919-56CD25E4427E}" dt="2021-02-18T11:02:10.946" v="454"/>
-          <ac:spMkLst>
-            <pc:docMk/>
-            <pc:sldMk cId="2936770168" sldId="263"/>
-            <ac:spMk id="88" creationId="{A21FD571-42E4-4432-8E86-148D0A97D63E}"/>
-          </ac:spMkLst>
-        </pc:spChg>
-        <pc:grpChg chg="add del">
-          <ac:chgData name="Mättas, O. (Otto)" userId="S::o.mattas@students.uu.nl::f944b869-84fe-4915-ac0f-2070e720f33b" providerId="AD" clId="Web-{D7840D99-4FBE-4B82-A919-56CD25E4427E}" dt="2021-02-18T11:02:10.946" v="454"/>
-          <ac:grpSpMkLst>
-            <pc:docMk/>
-            <pc:sldMk cId="2936770168" sldId="263"/>
-            <ac:grpSpMk id="15" creationId="{47B3131A-B518-43E5-A896-E9D654A4863F}"/>
-          </ac:grpSpMkLst>
-        </pc:grpChg>
-        <pc:grpChg chg="add">
-          <ac:chgData name="Mättas, O. (Otto)" userId="S::o.mattas@students.uu.nl::f944b869-84fe-4915-ac0f-2070e720f33b" providerId="AD" clId="Web-{D7840D99-4FBE-4B82-A919-56CD25E4427E}" dt="2021-02-18T11:02:10.946" v="454"/>
-          <ac:grpSpMkLst>
-            <pc:docMk/>
-            <pc:sldMk cId="2936770168" sldId="263"/>
-            <ac:grpSpMk id="57" creationId="{47B3131A-B518-43E5-A896-E9D654A4863F}"/>
-          </ac:grpSpMkLst>
-        </pc:grpChg>
-        <pc:graphicFrameChg chg="add mod modGraphic">
-          <ac:chgData name="Mättas, O. (Otto)" userId="S::o.mattas@students.uu.nl::f944b869-84fe-4915-ac0f-2070e720f33b" providerId="AD" clId="Web-{D7840D99-4FBE-4B82-A919-56CD25E4427E}" dt="2021-02-18T11:02:10.946" v="454"/>
-          <ac:graphicFrameMkLst>
-            <pc:docMk/>
-            <pc:sldMk cId="2936770168" sldId="263"/>
-            <ac:graphicFrameMk id="5" creationId="{DBB9DA2F-3D83-45DF-B6BB-A9370C601005}"/>
-          </ac:graphicFrameMkLst>
-        </pc:graphicFrameChg>
-      </pc:sldChg>
-      <pc:sldChg chg="addSp delSp modSp new del mod setBg">
-        <pc:chgData name="Mättas, O. (Otto)" userId="S::o.mattas@students.uu.nl::f944b869-84fe-4915-ac0f-2070e720f33b" providerId="AD" clId="Web-{D7840D99-4FBE-4B82-A919-56CD25E4427E}" dt="2021-02-18T11:00:39.459" v="420"/>
-        <pc:sldMkLst>
-          <pc:docMk/>
-          <pc:sldMk cId="1252473876" sldId="264"/>
-        </pc:sldMkLst>
-        <pc:spChg chg="del mod">
-          <ac:chgData name="Mättas, O. (Otto)" userId="S::o.mattas@students.uu.nl::f944b869-84fe-4915-ac0f-2070e720f33b" providerId="AD" clId="Web-{D7840D99-4FBE-4B82-A919-56CD25E4427E}" dt="2021-02-18T10:59:39.067" v="401"/>
-          <ac:spMkLst>
-            <pc:docMk/>
-            <pc:sldMk cId="1252473876" sldId="264"/>
-            <ac:spMk id="2" creationId="{6D71B6B4-09B2-4840-A446-39971C23217E}"/>
-          </ac:spMkLst>
-        </pc:spChg>
-        <pc:spChg chg="del mod">
-          <ac:chgData name="Mättas, O. (Otto)" userId="S::o.mattas@students.uu.nl::f944b869-84fe-4915-ac0f-2070e720f33b" providerId="AD" clId="Web-{D7840D99-4FBE-4B82-A919-56CD25E4427E}" dt="2021-02-18T10:59:54.193" v="403"/>
-          <ac:spMkLst>
-            <pc:docMk/>
-            <pc:sldMk cId="1252473876" sldId="264"/>
-            <ac:spMk id="3" creationId="{54EBC182-1196-4BA6-B2B0-D3E947BB7A9A}"/>
-          </ac:spMkLst>
-        </pc:spChg>
-        <pc:spChg chg="add del mod">
-          <ac:chgData name="Mättas, O. (Otto)" userId="S::o.mattas@students.uu.nl::f944b869-84fe-4915-ac0f-2070e720f33b" providerId="AD" clId="Web-{D7840D99-4FBE-4B82-A919-56CD25E4427E}" dt="2021-02-18T10:59:44.130" v="402"/>
-          <ac:spMkLst>
-            <pc:docMk/>
-            <pc:sldMk cId="1252473876" sldId="264"/>
-            <ac:spMk id="5" creationId="{7792D4EA-BC25-4921-9D3D-F86F668DE584}"/>
-          </ac:spMkLst>
-        </pc:spChg>
-        <pc:spChg chg="add mod">
-          <ac:chgData name="Mättas, O. (Otto)" userId="S::o.mattas@students.uu.nl::f944b869-84fe-4915-ac0f-2070e720f33b" providerId="AD" clId="Web-{D7840D99-4FBE-4B82-A919-56CD25E4427E}" dt="2021-02-18T10:59:54.193" v="403"/>
-          <ac:spMkLst>
-            <pc:docMk/>
-            <pc:sldMk cId="1252473876" sldId="264"/>
-            <ac:spMk id="7" creationId="{232CCBE5-73C9-4394-ACA4-08BB44A4FB6E}"/>
-          </ac:spMkLst>
-        </pc:spChg>
-        <pc:spChg chg="add">
-          <ac:chgData name="Mättas, O. (Otto)" userId="S::o.mattas@students.uu.nl::f944b869-84fe-4915-ac0f-2070e720f33b" providerId="AD" clId="Web-{D7840D99-4FBE-4B82-A919-56CD25E4427E}" dt="2021-02-18T10:59:33.442" v="400"/>
-          <ac:spMkLst>
-            <pc:docMk/>
-            <pc:sldMk cId="1252473876" sldId="264"/>
-            <ac:spMk id="8" creationId="{A4798C7F-C8CA-4799-BF37-3AB4642CDB66}"/>
-          </ac:spMkLst>
-        </pc:spChg>
-        <pc:spChg chg="add">
-          <ac:chgData name="Mättas, O. (Otto)" userId="S::o.mattas@students.uu.nl::f944b869-84fe-4915-ac0f-2070e720f33b" providerId="AD" clId="Web-{D7840D99-4FBE-4B82-A919-56CD25E4427E}" dt="2021-02-18T10:59:33.442" v="400"/>
-          <ac:spMkLst>
-            <pc:docMk/>
-            <pc:sldMk cId="1252473876" sldId="264"/>
-            <ac:spMk id="41" creationId="{216BB147-20D5-4D93-BDA5-1BC614D6A4B2}"/>
-          </ac:spMkLst>
-        </pc:spChg>
-        <pc:spChg chg="add">
-          <ac:chgData name="Mättas, O. (Otto)" userId="S::o.mattas@students.uu.nl::f944b869-84fe-4915-ac0f-2070e720f33b" providerId="AD" clId="Web-{D7840D99-4FBE-4B82-A919-56CD25E4427E}" dt="2021-02-18T10:59:33.442" v="400"/>
-          <ac:spMkLst>
-            <pc:docMk/>
-            <pc:sldMk cId="1252473876" sldId="264"/>
-            <ac:spMk id="43" creationId="{0A253F60-DE40-4508-A37A-61331DF1DD5D}"/>
-          </ac:spMkLst>
-        </pc:spChg>
-        <pc:spChg chg="add">
-          <ac:chgData name="Mättas, O. (Otto)" userId="S::o.mattas@students.uu.nl::f944b869-84fe-4915-ac0f-2070e720f33b" providerId="AD" clId="Web-{D7840D99-4FBE-4B82-A919-56CD25E4427E}" dt="2021-02-18T10:59:33.442" v="400"/>
-          <ac:spMkLst>
-            <pc:docMk/>
-            <pc:sldMk cId="1252473876" sldId="264"/>
-            <ac:spMk id="107" creationId="{BA6285CA-6AFA-4F27-AFB5-1B32CDE09B1A}"/>
-          </ac:spMkLst>
-        </pc:spChg>
-        <pc:spChg chg="add">
-          <ac:chgData name="Mättas, O. (Otto)" userId="S::o.mattas@students.uu.nl::f944b869-84fe-4915-ac0f-2070e720f33b" providerId="AD" clId="Web-{D7840D99-4FBE-4B82-A919-56CD25E4427E}" dt="2021-02-18T10:59:33.442" v="400"/>
-          <ac:spMkLst>
-            <pc:docMk/>
-            <pc:sldMk cId="1252473876" sldId="264"/>
-            <ac:spMk id="109" creationId="{D690347A-6937-4F6D-93E3-D398D803DE33}"/>
-          </ac:spMkLst>
-        </pc:spChg>
-        <pc:spChg chg="add">
-          <ac:chgData name="Mättas, O. (Otto)" userId="S::o.mattas@students.uu.nl::f944b869-84fe-4915-ac0f-2070e720f33b" providerId="AD" clId="Web-{D7840D99-4FBE-4B82-A919-56CD25E4427E}" dt="2021-02-18T10:59:33.442" v="400"/>
-          <ac:spMkLst>
-            <pc:docMk/>
-            <pc:sldMk cId="1252473876" sldId="264"/>
-            <ac:spMk id="111" creationId="{DE6FA2BA-220F-4070-A46C-D437A6D2421C}"/>
-          </ac:spMkLst>
-        </pc:spChg>
-        <pc:spChg chg="add">
-          <ac:chgData name="Mättas, O. (Otto)" userId="S::o.mattas@students.uu.nl::f944b869-84fe-4915-ac0f-2070e720f33b" providerId="AD" clId="Web-{D7840D99-4FBE-4B82-A919-56CD25E4427E}" dt="2021-02-18T10:59:33.442" v="400"/>
-          <ac:spMkLst>
-            <pc:docMk/>
-            <pc:sldMk cId="1252473876" sldId="264"/>
-            <ac:spMk id="113" creationId="{B18D2A95-840F-45DF-AD93-5FA412FCC7EA}"/>
-          </ac:spMkLst>
-        </pc:spChg>
-        <pc:spChg chg="add">
-          <ac:chgData name="Mättas, O. (Otto)" userId="S::o.mattas@students.uu.nl::f944b869-84fe-4915-ac0f-2070e720f33b" providerId="AD" clId="Web-{D7840D99-4FBE-4B82-A919-56CD25E4427E}" dt="2021-02-18T10:59:33.442" v="400"/>
-          <ac:spMkLst>
-            <pc:docMk/>
-            <pc:sldMk cId="1252473876" sldId="264"/>
-            <ac:spMk id="115" creationId="{F92A3F2D-F424-43A3-88B0-FB258A0C1829}"/>
-          </ac:spMkLst>
-        </pc:spChg>
-        <pc:grpChg chg="add">
-          <ac:chgData name="Mättas, O. (Otto)" userId="S::o.mattas@students.uu.nl::f944b869-84fe-4915-ac0f-2070e720f33b" providerId="AD" clId="Web-{D7840D99-4FBE-4B82-A919-56CD25E4427E}" dt="2021-02-18T10:59:33.442" v="400"/>
-          <ac:grpSpMkLst>
-            <pc:docMk/>
-            <pc:sldMk cId="1252473876" sldId="264"/>
-            <ac:grpSpMk id="10" creationId="{87F0794B-55D3-4D2D-BDE7-4688ED321E42}"/>
-          </ac:grpSpMkLst>
-        </pc:grpChg>
-        <pc:grpChg chg="add">
-          <ac:chgData name="Mättas, O. (Otto)" userId="S::o.mattas@students.uu.nl::f944b869-84fe-4915-ac0f-2070e720f33b" providerId="AD" clId="Web-{D7840D99-4FBE-4B82-A919-56CD25E4427E}" dt="2021-02-18T10:59:33.442" v="400"/>
-          <ac:grpSpMkLst>
-            <pc:docMk/>
-            <pc:sldMk cId="1252473876" sldId="264"/>
-            <ac:grpSpMk id="45" creationId="{CFB42397-759B-4110-90F9-11A099A04F18}"/>
-          </ac:grpSpMkLst>
-        </pc:grpChg>
-        <pc:grpChg chg="add">
-          <ac:chgData name="Mättas, O. (Otto)" userId="S::o.mattas@students.uu.nl::f944b869-84fe-4915-ac0f-2070e720f33b" providerId="AD" clId="Web-{D7840D99-4FBE-4B82-A919-56CD25E4427E}" dt="2021-02-18T10:59:33.442" v="400"/>
-          <ac:grpSpMkLst>
-            <pc:docMk/>
-            <pc:sldMk cId="1252473876" sldId="264"/>
-            <ac:grpSpMk id="76" creationId="{9A50F0F9-04C8-47E4-AF66-B3CAF8C81917}"/>
-          </ac:grpSpMkLst>
-        </pc:grpChg>
-        <pc:grpChg chg="add">
-          <ac:chgData name="Mättas, O. (Otto)" userId="S::o.mattas@students.uu.nl::f944b869-84fe-4915-ac0f-2070e720f33b" providerId="AD" clId="Web-{D7840D99-4FBE-4B82-A919-56CD25E4427E}" dt="2021-02-18T10:59:33.442" v="400"/>
-          <ac:grpSpMkLst>
-            <pc:docMk/>
-            <pc:sldMk cId="1252473876" sldId="264"/>
-            <ac:grpSpMk id="117" creationId="{E8BBA9B4-EF00-4579-A73A-061C5F902438}"/>
-          </ac:grpSpMkLst>
-        </pc:grpChg>
-      </pc:sldChg>
-      <pc:sldChg chg="modSp new del">
-        <pc:chgData name="Mättas, O. (Otto)" userId="S::o.mattas@students.uu.nl::f944b869-84fe-4915-ac0f-2070e720f33b" providerId="AD" clId="Web-{D7840D99-4FBE-4B82-A919-56CD25E4427E}" dt="2021-02-18T11:00:46.288" v="421"/>
-        <pc:sldMkLst>
-          <pc:docMk/>
-          <pc:sldMk cId="305843566" sldId="265"/>
-        </pc:sldMkLst>
-        <pc:spChg chg="mod">
-          <ac:chgData name="Mättas, O. (Otto)" userId="S::o.mattas@students.uu.nl::f944b869-84fe-4915-ac0f-2070e720f33b" providerId="AD" clId="Web-{D7840D99-4FBE-4B82-A919-56CD25E4427E}" dt="2021-02-18T11:00:10.193" v="410" actId="20577"/>
-          <ac:spMkLst>
-            <pc:docMk/>
-            <pc:sldMk cId="305843566" sldId="265"/>
-            <ac:spMk id="2" creationId="{74BF473F-021F-4ED5-9D25-EFF2C19362C3}"/>
-          </ac:spMkLst>
-        </pc:spChg>
-      </pc:sldChg>
-      <pc:sldChg chg="addSp delSp modSp new mod setBg">
-        <pc:chgData name="Mättas, O. (Otto)" userId="S::o.mattas@students.uu.nl::f944b869-84fe-4915-ac0f-2070e720f33b" providerId="AD" clId="Web-{D7840D99-4FBE-4B82-A919-56CD25E4427E}" dt="2021-02-18T11:08:04.753" v="563" actId="20577"/>
-        <pc:sldMkLst>
-          <pc:docMk/>
-          <pc:sldMk cId="2243679050" sldId="266"/>
-        </pc:sldMkLst>
-        <pc:spChg chg="mod">
-          <ac:chgData name="Mättas, O. (Otto)" userId="S::o.mattas@students.uu.nl::f944b869-84fe-4915-ac0f-2070e720f33b" providerId="AD" clId="Web-{D7840D99-4FBE-4B82-A919-56CD25E4427E}" dt="2021-02-18T11:08:04.753" v="563" actId="20577"/>
-          <ac:spMkLst>
-            <pc:docMk/>
-            <pc:sldMk cId="2243679050" sldId="266"/>
-            <ac:spMk id="2" creationId="{B238061C-8601-49D7-A023-7E0613707479}"/>
-          </ac:spMkLst>
-        </pc:spChg>
-        <pc:spChg chg="del mod">
-          <ac:chgData name="Mättas, O. (Otto)" userId="S::o.mattas@students.uu.nl::f944b869-84fe-4915-ac0f-2070e720f33b" providerId="AD" clId="Web-{D7840D99-4FBE-4B82-A919-56CD25E4427E}" dt="2021-02-18T11:07:58.300" v="561"/>
-          <ac:spMkLst>
-            <pc:docMk/>
-            <pc:sldMk cId="2243679050" sldId="266"/>
-            <ac:spMk id="3" creationId="{90BE858E-06A9-4E27-9DA7-9A649B757DE2}"/>
-          </ac:spMkLst>
-        </pc:spChg>
-        <pc:spChg chg="del mod">
-          <ac:chgData name="Mättas, O. (Otto)" userId="S::o.mattas@students.uu.nl::f944b869-84fe-4915-ac0f-2070e720f33b" providerId="AD" clId="Web-{D7840D99-4FBE-4B82-A919-56CD25E4427E}" dt="2021-02-18T11:07:29.190" v="559"/>
-          <ac:spMkLst>
-            <pc:docMk/>
-            <pc:sldMk cId="2243679050" sldId="266"/>
-            <ac:spMk id="4" creationId="{BC564DE1-82D0-428B-8F71-FA7ED9267ADF}"/>
-          </ac:spMkLst>
-        </pc:spChg>
-        <pc:spChg chg="add">
-          <ac:chgData name="Mättas, O. (Otto)" userId="S::o.mattas@students.uu.nl::f944b869-84fe-4915-ac0f-2070e720f33b" providerId="AD" clId="Web-{D7840D99-4FBE-4B82-A919-56CD25E4427E}" dt="2021-02-18T11:07:58.300" v="561"/>
-          <ac:spMkLst>
-            <pc:docMk/>
-            <pc:sldMk cId="2243679050" sldId="266"/>
-            <ac:spMk id="9" creationId="{A4798C7F-C8CA-4799-BF37-3AB4642CDB66}"/>
-          </ac:spMkLst>
-        </pc:spChg>
-        <pc:spChg chg="add">
-          <ac:chgData name="Mättas, O. (Otto)" userId="S::o.mattas@students.uu.nl::f944b869-84fe-4915-ac0f-2070e720f33b" providerId="AD" clId="Web-{D7840D99-4FBE-4B82-A919-56CD25E4427E}" dt="2021-02-18T11:07:58.300" v="561"/>
-          <ac:spMkLst>
-            <pc:docMk/>
-            <pc:sldMk cId="2243679050" sldId="266"/>
-            <ac:spMk id="42" creationId="{216BB147-20D5-4D93-BDA5-1BC614D6A4B2}"/>
-          </ac:spMkLst>
-        </pc:spChg>
-        <pc:spChg chg="add">
-          <ac:chgData name="Mättas, O. (Otto)" userId="S::o.mattas@students.uu.nl::f944b869-84fe-4915-ac0f-2070e720f33b" providerId="AD" clId="Web-{D7840D99-4FBE-4B82-A919-56CD25E4427E}" dt="2021-02-18T11:07:58.300" v="561"/>
-          <ac:spMkLst>
-            <pc:docMk/>
-            <pc:sldMk cId="2243679050" sldId="266"/>
-            <ac:spMk id="44" creationId="{0A253F60-DE40-4508-A37A-61331DF1DD5D}"/>
-          </ac:spMkLst>
-        </pc:spChg>
-        <pc:spChg chg="add">
-          <ac:chgData name="Mättas, O. (Otto)" userId="S::o.mattas@students.uu.nl::f944b869-84fe-4915-ac0f-2070e720f33b" providerId="AD" clId="Web-{D7840D99-4FBE-4B82-A919-56CD25E4427E}" dt="2021-02-18T11:07:58.300" v="561"/>
-          <ac:spMkLst>
-            <pc:docMk/>
-            <pc:sldMk cId="2243679050" sldId="266"/>
-            <ac:spMk id="46" creationId="{C701CD53-28FC-491C-9022-F74BE327CC33}"/>
-          </ac:spMkLst>
-        </pc:spChg>
-        <pc:spChg chg="add">
-          <ac:chgData name="Mättas, O. (Otto)" userId="S::o.mattas@students.uu.nl::f944b869-84fe-4915-ac0f-2070e720f33b" providerId="AD" clId="Web-{D7840D99-4FBE-4B82-A919-56CD25E4427E}" dt="2021-02-18T11:07:58.300" v="561"/>
-          <ac:spMkLst>
-            <pc:docMk/>
-            <pc:sldMk cId="2243679050" sldId="266"/>
-            <ac:spMk id="79" creationId="{F9B84E06-1DBF-4F55-9B5E-F2F1E38EBA57}"/>
-          </ac:spMkLst>
-        </pc:spChg>
-        <pc:spChg chg="add">
-          <ac:chgData name="Mättas, O. (Otto)" userId="S::o.mattas@students.uu.nl::f944b869-84fe-4915-ac0f-2070e720f33b" providerId="AD" clId="Web-{D7840D99-4FBE-4B82-A919-56CD25E4427E}" dt="2021-02-18T11:07:58.300" v="561"/>
-          <ac:spMkLst>
-            <pc:docMk/>
-            <pc:sldMk cId="2243679050" sldId="266"/>
-            <ac:spMk id="112" creationId="{8E7E1993-6448-42F8-8FB3-76104F45B344}"/>
-          </ac:spMkLst>
-        </pc:spChg>
-        <pc:spChg chg="add">
-          <ac:chgData name="Mättas, O. (Otto)" userId="S::o.mattas@students.uu.nl::f944b869-84fe-4915-ac0f-2070e720f33b" providerId="AD" clId="Web-{D7840D99-4FBE-4B82-A919-56CD25E4427E}" dt="2021-02-18T11:07:58.300" v="561"/>
-          <ac:spMkLst>
-            <pc:docMk/>
-            <pc:sldMk cId="2243679050" sldId="266"/>
-            <ac:spMk id="114" creationId="{3CDAD724-AF32-45EC-B0B9-360C73C9D26E}"/>
-          </ac:spMkLst>
-        </pc:spChg>
-        <pc:spChg chg="add">
-          <ac:chgData name="Mättas, O. (Otto)" userId="S::o.mattas@students.uu.nl::f944b869-84fe-4915-ac0f-2070e720f33b" providerId="AD" clId="Web-{D7840D99-4FBE-4B82-A919-56CD25E4427E}" dt="2021-02-18T11:07:58.300" v="561"/>
-          <ac:spMkLst>
-            <pc:docMk/>
-            <pc:sldMk cId="2243679050" sldId="266"/>
-            <ac:spMk id="116" creationId="{2391C84E-C2EA-44FC-A7D1-FAE3E2850552}"/>
-          </ac:spMkLst>
-        </pc:spChg>
-        <pc:spChg chg="add">
-          <ac:chgData name="Mättas, O. (Otto)" userId="S::o.mattas@students.uu.nl::f944b869-84fe-4915-ac0f-2070e720f33b" providerId="AD" clId="Web-{D7840D99-4FBE-4B82-A919-56CD25E4427E}" dt="2021-02-18T11:07:58.300" v="561"/>
-          <ac:spMkLst>
-            <pc:docMk/>
-            <pc:sldMk cId="2243679050" sldId="266"/>
-            <ac:spMk id="149" creationId="{BA4D4000-2689-4306-BBA6-BF744AB5F807}"/>
-          </ac:spMkLst>
-        </pc:spChg>
-        <pc:grpChg chg="add">
-          <ac:chgData name="Mättas, O. (Otto)" userId="S::o.mattas@students.uu.nl::f944b869-84fe-4915-ac0f-2070e720f33b" providerId="AD" clId="Web-{D7840D99-4FBE-4B82-A919-56CD25E4427E}" dt="2021-02-18T11:07:58.300" v="561"/>
-          <ac:grpSpMkLst>
-            <pc:docMk/>
-            <pc:sldMk cId="2243679050" sldId="266"/>
-            <ac:grpSpMk id="11" creationId="{87F0794B-55D3-4D2D-BDE7-4688ED321E42}"/>
-          </ac:grpSpMkLst>
-        </pc:grpChg>
-        <pc:grpChg chg="add">
-          <ac:chgData name="Mättas, O. (Otto)" userId="S::o.mattas@students.uu.nl::f944b869-84fe-4915-ac0f-2070e720f33b" providerId="AD" clId="Web-{D7840D99-4FBE-4B82-A919-56CD25E4427E}" dt="2021-02-18T11:07:58.300" v="561"/>
-          <ac:grpSpMkLst>
-            <pc:docMk/>
-            <pc:sldMk cId="2243679050" sldId="266"/>
-            <ac:grpSpMk id="48" creationId="{BC25D6CE-B5F2-4E0D-894F-9521E2433076}"/>
-          </ac:grpSpMkLst>
-        </pc:grpChg>
-        <pc:grpChg chg="add">
-          <ac:chgData name="Mättas, O. (Otto)" userId="S::o.mattas@students.uu.nl::f944b869-84fe-4915-ac0f-2070e720f33b" providerId="AD" clId="Web-{D7840D99-4FBE-4B82-A919-56CD25E4427E}" dt="2021-02-18T11:07:58.300" v="561"/>
-          <ac:grpSpMkLst>
-            <pc:docMk/>
-            <pc:sldMk cId="2243679050" sldId="266"/>
-            <ac:grpSpMk id="81" creationId="{2D739D9D-4A11-49F5-B045-708F7DED1CD4}"/>
-          </ac:grpSpMkLst>
-        </pc:grpChg>
-        <pc:grpChg chg="add">
-          <ac:chgData name="Mättas, O. (Otto)" userId="S::o.mattas@students.uu.nl::f944b869-84fe-4915-ac0f-2070e720f33b" providerId="AD" clId="Web-{D7840D99-4FBE-4B82-A919-56CD25E4427E}" dt="2021-02-18T11:07:58.300" v="561"/>
-          <ac:grpSpMkLst>
-            <pc:docMk/>
-            <pc:sldMk cId="2243679050" sldId="266"/>
-            <ac:grpSpMk id="118" creationId="{47B3131A-B518-43E5-A896-E9D654A4863F}"/>
-          </ac:grpSpMkLst>
-        </pc:grpChg>
-        <pc:graphicFrameChg chg="add">
-          <ac:chgData name="Mättas, O. (Otto)" userId="S::o.mattas@students.uu.nl::f944b869-84fe-4915-ac0f-2070e720f33b" providerId="AD" clId="Web-{D7840D99-4FBE-4B82-A919-56CD25E4427E}" dt="2021-02-18T11:07:58.300" v="561"/>
-          <ac:graphicFrameMkLst>
-            <pc:docMk/>
-            <pc:sldMk cId="2243679050" sldId="266"/>
-            <ac:graphicFrameMk id="5" creationId="{F0C8A44F-8CC2-460B-85DC-5F7EA19140DE}"/>
-          </ac:graphicFrameMkLst>
-        </pc:graphicFrameChg>
-      </pc:sldChg>
-      <pc:sldChg chg="delSp modSp new">
-        <pc:chgData name="Mättas, O. (Otto)" userId="S::o.mattas@students.uu.nl::f944b869-84fe-4915-ac0f-2070e720f33b" providerId="AD" clId="Web-{D7840D99-4FBE-4B82-A919-56CD25E4427E}" dt="2021-02-18T11:18:47.225" v="738" actId="20577"/>
-        <pc:sldMkLst>
-          <pc:docMk/>
-          <pc:sldMk cId="3352485896" sldId="267"/>
-        </pc:sldMkLst>
-        <pc:spChg chg="del">
-          <ac:chgData name="Mättas, O. (Otto)" userId="S::o.mattas@students.uu.nl::f944b869-84fe-4915-ac0f-2070e720f33b" providerId="AD" clId="Web-{D7840D99-4FBE-4B82-A919-56CD25E4427E}" dt="2021-02-18T11:11:10.337" v="565"/>
-          <ac:spMkLst>
-            <pc:docMk/>
-            <pc:sldMk cId="3352485896" sldId="267"/>
-            <ac:spMk id="2" creationId="{0EB0A1D5-FDFB-4695-A291-EF0C180853E0}"/>
-          </ac:spMkLst>
-        </pc:spChg>
-        <pc:spChg chg="mod">
-          <ac:chgData name="Mättas, O. (Otto)" userId="S::o.mattas@students.uu.nl::f944b869-84fe-4915-ac0f-2070e720f33b" providerId="AD" clId="Web-{D7840D99-4FBE-4B82-A919-56CD25E4427E}" dt="2021-02-18T11:18:47.225" v="738" actId="20577"/>
-          <ac:spMkLst>
-            <pc:docMk/>
-            <pc:sldMk cId="3352485896" sldId="267"/>
-            <ac:spMk id="3" creationId="{85F1C677-B643-4C9A-8F66-3425EDA81799}"/>
-          </ac:spMkLst>
-        </pc:spChg>
-      </pc:sldChg>
-      <pc:sldChg chg="addSp delSp modSp new">
-        <pc:chgData name="Mättas, O. (Otto)" userId="S::o.mattas@students.uu.nl::f944b869-84fe-4915-ac0f-2070e720f33b" providerId="AD" clId="Web-{D7840D99-4FBE-4B82-A919-56CD25E4427E}" dt="2021-02-18T11:15:55.017" v="647"/>
-        <pc:sldMkLst>
-          <pc:docMk/>
-          <pc:sldMk cId="2239535384" sldId="268"/>
-        </pc:sldMkLst>
-        <pc:spChg chg="del mod">
-          <ac:chgData name="Mättas, O. (Otto)" userId="S::o.mattas@students.uu.nl::f944b869-84fe-4915-ac0f-2070e720f33b" providerId="AD" clId="Web-{D7840D99-4FBE-4B82-A919-56CD25E4427E}" dt="2021-02-18T11:15:55.017" v="647"/>
-          <ac:spMkLst>
-            <pc:docMk/>
-            <pc:sldMk cId="2239535384" sldId="268"/>
-            <ac:spMk id="2" creationId="{40C6B18F-F108-4573-80FE-DCCB7435F346}"/>
-          </ac:spMkLst>
-        </pc:spChg>
-        <pc:spChg chg="add mod">
-          <ac:chgData name="Mättas, O. (Otto)" userId="S::o.mattas@students.uu.nl::f944b869-84fe-4915-ac0f-2070e720f33b" providerId="AD" clId="Web-{D7840D99-4FBE-4B82-A919-56CD25E4427E}" dt="2021-02-18T11:15:55.017" v="647"/>
-          <ac:spMkLst>
-            <pc:docMk/>
-            <pc:sldMk cId="2239535384" sldId="268"/>
-            <ac:spMk id="5" creationId="{98101226-F13E-4EDC-BB86-D402613B10C5}"/>
-          </ac:spMkLst>
-        </pc:spChg>
-      </pc:sldChg>
-      <pc:sldChg chg="delSp modSp new">
-        <pc:chgData name="Mättas, O. (Otto)" userId="S::o.mattas@students.uu.nl::f944b869-84fe-4915-ac0f-2070e720f33b" providerId="AD" clId="Web-{D7840D99-4FBE-4B82-A919-56CD25E4427E}" dt="2021-02-18T11:17:27.566" v="718" actId="20577"/>
-        <pc:sldMkLst>
-          <pc:docMk/>
-          <pc:sldMk cId="996816977" sldId="269"/>
-        </pc:sldMkLst>
-        <pc:spChg chg="del">
-          <ac:chgData name="Mättas, O. (Otto)" userId="S::o.mattas@students.uu.nl::f944b869-84fe-4915-ac0f-2070e720f33b" providerId="AD" clId="Web-{D7840D99-4FBE-4B82-A919-56CD25E4427E}" dt="2021-02-18T11:17:17.410" v="715"/>
-          <ac:spMkLst>
-            <pc:docMk/>
-            <pc:sldMk cId="996816977" sldId="269"/>
-            <ac:spMk id="2" creationId="{079615F3-0D64-4F41-825E-E628D3617EDF}"/>
-          </ac:spMkLst>
-        </pc:spChg>
-        <pc:spChg chg="mod">
-          <ac:chgData name="Mättas, O. (Otto)" userId="S::o.mattas@students.uu.nl::f944b869-84fe-4915-ac0f-2070e720f33b" providerId="AD" clId="Web-{D7840D99-4FBE-4B82-A919-56CD25E4427E}" dt="2021-02-18T11:17:27.566" v="718" actId="20577"/>
-          <ac:spMkLst>
-            <pc:docMk/>
-            <pc:sldMk cId="996816977" sldId="269"/>
-            <ac:spMk id="3" creationId="{B8CB00BB-DE84-4184-8C86-7AD831B937A5}"/>
-          </ac:spMkLst>
-        </pc:spChg>
-        <pc:spChg chg="del">
-          <ac:chgData name="Mättas, O. (Otto)" userId="S::o.mattas@students.uu.nl::f944b869-84fe-4915-ac0f-2070e720f33b" providerId="AD" clId="Web-{D7840D99-4FBE-4B82-A919-56CD25E4427E}" dt="2021-02-18T11:17:18.801" v="716"/>
-          <ac:spMkLst>
-            <pc:docMk/>
-            <pc:sldMk cId="996816977" sldId="269"/>
-            <ac:spMk id="4" creationId="{16714B63-A01B-4475-8844-737207E15F51}"/>
-          </ac:spMkLst>
-        </pc:spChg>
-      </pc:sldChg>
-      <pc:sldChg chg="addSp delSp modSp new mod setBg">
-        <pc:chgData name="Mättas, O. (Otto)" userId="S::o.mattas@students.uu.nl::f944b869-84fe-4915-ac0f-2070e720f33b" providerId="AD" clId="Web-{D7840D99-4FBE-4B82-A919-56CD25E4427E}" dt="2021-02-18T11:18:13.286" v="722"/>
-        <pc:sldMkLst>
-          <pc:docMk/>
-          <pc:sldMk cId="2138862049" sldId="270"/>
-        </pc:sldMkLst>
-        <pc:spChg chg="del">
-          <ac:chgData name="Mättas, O. (Otto)" userId="S::o.mattas@students.uu.nl::f944b869-84fe-4915-ac0f-2070e720f33b" providerId="AD" clId="Web-{D7840D99-4FBE-4B82-A919-56CD25E4427E}" dt="2021-02-18T11:18:06.614" v="721"/>
-          <ac:spMkLst>
-            <pc:docMk/>
-            <pc:sldMk cId="2138862049" sldId="270"/>
-            <ac:spMk id="2" creationId="{787BA892-C73B-45F7-9B02-4BC6495FB828}"/>
-          </ac:spMkLst>
-        </pc:spChg>
-        <pc:spChg chg="mod">
-          <ac:chgData name="Mättas, O. (Otto)" userId="S::o.mattas@students.uu.nl::f944b869-84fe-4915-ac0f-2070e720f33b" providerId="AD" clId="Web-{D7840D99-4FBE-4B82-A919-56CD25E4427E}" dt="2021-02-18T11:18:13.286" v="722"/>
-          <ac:spMkLst>
-            <pc:docMk/>
-            <pc:sldMk cId="2138862049" sldId="270"/>
-            <ac:spMk id="3" creationId="{3CA9CCB2-A4BF-41E7-8EEC-3FEA6D9C7CB1}"/>
-          </ac:spMkLst>
-        </pc:spChg>
-        <pc:spChg chg="add">
-          <ac:chgData name="Mättas, O. (Otto)" userId="S::o.mattas@students.uu.nl::f944b869-84fe-4915-ac0f-2070e720f33b" providerId="AD" clId="Web-{D7840D99-4FBE-4B82-A919-56CD25E4427E}" dt="2021-02-18T11:18:13.286" v="722"/>
-          <ac:spMkLst>
-            <pc:docMk/>
-            <pc:sldMk cId="2138862049" sldId="270"/>
-            <ac:spMk id="8" creationId="{1C582B07-D0F0-4B6B-A5D9-D2F192CB3A4E}"/>
-          </ac:spMkLst>
-        </pc:spChg>
-        <pc:spChg chg="add">
-          <ac:chgData name="Mättas, O. (Otto)" userId="S::o.mattas@students.uu.nl::f944b869-84fe-4915-ac0f-2070e720f33b" providerId="AD" clId="Web-{D7840D99-4FBE-4B82-A919-56CD25E4427E}" dt="2021-02-18T11:18:13.286" v="722"/>
-          <ac:spMkLst>
-            <pc:docMk/>
-            <pc:sldMk cId="2138862049" sldId="270"/>
-            <ac:spMk id="10" creationId="{21B645D3-580E-4657-9154-484648880ED5}"/>
-          </ac:spMkLst>
-        </pc:spChg>
-        <pc:spChg chg="add">
-          <ac:chgData name="Mättas, O. (Otto)" userId="S::o.mattas@students.uu.nl::f944b869-84fe-4915-ac0f-2070e720f33b" providerId="AD" clId="Web-{D7840D99-4FBE-4B82-A919-56CD25E4427E}" dt="2021-02-18T11:18:13.286" v="722"/>
-          <ac:spMkLst>
-            <pc:docMk/>
-            <pc:sldMk cId="2138862049" sldId="270"/>
-            <ac:spMk id="12" creationId="{DA1A4301-6FFC-4C82-A1FA-7634D8CAA8F5}"/>
-          </ac:spMkLst>
-        </pc:spChg>
-        <pc:spChg chg="add">
-          <ac:chgData name="Mättas, O. (Otto)" userId="S::o.mattas@students.uu.nl::f944b869-84fe-4915-ac0f-2070e720f33b" providerId="AD" clId="Web-{D7840D99-4FBE-4B82-A919-56CD25E4427E}" dt="2021-02-18T11:18:13.286" v="722"/>
-          <ac:spMkLst>
-            <pc:docMk/>
-            <pc:sldMk cId="2138862049" sldId="270"/>
-            <ac:spMk id="14" creationId="{27870DA4-44E8-43FB-940A-4AF9766959C0}"/>
-          </ac:spMkLst>
-        </pc:spChg>
-        <pc:grpChg chg="add">
-          <ac:chgData name="Mättas, O. (Otto)" userId="S::o.mattas@students.uu.nl::f944b869-84fe-4915-ac0f-2070e720f33b" providerId="AD" clId="Web-{D7840D99-4FBE-4B82-A919-56CD25E4427E}" dt="2021-02-18T11:18:13.286" v="722"/>
-          <ac:grpSpMkLst>
-            <pc:docMk/>
-            <pc:sldMk cId="2138862049" sldId="270"/>
-            <ac:grpSpMk id="16" creationId="{8323DD1D-77DE-48B2-A0A0-6265801531E5}"/>
-          </ac:grpSpMkLst>
-        </pc:grpChg>
-      </pc:sldChg>
-      <pc:sldMasterChg chg="del delSldLayout">
-        <pc:chgData name="Mättas, O. (Otto)" userId="S::o.mattas@students.uu.nl::f944b869-84fe-4915-ac0f-2070e720f33b" providerId="AD" clId="Web-{D7840D99-4FBE-4B82-A919-56CD25E4427E}" dt="2021-02-18T09:48:41.755" v="13"/>
-        <pc:sldMasterMkLst>
-          <pc:docMk/>
-          <pc:sldMasterMk cId="2460954070" sldId="2147483660"/>
-        </pc:sldMasterMkLst>
-        <pc:sldLayoutChg chg="del">
-          <pc:chgData name="Mättas, O. (Otto)" userId="S::o.mattas@students.uu.nl::f944b869-84fe-4915-ac0f-2070e720f33b" providerId="AD" clId="Web-{D7840D99-4FBE-4B82-A919-56CD25E4427E}" dt="2021-02-18T09:48:41.755" v="13"/>
-          <pc:sldLayoutMkLst>
-            <pc:docMk/>
-            <pc:sldMasterMk cId="2460954070" sldId="2147483660"/>
-            <pc:sldLayoutMk cId="2385387890" sldId="2147483661"/>
-          </pc:sldLayoutMkLst>
-        </pc:sldLayoutChg>
-        <pc:sldLayoutChg chg="del">
-          <pc:chgData name="Mättas, O. (Otto)" userId="S::o.mattas@students.uu.nl::f944b869-84fe-4915-ac0f-2070e720f33b" providerId="AD" clId="Web-{D7840D99-4FBE-4B82-A919-56CD25E4427E}" dt="2021-02-18T09:48:41.755" v="13"/>
-          <pc:sldLayoutMkLst>
-            <pc:docMk/>
-            <pc:sldMasterMk cId="2460954070" sldId="2147483660"/>
-            <pc:sldLayoutMk cId="949138452" sldId="2147483662"/>
-          </pc:sldLayoutMkLst>
-        </pc:sldLayoutChg>
-        <pc:sldLayoutChg chg="del">
-          <pc:chgData name="Mättas, O. (Otto)" userId="S::o.mattas@students.uu.nl::f944b869-84fe-4915-ac0f-2070e720f33b" providerId="AD" clId="Web-{D7840D99-4FBE-4B82-A919-56CD25E4427E}" dt="2021-02-18T09:48:41.755" v="13"/>
-          <pc:sldLayoutMkLst>
-            <pc:docMk/>
-            <pc:sldMasterMk cId="2460954070" sldId="2147483660"/>
-            <pc:sldLayoutMk cId="2591524520" sldId="2147483663"/>
-          </pc:sldLayoutMkLst>
-        </pc:sldLayoutChg>
-        <pc:sldLayoutChg chg="del">
-          <pc:chgData name="Mättas, O. (Otto)" userId="S::o.mattas@students.uu.nl::f944b869-84fe-4915-ac0f-2070e720f33b" providerId="AD" clId="Web-{D7840D99-4FBE-4B82-A919-56CD25E4427E}" dt="2021-02-18T09:48:41.755" v="13"/>
-          <pc:sldLayoutMkLst>
-            <pc:docMk/>
-            <pc:sldMasterMk cId="2460954070" sldId="2147483660"/>
-            <pc:sldLayoutMk cId="1203092039" sldId="2147483664"/>
-          </pc:sldLayoutMkLst>
-        </pc:sldLayoutChg>
-        <pc:sldLayoutChg chg="del">
-          <pc:chgData name="Mättas, O. (Otto)" userId="S::o.mattas@students.uu.nl::f944b869-84fe-4915-ac0f-2070e720f33b" providerId="AD" clId="Web-{D7840D99-4FBE-4B82-A919-56CD25E4427E}" dt="2021-02-18T09:48:41.755" v="13"/>
-          <pc:sldLayoutMkLst>
-            <pc:docMk/>
-            <pc:sldMasterMk cId="2460954070" sldId="2147483660"/>
-            <pc:sldLayoutMk cId="3733172339" sldId="2147483665"/>
-          </pc:sldLayoutMkLst>
-        </pc:sldLayoutChg>
-        <pc:sldLayoutChg chg="del">
-          <pc:chgData name="Mättas, O. (Otto)" userId="S::o.mattas@students.uu.nl::f944b869-84fe-4915-ac0f-2070e720f33b" providerId="AD" clId="Web-{D7840D99-4FBE-4B82-A919-56CD25E4427E}" dt="2021-02-18T09:48:41.755" v="13"/>
-          <pc:sldLayoutMkLst>
-            <pc:docMk/>
-            <pc:sldMasterMk cId="2460954070" sldId="2147483660"/>
-            <pc:sldLayoutMk cId="3210312558" sldId="2147483666"/>
-          </pc:sldLayoutMkLst>
-        </pc:sldLayoutChg>
-        <pc:sldLayoutChg chg="del">
-          <pc:chgData name="Mättas, O. (Otto)" userId="S::o.mattas@students.uu.nl::f944b869-84fe-4915-ac0f-2070e720f33b" providerId="AD" clId="Web-{D7840D99-4FBE-4B82-A919-56CD25E4427E}" dt="2021-02-18T09:48:41.755" v="13"/>
-          <pc:sldLayoutMkLst>
-            <pc:docMk/>
-            <pc:sldMasterMk cId="2460954070" sldId="2147483660"/>
-            <pc:sldLayoutMk cId="3146388984" sldId="2147483667"/>
-          </pc:sldLayoutMkLst>
-        </pc:sldLayoutChg>
-        <pc:sldLayoutChg chg="del">
-          <pc:chgData name="Mättas, O. (Otto)" userId="S::o.mattas@students.uu.nl::f944b869-84fe-4915-ac0f-2070e720f33b" providerId="AD" clId="Web-{D7840D99-4FBE-4B82-A919-56CD25E4427E}" dt="2021-02-18T09:48:41.755" v="13"/>
-          <pc:sldLayoutMkLst>
-            <pc:docMk/>
-            <pc:sldMasterMk cId="2460954070" sldId="2147483660"/>
-            <pc:sldLayoutMk cId="3171841454" sldId="2147483668"/>
-          </pc:sldLayoutMkLst>
-        </pc:sldLayoutChg>
-        <pc:sldLayoutChg chg="del">
-          <pc:chgData name="Mättas, O. (Otto)" userId="S::o.mattas@students.uu.nl::f944b869-84fe-4915-ac0f-2070e720f33b" providerId="AD" clId="Web-{D7840D99-4FBE-4B82-A919-56CD25E4427E}" dt="2021-02-18T09:48:41.755" v="13"/>
-          <pc:sldLayoutMkLst>
-            <pc:docMk/>
-            <pc:sldMasterMk cId="2460954070" sldId="2147483660"/>
-            <pc:sldLayoutMk cId="1718958274" sldId="2147483669"/>
-          </pc:sldLayoutMkLst>
-        </pc:sldLayoutChg>
-        <pc:sldLayoutChg chg="del">
-          <pc:chgData name="Mättas, O. (Otto)" userId="S::o.mattas@students.uu.nl::f944b869-84fe-4915-ac0f-2070e720f33b" providerId="AD" clId="Web-{D7840D99-4FBE-4B82-A919-56CD25E4427E}" dt="2021-02-18T09:48:41.755" v="13"/>
-          <pc:sldLayoutMkLst>
-            <pc:docMk/>
-            <pc:sldMasterMk cId="2460954070" sldId="2147483660"/>
-            <pc:sldLayoutMk cId="2202905451" sldId="2147483670"/>
-          </pc:sldLayoutMkLst>
-        </pc:sldLayoutChg>
-        <pc:sldLayoutChg chg="del">
-          <pc:chgData name="Mättas, O. (Otto)" userId="S::o.mattas@students.uu.nl::f944b869-84fe-4915-ac0f-2070e720f33b" providerId="AD" clId="Web-{D7840D99-4FBE-4B82-A919-56CD25E4427E}" dt="2021-02-18T09:48:41.755" v="13"/>
-          <pc:sldLayoutMkLst>
-            <pc:docMk/>
-            <pc:sldMasterMk cId="2460954070" sldId="2147483660"/>
-            <pc:sldLayoutMk cId="3479445657" sldId="2147483671"/>
-          </pc:sldLayoutMkLst>
-        </pc:sldLayoutChg>
-      </pc:sldMasterChg>
-      <pc:sldMasterChg chg="add del addSldLayout delSldLayout">
-        <pc:chgData name="Mättas, O. (Otto)" userId="S::o.mattas@students.uu.nl::f944b869-84fe-4915-ac0f-2070e720f33b" providerId="AD" clId="Web-{D7840D99-4FBE-4B82-A919-56CD25E4427E}" dt="2021-02-18T09:50:50.045" v="16"/>
-        <pc:sldMasterMkLst>
-          <pc:docMk/>
-          <pc:sldMasterMk cId="2297767852" sldId="2147483737"/>
-        </pc:sldMasterMkLst>
-        <pc:sldLayoutChg chg="add del">
-          <pc:chgData name="Mättas, O. (Otto)" userId="S::o.mattas@students.uu.nl::f944b869-84fe-4915-ac0f-2070e720f33b" providerId="AD" clId="Web-{D7840D99-4FBE-4B82-A919-56CD25E4427E}" dt="2021-02-18T09:50:50.045" v="16"/>
-          <pc:sldLayoutMkLst>
-            <pc:docMk/>
-            <pc:sldMasterMk cId="2297767852" sldId="2147483737"/>
-            <pc:sldLayoutMk cId="562087145" sldId="2147483726"/>
-          </pc:sldLayoutMkLst>
-        </pc:sldLayoutChg>
-        <pc:sldLayoutChg chg="add del">
-          <pc:chgData name="Mättas, O. (Otto)" userId="S::o.mattas@students.uu.nl::f944b869-84fe-4915-ac0f-2070e720f33b" providerId="AD" clId="Web-{D7840D99-4FBE-4B82-A919-56CD25E4427E}" dt="2021-02-18T09:50:50.045" v="16"/>
-          <pc:sldLayoutMkLst>
-            <pc:docMk/>
-            <pc:sldMasterMk cId="2297767852" sldId="2147483737"/>
-            <pc:sldLayoutMk cId="23764496" sldId="2147483727"/>
-          </pc:sldLayoutMkLst>
-        </pc:sldLayoutChg>
-        <pc:sldLayoutChg chg="add del">
-          <pc:chgData name="Mättas, O. (Otto)" userId="S::o.mattas@students.uu.nl::f944b869-84fe-4915-ac0f-2070e720f33b" providerId="AD" clId="Web-{D7840D99-4FBE-4B82-A919-56CD25E4427E}" dt="2021-02-18T09:50:50.045" v="16"/>
-          <pc:sldLayoutMkLst>
-            <pc:docMk/>
-            <pc:sldMasterMk cId="2297767852" sldId="2147483737"/>
-            <pc:sldLayoutMk cId="2145911785" sldId="2147483728"/>
-          </pc:sldLayoutMkLst>
-        </pc:sldLayoutChg>
-        <pc:sldLayoutChg chg="add del">
-          <pc:chgData name="Mättas, O. (Otto)" userId="S::o.mattas@students.uu.nl::f944b869-84fe-4915-ac0f-2070e720f33b" providerId="AD" clId="Web-{D7840D99-4FBE-4B82-A919-56CD25E4427E}" dt="2021-02-18T09:50:50.045" v="16"/>
-          <pc:sldLayoutMkLst>
-            <pc:docMk/>
-            <pc:sldMasterMk cId="2297767852" sldId="2147483737"/>
-            <pc:sldLayoutMk cId="2229706226" sldId="2147483729"/>
-          </pc:sldLayoutMkLst>
-        </pc:sldLayoutChg>
-        <pc:sldLayoutChg chg="add del">
-          <pc:chgData name="Mättas, O. (Otto)" userId="S::o.mattas@students.uu.nl::f944b869-84fe-4915-ac0f-2070e720f33b" providerId="AD" clId="Web-{D7840D99-4FBE-4B82-A919-56CD25E4427E}" dt="2021-02-18T09:50:50.045" v="16"/>
-          <pc:sldLayoutMkLst>
-            <pc:docMk/>
-            <pc:sldMasterMk cId="2297767852" sldId="2147483737"/>
-            <pc:sldLayoutMk cId="1657700371" sldId="2147483730"/>
-          </pc:sldLayoutMkLst>
-        </pc:sldLayoutChg>
-        <pc:sldLayoutChg chg="add del">
-          <pc:chgData name="Mättas, O. (Otto)" userId="S::o.mattas@students.uu.nl::f944b869-84fe-4915-ac0f-2070e720f33b" providerId="AD" clId="Web-{D7840D99-4FBE-4B82-A919-56CD25E4427E}" dt="2021-02-18T09:50:50.045" v="16"/>
-          <pc:sldLayoutMkLst>
-            <pc:docMk/>
-            <pc:sldMasterMk cId="2297767852" sldId="2147483737"/>
-            <pc:sldLayoutMk cId="3490913234" sldId="2147483731"/>
-          </pc:sldLayoutMkLst>
-        </pc:sldLayoutChg>
-        <pc:sldLayoutChg chg="add del">
-          <pc:chgData name="Mättas, O. (Otto)" userId="S::o.mattas@students.uu.nl::f944b869-84fe-4915-ac0f-2070e720f33b" providerId="AD" clId="Web-{D7840D99-4FBE-4B82-A919-56CD25E4427E}" dt="2021-02-18T09:50:50.045" v="16"/>
-          <pc:sldLayoutMkLst>
-            <pc:docMk/>
-            <pc:sldMasterMk cId="2297767852" sldId="2147483737"/>
-            <pc:sldLayoutMk cId="516474357" sldId="2147483732"/>
-          </pc:sldLayoutMkLst>
-        </pc:sldLayoutChg>
-        <pc:sldLayoutChg chg="add del">
-          <pc:chgData name="Mättas, O. (Otto)" userId="S::o.mattas@students.uu.nl::f944b869-84fe-4915-ac0f-2070e720f33b" providerId="AD" clId="Web-{D7840D99-4FBE-4B82-A919-56CD25E4427E}" dt="2021-02-18T09:50:50.045" v="16"/>
-          <pc:sldLayoutMkLst>
-            <pc:docMk/>
-            <pc:sldMasterMk cId="2297767852" sldId="2147483737"/>
-            <pc:sldLayoutMk cId="2221439790" sldId="2147483733"/>
-          </pc:sldLayoutMkLst>
-        </pc:sldLayoutChg>
-        <pc:sldLayoutChg chg="add del">
-          <pc:chgData name="Mättas, O. (Otto)" userId="S::o.mattas@students.uu.nl::f944b869-84fe-4915-ac0f-2070e720f33b" providerId="AD" clId="Web-{D7840D99-4FBE-4B82-A919-56CD25E4427E}" dt="2021-02-18T09:50:50.045" v="16"/>
-          <pc:sldLayoutMkLst>
-            <pc:docMk/>
-            <pc:sldMasterMk cId="2297767852" sldId="2147483737"/>
-            <pc:sldLayoutMk cId="1326915441" sldId="2147483734"/>
-          </pc:sldLayoutMkLst>
-        </pc:sldLayoutChg>
-        <pc:sldLayoutChg chg="add del">
-          <pc:chgData name="Mättas, O. (Otto)" userId="S::o.mattas@students.uu.nl::f944b869-84fe-4915-ac0f-2070e720f33b" providerId="AD" clId="Web-{D7840D99-4FBE-4B82-A919-56CD25E4427E}" dt="2021-02-18T09:50:50.045" v="16"/>
-          <pc:sldLayoutMkLst>
-            <pc:docMk/>
-            <pc:sldMasterMk cId="2297767852" sldId="2147483737"/>
-            <pc:sldLayoutMk cId="229006845" sldId="2147483735"/>
-          </pc:sldLayoutMkLst>
-        </pc:sldLayoutChg>
-        <pc:sldLayoutChg chg="add del">
-          <pc:chgData name="Mättas, O. (Otto)" userId="S::o.mattas@students.uu.nl::f944b869-84fe-4915-ac0f-2070e720f33b" providerId="AD" clId="Web-{D7840D99-4FBE-4B82-A919-56CD25E4427E}" dt="2021-02-18T09:50:50.045" v="16"/>
-          <pc:sldLayoutMkLst>
-            <pc:docMk/>
-            <pc:sldMasterMk cId="2297767852" sldId="2147483737"/>
-            <pc:sldLayoutMk cId="3398604053" sldId="2147483736"/>
-          </pc:sldLayoutMkLst>
-        </pc:sldLayoutChg>
-      </pc:sldMasterChg>
-      <pc:sldMasterChg chg="add del addSldLayout delSldLayout">
-        <pc:chgData name="Mättas, O. (Otto)" userId="S::o.mattas@students.uu.nl::f944b869-84fe-4915-ac0f-2070e720f33b" providerId="AD" clId="Web-{D7840D99-4FBE-4B82-A919-56CD25E4427E}" dt="2021-02-18T09:51:29.486" v="20"/>
-        <pc:sldMasterMkLst>
-          <pc:docMk/>
-          <pc:sldMasterMk cId="1189630935" sldId="2147483761"/>
-        </pc:sldMasterMkLst>
-        <pc:sldLayoutChg chg="add del">
-          <pc:chgData name="Mättas, O. (Otto)" userId="S::o.mattas@students.uu.nl::f944b869-84fe-4915-ac0f-2070e720f33b" providerId="AD" clId="Web-{D7840D99-4FBE-4B82-A919-56CD25E4427E}" dt="2021-02-18T09:51:29.486" v="20"/>
-          <pc:sldLayoutMkLst>
-            <pc:docMk/>
-            <pc:sldMasterMk cId="1189630935" sldId="2147483761"/>
-            <pc:sldLayoutMk cId="3153472649" sldId="2147483750"/>
-          </pc:sldLayoutMkLst>
-        </pc:sldLayoutChg>
-        <pc:sldLayoutChg chg="add del">
-          <pc:chgData name="Mättas, O. (Otto)" userId="S::o.mattas@students.uu.nl::f944b869-84fe-4915-ac0f-2070e720f33b" providerId="AD" clId="Web-{D7840D99-4FBE-4B82-A919-56CD25E4427E}" dt="2021-02-18T09:51:29.486" v="20"/>
-          <pc:sldLayoutMkLst>
-            <pc:docMk/>
-            <pc:sldMasterMk cId="1189630935" sldId="2147483761"/>
-            <pc:sldLayoutMk cId="2336863293" sldId="2147483751"/>
-          </pc:sldLayoutMkLst>
-        </pc:sldLayoutChg>
-        <pc:sldLayoutChg chg="add del">
-          <pc:chgData name="Mättas, O. (Otto)" userId="S::o.mattas@students.uu.nl::f944b869-84fe-4915-ac0f-2070e720f33b" providerId="AD" clId="Web-{D7840D99-4FBE-4B82-A919-56CD25E4427E}" dt="2021-02-18T09:51:29.486" v="20"/>
-          <pc:sldLayoutMkLst>
-            <pc:docMk/>
-            <pc:sldMasterMk cId="1189630935" sldId="2147483761"/>
-            <pc:sldLayoutMk cId="1218672568" sldId="2147483752"/>
-          </pc:sldLayoutMkLst>
-        </pc:sldLayoutChg>
-        <pc:sldLayoutChg chg="add del">
-          <pc:chgData name="Mättas, O. (Otto)" userId="S::o.mattas@students.uu.nl::f944b869-84fe-4915-ac0f-2070e720f33b" providerId="AD" clId="Web-{D7840D99-4FBE-4B82-A919-56CD25E4427E}" dt="2021-02-18T09:51:29.486" v="20"/>
-          <pc:sldLayoutMkLst>
-            <pc:docMk/>
-            <pc:sldMasterMk cId="1189630935" sldId="2147483761"/>
-            <pc:sldLayoutMk cId="2471213274" sldId="2147483753"/>
-          </pc:sldLayoutMkLst>
-        </pc:sldLayoutChg>
-        <pc:sldLayoutChg chg="add del">
-          <pc:chgData name="Mättas, O. (Otto)" userId="S::o.mattas@students.uu.nl::f944b869-84fe-4915-ac0f-2070e720f33b" providerId="AD" clId="Web-{D7840D99-4FBE-4B82-A919-56CD25E4427E}" dt="2021-02-18T09:51:29.486" v="20"/>
-          <pc:sldLayoutMkLst>
-            <pc:docMk/>
-            <pc:sldMasterMk cId="1189630935" sldId="2147483761"/>
-            <pc:sldLayoutMk cId="494883817" sldId="2147483754"/>
-          </pc:sldLayoutMkLst>
-        </pc:sldLayoutChg>
-        <pc:sldLayoutChg chg="add del">
-          <pc:chgData name="Mättas, O. (Otto)" userId="S::o.mattas@students.uu.nl::f944b869-84fe-4915-ac0f-2070e720f33b" providerId="AD" clId="Web-{D7840D99-4FBE-4B82-A919-56CD25E4427E}" dt="2021-02-18T09:51:29.486" v="20"/>
-          <pc:sldLayoutMkLst>
-            <pc:docMk/>
-            <pc:sldMasterMk cId="1189630935" sldId="2147483761"/>
-            <pc:sldLayoutMk cId="129119996" sldId="2147483755"/>
-          </pc:sldLayoutMkLst>
-        </pc:sldLayoutChg>
-        <pc:sldLayoutChg chg="add del">
-          <pc:chgData name="Mättas, O. (Otto)" userId="S::o.mattas@students.uu.nl::f944b869-84fe-4915-ac0f-2070e720f33b" providerId="AD" clId="Web-{D7840D99-4FBE-4B82-A919-56CD25E4427E}" dt="2021-02-18T09:51:29.486" v="20"/>
-          <pc:sldLayoutMkLst>
-            <pc:docMk/>
-            <pc:sldMasterMk cId="1189630935" sldId="2147483761"/>
-            <pc:sldLayoutMk cId="1788876181" sldId="2147483756"/>
-          </pc:sldLayoutMkLst>
-        </pc:sldLayoutChg>
-        <pc:sldLayoutChg chg="add del">
-          <pc:chgData name="Mättas, O. (Otto)" userId="S::o.mattas@students.uu.nl::f944b869-84fe-4915-ac0f-2070e720f33b" providerId="AD" clId="Web-{D7840D99-4FBE-4B82-A919-56CD25E4427E}" dt="2021-02-18T09:51:29.486" v="20"/>
-          <pc:sldLayoutMkLst>
-            <pc:docMk/>
-            <pc:sldMasterMk cId="1189630935" sldId="2147483761"/>
-            <pc:sldLayoutMk cId="3969475786" sldId="2147483757"/>
-          </pc:sldLayoutMkLst>
-        </pc:sldLayoutChg>
-        <pc:sldLayoutChg chg="add del">
-          <pc:chgData name="Mättas, O. (Otto)" userId="S::o.mattas@students.uu.nl::f944b869-84fe-4915-ac0f-2070e720f33b" providerId="AD" clId="Web-{D7840D99-4FBE-4B82-A919-56CD25E4427E}" dt="2021-02-18T09:51:29.486" v="20"/>
-          <pc:sldLayoutMkLst>
-            <pc:docMk/>
-            <pc:sldMasterMk cId="1189630935" sldId="2147483761"/>
-            <pc:sldLayoutMk cId="738181925" sldId="2147483758"/>
-          </pc:sldLayoutMkLst>
-        </pc:sldLayoutChg>
-        <pc:sldLayoutChg chg="add del">
-          <pc:chgData name="Mättas, O. (Otto)" userId="S::o.mattas@students.uu.nl::f944b869-84fe-4915-ac0f-2070e720f33b" providerId="AD" clId="Web-{D7840D99-4FBE-4B82-A919-56CD25E4427E}" dt="2021-02-18T09:51:29.486" v="20"/>
-          <pc:sldLayoutMkLst>
-            <pc:docMk/>
-            <pc:sldMasterMk cId="1189630935" sldId="2147483761"/>
-            <pc:sldLayoutMk cId="1343011975" sldId="2147483759"/>
-          </pc:sldLayoutMkLst>
-        </pc:sldLayoutChg>
-        <pc:sldLayoutChg chg="add del">
-          <pc:chgData name="Mättas, O. (Otto)" userId="S::o.mattas@students.uu.nl::f944b869-84fe-4915-ac0f-2070e720f33b" providerId="AD" clId="Web-{D7840D99-4FBE-4B82-A919-56CD25E4427E}" dt="2021-02-18T09:51:29.486" v="20"/>
-          <pc:sldLayoutMkLst>
-            <pc:docMk/>
-            <pc:sldMasterMk cId="1189630935" sldId="2147483761"/>
-            <pc:sldLayoutMk cId="822153302" sldId="2147483760"/>
-          </pc:sldLayoutMkLst>
-        </pc:sldLayoutChg>
-      </pc:sldMasterChg>
-      <pc:sldMasterChg chg="add addSldLayout">
-        <pc:chgData name="Mättas, O. (Otto)" userId="S::o.mattas@students.uu.nl::f944b869-84fe-4915-ac0f-2070e720f33b" providerId="AD" clId="Web-{D7840D99-4FBE-4B82-A919-56CD25E4427E}" dt="2021-02-18T09:51:29.486" v="20"/>
-        <pc:sldMasterMkLst>
-          <pc:docMk/>
-          <pc:sldMasterMk cId="3073113103" sldId="2147483837"/>
-        </pc:sldMasterMkLst>
-        <pc:sldLayoutChg chg="add">
-          <pc:chgData name="Mättas, O. (Otto)" userId="S::o.mattas@students.uu.nl::f944b869-84fe-4915-ac0f-2070e720f33b" providerId="AD" clId="Web-{D7840D99-4FBE-4B82-A919-56CD25E4427E}" dt="2021-02-18T09:51:29.486" v="20"/>
-          <pc:sldLayoutMkLst>
-            <pc:docMk/>
-            <pc:sldMasterMk cId="3073113103" sldId="2147483837"/>
-            <pc:sldLayoutMk cId="1909958680" sldId="2147483826"/>
-          </pc:sldLayoutMkLst>
-        </pc:sldLayoutChg>
-        <pc:sldLayoutChg chg="add">
-          <pc:chgData name="Mättas, O. (Otto)" userId="S::o.mattas@students.uu.nl::f944b869-84fe-4915-ac0f-2070e720f33b" providerId="AD" clId="Web-{D7840D99-4FBE-4B82-A919-56CD25E4427E}" dt="2021-02-18T09:51:29.486" v="20"/>
-          <pc:sldLayoutMkLst>
-            <pc:docMk/>
-            <pc:sldMasterMk cId="3073113103" sldId="2147483837"/>
-            <pc:sldLayoutMk cId="1962207166" sldId="2147483827"/>
-          </pc:sldLayoutMkLst>
-        </pc:sldLayoutChg>
-        <pc:sldLayoutChg chg="add">
-          <pc:chgData name="Mättas, O. (Otto)" userId="S::o.mattas@students.uu.nl::f944b869-84fe-4915-ac0f-2070e720f33b" providerId="AD" clId="Web-{D7840D99-4FBE-4B82-A919-56CD25E4427E}" dt="2021-02-18T09:51:29.486" v="20"/>
-          <pc:sldLayoutMkLst>
-            <pc:docMk/>
-            <pc:sldMasterMk cId="3073113103" sldId="2147483837"/>
-            <pc:sldLayoutMk cId="1898096197" sldId="2147483828"/>
-          </pc:sldLayoutMkLst>
-        </pc:sldLayoutChg>
-        <pc:sldLayoutChg chg="add">
-          <pc:chgData name="Mättas, O. (Otto)" userId="S::o.mattas@students.uu.nl::f944b869-84fe-4915-ac0f-2070e720f33b" providerId="AD" clId="Web-{D7840D99-4FBE-4B82-A919-56CD25E4427E}" dt="2021-02-18T09:51:29.486" v="20"/>
-          <pc:sldLayoutMkLst>
-            <pc:docMk/>
-            <pc:sldMasterMk cId="3073113103" sldId="2147483837"/>
-            <pc:sldLayoutMk cId="1208919444" sldId="2147483829"/>
-          </pc:sldLayoutMkLst>
-        </pc:sldLayoutChg>
-        <pc:sldLayoutChg chg="add">
-          <pc:chgData name="Mättas, O. (Otto)" userId="S::o.mattas@students.uu.nl::f944b869-84fe-4915-ac0f-2070e720f33b" providerId="AD" clId="Web-{D7840D99-4FBE-4B82-A919-56CD25E4427E}" dt="2021-02-18T09:51:29.486" v="20"/>
-          <pc:sldLayoutMkLst>
-            <pc:docMk/>
-            <pc:sldMasterMk cId="3073113103" sldId="2147483837"/>
-            <pc:sldLayoutMk cId="38639405" sldId="2147483830"/>
-          </pc:sldLayoutMkLst>
-        </pc:sldLayoutChg>
-        <pc:sldLayoutChg chg="add">
-          <pc:chgData name="Mättas, O. (Otto)" userId="S::o.mattas@students.uu.nl::f944b869-84fe-4915-ac0f-2070e720f33b" providerId="AD" clId="Web-{D7840D99-4FBE-4B82-A919-56CD25E4427E}" dt="2021-02-18T09:51:29.486" v="20"/>
-          <pc:sldLayoutMkLst>
-            <pc:docMk/>
-            <pc:sldMasterMk cId="3073113103" sldId="2147483837"/>
-            <pc:sldLayoutMk cId="1556968761" sldId="2147483831"/>
-          </pc:sldLayoutMkLst>
-        </pc:sldLayoutChg>
-        <pc:sldLayoutChg chg="add">
-          <pc:chgData name="Mättas, O. (Otto)" userId="S::o.mattas@students.uu.nl::f944b869-84fe-4915-ac0f-2070e720f33b" providerId="AD" clId="Web-{D7840D99-4FBE-4B82-A919-56CD25E4427E}" dt="2021-02-18T09:51:29.486" v="20"/>
-          <pc:sldLayoutMkLst>
-            <pc:docMk/>
-            <pc:sldMasterMk cId="3073113103" sldId="2147483837"/>
-            <pc:sldLayoutMk cId="1544083366" sldId="2147483832"/>
-          </pc:sldLayoutMkLst>
-        </pc:sldLayoutChg>
-        <pc:sldLayoutChg chg="add">
-          <pc:chgData name="Mättas, O. (Otto)" userId="S::o.mattas@students.uu.nl::f944b869-84fe-4915-ac0f-2070e720f33b" providerId="AD" clId="Web-{D7840D99-4FBE-4B82-A919-56CD25E4427E}" dt="2021-02-18T09:51:29.486" v="20"/>
-          <pc:sldLayoutMkLst>
-            <pc:docMk/>
-            <pc:sldMasterMk cId="3073113103" sldId="2147483837"/>
-            <pc:sldLayoutMk cId="3742730611" sldId="2147483833"/>
-          </pc:sldLayoutMkLst>
-        </pc:sldLayoutChg>
-        <pc:sldLayoutChg chg="add">
-          <pc:chgData name="Mättas, O. (Otto)" userId="S::o.mattas@students.uu.nl::f944b869-84fe-4915-ac0f-2070e720f33b" providerId="AD" clId="Web-{D7840D99-4FBE-4B82-A919-56CD25E4427E}" dt="2021-02-18T09:51:29.486" v="20"/>
-          <pc:sldLayoutMkLst>
-            <pc:docMk/>
-            <pc:sldMasterMk cId="3073113103" sldId="2147483837"/>
-            <pc:sldLayoutMk cId="1320726923" sldId="2147483834"/>
-          </pc:sldLayoutMkLst>
-        </pc:sldLayoutChg>
-        <pc:sldLayoutChg chg="add">
-          <pc:chgData name="Mättas, O. (Otto)" userId="S::o.mattas@students.uu.nl::f944b869-84fe-4915-ac0f-2070e720f33b" providerId="AD" clId="Web-{D7840D99-4FBE-4B82-A919-56CD25E4427E}" dt="2021-02-18T09:51:29.486" v="20"/>
-          <pc:sldLayoutMkLst>
-            <pc:docMk/>
-            <pc:sldMasterMk cId="3073113103" sldId="2147483837"/>
-            <pc:sldLayoutMk cId="2875095821" sldId="2147483835"/>
-          </pc:sldLayoutMkLst>
-        </pc:sldLayoutChg>
-        <pc:sldLayoutChg chg="add">
-          <pc:chgData name="Mättas, O. (Otto)" userId="S::o.mattas@students.uu.nl::f944b869-84fe-4915-ac0f-2070e720f33b" providerId="AD" clId="Web-{D7840D99-4FBE-4B82-A919-56CD25E4427E}" dt="2021-02-18T09:51:29.486" v="20"/>
-          <pc:sldLayoutMkLst>
-            <pc:docMk/>
-            <pc:sldMasterMk cId="3073113103" sldId="2147483837"/>
-            <pc:sldLayoutMk cId="3300323690" sldId="2147483836"/>
-          </pc:sldLayoutMkLst>
-        </pc:sldLayoutChg>
-      </pc:sldMasterChg>
-    </pc:docChg>
-  </pc:docChgLst>
-  <pc:docChgLst>
-    <pc:chgData name="Mättas, O. (Otto)" userId="S::o.mattas@students.uu.nl::f944b869-84fe-4915-ac0f-2070e720f33b" providerId="AD" clId="Web-{7D0EB698-F84F-41B9-855A-F0E0EF9344CA}"/>
-    <pc:docChg chg="addSld modSld">
-      <pc:chgData name="Mättas, O. (Otto)" userId="S::o.mattas@students.uu.nl::f944b869-84fe-4915-ac0f-2070e720f33b" providerId="AD" clId="Web-{7D0EB698-F84F-41B9-855A-F0E0EF9344CA}" dt="2021-02-18T18:11:14.344" v="6"/>
-      <pc:docMkLst>
-        <pc:docMk/>
-      </pc:docMkLst>
-      <pc:sldChg chg="modSp">
-        <pc:chgData name="Mättas, O. (Otto)" userId="S::o.mattas@students.uu.nl::f944b869-84fe-4915-ac0f-2070e720f33b" providerId="AD" clId="Web-{7D0EB698-F84F-41B9-855A-F0E0EF9344CA}" dt="2021-02-18T17:34:47.954" v="4" actId="20577"/>
-        <pc:sldMkLst>
-          <pc:docMk/>
-          <pc:sldMk cId="2936770168" sldId="263"/>
-        </pc:sldMkLst>
-        <pc:graphicFrameChg chg="modGraphic">
-          <ac:chgData name="Mättas, O. (Otto)" userId="S::o.mattas@students.uu.nl::f944b869-84fe-4915-ac0f-2070e720f33b" providerId="AD" clId="Web-{7D0EB698-F84F-41B9-855A-F0E0EF9344CA}" dt="2021-02-18T17:34:47.954" v="4" actId="20577"/>
-          <ac:graphicFrameMkLst>
-            <pc:docMk/>
-            <pc:sldMk cId="2936770168" sldId="263"/>
-            <ac:graphicFrameMk id="5" creationId="{DBB9DA2F-3D83-45DF-B6BB-A9370C601005}"/>
-          </ac:graphicFrameMkLst>
-        </pc:graphicFrameChg>
-      </pc:sldChg>
-      <pc:sldChg chg="new">
-        <pc:chgData name="Mättas, O. (Otto)" userId="S::o.mattas@students.uu.nl::f944b869-84fe-4915-ac0f-2070e720f33b" providerId="AD" clId="Web-{7D0EB698-F84F-41B9-855A-F0E0EF9344CA}" dt="2021-02-18T18:09:28.576" v="5"/>
-        <pc:sldMkLst>
-          <pc:docMk/>
-          <pc:sldMk cId="3802910007" sldId="283"/>
-        </pc:sldMkLst>
-      </pc:sldChg>
-      <pc:sldChg chg="new">
-        <pc:chgData name="Mättas, O. (Otto)" userId="S::o.mattas@students.uu.nl::f944b869-84fe-4915-ac0f-2070e720f33b" providerId="AD" clId="Web-{7D0EB698-F84F-41B9-855A-F0E0EF9344CA}" dt="2021-02-18T18:11:14.344" v="6"/>
+      <pc:sldChg chg="addSp delSp modSp del mod setBg">
+        <pc:chgData name="Mättas, O. (Otto)" userId="S::o.mattas@students.uu.nl::f944b869-84fe-4915-ac0f-2070e720f33b" providerId="AD" clId="Web-{215D138E-632B-4E6F-BAAE-169C6CC24215}" dt="2021-02-18T18:16:17.464" v="24"/>
         <pc:sldMkLst>
           <pc:docMk/>
           <pc:sldMk cId="1136344225" sldId="284"/>
         </pc:sldMkLst>
+        <pc:spChg chg="mod">
+          <ac:chgData name="Mättas, O. (Otto)" userId="S::o.mattas@students.uu.nl::f944b869-84fe-4915-ac0f-2070e720f33b" providerId="AD" clId="Web-{215D138E-632B-4E6F-BAAE-169C6CC24215}" dt="2021-02-18T18:13:13.586" v="3"/>
+          <ac:spMkLst>
+            <pc:docMk/>
+            <pc:sldMk cId="1136344225" sldId="284"/>
+            <ac:spMk id="2" creationId="{D53A730B-0341-4E1F-8D29-3CB754438BB1}"/>
+          </ac:spMkLst>
+        </pc:spChg>
+        <pc:grpChg chg="add">
+          <ac:chgData name="Mättas, O. (Otto)" userId="S::o.mattas@students.uu.nl::f944b869-84fe-4915-ac0f-2070e720f33b" providerId="AD" clId="Web-{215D138E-632B-4E6F-BAAE-169C6CC24215}" dt="2021-02-18T18:13:13.586" v="3"/>
+          <ac:grpSpMkLst>
+            <pc:docMk/>
+            <pc:sldMk cId="1136344225" sldId="284"/>
+            <ac:grpSpMk id="10" creationId="{02809643-1A52-4ED2-AA8C-EEF67E927206}"/>
+          </ac:grpSpMkLst>
+        </pc:grpChg>
+        <pc:picChg chg="add del">
+          <ac:chgData name="Mättas, O. (Otto)" userId="S::o.mattas@students.uu.nl::f944b869-84fe-4915-ac0f-2070e720f33b" providerId="AD" clId="Web-{215D138E-632B-4E6F-BAAE-169C6CC24215}" dt="2021-02-18T18:13:05.227" v="2"/>
+          <ac:picMkLst>
+            <pc:docMk/>
+            <pc:sldMk cId="1136344225" sldId="284"/>
+            <ac:picMk id="4" creationId="{3304B26E-04DD-4538-AFCD-441B100A405A}"/>
+          </ac:picMkLst>
+        </pc:picChg>
+        <pc:picChg chg="add mod ord">
+          <ac:chgData name="Mättas, O. (Otto)" userId="S::o.mattas@students.uu.nl::f944b869-84fe-4915-ac0f-2070e720f33b" providerId="AD" clId="Web-{215D138E-632B-4E6F-BAAE-169C6CC24215}" dt="2021-02-18T18:14:09.993" v="11"/>
+          <ac:picMkLst>
+            <pc:docMk/>
+            <pc:sldMk cId="1136344225" sldId="284"/>
+            <ac:picMk id="5" creationId="{218FE54A-E021-4DCA-9E1C-A97BEA8C09E1}"/>
+          </ac:picMkLst>
+        </pc:picChg>
+        <pc:picChg chg="add del ord">
+          <ac:chgData name="Mättas, O. (Otto)" userId="S::o.mattas@students.uu.nl::f944b869-84fe-4915-ac0f-2070e720f33b" providerId="AD" clId="Web-{215D138E-632B-4E6F-BAAE-169C6CC24215}" dt="2021-02-18T18:14:11.415" v="12"/>
+          <ac:picMkLst>
+            <pc:docMk/>
+            <pc:sldMk cId="1136344225" sldId="284"/>
+            <ac:picMk id="6" creationId="{2347ACC1-5A66-4854-8E05-AF74F989E89D}"/>
+          </ac:picMkLst>
+        </pc:picChg>
+      </pc:sldChg>
+      <pc:sldChg chg="addSp modSp mod setBg">
+        <pc:chgData name="Mättas, O. (Otto)" userId="S::o.mattas@students.uu.nl::f944b869-84fe-4915-ac0f-2070e720f33b" providerId="AD" clId="Web-{215D138E-632B-4E6F-BAAE-169C6CC24215}" dt="2021-02-18T18:14:21.665" v="13"/>
+        <pc:sldMkLst>
+          <pc:docMk/>
+          <pc:sldMk cId="1198111051" sldId="285"/>
+        </pc:sldMkLst>
+        <pc:spChg chg="mod">
+          <ac:chgData name="Mättas, O. (Otto)" userId="S::o.mattas@students.uu.nl::f944b869-84fe-4915-ac0f-2070e720f33b" providerId="AD" clId="Web-{215D138E-632B-4E6F-BAAE-169C6CC24215}" dt="2021-02-18T18:14:21.665" v="13"/>
+          <ac:spMkLst>
+            <pc:docMk/>
+            <pc:sldMk cId="1198111051" sldId="285"/>
+            <ac:spMk id="2" creationId="{91E652D8-C945-4616-BCB2-12F823763517}"/>
+          </ac:spMkLst>
+        </pc:spChg>
+        <pc:grpChg chg="add">
+          <ac:chgData name="Mättas, O. (Otto)" userId="S::o.mattas@students.uu.nl::f944b869-84fe-4915-ac0f-2070e720f33b" providerId="AD" clId="Web-{215D138E-632B-4E6F-BAAE-169C6CC24215}" dt="2021-02-18T18:14:21.665" v="13"/>
+          <ac:grpSpMkLst>
+            <pc:docMk/>
+            <pc:sldMk cId="1198111051" sldId="285"/>
+            <ac:grpSpMk id="8" creationId="{02809643-1A52-4ED2-AA8C-EEF67E927206}"/>
+          </ac:grpSpMkLst>
+        </pc:grpChg>
+        <pc:picChg chg="mod">
+          <ac:chgData name="Mättas, O. (Otto)" userId="S::o.mattas@students.uu.nl::f944b869-84fe-4915-ac0f-2070e720f33b" providerId="AD" clId="Web-{215D138E-632B-4E6F-BAAE-169C6CC24215}" dt="2021-02-18T18:14:21.665" v="13"/>
+          <ac:picMkLst>
+            <pc:docMk/>
+            <pc:sldMk cId="1198111051" sldId="285"/>
+            <ac:picMk id="3" creationId="{A0AB9791-424B-4527-B512-D13641D62D01}"/>
+          </ac:picMkLst>
+        </pc:picChg>
+      </pc:sldChg>
+      <pc:sldChg chg="addSp delSp modSp add replId">
+        <pc:chgData name="Mättas, O. (Otto)" userId="S::o.mattas@students.uu.nl::f944b869-84fe-4915-ac0f-2070e720f33b" providerId="AD" clId="Web-{215D138E-632B-4E6F-BAAE-169C6CC24215}" dt="2021-02-18T18:15:35.666" v="23"/>
+        <pc:sldMkLst>
+          <pc:docMk/>
+          <pc:sldMk cId="2913552737" sldId="286"/>
+        </pc:sldMkLst>
+        <pc:picChg chg="add mod ord">
+          <ac:chgData name="Mättas, O. (Otto)" userId="S::o.mattas@students.uu.nl::f944b869-84fe-4915-ac0f-2070e720f33b" providerId="AD" clId="Web-{215D138E-632B-4E6F-BAAE-169C6CC24215}" dt="2021-02-18T18:15:33.416" v="22"/>
+          <ac:picMkLst>
+            <pc:docMk/>
+            <pc:sldMk cId="2913552737" sldId="286"/>
+            <ac:picMk id="3" creationId="{B9C206FE-8BE6-4B62-B721-293B445310FF}"/>
+          </ac:picMkLst>
+        </pc:picChg>
+        <pc:picChg chg="del ord">
+          <ac:chgData name="Mättas, O. (Otto)" userId="S::o.mattas@students.uu.nl::f944b869-84fe-4915-ac0f-2070e720f33b" providerId="AD" clId="Web-{215D138E-632B-4E6F-BAAE-169C6CC24215}" dt="2021-02-18T18:15:35.666" v="23"/>
+          <ac:picMkLst>
+            <pc:docMk/>
+            <pc:sldMk cId="2913552737" sldId="286"/>
+            <ac:picMk id="5" creationId="{218FE54A-E021-4DCA-9E1C-A97BEA8C09E1}"/>
+          </ac:picMkLst>
+        </pc:picChg>
       </pc:sldChg>
     </pc:docChg>
   </pc:docChgLst>
@@ -3980,6 +475,30 @@
     </pc:docChg>
   </pc:docChgLst>
   <pc:docChgLst>
+    <pc:chgData name="Mättas, O. (Otto)" userId="S::o.mattas@students.uu.nl::f944b869-84fe-4915-ac0f-2070e720f33b" providerId="AD" clId="Web-{CC71B785-EF17-4B76-972F-D19454A26348}"/>
+    <pc:docChg chg="modSld">
+      <pc:chgData name="Mättas, O. (Otto)" userId="S::o.mattas@students.uu.nl::f944b869-84fe-4915-ac0f-2070e720f33b" providerId="AD" clId="Web-{CC71B785-EF17-4B76-972F-D19454A26348}" dt="2021-02-19T07:53:59.779" v="38" actId="20577"/>
+      <pc:docMkLst>
+        <pc:docMk/>
+      </pc:docMkLst>
+      <pc:sldChg chg="addSp modSp">
+        <pc:chgData name="Mättas, O. (Otto)" userId="S::o.mattas@students.uu.nl::f944b869-84fe-4915-ac0f-2070e720f33b" providerId="AD" clId="Web-{CC71B785-EF17-4B76-972F-D19454A26348}" dt="2021-02-19T07:53:59.779" v="38" actId="20577"/>
+        <pc:sldMkLst>
+          <pc:docMk/>
+          <pc:sldMk cId="2942977414" sldId="259"/>
+        </pc:sldMkLst>
+        <pc:spChg chg="add mod">
+          <ac:chgData name="Mättas, O. (Otto)" userId="S::o.mattas@students.uu.nl::f944b869-84fe-4915-ac0f-2070e720f33b" providerId="AD" clId="Web-{CC71B785-EF17-4B76-972F-D19454A26348}" dt="2021-02-19T07:53:59.779" v="38" actId="20577"/>
+          <ac:spMkLst>
+            <pc:docMk/>
+            <pc:sldMk cId="2942977414" sldId="259"/>
+            <ac:spMk id="5" creationId="{31F1657C-6292-47CC-BC60-C4B67CF3BFA3}"/>
+          </ac:spMkLst>
+        </pc:spChg>
+      </pc:sldChg>
+    </pc:docChg>
+  </pc:docChgLst>
+  <pc:docChgLst>
     <pc:chgData name="Di Grandi, D. (Daniele)" userId="S::d.digrandi@students.uu.nl::6673f43e-5b16-46ee-8605-fa11644727b4" providerId="AD" clId="Web-{42477CD8-34CA-49BB-A6B5-E198549D1FC6}"/>
     <pc:docChg chg="modSld">
       <pc:chgData name="Di Grandi, D. (Daniele)" userId="S::d.digrandi@students.uu.nl::6673f43e-5b16-46ee-8605-fa11644727b4" providerId="AD" clId="Web-{42477CD8-34CA-49BB-A6B5-E198549D1FC6}" dt="2021-02-18T17:03:14.421" v="5" actId="1076"/>
@@ -4008,6 +527,1491 @@
             <ac:picMk id="6" creationId="{47C68551-4005-495E-A9B9-1272936521B0}"/>
           </ac:picMkLst>
         </pc:picChg>
+      </pc:sldChg>
+    </pc:docChg>
+  </pc:docChgLst>
+  <pc:docChgLst>
+    <pc:chgData name="Jim Ekanem" userId="edad37bd-28d4-4c80-a826-0524b9fe325d" providerId="ADAL" clId="{CF085FC8-53F9-4EB7-870B-5E818299CFD1}"/>
+    <pc:docChg chg="undo redo custSel addSld delSld modSld sldOrd">
+      <pc:chgData name="Jim Ekanem" userId="edad37bd-28d4-4c80-a826-0524b9fe325d" providerId="ADAL" clId="{CF085FC8-53F9-4EB7-870B-5E818299CFD1}" dt="2021-02-18T15:59:36.996" v="205"/>
+      <pc:docMkLst>
+        <pc:docMk/>
+      </pc:docMkLst>
+      <pc:sldChg chg="addCm modCm">
+        <pc:chgData name="Jim Ekanem" userId="edad37bd-28d4-4c80-a826-0524b9fe325d" providerId="ADAL" clId="{CF085FC8-53F9-4EB7-870B-5E818299CFD1}" dt="2021-02-18T15:23:18.620" v="26"/>
+        <pc:sldMkLst>
+          <pc:docMk/>
+          <pc:sldMk cId="2942977414" sldId="259"/>
+        </pc:sldMkLst>
+      </pc:sldChg>
+      <pc:sldChg chg="modSp mod">
+        <pc:chgData name="Jim Ekanem" userId="edad37bd-28d4-4c80-a826-0524b9fe325d" providerId="ADAL" clId="{CF085FC8-53F9-4EB7-870B-5E818299CFD1}" dt="2021-02-18T15:58:41.489" v="203" actId="255"/>
+        <pc:sldMkLst>
+          <pc:docMk/>
+          <pc:sldMk cId="2808113713" sldId="272"/>
+        </pc:sldMkLst>
+        <pc:spChg chg="mod">
+          <ac:chgData name="Jim Ekanem" userId="edad37bd-28d4-4c80-a826-0524b9fe325d" providerId="ADAL" clId="{CF085FC8-53F9-4EB7-870B-5E818299CFD1}" dt="2021-02-18T15:58:41.489" v="203" actId="255"/>
+          <ac:spMkLst>
+            <pc:docMk/>
+            <pc:sldMk cId="2808113713" sldId="272"/>
+            <ac:spMk id="2" creationId="{F9337501-7464-4493-BBFD-1ABF0E419B60}"/>
+          </ac:spMkLst>
+        </pc:spChg>
+      </pc:sldChg>
+      <pc:sldChg chg="addCm modCm">
+        <pc:chgData name="Jim Ekanem" userId="edad37bd-28d4-4c80-a826-0524b9fe325d" providerId="ADAL" clId="{CF085FC8-53F9-4EB7-870B-5E818299CFD1}" dt="2021-02-18T15:59:36.996" v="205"/>
+        <pc:sldMkLst>
+          <pc:docMk/>
+          <pc:sldMk cId="791204635" sldId="273"/>
+        </pc:sldMkLst>
+      </pc:sldChg>
+      <pc:sldChg chg="addSp delSp modSp add del mod modShow addCm modCm">
+        <pc:chgData name="Jim Ekanem" userId="edad37bd-28d4-4c80-a826-0524b9fe325d" providerId="ADAL" clId="{CF085FC8-53F9-4EB7-870B-5E818299CFD1}" dt="2021-02-18T15:52:28.221" v="151" actId="2696"/>
+        <pc:sldMkLst>
+          <pc:docMk/>
+          <pc:sldMk cId="3666444239" sldId="274"/>
+        </pc:sldMkLst>
+        <pc:spChg chg="add mod">
+          <ac:chgData name="Jim Ekanem" userId="edad37bd-28d4-4c80-a826-0524b9fe325d" providerId="ADAL" clId="{CF085FC8-53F9-4EB7-870B-5E818299CFD1}" dt="2021-02-18T15:43:36.566" v="72" actId="207"/>
+          <ac:spMkLst>
+            <pc:docMk/>
+            <pc:sldMk cId="3666444239" sldId="274"/>
+            <ac:spMk id="3" creationId="{86696E38-21A7-4D9D-8A68-72C8E4F5E48A}"/>
+          </ac:spMkLst>
+        </pc:spChg>
+        <pc:spChg chg="add mod">
+          <ac:chgData name="Jim Ekanem" userId="edad37bd-28d4-4c80-a826-0524b9fe325d" providerId="ADAL" clId="{CF085FC8-53F9-4EB7-870B-5E818299CFD1}" dt="2021-02-18T15:43:06.092" v="65" actId="207"/>
+          <ac:spMkLst>
+            <pc:docMk/>
+            <pc:sldMk cId="3666444239" sldId="274"/>
+            <ac:spMk id="32" creationId="{C6AD9C99-E286-4EC4-B40F-98837C3D3269}"/>
+          </ac:spMkLst>
+        </pc:spChg>
+        <pc:spChg chg="add mod">
+          <ac:chgData name="Jim Ekanem" userId="edad37bd-28d4-4c80-a826-0524b9fe325d" providerId="ADAL" clId="{CF085FC8-53F9-4EB7-870B-5E818299CFD1}" dt="2021-02-18T15:43:36.566" v="72" actId="207"/>
+          <ac:spMkLst>
+            <pc:docMk/>
+            <pc:sldMk cId="3666444239" sldId="274"/>
+            <ac:spMk id="37" creationId="{ACEA1DC9-D9D7-40BF-B5C1-49E27FD85ED0}"/>
+          </ac:spMkLst>
+        </pc:spChg>
+        <pc:spChg chg="add mod">
+          <ac:chgData name="Jim Ekanem" userId="edad37bd-28d4-4c80-a826-0524b9fe325d" providerId="ADAL" clId="{CF085FC8-53F9-4EB7-870B-5E818299CFD1}" dt="2021-02-18T15:43:36.566" v="72" actId="207"/>
+          <ac:spMkLst>
+            <pc:docMk/>
+            <pc:sldMk cId="3666444239" sldId="274"/>
+            <ac:spMk id="38" creationId="{CCE45493-99BB-4327-A574-1BEB8A1A3D42}"/>
+          </ac:spMkLst>
+        </pc:spChg>
+        <pc:spChg chg="add del mod">
+          <ac:chgData name="Jim Ekanem" userId="edad37bd-28d4-4c80-a826-0524b9fe325d" providerId="ADAL" clId="{CF085FC8-53F9-4EB7-870B-5E818299CFD1}" dt="2021-02-18T15:50:39.281" v="131" actId="478"/>
+          <ac:spMkLst>
+            <pc:docMk/>
+            <pc:sldMk cId="3666444239" sldId="274"/>
+            <ac:spMk id="39" creationId="{4EF0CA2F-F09C-420B-B04B-773ECDA44F15}"/>
+          </ac:spMkLst>
+        </pc:spChg>
+        <pc:graphicFrameChg chg="mod modGraphic">
+          <ac:chgData name="Jim Ekanem" userId="edad37bd-28d4-4c80-a826-0524b9fe325d" providerId="ADAL" clId="{CF085FC8-53F9-4EB7-870B-5E818299CFD1}" dt="2021-02-18T15:50:41.275" v="132" actId="478"/>
+          <ac:graphicFrameMkLst>
+            <pc:docMk/>
+            <pc:sldMk cId="3666444239" sldId="274"/>
+            <ac:graphicFrameMk id="5" creationId="{F0C8A44F-8CC2-460B-85DC-5F7EA19140DE}"/>
+          </ac:graphicFrameMkLst>
+        </pc:graphicFrameChg>
+        <pc:picChg chg="add mod">
+          <ac:chgData name="Jim Ekanem" userId="edad37bd-28d4-4c80-a826-0524b9fe325d" providerId="ADAL" clId="{CF085FC8-53F9-4EB7-870B-5E818299CFD1}" dt="2021-02-18T15:46:13.575" v="83" actId="1076"/>
+          <ac:picMkLst>
+            <pc:docMk/>
+            <pc:sldMk cId="3666444239" sldId="274"/>
+            <ac:picMk id="6" creationId="{F48BB55A-14EA-4C8C-A992-C9357414078C}"/>
+          </ac:picMkLst>
+        </pc:picChg>
+        <pc:picChg chg="add mod">
+          <ac:chgData name="Jim Ekanem" userId="edad37bd-28d4-4c80-a826-0524b9fe325d" providerId="ADAL" clId="{CF085FC8-53F9-4EB7-870B-5E818299CFD1}" dt="2021-02-18T15:46:31.295" v="90" actId="1076"/>
+          <ac:picMkLst>
+            <pc:docMk/>
+            <pc:sldMk cId="3666444239" sldId="274"/>
+            <ac:picMk id="9" creationId="{CABD2DB6-DEE1-4B14-8A1E-2939053687B9}"/>
+          </ac:picMkLst>
+        </pc:picChg>
+        <pc:picChg chg="add mod">
+          <ac:chgData name="Jim Ekanem" userId="edad37bd-28d4-4c80-a826-0524b9fe325d" providerId="ADAL" clId="{CF085FC8-53F9-4EB7-870B-5E818299CFD1}" dt="2021-02-18T15:46:53.412" v="98" actId="1076"/>
+          <ac:picMkLst>
+            <pc:docMk/>
+            <pc:sldMk cId="3666444239" sldId="274"/>
+            <ac:picMk id="40" creationId="{6F2211A8-E031-4FED-A383-CCD6253A65A8}"/>
+          </ac:picMkLst>
+        </pc:picChg>
+        <pc:picChg chg="add mod">
+          <ac:chgData name="Jim Ekanem" userId="edad37bd-28d4-4c80-a826-0524b9fe325d" providerId="ADAL" clId="{CF085FC8-53F9-4EB7-870B-5E818299CFD1}" dt="2021-02-18T15:50:54.181" v="138" actId="1076"/>
+          <ac:picMkLst>
+            <pc:docMk/>
+            <pc:sldMk cId="3666444239" sldId="274"/>
+            <ac:picMk id="42" creationId="{EBD87097-B30E-4104-A2CC-757D294D66C7}"/>
+          </ac:picMkLst>
+        </pc:picChg>
+        <pc:picChg chg="add del mod">
+          <ac:chgData name="Jim Ekanem" userId="edad37bd-28d4-4c80-a826-0524b9fe325d" providerId="ADAL" clId="{CF085FC8-53F9-4EB7-870B-5E818299CFD1}" dt="2021-02-18T15:50:51.300" v="136" actId="478"/>
+          <ac:picMkLst>
+            <pc:docMk/>
+            <pc:sldMk cId="3666444239" sldId="274"/>
+            <ac:picMk id="44" creationId="{5C252BBD-C2C6-4A0B-A5EA-6488E959E9D5}"/>
+          </ac:picMkLst>
+        </pc:picChg>
+      </pc:sldChg>
+      <pc:sldChg chg="add">
+        <pc:chgData name="Jim Ekanem" userId="edad37bd-28d4-4c80-a826-0524b9fe325d" providerId="ADAL" clId="{CF085FC8-53F9-4EB7-870B-5E818299CFD1}" dt="2021-02-18T15:14:16.574" v="21" actId="2890"/>
+        <pc:sldMkLst>
+          <pc:docMk/>
+          <pc:sldMk cId="80245984" sldId="275"/>
+        </pc:sldMkLst>
+      </pc:sldChg>
+      <pc:sldChg chg="modSp add del ord">
+        <pc:chgData name="Jim Ekanem" userId="edad37bd-28d4-4c80-a826-0524b9fe325d" providerId="ADAL" clId="{CF085FC8-53F9-4EB7-870B-5E818299CFD1}" dt="2021-02-18T15:53:57.858" v="169" actId="2696"/>
+        <pc:sldMkLst>
+          <pc:docMk/>
+          <pc:sldMk cId="1609430094" sldId="276"/>
+        </pc:sldMkLst>
+        <pc:graphicFrameChg chg="mod">
+          <ac:chgData name="Jim Ekanem" userId="edad37bd-28d4-4c80-a826-0524b9fe325d" providerId="ADAL" clId="{CF085FC8-53F9-4EB7-870B-5E818299CFD1}" dt="2021-02-18T15:51:45.121" v="142" actId="1582"/>
+          <ac:graphicFrameMkLst>
+            <pc:docMk/>
+            <pc:sldMk cId="1609430094" sldId="276"/>
+            <ac:graphicFrameMk id="5" creationId="{F0C8A44F-8CC2-460B-85DC-5F7EA19140DE}"/>
+          </ac:graphicFrameMkLst>
+        </pc:graphicFrameChg>
+      </pc:sldChg>
+      <pc:sldChg chg="addSp delSp modSp add del mod">
+        <pc:chgData name="Jim Ekanem" userId="edad37bd-28d4-4c80-a826-0524b9fe325d" providerId="ADAL" clId="{CF085FC8-53F9-4EB7-870B-5E818299CFD1}" dt="2021-02-18T15:55:39.486" v="194" actId="20577"/>
+        <pc:sldMkLst>
+          <pc:docMk/>
+          <pc:sldMk cId="2936478737" sldId="277"/>
+        </pc:sldMkLst>
+        <pc:graphicFrameChg chg="mod">
+          <ac:chgData name="Jim Ekanem" userId="edad37bd-28d4-4c80-a826-0524b9fe325d" providerId="ADAL" clId="{CF085FC8-53F9-4EB7-870B-5E818299CFD1}" dt="2021-02-18T15:55:39.486" v="194" actId="20577"/>
+          <ac:graphicFrameMkLst>
+            <pc:docMk/>
+            <pc:sldMk cId="2936478737" sldId="277"/>
+            <ac:graphicFrameMk id="5" creationId="{F0C8A44F-8CC2-460B-85DC-5F7EA19140DE}"/>
+          </ac:graphicFrameMkLst>
+        </pc:graphicFrameChg>
+        <pc:picChg chg="add del">
+          <ac:chgData name="Jim Ekanem" userId="edad37bd-28d4-4c80-a826-0524b9fe325d" providerId="ADAL" clId="{CF085FC8-53F9-4EB7-870B-5E818299CFD1}" dt="2021-02-18T15:52:22.647" v="148" actId="478"/>
+          <ac:picMkLst>
+            <pc:docMk/>
+            <pc:sldMk cId="2936478737" sldId="277"/>
+            <ac:picMk id="9" creationId="{CABD2DB6-DEE1-4B14-8A1E-2939053687B9}"/>
+          </ac:picMkLst>
+        </pc:picChg>
+        <pc:picChg chg="add del">
+          <ac:chgData name="Jim Ekanem" userId="edad37bd-28d4-4c80-a826-0524b9fe325d" providerId="ADAL" clId="{CF085FC8-53F9-4EB7-870B-5E818299CFD1}" dt="2021-02-18T15:52:19.748" v="147" actId="478"/>
+          <ac:picMkLst>
+            <pc:docMk/>
+            <pc:sldMk cId="2936478737" sldId="277"/>
+            <ac:picMk id="40" creationId="{6F2211A8-E031-4FED-A383-CCD6253A65A8}"/>
+          </ac:picMkLst>
+        </pc:picChg>
+      </pc:sldChg>
+      <pc:sldChg chg="delSp modSp add mod addCm modCm">
+        <pc:chgData name="Jim Ekanem" userId="edad37bd-28d4-4c80-a826-0524b9fe325d" providerId="ADAL" clId="{CF085FC8-53F9-4EB7-870B-5E818299CFD1}" dt="2021-02-18T15:58:24.007" v="202"/>
+        <pc:sldMkLst>
+          <pc:docMk/>
+          <pc:sldMk cId="3166488700" sldId="278"/>
+        </pc:sldMkLst>
+        <pc:spChg chg="mod">
+          <ac:chgData name="Jim Ekanem" userId="edad37bd-28d4-4c80-a826-0524b9fe325d" providerId="ADAL" clId="{CF085FC8-53F9-4EB7-870B-5E818299CFD1}" dt="2021-02-18T15:58:24.007" v="202"/>
+          <ac:spMkLst>
+            <pc:docMk/>
+            <pc:sldMk cId="3166488700" sldId="278"/>
+            <ac:spMk id="2" creationId="{B238061C-8601-49D7-A023-7E0613707479}"/>
+          </ac:spMkLst>
+        </pc:spChg>
+        <pc:spChg chg="mod">
+          <ac:chgData name="Jim Ekanem" userId="edad37bd-28d4-4c80-a826-0524b9fe325d" providerId="ADAL" clId="{CF085FC8-53F9-4EB7-870B-5E818299CFD1}" dt="2021-02-18T15:53:06.317" v="157" actId="14100"/>
+          <ac:spMkLst>
+            <pc:docMk/>
+            <pc:sldMk cId="3166488700" sldId="278"/>
+            <ac:spMk id="39" creationId="{4EF0CA2F-F09C-420B-B04B-773ECDA44F15}"/>
+          </ac:spMkLst>
+        </pc:spChg>
+        <pc:graphicFrameChg chg="mod">
+          <ac:chgData name="Jim Ekanem" userId="edad37bd-28d4-4c80-a826-0524b9fe325d" providerId="ADAL" clId="{CF085FC8-53F9-4EB7-870B-5E818299CFD1}" dt="2021-02-18T15:53:39.159" v="167" actId="20577"/>
+          <ac:graphicFrameMkLst>
+            <pc:docMk/>
+            <pc:sldMk cId="3166488700" sldId="278"/>
+            <ac:graphicFrameMk id="5" creationId="{F0C8A44F-8CC2-460B-85DC-5F7EA19140DE}"/>
+          </ac:graphicFrameMkLst>
+        </pc:graphicFrameChg>
+        <pc:picChg chg="del">
+          <ac:chgData name="Jim Ekanem" userId="edad37bd-28d4-4c80-a826-0524b9fe325d" providerId="ADAL" clId="{CF085FC8-53F9-4EB7-870B-5E818299CFD1}" dt="2021-02-18T15:53:39.985" v="168" actId="478"/>
+          <ac:picMkLst>
+            <pc:docMk/>
+            <pc:sldMk cId="3166488700" sldId="278"/>
+            <ac:picMk id="9" creationId="{CABD2DB6-DEE1-4B14-8A1E-2939053687B9}"/>
+          </ac:picMkLst>
+        </pc:picChg>
+        <pc:picChg chg="del">
+          <ac:chgData name="Jim Ekanem" userId="edad37bd-28d4-4c80-a826-0524b9fe325d" providerId="ADAL" clId="{CF085FC8-53F9-4EB7-870B-5E818299CFD1}" dt="2021-02-18T15:53:33.676" v="165" actId="478"/>
+          <ac:picMkLst>
+            <pc:docMk/>
+            <pc:sldMk cId="3166488700" sldId="278"/>
+            <ac:picMk id="40" creationId="{6F2211A8-E031-4FED-A383-CCD6253A65A8}"/>
+          </ac:picMkLst>
+        </pc:picChg>
+        <pc:picChg chg="del">
+          <ac:chgData name="Jim Ekanem" userId="edad37bd-28d4-4c80-a826-0524b9fe325d" providerId="ADAL" clId="{CF085FC8-53F9-4EB7-870B-5E818299CFD1}" dt="2021-02-18T15:53:26.729" v="162" actId="478"/>
+          <ac:picMkLst>
+            <pc:docMk/>
+            <pc:sldMk cId="3166488700" sldId="278"/>
+            <ac:picMk id="42" creationId="{EBD87097-B30E-4104-A2CC-757D294D66C7}"/>
+          </ac:picMkLst>
+        </pc:picChg>
+        <pc:picChg chg="del">
+          <ac:chgData name="Jim Ekanem" userId="edad37bd-28d4-4c80-a826-0524b9fe325d" providerId="ADAL" clId="{CF085FC8-53F9-4EB7-870B-5E818299CFD1}" dt="2021-02-18T15:53:08.592" v="158" actId="478"/>
+          <ac:picMkLst>
+            <pc:docMk/>
+            <pc:sldMk cId="3166488700" sldId="278"/>
+            <ac:picMk id="44" creationId="{5C252BBD-C2C6-4A0B-A5EA-6488E959E9D5}"/>
+          </ac:picMkLst>
+        </pc:picChg>
+      </pc:sldChg>
+      <pc:sldChg chg="add">
+        <pc:chgData name="Jim Ekanem" userId="edad37bd-28d4-4c80-a826-0524b9fe325d" providerId="ADAL" clId="{CF085FC8-53F9-4EB7-870B-5E818299CFD1}" dt="2021-02-18T15:53:22.741" v="160" actId="2890"/>
+        <pc:sldMkLst>
+          <pc:docMk/>
+          <pc:sldMk cId="1403399020" sldId="279"/>
+        </pc:sldMkLst>
+      </pc:sldChg>
+      <pc:sldChg chg="add">
+        <pc:chgData name="Jim Ekanem" userId="edad37bd-28d4-4c80-a826-0524b9fe325d" providerId="ADAL" clId="{CF085FC8-53F9-4EB7-870B-5E818299CFD1}" dt="2021-02-18T15:53:29.306" v="163" actId="2890"/>
+        <pc:sldMkLst>
+          <pc:docMk/>
+          <pc:sldMk cId="547619505" sldId="280"/>
+        </pc:sldMkLst>
+      </pc:sldChg>
+      <pc:sldChg chg="modSp add mod">
+        <pc:chgData name="Jim Ekanem" userId="edad37bd-28d4-4c80-a826-0524b9fe325d" providerId="ADAL" clId="{CF085FC8-53F9-4EB7-870B-5E818299CFD1}" dt="2021-02-18T15:58:21.876" v="201"/>
+        <pc:sldMkLst>
+          <pc:docMk/>
+          <pc:sldMk cId="3176483059" sldId="281"/>
+        </pc:sldMkLst>
+        <pc:spChg chg="mod">
+          <ac:chgData name="Jim Ekanem" userId="edad37bd-28d4-4c80-a826-0524b9fe325d" providerId="ADAL" clId="{CF085FC8-53F9-4EB7-870B-5E818299CFD1}" dt="2021-02-18T15:58:21.876" v="201"/>
+          <ac:spMkLst>
+            <pc:docMk/>
+            <pc:sldMk cId="3176483059" sldId="281"/>
+            <ac:spMk id="2" creationId="{B238061C-8601-49D7-A023-7E0613707479}"/>
+          </ac:spMkLst>
+        </pc:spChg>
+      </pc:sldChg>
+    </pc:docChg>
+  </pc:docChgLst>
+  <pc:docChgLst>
+    <pc:chgData name="Mättas, O. (Otto)" userId="S::o.mattas@students.uu.nl::f944b869-84fe-4915-ac0f-2070e720f33b" providerId="AD" clId="Web-{AF92DCBE-6B12-4A23-85BD-1549F9DD18DA}"/>
+    <pc:docChg chg="addSld delSld modSld addMainMaster delMainMaster">
+      <pc:chgData name="Mättas, O. (Otto)" userId="S::o.mattas@students.uu.nl::f944b869-84fe-4915-ac0f-2070e720f33b" providerId="AD" clId="Web-{AF92DCBE-6B12-4A23-85BD-1549F9DD18DA}" dt="2021-02-18T11:24:15.440" v="37"/>
+      <pc:docMkLst>
+        <pc:docMk/>
+      </pc:docMkLst>
+      <pc:sldChg chg="addSp delSp modSp mod modClrScheme delDesignElem chgLayout">
+        <pc:chgData name="Mättas, O. (Otto)" userId="S::o.mattas@students.uu.nl::f944b869-84fe-4915-ac0f-2070e720f33b" providerId="AD" clId="Web-{AF92DCBE-6B12-4A23-85BD-1549F9DD18DA}" dt="2021-02-18T11:20:25.496" v="3"/>
+        <pc:sldMkLst>
+          <pc:docMk/>
+          <pc:sldMk cId="2942977414" sldId="259"/>
+        </pc:sldMkLst>
+        <pc:spChg chg="mod ord">
+          <ac:chgData name="Mättas, O. (Otto)" userId="S::o.mattas@students.uu.nl::f944b869-84fe-4915-ac0f-2070e720f33b" providerId="AD" clId="Web-{AF92DCBE-6B12-4A23-85BD-1549F9DD18DA}" dt="2021-02-18T11:20:25.496" v="3"/>
+          <ac:spMkLst>
+            <pc:docMk/>
+            <pc:sldMk cId="2942977414" sldId="259"/>
+            <ac:spMk id="2" creationId="{3C99E8F2-BD1A-48E0-96E7-9F2C4A9D5F81}"/>
+          </ac:spMkLst>
+        </pc:spChg>
+        <pc:spChg chg="mod ord">
+          <ac:chgData name="Mättas, O. (Otto)" userId="S::o.mattas@students.uu.nl::f944b869-84fe-4915-ac0f-2070e720f33b" providerId="AD" clId="Web-{AF92DCBE-6B12-4A23-85BD-1549F9DD18DA}" dt="2021-02-18T11:20:25.496" v="3"/>
+          <ac:spMkLst>
+            <pc:docMk/>
+            <pc:sldMk cId="2942977414" sldId="259"/>
+            <ac:spMk id="3" creationId="{BFECE727-F53F-4D44-A07A-D22D81C5C7A7}"/>
+          </ac:spMkLst>
+        </pc:spChg>
+        <pc:spChg chg="add">
+          <ac:chgData name="Mättas, O. (Otto)" userId="S::o.mattas@students.uu.nl::f944b869-84fe-4915-ac0f-2070e720f33b" providerId="AD" clId="Web-{AF92DCBE-6B12-4A23-85BD-1549F9DD18DA}" dt="2021-02-18T11:20:25.496" v="3"/>
+          <ac:spMkLst>
+            <pc:docMk/>
+            <pc:sldMk cId="2942977414" sldId="259"/>
+            <ac:spMk id="31" creationId="{14836A48-4CAC-4A40-97EB-8ACA9B26A98A}"/>
+          </ac:spMkLst>
+        </pc:spChg>
+        <pc:spChg chg="del">
+          <ac:chgData name="Mättas, O. (Otto)" userId="S::o.mattas@students.uu.nl::f944b869-84fe-4915-ac0f-2070e720f33b" providerId="AD" clId="Web-{AF92DCBE-6B12-4A23-85BD-1549F9DD18DA}" dt="2021-02-18T11:19:51.370" v="1"/>
+          <ac:spMkLst>
+            <pc:docMk/>
+            <pc:sldMk cId="2942977414" sldId="259"/>
+            <ac:spMk id="52" creationId="{BA6285CA-6AFA-4F27-AFB5-1B32CDE09B1A}"/>
+          </ac:spMkLst>
+        </pc:spChg>
+        <pc:spChg chg="del">
+          <ac:chgData name="Mättas, O. (Otto)" userId="S::o.mattas@students.uu.nl::f944b869-84fe-4915-ac0f-2070e720f33b" providerId="AD" clId="Web-{AF92DCBE-6B12-4A23-85BD-1549F9DD18DA}" dt="2021-02-18T11:19:51.370" v="1"/>
+          <ac:spMkLst>
+            <pc:docMk/>
+            <pc:sldMk cId="2942977414" sldId="259"/>
+            <ac:spMk id="54" creationId="{F8DD0EAF-BF73-48D8-A426-3085C4B88FAA}"/>
+          </ac:spMkLst>
+        </pc:spChg>
+        <pc:spChg chg="del">
+          <ac:chgData name="Mättas, O. (Otto)" userId="S::o.mattas@students.uu.nl::f944b869-84fe-4915-ac0f-2070e720f33b" providerId="AD" clId="Web-{AF92DCBE-6B12-4A23-85BD-1549F9DD18DA}" dt="2021-02-18T11:19:51.370" v="1"/>
+          <ac:spMkLst>
+            <pc:docMk/>
+            <pc:sldMk cId="2942977414" sldId="259"/>
+            <ac:spMk id="56" creationId="{7BCC6446-8462-4A63-9B6F-8F57EC40F648}"/>
+          </ac:spMkLst>
+        </pc:spChg>
+        <pc:grpChg chg="add">
+          <ac:chgData name="Mättas, O. (Otto)" userId="S::o.mattas@students.uu.nl::f944b869-84fe-4915-ac0f-2070e720f33b" providerId="AD" clId="Web-{AF92DCBE-6B12-4A23-85BD-1549F9DD18DA}" dt="2021-02-18T11:20:25.496" v="3"/>
+          <ac:grpSpMkLst>
+            <pc:docMk/>
+            <pc:sldMk cId="2942977414" sldId="259"/>
+            <ac:grpSpMk id="32" creationId="{99502C85-D694-4534-81D2-BE2E526122E1}"/>
+          </ac:grpSpMkLst>
+        </pc:grpChg>
+        <pc:grpChg chg="add">
+          <ac:chgData name="Mättas, O. (Otto)" userId="S::o.mattas@students.uu.nl::f944b869-84fe-4915-ac0f-2070e720f33b" providerId="AD" clId="Web-{AF92DCBE-6B12-4A23-85BD-1549F9DD18DA}" dt="2021-02-18T11:20:25.496" v="3"/>
+          <ac:grpSpMkLst>
+            <pc:docMk/>
+            <pc:sldMk cId="2942977414" sldId="259"/>
+            <ac:grpSpMk id="36" creationId="{6890A515-B90B-43BC-876F-580D2FC47EC0}"/>
+          </ac:grpSpMkLst>
+        </pc:grpChg>
+        <pc:grpChg chg="del">
+          <ac:chgData name="Mättas, O. (Otto)" userId="S::o.mattas@students.uu.nl::f944b869-84fe-4915-ac0f-2070e720f33b" providerId="AD" clId="Web-{AF92DCBE-6B12-4A23-85BD-1549F9DD18DA}" dt="2021-02-18T11:19:51.370" v="1"/>
+          <ac:grpSpMkLst>
+            <pc:docMk/>
+            <pc:sldMk cId="2942977414" sldId="259"/>
+            <ac:grpSpMk id="58" creationId="{8118ECEF-CA6A-4CB6-BCA5-59B2DB40C4AB}"/>
+          </ac:grpSpMkLst>
+        </pc:grpChg>
+        <pc:picChg chg="mod ord">
+          <ac:chgData name="Mättas, O. (Otto)" userId="S::o.mattas@students.uu.nl::f944b869-84fe-4915-ac0f-2070e720f33b" providerId="AD" clId="Web-{AF92DCBE-6B12-4A23-85BD-1549F9DD18DA}" dt="2021-02-18T11:20:25.496" v="3"/>
+          <ac:picMkLst>
+            <pc:docMk/>
+            <pc:sldMk cId="2942977414" sldId="259"/>
+            <ac:picMk id="4" creationId="{38C2E213-0C12-4798-8BA9-8D234CD533F1}"/>
+          </ac:picMkLst>
+        </pc:picChg>
+      </pc:sldChg>
+      <pc:sldChg chg="delSp mod modClrScheme delDesignElem chgLayout">
+        <pc:chgData name="Mättas, O. (Otto)" userId="S::o.mattas@students.uu.nl::f944b869-84fe-4915-ac0f-2070e720f33b" providerId="AD" clId="Web-{AF92DCBE-6B12-4A23-85BD-1549F9DD18DA}" dt="2021-02-18T11:20:06.948" v="2"/>
+        <pc:sldMkLst>
+          <pc:docMk/>
+          <pc:sldMk cId="3940052765" sldId="260"/>
+        </pc:sldMkLst>
+        <pc:spChg chg="del">
+          <ac:chgData name="Mättas, O. (Otto)" userId="S::o.mattas@students.uu.nl::f944b869-84fe-4915-ac0f-2070e720f33b" providerId="AD" clId="Web-{AF92DCBE-6B12-4A23-85BD-1549F9DD18DA}" dt="2021-02-18T11:19:51.370" v="1"/>
+          <ac:spMkLst>
+            <pc:docMk/>
+            <pc:sldMk cId="3940052765" sldId="260"/>
+            <ac:spMk id="10" creationId="{A4798C7F-C8CA-4799-BF37-3AB4642CDB66}"/>
+          </ac:spMkLst>
+        </pc:spChg>
+        <pc:spChg chg="del">
+          <ac:chgData name="Mättas, O. (Otto)" userId="S::o.mattas@students.uu.nl::f944b869-84fe-4915-ac0f-2070e720f33b" providerId="AD" clId="Web-{AF92DCBE-6B12-4A23-85BD-1549F9DD18DA}" dt="2021-02-18T11:19:51.370" v="1"/>
+          <ac:spMkLst>
+            <pc:docMk/>
+            <pc:sldMk cId="3940052765" sldId="260"/>
+            <ac:spMk id="43" creationId="{216BB147-20D5-4D93-BDA5-1BC614D6A4B2}"/>
+          </ac:spMkLst>
+        </pc:spChg>
+        <pc:spChg chg="del">
+          <ac:chgData name="Mättas, O. (Otto)" userId="S::o.mattas@students.uu.nl::f944b869-84fe-4915-ac0f-2070e720f33b" providerId="AD" clId="Web-{AF92DCBE-6B12-4A23-85BD-1549F9DD18DA}" dt="2021-02-18T11:19:51.370" v="1"/>
+          <ac:spMkLst>
+            <pc:docMk/>
+            <pc:sldMk cId="3940052765" sldId="260"/>
+            <ac:spMk id="45" creationId="{0A253F60-DE40-4508-A37A-61331DF1DD5D}"/>
+          </ac:spMkLst>
+        </pc:spChg>
+        <pc:spChg chg="del">
+          <ac:chgData name="Mättas, O. (Otto)" userId="S::o.mattas@students.uu.nl::f944b869-84fe-4915-ac0f-2070e720f33b" providerId="AD" clId="Web-{AF92DCBE-6B12-4A23-85BD-1549F9DD18DA}" dt="2021-02-18T11:19:51.370" v="1"/>
+          <ac:spMkLst>
+            <pc:docMk/>
+            <pc:sldMk cId="3940052765" sldId="260"/>
+            <ac:spMk id="47" creationId="{326AD51D-D59E-4689-A5DF-6A9857053BF6}"/>
+          </ac:spMkLst>
+        </pc:spChg>
+        <pc:spChg chg="del">
+          <ac:chgData name="Mättas, O. (Otto)" userId="S::o.mattas@students.uu.nl::f944b869-84fe-4915-ac0f-2070e720f33b" providerId="AD" clId="Web-{AF92DCBE-6B12-4A23-85BD-1549F9DD18DA}" dt="2021-02-18T11:19:51.370" v="1"/>
+          <ac:spMkLst>
+            <pc:docMk/>
+            <pc:sldMk cId="3940052765" sldId="260"/>
+            <ac:spMk id="80" creationId="{7A6DA27B-24A2-4FAF-9CB9-A814BF835B9F}"/>
+          </ac:spMkLst>
+        </pc:spChg>
+        <pc:spChg chg="del">
+          <ac:chgData name="Mättas, O. (Otto)" userId="S::o.mattas@students.uu.nl::f944b869-84fe-4915-ac0f-2070e720f33b" providerId="AD" clId="Web-{AF92DCBE-6B12-4A23-85BD-1549F9DD18DA}" dt="2021-02-18T11:19:51.370" v="1"/>
+          <ac:spMkLst>
+            <pc:docMk/>
+            <pc:sldMk cId="3940052765" sldId="260"/>
+            <ac:spMk id="113" creationId="{13B6DAC6-0186-4D62-AD69-90B9C0411EA3}"/>
+          </ac:spMkLst>
+        </pc:spChg>
+        <pc:spChg chg="del">
+          <ac:chgData name="Mättas, O. (Otto)" userId="S::o.mattas@students.uu.nl::f944b869-84fe-4915-ac0f-2070e720f33b" providerId="AD" clId="Web-{AF92DCBE-6B12-4A23-85BD-1549F9DD18DA}" dt="2021-02-18T11:19:51.370" v="1"/>
+          <ac:spMkLst>
+            <pc:docMk/>
+            <pc:sldMk cId="3940052765" sldId="260"/>
+            <ac:spMk id="115" creationId="{BA6285CA-6AFA-4F27-AFB5-1B32CDE09B1A}"/>
+          </ac:spMkLst>
+        </pc:spChg>
+        <pc:spChg chg="del">
+          <ac:chgData name="Mättas, O. (Otto)" userId="S::o.mattas@students.uu.nl::f944b869-84fe-4915-ac0f-2070e720f33b" providerId="AD" clId="Web-{AF92DCBE-6B12-4A23-85BD-1549F9DD18DA}" dt="2021-02-18T11:19:51.370" v="1"/>
+          <ac:spMkLst>
+            <pc:docMk/>
+            <pc:sldMk cId="3940052765" sldId="260"/>
+            <ac:spMk id="117" creationId="{4BE5C09D-B3C1-42F3-B945-39AEDFD19898}"/>
+          </ac:spMkLst>
+        </pc:spChg>
+        <pc:grpChg chg="del">
+          <ac:chgData name="Mättas, O. (Otto)" userId="S::o.mattas@students.uu.nl::f944b869-84fe-4915-ac0f-2070e720f33b" providerId="AD" clId="Web-{AF92DCBE-6B12-4A23-85BD-1549F9DD18DA}" dt="2021-02-18T11:19:51.370" v="1"/>
+          <ac:grpSpMkLst>
+            <pc:docMk/>
+            <pc:sldMk cId="3940052765" sldId="260"/>
+            <ac:grpSpMk id="12" creationId="{87F0794B-55D3-4D2D-BDE7-4688ED321E42}"/>
+          </ac:grpSpMkLst>
+        </pc:grpChg>
+        <pc:grpChg chg="del">
+          <ac:chgData name="Mättas, O. (Otto)" userId="S::o.mattas@students.uu.nl::f944b869-84fe-4915-ac0f-2070e720f33b" providerId="AD" clId="Web-{AF92DCBE-6B12-4A23-85BD-1549F9DD18DA}" dt="2021-02-18T11:19:51.370" v="1"/>
+          <ac:grpSpMkLst>
+            <pc:docMk/>
+            <pc:sldMk cId="3940052765" sldId="260"/>
+            <ac:grpSpMk id="49" creationId="{05578CCE-1E06-4634-B7D3-B75915B79B54}"/>
+          </ac:grpSpMkLst>
+        </pc:grpChg>
+        <pc:grpChg chg="del">
+          <ac:chgData name="Mättas, O. (Otto)" userId="S::o.mattas@students.uu.nl::f944b869-84fe-4915-ac0f-2070e720f33b" providerId="AD" clId="Web-{AF92DCBE-6B12-4A23-85BD-1549F9DD18DA}" dt="2021-02-18T11:19:51.370" v="1"/>
+          <ac:grpSpMkLst>
+            <pc:docMk/>
+            <pc:sldMk cId="3940052765" sldId="260"/>
+            <ac:grpSpMk id="82" creationId="{ED48258A-6826-4A24-97F8-B65FE4D99A4E}"/>
+          </ac:grpSpMkLst>
+        </pc:grpChg>
+        <pc:grpChg chg="del">
+          <ac:chgData name="Mättas, O. (Otto)" userId="S::o.mattas@students.uu.nl::f944b869-84fe-4915-ac0f-2070e720f33b" providerId="AD" clId="Web-{AF92DCBE-6B12-4A23-85BD-1549F9DD18DA}" dt="2021-02-18T11:19:51.370" v="1"/>
+          <ac:grpSpMkLst>
+            <pc:docMk/>
+            <pc:sldMk cId="3940052765" sldId="260"/>
+            <ac:grpSpMk id="119" creationId="{91108A0F-8C78-4294-B028-9F09581FC0A3}"/>
+          </ac:grpSpMkLst>
+        </pc:grpChg>
+      </pc:sldChg>
+      <pc:sldChg chg="delSp mod modClrScheme delDesignElem chgLayout">
+        <pc:chgData name="Mättas, O. (Otto)" userId="S::o.mattas@students.uu.nl::f944b869-84fe-4915-ac0f-2070e720f33b" providerId="AD" clId="Web-{AF92DCBE-6B12-4A23-85BD-1549F9DD18DA}" dt="2021-02-18T11:20:06.948" v="2"/>
+        <pc:sldMkLst>
+          <pc:docMk/>
+          <pc:sldMk cId="3916209493" sldId="261"/>
+        </pc:sldMkLst>
+        <pc:spChg chg="del">
+          <ac:chgData name="Mättas, O. (Otto)" userId="S::o.mattas@students.uu.nl::f944b869-84fe-4915-ac0f-2070e720f33b" providerId="AD" clId="Web-{AF92DCBE-6B12-4A23-85BD-1549F9DD18DA}" dt="2021-02-18T11:19:51.370" v="1"/>
+          <ac:spMkLst>
+            <pc:docMk/>
+            <pc:sldMk cId="3916209493" sldId="261"/>
+            <ac:spMk id="9" creationId="{A4798C7F-C8CA-4799-BF37-3AB4642CDB66}"/>
+          </ac:spMkLst>
+        </pc:spChg>
+        <pc:spChg chg="del">
+          <ac:chgData name="Mättas, O. (Otto)" userId="S::o.mattas@students.uu.nl::f944b869-84fe-4915-ac0f-2070e720f33b" providerId="AD" clId="Web-{AF92DCBE-6B12-4A23-85BD-1549F9DD18DA}" dt="2021-02-18T11:19:51.370" v="1"/>
+          <ac:spMkLst>
+            <pc:docMk/>
+            <pc:sldMk cId="3916209493" sldId="261"/>
+            <ac:spMk id="42" creationId="{216BB147-20D5-4D93-BDA5-1BC614D6A4B2}"/>
+          </ac:spMkLst>
+        </pc:spChg>
+        <pc:spChg chg="del">
+          <ac:chgData name="Mättas, O. (Otto)" userId="S::o.mattas@students.uu.nl::f944b869-84fe-4915-ac0f-2070e720f33b" providerId="AD" clId="Web-{AF92DCBE-6B12-4A23-85BD-1549F9DD18DA}" dt="2021-02-18T11:19:51.370" v="1"/>
+          <ac:spMkLst>
+            <pc:docMk/>
+            <pc:sldMk cId="3916209493" sldId="261"/>
+            <ac:spMk id="44" creationId="{0A253F60-DE40-4508-A37A-61331DF1DD5D}"/>
+          </ac:spMkLst>
+        </pc:spChg>
+        <pc:spChg chg="del">
+          <ac:chgData name="Mättas, O. (Otto)" userId="S::o.mattas@students.uu.nl::f944b869-84fe-4915-ac0f-2070e720f33b" providerId="AD" clId="Web-{AF92DCBE-6B12-4A23-85BD-1549F9DD18DA}" dt="2021-02-18T11:19:51.370" v="1"/>
+          <ac:spMkLst>
+            <pc:docMk/>
+            <pc:sldMk cId="3916209493" sldId="261"/>
+            <ac:spMk id="46" creationId="{326AD51D-D59E-4689-A5DF-6A9857053BF6}"/>
+          </ac:spMkLst>
+        </pc:spChg>
+        <pc:spChg chg="del">
+          <ac:chgData name="Mättas, O. (Otto)" userId="S::o.mattas@students.uu.nl::f944b869-84fe-4915-ac0f-2070e720f33b" providerId="AD" clId="Web-{AF92DCBE-6B12-4A23-85BD-1549F9DD18DA}" dt="2021-02-18T11:19:51.370" v="1"/>
+          <ac:spMkLst>
+            <pc:docMk/>
+            <pc:sldMk cId="3916209493" sldId="261"/>
+            <ac:spMk id="79" creationId="{7A6DA27B-24A2-4FAF-9CB9-A814BF835B9F}"/>
+          </ac:spMkLst>
+        </pc:spChg>
+        <pc:spChg chg="del">
+          <ac:chgData name="Mättas, O. (Otto)" userId="S::o.mattas@students.uu.nl::f944b869-84fe-4915-ac0f-2070e720f33b" providerId="AD" clId="Web-{AF92DCBE-6B12-4A23-85BD-1549F9DD18DA}" dt="2021-02-18T11:19:51.370" v="1"/>
+          <ac:spMkLst>
+            <pc:docMk/>
+            <pc:sldMk cId="3916209493" sldId="261"/>
+            <ac:spMk id="112" creationId="{13B6DAC6-0186-4D62-AD69-90B9C0411EA3}"/>
+          </ac:spMkLst>
+        </pc:spChg>
+        <pc:spChg chg="del">
+          <ac:chgData name="Mättas, O. (Otto)" userId="S::o.mattas@students.uu.nl::f944b869-84fe-4915-ac0f-2070e720f33b" providerId="AD" clId="Web-{AF92DCBE-6B12-4A23-85BD-1549F9DD18DA}" dt="2021-02-18T11:19:51.370" v="1"/>
+          <ac:spMkLst>
+            <pc:docMk/>
+            <pc:sldMk cId="3916209493" sldId="261"/>
+            <ac:spMk id="114" creationId="{BA6285CA-6AFA-4F27-AFB5-1B32CDE09B1A}"/>
+          </ac:spMkLst>
+        </pc:spChg>
+        <pc:spChg chg="del">
+          <ac:chgData name="Mättas, O. (Otto)" userId="S::o.mattas@students.uu.nl::f944b869-84fe-4915-ac0f-2070e720f33b" providerId="AD" clId="Web-{AF92DCBE-6B12-4A23-85BD-1549F9DD18DA}" dt="2021-02-18T11:19:51.370" v="1"/>
+          <ac:spMkLst>
+            <pc:docMk/>
+            <pc:sldMk cId="3916209493" sldId="261"/>
+            <ac:spMk id="116" creationId="{4BE5C09D-B3C1-42F3-B945-39AEDFD19898}"/>
+          </ac:spMkLst>
+        </pc:spChg>
+        <pc:grpChg chg="del">
+          <ac:chgData name="Mättas, O. (Otto)" userId="S::o.mattas@students.uu.nl::f944b869-84fe-4915-ac0f-2070e720f33b" providerId="AD" clId="Web-{AF92DCBE-6B12-4A23-85BD-1549F9DD18DA}" dt="2021-02-18T11:19:51.370" v="1"/>
+          <ac:grpSpMkLst>
+            <pc:docMk/>
+            <pc:sldMk cId="3916209493" sldId="261"/>
+            <ac:grpSpMk id="11" creationId="{87F0794B-55D3-4D2D-BDE7-4688ED321E42}"/>
+          </ac:grpSpMkLst>
+        </pc:grpChg>
+        <pc:grpChg chg="del">
+          <ac:chgData name="Mättas, O. (Otto)" userId="S::o.mattas@students.uu.nl::f944b869-84fe-4915-ac0f-2070e720f33b" providerId="AD" clId="Web-{AF92DCBE-6B12-4A23-85BD-1549F9DD18DA}" dt="2021-02-18T11:19:51.370" v="1"/>
+          <ac:grpSpMkLst>
+            <pc:docMk/>
+            <pc:sldMk cId="3916209493" sldId="261"/>
+            <ac:grpSpMk id="48" creationId="{05578CCE-1E06-4634-B7D3-B75915B79B54}"/>
+          </ac:grpSpMkLst>
+        </pc:grpChg>
+        <pc:grpChg chg="del">
+          <ac:chgData name="Mättas, O. (Otto)" userId="S::o.mattas@students.uu.nl::f944b869-84fe-4915-ac0f-2070e720f33b" providerId="AD" clId="Web-{AF92DCBE-6B12-4A23-85BD-1549F9DD18DA}" dt="2021-02-18T11:19:51.370" v="1"/>
+          <ac:grpSpMkLst>
+            <pc:docMk/>
+            <pc:sldMk cId="3916209493" sldId="261"/>
+            <ac:grpSpMk id="81" creationId="{ED48258A-6826-4A24-97F8-B65FE4D99A4E}"/>
+          </ac:grpSpMkLst>
+        </pc:grpChg>
+        <pc:grpChg chg="del">
+          <ac:chgData name="Mättas, O. (Otto)" userId="S::o.mattas@students.uu.nl::f944b869-84fe-4915-ac0f-2070e720f33b" providerId="AD" clId="Web-{AF92DCBE-6B12-4A23-85BD-1549F9DD18DA}" dt="2021-02-18T11:19:51.370" v="1"/>
+          <ac:grpSpMkLst>
+            <pc:docMk/>
+            <pc:sldMk cId="3916209493" sldId="261"/>
+            <ac:grpSpMk id="118" creationId="{628E122F-BCB2-43BD-850B-48491CEEF415}"/>
+          </ac:grpSpMkLst>
+        </pc:grpChg>
+      </pc:sldChg>
+      <pc:sldChg chg="addSp delSp modSp mod modClrScheme delDesignElem chgLayout">
+        <pc:chgData name="Mättas, O. (Otto)" userId="S::o.mattas@students.uu.nl::f944b869-84fe-4915-ac0f-2070e720f33b" providerId="AD" clId="Web-{AF92DCBE-6B12-4A23-85BD-1549F9DD18DA}" dt="2021-02-18T11:20:44.231" v="4"/>
+        <pc:sldMkLst>
+          <pc:docMk/>
+          <pc:sldMk cId="4145148005" sldId="262"/>
+        </pc:sldMkLst>
+        <pc:spChg chg="add">
+          <ac:chgData name="Mättas, O. (Otto)" userId="S::o.mattas@students.uu.nl::f944b869-84fe-4915-ac0f-2070e720f33b" providerId="AD" clId="Web-{AF92DCBE-6B12-4A23-85BD-1549F9DD18DA}" dt="2021-02-18T11:20:44.231" v="4"/>
+          <ac:spMkLst>
+            <pc:docMk/>
+            <pc:sldMk cId="4145148005" sldId="262"/>
+            <ac:spMk id="7" creationId="{982413CC-69E6-4BDA-A88D-E4EF8F95B27D}"/>
+          </ac:spMkLst>
+        </pc:spChg>
+        <pc:spChg chg="del">
+          <ac:chgData name="Mättas, O. (Otto)" userId="S::o.mattas@students.uu.nl::f944b869-84fe-4915-ac0f-2070e720f33b" providerId="AD" clId="Web-{AF92DCBE-6B12-4A23-85BD-1549F9DD18DA}" dt="2021-02-18T11:19:51.370" v="1"/>
+          <ac:spMkLst>
+            <pc:docMk/>
+            <pc:sldMk cId="4145148005" sldId="262"/>
+            <ac:spMk id="10" creationId="{8E7E1993-6448-42F8-8FB3-76104F45B344}"/>
+          </ac:spMkLst>
+        </pc:spChg>
+        <pc:spChg chg="del">
+          <ac:chgData name="Mättas, O. (Otto)" userId="S::o.mattas@students.uu.nl::f944b869-84fe-4915-ac0f-2070e720f33b" providerId="AD" clId="Web-{AF92DCBE-6B12-4A23-85BD-1549F9DD18DA}" dt="2021-02-18T11:19:51.370" v="1"/>
+          <ac:spMkLst>
+            <pc:docMk/>
+            <pc:sldMk cId="4145148005" sldId="262"/>
+            <ac:spMk id="12" creationId="{5B62175A-9061-4508-B024-671E2C3C3AAD}"/>
+          </ac:spMkLst>
+        </pc:spChg>
+        <pc:spChg chg="del">
+          <ac:chgData name="Mättas, O. (Otto)" userId="S::o.mattas@students.uu.nl::f944b869-84fe-4915-ac0f-2070e720f33b" providerId="AD" clId="Web-{AF92DCBE-6B12-4A23-85BD-1549F9DD18DA}" dt="2021-02-18T11:19:51.370" v="1"/>
+          <ac:spMkLst>
+            <pc:docMk/>
+            <pc:sldMk cId="4145148005" sldId="262"/>
+            <ac:spMk id="14" creationId="{2391C84E-C2EA-44FC-A7D1-FAE3E2850552}"/>
+          </ac:spMkLst>
+        </pc:spChg>
+        <pc:spChg chg="del">
+          <ac:chgData name="Mättas, O. (Otto)" userId="S::o.mattas@students.uu.nl::f944b869-84fe-4915-ac0f-2070e720f33b" providerId="AD" clId="Web-{AF92DCBE-6B12-4A23-85BD-1549F9DD18DA}" dt="2021-02-18T11:19:51.370" v="1"/>
+          <ac:spMkLst>
+            <pc:docMk/>
+            <pc:sldMk cId="4145148005" sldId="262"/>
+            <ac:spMk id="47" creationId="{7D7F7755-C305-4B28-8A86-8EA8898124E3}"/>
+          </ac:spMkLst>
+        </pc:spChg>
+        <pc:grpChg chg="add">
+          <ac:chgData name="Mättas, O. (Otto)" userId="S::o.mattas@students.uu.nl::f944b869-84fe-4915-ac0f-2070e720f33b" providerId="AD" clId="Web-{AF92DCBE-6B12-4A23-85BD-1549F9DD18DA}" dt="2021-02-18T11:20:44.231" v="4"/>
+          <ac:grpSpMkLst>
+            <pc:docMk/>
+            <pc:sldMk cId="4145148005" sldId="262"/>
+            <ac:grpSpMk id="8" creationId="{4F1F7357-8633-4CE7-BF80-475EE8A2FAEA}"/>
+          </ac:grpSpMkLst>
+        </pc:grpChg>
+        <pc:grpChg chg="del">
+          <ac:chgData name="Mättas, O. (Otto)" userId="S::o.mattas@students.uu.nl::f944b869-84fe-4915-ac0f-2070e720f33b" providerId="AD" clId="Web-{AF92DCBE-6B12-4A23-85BD-1549F9DD18DA}" dt="2021-02-18T11:19:51.370" v="1"/>
+          <ac:grpSpMkLst>
+            <pc:docMk/>
+            <pc:sldMk cId="4145148005" sldId="262"/>
+            <ac:grpSpMk id="16" creationId="{47B3131A-B518-43E5-A896-E9D654A4863F}"/>
+          </ac:grpSpMkLst>
+        </pc:grpChg>
+        <pc:graphicFrameChg chg="mod ord modGraphic">
+          <ac:chgData name="Mättas, O. (Otto)" userId="S::o.mattas@students.uu.nl::f944b869-84fe-4915-ac0f-2070e720f33b" providerId="AD" clId="Web-{AF92DCBE-6B12-4A23-85BD-1549F9DD18DA}" dt="2021-02-18T11:20:44.231" v="4"/>
+          <ac:graphicFrameMkLst>
+            <pc:docMk/>
+            <pc:sldMk cId="4145148005" sldId="262"/>
+            <ac:graphicFrameMk id="5" creationId="{4462317A-43FB-4114-8CBE-E0D7CDFEB563}"/>
+          </ac:graphicFrameMkLst>
+        </pc:graphicFrameChg>
+      </pc:sldChg>
+      <pc:sldChg chg="addSp delSp modSp mod modClrScheme delDesignElem chgLayout">
+        <pc:chgData name="Mättas, O. (Otto)" userId="S::o.mattas@students.uu.nl::f944b869-84fe-4915-ac0f-2070e720f33b" providerId="AD" clId="Web-{AF92DCBE-6B12-4A23-85BD-1549F9DD18DA}" dt="2021-02-18T11:20:59.669" v="5"/>
+        <pc:sldMkLst>
+          <pc:docMk/>
+          <pc:sldMk cId="2936770168" sldId="263"/>
+        </pc:sldMkLst>
+        <pc:spChg chg="add">
+          <ac:chgData name="Mättas, O. (Otto)" userId="S::o.mattas@students.uu.nl::f944b869-84fe-4915-ac0f-2070e720f33b" providerId="AD" clId="Web-{AF92DCBE-6B12-4A23-85BD-1549F9DD18DA}" dt="2021-02-18T11:20:59.669" v="5"/>
+          <ac:spMkLst>
+            <pc:docMk/>
+            <pc:sldMk cId="2936770168" sldId="263"/>
+            <ac:spMk id="10" creationId="{982413CC-69E6-4BDA-A88D-E4EF8F95B27D}"/>
+          </ac:spMkLst>
+        </pc:spChg>
+        <pc:spChg chg="del">
+          <ac:chgData name="Mättas, O. (Otto)" userId="S::o.mattas@students.uu.nl::f944b869-84fe-4915-ac0f-2070e720f33b" providerId="AD" clId="Web-{AF92DCBE-6B12-4A23-85BD-1549F9DD18DA}" dt="2021-02-18T11:19:51.370" v="1"/>
+          <ac:spMkLst>
+            <pc:docMk/>
+            <pc:sldMk cId="2936770168" sldId="263"/>
+            <ac:spMk id="48" creationId="{C0CB7D2E-C7F8-43A5-99C4-1D761C49BD79}"/>
+          </ac:spMkLst>
+        </pc:spChg>
+        <pc:spChg chg="del">
+          <ac:chgData name="Mättas, O. (Otto)" userId="S::o.mattas@students.uu.nl::f944b869-84fe-4915-ac0f-2070e720f33b" providerId="AD" clId="Web-{AF92DCBE-6B12-4A23-85BD-1549F9DD18DA}" dt="2021-02-18T11:19:51.370" v="1"/>
+          <ac:spMkLst>
+            <pc:docMk/>
+            <pc:sldMk cId="2936770168" sldId="263"/>
+            <ac:spMk id="51" creationId="{8E7E1993-6448-42F8-8FB3-76104F45B344}"/>
+          </ac:spMkLst>
+        </pc:spChg>
+        <pc:spChg chg="del">
+          <ac:chgData name="Mättas, O. (Otto)" userId="S::o.mattas@students.uu.nl::f944b869-84fe-4915-ac0f-2070e720f33b" providerId="AD" clId="Web-{AF92DCBE-6B12-4A23-85BD-1549F9DD18DA}" dt="2021-02-18T11:19:51.370" v="1"/>
+          <ac:spMkLst>
+            <pc:docMk/>
+            <pc:sldMk cId="2936770168" sldId="263"/>
+            <ac:spMk id="55" creationId="{2391C84E-C2EA-44FC-A7D1-FAE3E2850552}"/>
+          </ac:spMkLst>
+        </pc:spChg>
+        <pc:spChg chg="del">
+          <ac:chgData name="Mättas, O. (Otto)" userId="S::o.mattas@students.uu.nl::f944b869-84fe-4915-ac0f-2070e720f33b" providerId="AD" clId="Web-{AF92DCBE-6B12-4A23-85BD-1549F9DD18DA}" dt="2021-02-18T11:19:51.370" v="1"/>
+          <ac:spMkLst>
+            <pc:docMk/>
+            <pc:sldMk cId="2936770168" sldId="263"/>
+            <ac:spMk id="88" creationId="{A21FD571-42E4-4432-8E86-148D0A97D63E}"/>
+          </ac:spMkLst>
+        </pc:spChg>
+        <pc:grpChg chg="add">
+          <ac:chgData name="Mättas, O. (Otto)" userId="S::o.mattas@students.uu.nl::f944b869-84fe-4915-ac0f-2070e720f33b" providerId="AD" clId="Web-{AF92DCBE-6B12-4A23-85BD-1549F9DD18DA}" dt="2021-02-18T11:20:59.669" v="5"/>
+          <ac:grpSpMkLst>
+            <pc:docMk/>
+            <pc:sldMk cId="2936770168" sldId="263"/>
+            <ac:grpSpMk id="12" creationId="{4F1F7357-8633-4CE7-BF80-475EE8A2FAEA}"/>
+          </ac:grpSpMkLst>
+        </pc:grpChg>
+        <pc:grpChg chg="del">
+          <ac:chgData name="Mättas, O. (Otto)" userId="S::o.mattas@students.uu.nl::f944b869-84fe-4915-ac0f-2070e720f33b" providerId="AD" clId="Web-{AF92DCBE-6B12-4A23-85BD-1549F9DD18DA}" dt="2021-02-18T11:19:51.370" v="1"/>
+          <ac:grpSpMkLst>
+            <pc:docMk/>
+            <pc:sldMk cId="2936770168" sldId="263"/>
+            <ac:grpSpMk id="57" creationId="{47B3131A-B518-43E5-A896-E9D654A4863F}"/>
+          </ac:grpSpMkLst>
+        </pc:grpChg>
+        <pc:graphicFrameChg chg="mod ord modGraphic">
+          <ac:chgData name="Mättas, O. (Otto)" userId="S::o.mattas@students.uu.nl::f944b869-84fe-4915-ac0f-2070e720f33b" providerId="AD" clId="Web-{AF92DCBE-6B12-4A23-85BD-1549F9DD18DA}" dt="2021-02-18T11:20:59.669" v="5"/>
+          <ac:graphicFrameMkLst>
+            <pc:docMk/>
+            <pc:sldMk cId="2936770168" sldId="263"/>
+            <ac:graphicFrameMk id="5" creationId="{DBB9DA2F-3D83-45DF-B6BB-A9370C601005}"/>
+          </ac:graphicFrameMkLst>
+        </pc:graphicFrameChg>
+      </pc:sldChg>
+      <pc:sldChg chg="addSp delSp modSp mod modClrScheme delDesignElem chgLayout">
+        <pc:chgData name="Mättas, O. (Otto)" userId="S::o.mattas@students.uu.nl::f944b869-84fe-4915-ac0f-2070e720f33b" providerId="AD" clId="Web-{AF92DCBE-6B12-4A23-85BD-1549F9DD18DA}" dt="2021-02-18T11:21:16.419" v="6"/>
+        <pc:sldMkLst>
+          <pc:docMk/>
+          <pc:sldMk cId="2243679050" sldId="266"/>
+        </pc:sldMkLst>
+        <pc:spChg chg="mod ord">
+          <ac:chgData name="Mättas, O. (Otto)" userId="S::o.mattas@students.uu.nl::f944b869-84fe-4915-ac0f-2070e720f33b" providerId="AD" clId="Web-{AF92DCBE-6B12-4A23-85BD-1549F9DD18DA}" dt="2021-02-18T11:21:16.419" v="6"/>
+          <ac:spMkLst>
+            <pc:docMk/>
+            <pc:sldMk cId="2243679050" sldId="266"/>
+            <ac:spMk id="2" creationId="{B238061C-8601-49D7-A023-7E0613707479}"/>
+          </ac:spMkLst>
+        </pc:spChg>
+        <pc:spChg chg="del">
+          <ac:chgData name="Mättas, O. (Otto)" userId="S::o.mattas@students.uu.nl::f944b869-84fe-4915-ac0f-2070e720f33b" providerId="AD" clId="Web-{AF92DCBE-6B12-4A23-85BD-1549F9DD18DA}" dt="2021-02-18T11:19:51.370" v="1"/>
+          <ac:spMkLst>
+            <pc:docMk/>
+            <pc:sldMk cId="2243679050" sldId="266"/>
+            <ac:spMk id="9" creationId="{A4798C7F-C8CA-4799-BF37-3AB4642CDB66}"/>
+          </ac:spMkLst>
+        </pc:spChg>
+        <pc:spChg chg="del">
+          <ac:chgData name="Mättas, O. (Otto)" userId="S::o.mattas@students.uu.nl::f944b869-84fe-4915-ac0f-2070e720f33b" providerId="AD" clId="Web-{AF92DCBE-6B12-4A23-85BD-1549F9DD18DA}" dt="2021-02-18T11:19:51.370" v="1"/>
+          <ac:spMkLst>
+            <pc:docMk/>
+            <pc:sldMk cId="2243679050" sldId="266"/>
+            <ac:spMk id="42" creationId="{216BB147-20D5-4D93-BDA5-1BC614D6A4B2}"/>
+          </ac:spMkLst>
+        </pc:spChg>
+        <pc:spChg chg="del">
+          <ac:chgData name="Mättas, O. (Otto)" userId="S::o.mattas@students.uu.nl::f944b869-84fe-4915-ac0f-2070e720f33b" providerId="AD" clId="Web-{AF92DCBE-6B12-4A23-85BD-1549F9DD18DA}" dt="2021-02-18T11:19:51.370" v="1"/>
+          <ac:spMkLst>
+            <pc:docMk/>
+            <pc:sldMk cId="2243679050" sldId="266"/>
+            <ac:spMk id="44" creationId="{0A253F60-DE40-4508-A37A-61331DF1DD5D}"/>
+          </ac:spMkLst>
+        </pc:spChg>
+        <pc:spChg chg="del">
+          <ac:chgData name="Mättas, O. (Otto)" userId="S::o.mattas@students.uu.nl::f944b869-84fe-4915-ac0f-2070e720f33b" providerId="AD" clId="Web-{AF92DCBE-6B12-4A23-85BD-1549F9DD18DA}" dt="2021-02-18T11:19:51.370" v="1"/>
+          <ac:spMkLst>
+            <pc:docMk/>
+            <pc:sldMk cId="2243679050" sldId="266"/>
+            <ac:spMk id="46" creationId="{C701CD53-28FC-491C-9022-F74BE327CC33}"/>
+          </ac:spMkLst>
+        </pc:spChg>
+        <pc:spChg chg="del">
+          <ac:chgData name="Mättas, O. (Otto)" userId="S::o.mattas@students.uu.nl::f944b869-84fe-4915-ac0f-2070e720f33b" providerId="AD" clId="Web-{AF92DCBE-6B12-4A23-85BD-1549F9DD18DA}" dt="2021-02-18T11:19:51.370" v="1"/>
+          <ac:spMkLst>
+            <pc:docMk/>
+            <pc:sldMk cId="2243679050" sldId="266"/>
+            <ac:spMk id="79" creationId="{F9B84E06-1DBF-4F55-9B5E-F2F1E38EBA57}"/>
+          </ac:spMkLst>
+        </pc:spChg>
+        <pc:spChg chg="del">
+          <ac:chgData name="Mättas, O. (Otto)" userId="S::o.mattas@students.uu.nl::f944b869-84fe-4915-ac0f-2070e720f33b" providerId="AD" clId="Web-{AF92DCBE-6B12-4A23-85BD-1549F9DD18DA}" dt="2021-02-18T11:19:51.370" v="1"/>
+          <ac:spMkLst>
+            <pc:docMk/>
+            <pc:sldMk cId="2243679050" sldId="266"/>
+            <ac:spMk id="112" creationId="{8E7E1993-6448-42F8-8FB3-76104F45B344}"/>
+          </ac:spMkLst>
+        </pc:spChg>
+        <pc:spChg chg="del">
+          <ac:chgData name="Mättas, O. (Otto)" userId="S::o.mattas@students.uu.nl::f944b869-84fe-4915-ac0f-2070e720f33b" providerId="AD" clId="Web-{AF92DCBE-6B12-4A23-85BD-1549F9DD18DA}" dt="2021-02-18T11:19:51.370" v="1"/>
+          <ac:spMkLst>
+            <pc:docMk/>
+            <pc:sldMk cId="2243679050" sldId="266"/>
+            <ac:spMk id="114" creationId="{3CDAD724-AF32-45EC-B0B9-360C73C9D26E}"/>
+          </ac:spMkLst>
+        </pc:spChg>
+        <pc:spChg chg="del">
+          <ac:chgData name="Mättas, O. (Otto)" userId="S::o.mattas@students.uu.nl::f944b869-84fe-4915-ac0f-2070e720f33b" providerId="AD" clId="Web-{AF92DCBE-6B12-4A23-85BD-1549F9DD18DA}" dt="2021-02-18T11:19:51.370" v="1"/>
+          <ac:spMkLst>
+            <pc:docMk/>
+            <pc:sldMk cId="2243679050" sldId="266"/>
+            <ac:spMk id="116" creationId="{2391C84E-C2EA-44FC-A7D1-FAE3E2850552}"/>
+          </ac:spMkLst>
+        </pc:spChg>
+        <pc:spChg chg="del">
+          <ac:chgData name="Mättas, O. (Otto)" userId="S::o.mattas@students.uu.nl::f944b869-84fe-4915-ac0f-2070e720f33b" providerId="AD" clId="Web-{AF92DCBE-6B12-4A23-85BD-1549F9DD18DA}" dt="2021-02-18T11:19:51.370" v="1"/>
+          <ac:spMkLst>
+            <pc:docMk/>
+            <pc:sldMk cId="2243679050" sldId="266"/>
+            <ac:spMk id="149" creationId="{BA4D4000-2689-4306-BBA6-BF744AB5F807}"/>
+          </ac:spMkLst>
+        </pc:spChg>
+        <pc:grpChg chg="add">
+          <ac:chgData name="Mättas, O. (Otto)" userId="S::o.mattas@students.uu.nl::f944b869-84fe-4915-ac0f-2070e720f33b" providerId="AD" clId="Web-{AF92DCBE-6B12-4A23-85BD-1549F9DD18DA}" dt="2021-02-18T11:21:16.419" v="6"/>
+          <ac:grpSpMkLst>
+            <pc:docMk/>
+            <pc:sldMk cId="2243679050" sldId="266"/>
+            <ac:grpSpMk id="10" creationId="{5B5504F5-A44D-4727-B62D-D306EE4C0C9D}"/>
+          </ac:grpSpMkLst>
+        </pc:grpChg>
+        <pc:grpChg chg="del">
+          <ac:chgData name="Mättas, O. (Otto)" userId="S::o.mattas@students.uu.nl::f944b869-84fe-4915-ac0f-2070e720f33b" providerId="AD" clId="Web-{AF92DCBE-6B12-4A23-85BD-1549F9DD18DA}" dt="2021-02-18T11:19:51.370" v="1"/>
+          <ac:grpSpMkLst>
+            <pc:docMk/>
+            <pc:sldMk cId="2243679050" sldId="266"/>
+            <ac:grpSpMk id="11" creationId="{87F0794B-55D3-4D2D-BDE7-4688ED321E42}"/>
+          </ac:grpSpMkLst>
+        </pc:grpChg>
+        <pc:grpChg chg="add">
+          <ac:chgData name="Mättas, O. (Otto)" userId="S::o.mattas@students.uu.nl::f944b869-84fe-4915-ac0f-2070e720f33b" providerId="AD" clId="Web-{AF92DCBE-6B12-4A23-85BD-1549F9DD18DA}" dt="2021-02-18T11:21:16.419" v="6"/>
+          <ac:grpSpMkLst>
+            <pc:docMk/>
+            <pc:sldMk cId="2243679050" sldId="266"/>
+            <ac:grpSpMk id="33" creationId="{02A5D777-C3C4-4D83-B4A3-0C83DBE1CB12}"/>
+          </ac:grpSpMkLst>
+        </pc:grpChg>
+        <pc:grpChg chg="del">
+          <ac:chgData name="Mättas, O. (Otto)" userId="S::o.mattas@students.uu.nl::f944b869-84fe-4915-ac0f-2070e720f33b" providerId="AD" clId="Web-{AF92DCBE-6B12-4A23-85BD-1549F9DD18DA}" dt="2021-02-18T11:19:51.370" v="1"/>
+          <ac:grpSpMkLst>
+            <pc:docMk/>
+            <pc:sldMk cId="2243679050" sldId="266"/>
+            <ac:grpSpMk id="48" creationId="{BC25D6CE-B5F2-4E0D-894F-9521E2433076}"/>
+          </ac:grpSpMkLst>
+        </pc:grpChg>
+        <pc:grpChg chg="del">
+          <ac:chgData name="Mättas, O. (Otto)" userId="S::o.mattas@students.uu.nl::f944b869-84fe-4915-ac0f-2070e720f33b" providerId="AD" clId="Web-{AF92DCBE-6B12-4A23-85BD-1549F9DD18DA}" dt="2021-02-18T11:19:51.370" v="1"/>
+          <ac:grpSpMkLst>
+            <pc:docMk/>
+            <pc:sldMk cId="2243679050" sldId="266"/>
+            <ac:grpSpMk id="81" creationId="{2D739D9D-4A11-49F5-B045-708F7DED1CD4}"/>
+          </ac:grpSpMkLst>
+        </pc:grpChg>
+        <pc:grpChg chg="del">
+          <ac:chgData name="Mättas, O. (Otto)" userId="S::o.mattas@students.uu.nl::f944b869-84fe-4915-ac0f-2070e720f33b" providerId="AD" clId="Web-{AF92DCBE-6B12-4A23-85BD-1549F9DD18DA}" dt="2021-02-18T11:19:51.370" v="1"/>
+          <ac:grpSpMkLst>
+            <pc:docMk/>
+            <pc:sldMk cId="2243679050" sldId="266"/>
+            <ac:grpSpMk id="118" creationId="{47B3131A-B518-43E5-A896-E9D654A4863F}"/>
+          </ac:grpSpMkLst>
+        </pc:grpChg>
+        <pc:graphicFrameChg chg="mod ord modGraphic">
+          <ac:chgData name="Mättas, O. (Otto)" userId="S::o.mattas@students.uu.nl::f944b869-84fe-4915-ac0f-2070e720f33b" providerId="AD" clId="Web-{AF92DCBE-6B12-4A23-85BD-1549F9DD18DA}" dt="2021-02-18T11:21:16.419" v="6"/>
+          <ac:graphicFrameMkLst>
+            <pc:docMk/>
+            <pc:sldMk cId="2243679050" sldId="266"/>
+            <ac:graphicFrameMk id="5" creationId="{F0C8A44F-8CC2-460B-85DC-5F7EA19140DE}"/>
+          </ac:graphicFrameMkLst>
+        </pc:graphicFrameChg>
+      </pc:sldChg>
+      <pc:sldChg chg="delSp modSp del mod modClrScheme chgLayout">
+        <pc:chgData name="Mättas, O. (Otto)" userId="S::o.mattas@students.uu.nl::f944b869-84fe-4915-ac0f-2070e720f33b" providerId="AD" clId="Web-{AF92DCBE-6B12-4A23-85BD-1549F9DD18DA}" dt="2021-02-18T11:24:15.440" v="37"/>
+        <pc:sldMkLst>
+          <pc:docMk/>
+          <pc:sldMk cId="3352485896" sldId="267"/>
+        </pc:sldMkLst>
+        <pc:spChg chg="mod ord">
+          <ac:chgData name="Mättas, O. (Otto)" userId="S::o.mattas@students.uu.nl::f944b869-84fe-4915-ac0f-2070e720f33b" providerId="AD" clId="Web-{AF92DCBE-6B12-4A23-85BD-1549F9DD18DA}" dt="2021-02-18T11:21:35.685" v="14" actId="20577"/>
+          <ac:spMkLst>
+            <pc:docMk/>
+            <pc:sldMk cId="3352485896" sldId="267"/>
+            <ac:spMk id="3" creationId="{85F1C677-B643-4C9A-8F66-3425EDA81799}"/>
+          </ac:spMkLst>
+        </pc:spChg>
+        <pc:spChg chg="del mod ord">
+          <ac:chgData name="Mättas, O. (Otto)" userId="S::o.mattas@students.uu.nl::f944b869-84fe-4915-ac0f-2070e720f33b" providerId="AD" clId="Web-{AF92DCBE-6B12-4A23-85BD-1549F9DD18DA}" dt="2021-02-18T11:21:26.419" v="7"/>
+          <ac:spMkLst>
+            <pc:docMk/>
+            <pc:sldMk cId="3352485896" sldId="267"/>
+            <ac:spMk id="4" creationId="{4D2760C3-1379-4CED-8E25-7626EA4EA1BF}"/>
+          </ac:spMkLst>
+        </pc:spChg>
+      </pc:sldChg>
+      <pc:sldChg chg="del">
+        <pc:chgData name="Mättas, O. (Otto)" userId="S::o.mattas@students.uu.nl::f944b869-84fe-4915-ac0f-2070e720f33b" providerId="AD" clId="Web-{AF92DCBE-6B12-4A23-85BD-1549F9DD18DA}" dt="2021-02-18T11:19:23.900" v="0"/>
+        <pc:sldMkLst>
+          <pc:docMk/>
+          <pc:sldMk cId="2239535384" sldId="268"/>
+        </pc:sldMkLst>
+      </pc:sldChg>
+      <pc:sldChg chg="modSp del mod modClrScheme chgLayout">
+        <pc:chgData name="Mättas, O. (Otto)" userId="S::o.mattas@students.uu.nl::f944b869-84fe-4915-ac0f-2070e720f33b" providerId="AD" clId="Web-{AF92DCBE-6B12-4A23-85BD-1549F9DD18DA}" dt="2021-02-18T11:23:08.250" v="27"/>
+        <pc:sldMkLst>
+          <pc:docMk/>
+          <pc:sldMk cId="996816977" sldId="269"/>
+        </pc:sldMkLst>
+        <pc:spChg chg="mod ord">
+          <ac:chgData name="Mättas, O. (Otto)" userId="S::o.mattas@students.uu.nl::f944b869-84fe-4915-ac0f-2070e720f33b" providerId="AD" clId="Web-{AF92DCBE-6B12-4A23-85BD-1549F9DD18DA}" dt="2021-02-18T11:20:06.948" v="2"/>
+          <ac:spMkLst>
+            <pc:docMk/>
+            <pc:sldMk cId="996816977" sldId="269"/>
+            <ac:spMk id="3" creationId="{B8CB00BB-DE84-4184-8C86-7AD831B937A5}"/>
+          </ac:spMkLst>
+        </pc:spChg>
+      </pc:sldChg>
+      <pc:sldChg chg="delSp modSp del mod modClrScheme delDesignElem chgLayout">
+        <pc:chgData name="Mättas, O. (Otto)" userId="S::o.mattas@students.uu.nl::f944b869-84fe-4915-ac0f-2070e720f33b" providerId="AD" clId="Web-{AF92DCBE-6B12-4A23-85BD-1549F9DD18DA}" dt="2021-02-18T11:23:02.125" v="26"/>
+        <pc:sldMkLst>
+          <pc:docMk/>
+          <pc:sldMk cId="2138862049" sldId="270"/>
+        </pc:sldMkLst>
+        <pc:spChg chg="mod ord">
+          <ac:chgData name="Mättas, O. (Otto)" userId="S::o.mattas@students.uu.nl::f944b869-84fe-4915-ac0f-2070e720f33b" providerId="AD" clId="Web-{AF92DCBE-6B12-4A23-85BD-1549F9DD18DA}" dt="2021-02-18T11:20:06.948" v="2"/>
+          <ac:spMkLst>
+            <pc:docMk/>
+            <pc:sldMk cId="2138862049" sldId="270"/>
+            <ac:spMk id="3" creationId="{3CA9CCB2-A4BF-41E7-8EEC-3FEA6D9C7CB1}"/>
+          </ac:spMkLst>
+        </pc:spChg>
+        <pc:spChg chg="del">
+          <ac:chgData name="Mättas, O. (Otto)" userId="S::o.mattas@students.uu.nl::f944b869-84fe-4915-ac0f-2070e720f33b" providerId="AD" clId="Web-{AF92DCBE-6B12-4A23-85BD-1549F9DD18DA}" dt="2021-02-18T11:19:51.370" v="1"/>
+          <ac:spMkLst>
+            <pc:docMk/>
+            <pc:sldMk cId="2138862049" sldId="270"/>
+            <ac:spMk id="8" creationId="{1C582B07-D0F0-4B6B-A5D9-D2F192CB3A4E}"/>
+          </ac:spMkLst>
+        </pc:spChg>
+        <pc:spChg chg="del">
+          <ac:chgData name="Mättas, O. (Otto)" userId="S::o.mattas@students.uu.nl::f944b869-84fe-4915-ac0f-2070e720f33b" providerId="AD" clId="Web-{AF92DCBE-6B12-4A23-85BD-1549F9DD18DA}" dt="2021-02-18T11:19:51.370" v="1"/>
+          <ac:spMkLst>
+            <pc:docMk/>
+            <pc:sldMk cId="2138862049" sldId="270"/>
+            <ac:spMk id="10" creationId="{21B645D3-580E-4657-9154-484648880ED5}"/>
+          </ac:spMkLst>
+        </pc:spChg>
+        <pc:spChg chg="del">
+          <ac:chgData name="Mättas, O. (Otto)" userId="S::o.mattas@students.uu.nl::f944b869-84fe-4915-ac0f-2070e720f33b" providerId="AD" clId="Web-{AF92DCBE-6B12-4A23-85BD-1549F9DD18DA}" dt="2021-02-18T11:19:51.370" v="1"/>
+          <ac:spMkLst>
+            <pc:docMk/>
+            <pc:sldMk cId="2138862049" sldId="270"/>
+            <ac:spMk id="12" creationId="{DA1A4301-6FFC-4C82-A1FA-7634D8CAA8F5}"/>
+          </ac:spMkLst>
+        </pc:spChg>
+        <pc:spChg chg="del">
+          <ac:chgData name="Mättas, O. (Otto)" userId="S::o.mattas@students.uu.nl::f944b869-84fe-4915-ac0f-2070e720f33b" providerId="AD" clId="Web-{AF92DCBE-6B12-4A23-85BD-1549F9DD18DA}" dt="2021-02-18T11:19:51.370" v="1"/>
+          <ac:spMkLst>
+            <pc:docMk/>
+            <pc:sldMk cId="2138862049" sldId="270"/>
+            <ac:spMk id="14" creationId="{27870DA4-44E8-43FB-940A-4AF9766959C0}"/>
+          </ac:spMkLst>
+        </pc:spChg>
+        <pc:grpChg chg="del">
+          <ac:chgData name="Mättas, O. (Otto)" userId="S::o.mattas@students.uu.nl::f944b869-84fe-4915-ac0f-2070e720f33b" providerId="AD" clId="Web-{AF92DCBE-6B12-4A23-85BD-1549F9DD18DA}" dt="2021-02-18T11:19:51.370" v="1"/>
+          <ac:grpSpMkLst>
+            <pc:docMk/>
+            <pc:sldMk cId="2138862049" sldId="270"/>
+            <ac:grpSpMk id="16" creationId="{8323DD1D-77DE-48B2-A0A0-6265801531E5}"/>
+          </ac:grpSpMkLst>
+        </pc:grpChg>
+      </pc:sldChg>
+      <pc:sldChg chg="modSp new del">
+        <pc:chgData name="Mättas, O. (Otto)" userId="S::o.mattas@students.uu.nl::f944b869-84fe-4915-ac0f-2070e720f33b" providerId="AD" clId="Web-{AF92DCBE-6B12-4A23-85BD-1549F9DD18DA}" dt="2021-02-18T11:22:59.360" v="25"/>
+        <pc:sldMkLst>
+          <pc:docMk/>
+          <pc:sldMk cId="1052269357" sldId="271"/>
+        </pc:sldMkLst>
+        <pc:spChg chg="mod">
+          <ac:chgData name="Mättas, O. (Otto)" userId="S::o.mattas@students.uu.nl::f944b869-84fe-4915-ac0f-2070e720f33b" providerId="AD" clId="Web-{AF92DCBE-6B12-4A23-85BD-1549F9DD18DA}" dt="2021-02-18T11:22:25.437" v="18" actId="20577"/>
+          <ac:spMkLst>
+            <pc:docMk/>
+            <pc:sldMk cId="1052269357" sldId="271"/>
+            <ac:spMk id="3" creationId="{483AA7CD-4046-4D28-9188-C6A8800FCA7E}"/>
+          </ac:spMkLst>
+        </pc:spChg>
+      </pc:sldChg>
+      <pc:sldChg chg="addSp modSp new mod setBg">
+        <pc:chgData name="Mättas, O. (Otto)" userId="S::o.mattas@students.uu.nl::f944b869-84fe-4915-ac0f-2070e720f33b" providerId="AD" clId="Web-{AF92DCBE-6B12-4A23-85BD-1549F9DD18DA}" dt="2021-02-18T11:22:51.547" v="24"/>
+        <pc:sldMkLst>
+          <pc:docMk/>
+          <pc:sldMk cId="2808113713" sldId="272"/>
+        </pc:sldMkLst>
+        <pc:spChg chg="add mod">
+          <ac:chgData name="Mättas, O. (Otto)" userId="S::o.mattas@students.uu.nl::f944b869-84fe-4915-ac0f-2070e720f33b" providerId="AD" clId="Web-{AF92DCBE-6B12-4A23-85BD-1549F9DD18DA}" dt="2021-02-18T11:22:51.547" v="24"/>
+          <ac:spMkLst>
+            <pc:docMk/>
+            <pc:sldMk cId="2808113713" sldId="272"/>
+            <ac:spMk id="2" creationId="{F9337501-7464-4493-BBFD-1ABF0E419B60}"/>
+          </ac:spMkLst>
+        </pc:spChg>
+        <pc:spChg chg="add">
+          <ac:chgData name="Mättas, O. (Otto)" userId="S::o.mattas@students.uu.nl::f944b869-84fe-4915-ac0f-2070e720f33b" providerId="AD" clId="Web-{AF92DCBE-6B12-4A23-85BD-1549F9DD18DA}" dt="2021-02-18T11:22:51.547" v="24"/>
+          <ac:spMkLst>
+            <pc:docMk/>
+            <pc:sldMk cId="2808113713" sldId="272"/>
+            <ac:spMk id="35" creationId="{F3C5918A-1DC5-4CF3-AA27-00AA3088AA9F}"/>
+          </ac:spMkLst>
+        </pc:spChg>
+        <pc:spChg chg="add">
+          <ac:chgData name="Mättas, O. (Otto)" userId="S::o.mattas@students.uu.nl::f944b869-84fe-4915-ac0f-2070e720f33b" providerId="AD" clId="Web-{AF92DCBE-6B12-4A23-85BD-1549F9DD18DA}" dt="2021-02-18T11:22:51.547" v="24"/>
+          <ac:spMkLst>
+            <pc:docMk/>
+            <pc:sldMk cId="2808113713" sldId="272"/>
+            <ac:spMk id="37" creationId="{B786683A-6FD6-4BF7-B3B0-DC397677391F}"/>
+          </ac:spMkLst>
+        </pc:spChg>
+        <pc:spChg chg="add">
+          <ac:chgData name="Mättas, O. (Otto)" userId="S::o.mattas@students.uu.nl::f944b869-84fe-4915-ac0f-2070e720f33b" providerId="AD" clId="Web-{AF92DCBE-6B12-4A23-85BD-1549F9DD18DA}" dt="2021-02-18T11:22:51.547" v="24"/>
+          <ac:spMkLst>
+            <pc:docMk/>
+            <pc:sldMk cId="2808113713" sldId="272"/>
+            <ac:spMk id="39" creationId="{05169E50-59FB-4AEE-B61D-44A882A4CD2C}"/>
+          </ac:spMkLst>
+        </pc:spChg>
+        <pc:spChg chg="add">
+          <ac:chgData name="Mättas, O. (Otto)" userId="S::o.mattas@students.uu.nl::f944b869-84fe-4915-ac0f-2070e720f33b" providerId="AD" clId="Web-{AF92DCBE-6B12-4A23-85BD-1549F9DD18DA}" dt="2021-02-18T11:22:51.547" v="24"/>
+          <ac:spMkLst>
+            <pc:docMk/>
+            <pc:sldMk cId="2808113713" sldId="272"/>
+            <ac:spMk id="41" creationId="{117C30F0-5A38-4B60-B632-3AF7C2780824}"/>
+          </ac:spMkLst>
+        </pc:spChg>
+        <pc:spChg chg="add">
+          <ac:chgData name="Mättas, O. (Otto)" userId="S::o.mattas@students.uu.nl::f944b869-84fe-4915-ac0f-2070e720f33b" providerId="AD" clId="Web-{AF92DCBE-6B12-4A23-85BD-1549F9DD18DA}" dt="2021-02-18T11:22:51.547" v="24"/>
+          <ac:spMkLst>
+            <pc:docMk/>
+            <pc:sldMk cId="2808113713" sldId="272"/>
+            <ac:spMk id="43" creationId="{A200CBA5-3F2B-4AAC-9F86-99AFECC19C1D}"/>
+          </ac:spMkLst>
+        </pc:spChg>
+        <pc:grpChg chg="add">
+          <ac:chgData name="Mättas, O. (Otto)" userId="S::o.mattas@students.uu.nl::f944b869-84fe-4915-ac0f-2070e720f33b" providerId="AD" clId="Web-{AF92DCBE-6B12-4A23-85BD-1549F9DD18DA}" dt="2021-02-18T11:22:51.547" v="24"/>
+          <ac:grpSpMkLst>
+            <pc:docMk/>
+            <pc:sldMk cId="2808113713" sldId="272"/>
+            <ac:grpSpMk id="7" creationId="{15E1AC81-83F2-45A8-9054-15570F4E2557}"/>
+          </ac:grpSpMkLst>
+        </pc:grpChg>
+        <pc:grpChg chg="add">
+          <ac:chgData name="Mättas, O. (Otto)" userId="S::o.mattas@students.uu.nl::f944b869-84fe-4915-ac0f-2070e720f33b" providerId="AD" clId="Web-{AF92DCBE-6B12-4A23-85BD-1549F9DD18DA}" dt="2021-02-18T11:22:51.547" v="24"/>
+          <ac:grpSpMkLst>
+            <pc:docMk/>
+            <pc:sldMk cId="2808113713" sldId="272"/>
+            <ac:grpSpMk id="30" creationId="{FBF129BC-EA9E-4D20-898B-399F7727DFB9}"/>
+          </ac:grpSpMkLst>
+        </pc:grpChg>
+      </pc:sldChg>
+      <pc:sldChg chg="addSp modSp new mod setBg">
+        <pc:chgData name="Mättas, O. (Otto)" userId="S::o.mattas@students.uu.nl::f944b869-84fe-4915-ac0f-2070e720f33b" providerId="AD" clId="Web-{AF92DCBE-6B12-4A23-85BD-1549F9DD18DA}" dt="2021-02-18T11:24:10.502" v="36"/>
+        <pc:sldMkLst>
+          <pc:docMk/>
+          <pc:sldMk cId="791204635" sldId="273"/>
+        </pc:sldMkLst>
+        <pc:spChg chg="mod">
+          <ac:chgData name="Mättas, O. (Otto)" userId="S::o.mattas@students.uu.nl::f944b869-84fe-4915-ac0f-2070e720f33b" providerId="AD" clId="Web-{AF92DCBE-6B12-4A23-85BD-1549F9DD18DA}" dt="2021-02-18T11:24:10.502" v="36"/>
+          <ac:spMkLst>
+            <pc:docMk/>
+            <pc:sldMk cId="791204635" sldId="273"/>
+            <ac:spMk id="2" creationId="{13500107-AF01-4772-9FAD-298282E27771}"/>
+          </ac:spMkLst>
+        </pc:spChg>
+        <pc:spChg chg="mod">
+          <ac:chgData name="Mättas, O. (Otto)" userId="S::o.mattas@students.uu.nl::f944b869-84fe-4915-ac0f-2070e720f33b" providerId="AD" clId="Web-{AF92DCBE-6B12-4A23-85BD-1549F9DD18DA}" dt="2021-02-18T11:24:10.502" v="36"/>
+          <ac:spMkLst>
+            <pc:docMk/>
+            <pc:sldMk cId="791204635" sldId="273"/>
+            <ac:spMk id="3" creationId="{E724A5E7-6828-46EE-A115-A33B8FA59E16}"/>
+          </ac:spMkLst>
+        </pc:spChg>
+        <pc:spChg chg="add">
+          <ac:chgData name="Mättas, O. (Otto)" userId="S::o.mattas@students.uu.nl::f944b869-84fe-4915-ac0f-2070e720f33b" providerId="AD" clId="Web-{AF92DCBE-6B12-4A23-85BD-1549F9DD18DA}" dt="2021-02-18T11:24:10.502" v="36"/>
+          <ac:spMkLst>
+            <pc:docMk/>
+            <pc:sldMk cId="791204635" sldId="273"/>
+            <ac:spMk id="34" creationId="{6132F700-8CFB-4C6C-B542-E0126AFD2ADE}"/>
+          </ac:spMkLst>
+        </pc:spChg>
+        <pc:spChg chg="add">
+          <ac:chgData name="Mättas, O. (Otto)" userId="S::o.mattas@students.uu.nl::f944b869-84fe-4915-ac0f-2070e720f33b" providerId="AD" clId="Web-{AF92DCBE-6B12-4A23-85BD-1549F9DD18DA}" dt="2021-02-18T11:24:10.502" v="36"/>
+          <ac:spMkLst>
+            <pc:docMk/>
+            <pc:sldMk cId="791204635" sldId="273"/>
+            <ac:spMk id="36" creationId="{590E0492-A063-4322-A6F6-50EBE38B58F2}"/>
+          </ac:spMkLst>
+        </pc:spChg>
+        <pc:spChg chg="add">
+          <ac:chgData name="Mättas, O. (Otto)" userId="S::o.mattas@students.uu.nl::f944b869-84fe-4915-ac0f-2070e720f33b" providerId="AD" clId="Web-{AF92DCBE-6B12-4A23-85BD-1549F9DD18DA}" dt="2021-02-18T11:24:10.502" v="36"/>
+          <ac:spMkLst>
+            <pc:docMk/>
+            <pc:sldMk cId="791204635" sldId="273"/>
+            <ac:spMk id="38" creationId="{8811F053-65BC-463F-A052-15EDF07DDC62}"/>
+          </ac:spMkLst>
+        </pc:spChg>
+        <pc:grpChg chg="add">
+          <ac:chgData name="Mättas, O. (Otto)" userId="S::o.mattas@students.uu.nl::f944b869-84fe-4915-ac0f-2070e720f33b" providerId="AD" clId="Web-{AF92DCBE-6B12-4A23-85BD-1549F9DD18DA}" dt="2021-02-18T11:24:10.502" v="36"/>
+          <ac:grpSpMkLst>
+            <pc:docMk/>
+            <pc:sldMk cId="791204635" sldId="273"/>
+            <ac:grpSpMk id="8" creationId="{84DB7353-7D7A-431B-A5B6-A3845E6F2BB2}"/>
+          </ac:grpSpMkLst>
+        </pc:grpChg>
+        <pc:grpChg chg="add">
+          <ac:chgData name="Mättas, O. (Otto)" userId="S::o.mattas@students.uu.nl::f944b869-84fe-4915-ac0f-2070e720f33b" providerId="AD" clId="Web-{AF92DCBE-6B12-4A23-85BD-1549F9DD18DA}" dt="2021-02-18T11:24:10.502" v="36"/>
+          <ac:grpSpMkLst>
+            <pc:docMk/>
+            <pc:sldMk cId="791204635" sldId="273"/>
+            <ac:grpSpMk id="29" creationId="{1B24766B-81CA-44C7-BF11-77A12BA42411}"/>
+          </ac:grpSpMkLst>
+        </pc:grpChg>
+      </pc:sldChg>
+      <pc:sldMasterChg chg="del delSldLayout">
+        <pc:chgData name="Mättas, O. (Otto)" userId="S::o.mattas@students.uu.nl::f944b869-84fe-4915-ac0f-2070e720f33b" providerId="AD" clId="Web-{AF92DCBE-6B12-4A23-85BD-1549F9DD18DA}" dt="2021-02-18T11:19:51.370" v="1"/>
+        <pc:sldMasterMkLst>
+          <pc:docMk/>
+          <pc:sldMasterMk cId="3073113103" sldId="2147483837"/>
+        </pc:sldMasterMkLst>
+        <pc:sldLayoutChg chg="del">
+          <pc:chgData name="Mättas, O. (Otto)" userId="S::o.mattas@students.uu.nl::f944b869-84fe-4915-ac0f-2070e720f33b" providerId="AD" clId="Web-{AF92DCBE-6B12-4A23-85BD-1549F9DD18DA}" dt="2021-02-18T11:19:51.370" v="1"/>
+          <pc:sldLayoutMkLst>
+            <pc:docMk/>
+            <pc:sldMasterMk cId="3073113103" sldId="2147483837"/>
+            <pc:sldLayoutMk cId="1909958680" sldId="2147483826"/>
+          </pc:sldLayoutMkLst>
+        </pc:sldLayoutChg>
+        <pc:sldLayoutChg chg="del">
+          <pc:chgData name="Mättas, O. (Otto)" userId="S::o.mattas@students.uu.nl::f944b869-84fe-4915-ac0f-2070e720f33b" providerId="AD" clId="Web-{AF92DCBE-6B12-4A23-85BD-1549F9DD18DA}" dt="2021-02-18T11:19:51.370" v="1"/>
+          <pc:sldLayoutMkLst>
+            <pc:docMk/>
+            <pc:sldMasterMk cId="3073113103" sldId="2147483837"/>
+            <pc:sldLayoutMk cId="1962207166" sldId="2147483827"/>
+          </pc:sldLayoutMkLst>
+        </pc:sldLayoutChg>
+        <pc:sldLayoutChg chg="del">
+          <pc:chgData name="Mättas, O. (Otto)" userId="S::o.mattas@students.uu.nl::f944b869-84fe-4915-ac0f-2070e720f33b" providerId="AD" clId="Web-{AF92DCBE-6B12-4A23-85BD-1549F9DD18DA}" dt="2021-02-18T11:19:51.370" v="1"/>
+          <pc:sldLayoutMkLst>
+            <pc:docMk/>
+            <pc:sldMasterMk cId="3073113103" sldId="2147483837"/>
+            <pc:sldLayoutMk cId="1898096197" sldId="2147483828"/>
+          </pc:sldLayoutMkLst>
+        </pc:sldLayoutChg>
+        <pc:sldLayoutChg chg="del">
+          <pc:chgData name="Mättas, O. (Otto)" userId="S::o.mattas@students.uu.nl::f944b869-84fe-4915-ac0f-2070e720f33b" providerId="AD" clId="Web-{AF92DCBE-6B12-4A23-85BD-1549F9DD18DA}" dt="2021-02-18T11:19:51.370" v="1"/>
+          <pc:sldLayoutMkLst>
+            <pc:docMk/>
+            <pc:sldMasterMk cId="3073113103" sldId="2147483837"/>
+            <pc:sldLayoutMk cId="1208919444" sldId="2147483829"/>
+          </pc:sldLayoutMkLst>
+        </pc:sldLayoutChg>
+        <pc:sldLayoutChg chg="del">
+          <pc:chgData name="Mättas, O. (Otto)" userId="S::o.mattas@students.uu.nl::f944b869-84fe-4915-ac0f-2070e720f33b" providerId="AD" clId="Web-{AF92DCBE-6B12-4A23-85BD-1549F9DD18DA}" dt="2021-02-18T11:19:51.370" v="1"/>
+          <pc:sldLayoutMkLst>
+            <pc:docMk/>
+            <pc:sldMasterMk cId="3073113103" sldId="2147483837"/>
+            <pc:sldLayoutMk cId="38639405" sldId="2147483830"/>
+          </pc:sldLayoutMkLst>
+        </pc:sldLayoutChg>
+        <pc:sldLayoutChg chg="del">
+          <pc:chgData name="Mättas, O. (Otto)" userId="S::o.mattas@students.uu.nl::f944b869-84fe-4915-ac0f-2070e720f33b" providerId="AD" clId="Web-{AF92DCBE-6B12-4A23-85BD-1549F9DD18DA}" dt="2021-02-18T11:19:51.370" v="1"/>
+          <pc:sldLayoutMkLst>
+            <pc:docMk/>
+            <pc:sldMasterMk cId="3073113103" sldId="2147483837"/>
+            <pc:sldLayoutMk cId="1556968761" sldId="2147483831"/>
+          </pc:sldLayoutMkLst>
+        </pc:sldLayoutChg>
+        <pc:sldLayoutChg chg="del">
+          <pc:chgData name="Mättas, O. (Otto)" userId="S::o.mattas@students.uu.nl::f944b869-84fe-4915-ac0f-2070e720f33b" providerId="AD" clId="Web-{AF92DCBE-6B12-4A23-85BD-1549F9DD18DA}" dt="2021-02-18T11:19:51.370" v="1"/>
+          <pc:sldLayoutMkLst>
+            <pc:docMk/>
+            <pc:sldMasterMk cId="3073113103" sldId="2147483837"/>
+            <pc:sldLayoutMk cId="1544083366" sldId="2147483832"/>
+          </pc:sldLayoutMkLst>
+        </pc:sldLayoutChg>
+        <pc:sldLayoutChg chg="del">
+          <pc:chgData name="Mättas, O. (Otto)" userId="S::o.mattas@students.uu.nl::f944b869-84fe-4915-ac0f-2070e720f33b" providerId="AD" clId="Web-{AF92DCBE-6B12-4A23-85BD-1549F9DD18DA}" dt="2021-02-18T11:19:51.370" v="1"/>
+          <pc:sldLayoutMkLst>
+            <pc:docMk/>
+            <pc:sldMasterMk cId="3073113103" sldId="2147483837"/>
+            <pc:sldLayoutMk cId="3742730611" sldId="2147483833"/>
+          </pc:sldLayoutMkLst>
+        </pc:sldLayoutChg>
+        <pc:sldLayoutChg chg="del">
+          <pc:chgData name="Mättas, O. (Otto)" userId="S::o.mattas@students.uu.nl::f944b869-84fe-4915-ac0f-2070e720f33b" providerId="AD" clId="Web-{AF92DCBE-6B12-4A23-85BD-1549F9DD18DA}" dt="2021-02-18T11:19:51.370" v="1"/>
+          <pc:sldLayoutMkLst>
+            <pc:docMk/>
+            <pc:sldMasterMk cId="3073113103" sldId="2147483837"/>
+            <pc:sldLayoutMk cId="1320726923" sldId="2147483834"/>
+          </pc:sldLayoutMkLst>
+        </pc:sldLayoutChg>
+        <pc:sldLayoutChg chg="del">
+          <pc:chgData name="Mättas, O. (Otto)" userId="S::o.mattas@students.uu.nl::f944b869-84fe-4915-ac0f-2070e720f33b" providerId="AD" clId="Web-{AF92DCBE-6B12-4A23-85BD-1549F9DD18DA}" dt="2021-02-18T11:19:51.370" v="1"/>
+          <pc:sldLayoutMkLst>
+            <pc:docMk/>
+            <pc:sldMasterMk cId="3073113103" sldId="2147483837"/>
+            <pc:sldLayoutMk cId="2875095821" sldId="2147483835"/>
+          </pc:sldLayoutMkLst>
+        </pc:sldLayoutChg>
+        <pc:sldLayoutChg chg="del">
+          <pc:chgData name="Mättas, O. (Otto)" userId="S::o.mattas@students.uu.nl::f944b869-84fe-4915-ac0f-2070e720f33b" providerId="AD" clId="Web-{AF92DCBE-6B12-4A23-85BD-1549F9DD18DA}" dt="2021-02-18T11:19:51.370" v="1"/>
+          <pc:sldLayoutMkLst>
+            <pc:docMk/>
+            <pc:sldMasterMk cId="3073113103" sldId="2147483837"/>
+            <pc:sldLayoutMk cId="3300323690" sldId="2147483836"/>
+          </pc:sldLayoutMkLst>
+        </pc:sldLayoutChg>
+      </pc:sldMasterChg>
+      <pc:sldMasterChg chg="add del addSldLayout delSldLayout modSldLayout">
+        <pc:chgData name="Mättas, O. (Otto)" userId="S::o.mattas@students.uu.nl::f944b869-84fe-4915-ac0f-2070e720f33b" providerId="AD" clId="Web-{AF92DCBE-6B12-4A23-85BD-1549F9DD18DA}" dt="2021-02-18T11:20:06.948" v="2"/>
+        <pc:sldMasterMkLst>
+          <pc:docMk/>
+          <pc:sldMasterMk cId="4291875758" sldId="2147483838"/>
+        </pc:sldMasterMkLst>
+        <pc:sldLayoutChg chg="add del mod replId">
+          <pc:chgData name="Mättas, O. (Otto)" userId="S::o.mattas@students.uu.nl::f944b869-84fe-4915-ac0f-2070e720f33b" providerId="AD" clId="Web-{AF92DCBE-6B12-4A23-85BD-1549F9DD18DA}" dt="2021-02-18T11:20:06.948" v="2"/>
+          <pc:sldLayoutMkLst>
+            <pc:docMk/>
+            <pc:sldMasterMk cId="4291875758" sldId="2147483838"/>
+            <pc:sldLayoutMk cId="152597344" sldId="2147483839"/>
+          </pc:sldLayoutMkLst>
+        </pc:sldLayoutChg>
+        <pc:sldLayoutChg chg="add del mod replId">
+          <pc:chgData name="Mättas, O. (Otto)" userId="S::o.mattas@students.uu.nl::f944b869-84fe-4915-ac0f-2070e720f33b" providerId="AD" clId="Web-{AF92DCBE-6B12-4A23-85BD-1549F9DD18DA}" dt="2021-02-18T11:20:06.948" v="2"/>
+          <pc:sldLayoutMkLst>
+            <pc:docMk/>
+            <pc:sldMasterMk cId="4291875758" sldId="2147483838"/>
+            <pc:sldLayoutMk cId="4185413107" sldId="2147483840"/>
+          </pc:sldLayoutMkLst>
+        </pc:sldLayoutChg>
+        <pc:sldLayoutChg chg="add del mod replId">
+          <pc:chgData name="Mättas, O. (Otto)" userId="S::o.mattas@students.uu.nl::f944b869-84fe-4915-ac0f-2070e720f33b" providerId="AD" clId="Web-{AF92DCBE-6B12-4A23-85BD-1549F9DD18DA}" dt="2021-02-18T11:20:06.948" v="2"/>
+          <pc:sldLayoutMkLst>
+            <pc:docMk/>
+            <pc:sldMasterMk cId="4291875758" sldId="2147483838"/>
+            <pc:sldLayoutMk cId="1411371219" sldId="2147483841"/>
+          </pc:sldLayoutMkLst>
+        </pc:sldLayoutChg>
+        <pc:sldLayoutChg chg="add del mod replId">
+          <pc:chgData name="Mättas, O. (Otto)" userId="S::o.mattas@students.uu.nl::f944b869-84fe-4915-ac0f-2070e720f33b" providerId="AD" clId="Web-{AF92DCBE-6B12-4A23-85BD-1549F9DD18DA}" dt="2021-02-18T11:20:06.948" v="2"/>
+          <pc:sldLayoutMkLst>
+            <pc:docMk/>
+            <pc:sldMasterMk cId="4291875758" sldId="2147483838"/>
+            <pc:sldLayoutMk cId="1619938899" sldId="2147483842"/>
+          </pc:sldLayoutMkLst>
+        </pc:sldLayoutChg>
+        <pc:sldLayoutChg chg="add del mod replId">
+          <pc:chgData name="Mättas, O. (Otto)" userId="S::o.mattas@students.uu.nl::f944b869-84fe-4915-ac0f-2070e720f33b" providerId="AD" clId="Web-{AF92DCBE-6B12-4A23-85BD-1549F9DD18DA}" dt="2021-02-18T11:20:06.948" v="2"/>
+          <pc:sldLayoutMkLst>
+            <pc:docMk/>
+            <pc:sldMasterMk cId="4291875758" sldId="2147483838"/>
+            <pc:sldLayoutMk cId="2140960112" sldId="2147483843"/>
+          </pc:sldLayoutMkLst>
+        </pc:sldLayoutChg>
+        <pc:sldLayoutChg chg="add del mod replId">
+          <pc:chgData name="Mättas, O. (Otto)" userId="S::o.mattas@students.uu.nl::f944b869-84fe-4915-ac0f-2070e720f33b" providerId="AD" clId="Web-{AF92DCBE-6B12-4A23-85BD-1549F9DD18DA}" dt="2021-02-18T11:20:06.948" v="2"/>
+          <pc:sldLayoutMkLst>
+            <pc:docMk/>
+            <pc:sldMasterMk cId="4291875758" sldId="2147483838"/>
+            <pc:sldLayoutMk cId="4212621668" sldId="2147483844"/>
+          </pc:sldLayoutMkLst>
+        </pc:sldLayoutChg>
+        <pc:sldLayoutChg chg="add del mod replId">
+          <pc:chgData name="Mättas, O. (Otto)" userId="S::o.mattas@students.uu.nl::f944b869-84fe-4915-ac0f-2070e720f33b" providerId="AD" clId="Web-{AF92DCBE-6B12-4A23-85BD-1549F9DD18DA}" dt="2021-02-18T11:20:06.948" v="2"/>
+          <pc:sldLayoutMkLst>
+            <pc:docMk/>
+            <pc:sldMasterMk cId="4291875758" sldId="2147483838"/>
+            <pc:sldLayoutMk cId="413376393" sldId="2147483845"/>
+          </pc:sldLayoutMkLst>
+        </pc:sldLayoutChg>
+        <pc:sldLayoutChg chg="add del mod replId">
+          <pc:chgData name="Mättas, O. (Otto)" userId="S::o.mattas@students.uu.nl::f944b869-84fe-4915-ac0f-2070e720f33b" providerId="AD" clId="Web-{AF92DCBE-6B12-4A23-85BD-1549F9DD18DA}" dt="2021-02-18T11:20:06.948" v="2"/>
+          <pc:sldLayoutMkLst>
+            <pc:docMk/>
+            <pc:sldMasterMk cId="4291875758" sldId="2147483838"/>
+            <pc:sldLayoutMk cId="1483103964" sldId="2147483846"/>
+          </pc:sldLayoutMkLst>
+        </pc:sldLayoutChg>
+        <pc:sldLayoutChg chg="add del mod replId">
+          <pc:chgData name="Mättas, O. (Otto)" userId="S::o.mattas@students.uu.nl::f944b869-84fe-4915-ac0f-2070e720f33b" providerId="AD" clId="Web-{AF92DCBE-6B12-4A23-85BD-1549F9DD18DA}" dt="2021-02-18T11:20:06.948" v="2"/>
+          <pc:sldLayoutMkLst>
+            <pc:docMk/>
+            <pc:sldMasterMk cId="4291875758" sldId="2147483838"/>
+            <pc:sldLayoutMk cId="1289015123" sldId="2147483847"/>
+          </pc:sldLayoutMkLst>
+        </pc:sldLayoutChg>
+        <pc:sldLayoutChg chg="add del mod replId">
+          <pc:chgData name="Mättas, O. (Otto)" userId="S::o.mattas@students.uu.nl::f944b869-84fe-4915-ac0f-2070e720f33b" providerId="AD" clId="Web-{AF92DCBE-6B12-4A23-85BD-1549F9DD18DA}" dt="2021-02-18T11:20:06.948" v="2"/>
+          <pc:sldLayoutMkLst>
+            <pc:docMk/>
+            <pc:sldMasterMk cId="4291875758" sldId="2147483838"/>
+            <pc:sldLayoutMk cId="863447338" sldId="2147483848"/>
+          </pc:sldLayoutMkLst>
+        </pc:sldLayoutChg>
+        <pc:sldLayoutChg chg="add del mod replId">
+          <pc:chgData name="Mättas, O. (Otto)" userId="S::o.mattas@students.uu.nl::f944b869-84fe-4915-ac0f-2070e720f33b" providerId="AD" clId="Web-{AF92DCBE-6B12-4A23-85BD-1549F9DD18DA}" dt="2021-02-18T11:20:06.948" v="2"/>
+          <pc:sldLayoutMkLst>
+            <pc:docMk/>
+            <pc:sldMasterMk cId="4291875758" sldId="2147483838"/>
+            <pc:sldLayoutMk cId="3751248931" sldId="2147483849"/>
+          </pc:sldLayoutMkLst>
+        </pc:sldLayoutChg>
+        <pc:sldLayoutChg chg="add del mod replId">
+          <pc:chgData name="Mättas, O. (Otto)" userId="S::o.mattas@students.uu.nl::f944b869-84fe-4915-ac0f-2070e720f33b" providerId="AD" clId="Web-{AF92DCBE-6B12-4A23-85BD-1549F9DD18DA}" dt="2021-02-18T11:20:06.948" v="2"/>
+          <pc:sldLayoutMkLst>
+            <pc:docMk/>
+            <pc:sldMasterMk cId="4291875758" sldId="2147483838"/>
+            <pc:sldLayoutMk cId="746602215" sldId="2147483850"/>
+          </pc:sldLayoutMkLst>
+        </pc:sldLayoutChg>
+        <pc:sldLayoutChg chg="add del mod replId">
+          <pc:chgData name="Mättas, O. (Otto)" userId="S::o.mattas@students.uu.nl::f944b869-84fe-4915-ac0f-2070e720f33b" providerId="AD" clId="Web-{AF92DCBE-6B12-4A23-85BD-1549F9DD18DA}" dt="2021-02-18T11:20:06.948" v="2"/>
+          <pc:sldLayoutMkLst>
+            <pc:docMk/>
+            <pc:sldMasterMk cId="4291875758" sldId="2147483838"/>
+            <pc:sldLayoutMk cId="2021150122" sldId="2147483851"/>
+          </pc:sldLayoutMkLst>
+        </pc:sldLayoutChg>
+        <pc:sldLayoutChg chg="add del mod replId">
+          <pc:chgData name="Mättas, O. (Otto)" userId="S::o.mattas@students.uu.nl::f944b869-84fe-4915-ac0f-2070e720f33b" providerId="AD" clId="Web-{AF92DCBE-6B12-4A23-85BD-1549F9DD18DA}" dt="2021-02-18T11:20:06.948" v="2"/>
+          <pc:sldLayoutMkLst>
+            <pc:docMk/>
+            <pc:sldMasterMk cId="4291875758" sldId="2147483838"/>
+            <pc:sldLayoutMk cId="636341208" sldId="2147483852"/>
+          </pc:sldLayoutMkLst>
+        </pc:sldLayoutChg>
+        <pc:sldLayoutChg chg="add del mod replId">
+          <pc:chgData name="Mättas, O. (Otto)" userId="S::o.mattas@students.uu.nl::f944b869-84fe-4915-ac0f-2070e720f33b" providerId="AD" clId="Web-{AF92DCBE-6B12-4A23-85BD-1549F9DD18DA}" dt="2021-02-18T11:20:06.948" v="2"/>
+          <pc:sldLayoutMkLst>
+            <pc:docMk/>
+            <pc:sldMasterMk cId="4291875758" sldId="2147483838"/>
+            <pc:sldLayoutMk cId="188416580" sldId="2147483853"/>
+          </pc:sldLayoutMkLst>
+        </pc:sldLayoutChg>
+        <pc:sldLayoutChg chg="add del mod replId">
+          <pc:chgData name="Mättas, O. (Otto)" userId="S::o.mattas@students.uu.nl::f944b869-84fe-4915-ac0f-2070e720f33b" providerId="AD" clId="Web-{AF92DCBE-6B12-4A23-85BD-1549F9DD18DA}" dt="2021-02-18T11:20:06.948" v="2"/>
+          <pc:sldLayoutMkLst>
+            <pc:docMk/>
+            <pc:sldMasterMk cId="4291875758" sldId="2147483838"/>
+            <pc:sldLayoutMk cId="1120204979" sldId="2147483854"/>
+          </pc:sldLayoutMkLst>
+        </pc:sldLayoutChg>
+        <pc:sldLayoutChg chg="add del mod replId">
+          <pc:chgData name="Mättas, O. (Otto)" userId="S::o.mattas@students.uu.nl::f944b869-84fe-4915-ac0f-2070e720f33b" providerId="AD" clId="Web-{AF92DCBE-6B12-4A23-85BD-1549F9DD18DA}" dt="2021-02-18T11:20:06.948" v="2"/>
+          <pc:sldLayoutMkLst>
+            <pc:docMk/>
+            <pc:sldMasterMk cId="4291875758" sldId="2147483838"/>
+            <pc:sldLayoutMk cId="3092900937" sldId="2147483855"/>
+          </pc:sldLayoutMkLst>
+        </pc:sldLayoutChg>
+      </pc:sldMasterChg>
+      <pc:sldMasterChg chg="add addSldLayout modSldLayout">
+        <pc:chgData name="Mättas, O. (Otto)" userId="S::o.mattas@students.uu.nl::f944b869-84fe-4915-ac0f-2070e720f33b" providerId="AD" clId="Web-{AF92DCBE-6B12-4A23-85BD-1549F9DD18DA}" dt="2021-02-18T11:20:06.948" v="2"/>
+        <pc:sldMasterMkLst>
+          <pc:docMk/>
+          <pc:sldMasterMk cId="2179112944" sldId="2147483856"/>
+        </pc:sldMasterMkLst>
+        <pc:sldLayoutChg chg="add mod replId">
+          <pc:chgData name="Mättas, O. (Otto)" userId="S::o.mattas@students.uu.nl::f944b869-84fe-4915-ac0f-2070e720f33b" providerId="AD" clId="Web-{AF92DCBE-6B12-4A23-85BD-1549F9DD18DA}" dt="2021-02-18T11:20:06.948" v="2"/>
+          <pc:sldLayoutMkLst>
+            <pc:docMk/>
+            <pc:sldMasterMk cId="2179112944" sldId="2147483856"/>
+            <pc:sldLayoutMk cId="2913463134" sldId="2147483857"/>
+          </pc:sldLayoutMkLst>
+        </pc:sldLayoutChg>
+        <pc:sldLayoutChg chg="add mod replId">
+          <pc:chgData name="Mättas, O. (Otto)" userId="S::o.mattas@students.uu.nl::f944b869-84fe-4915-ac0f-2070e720f33b" providerId="AD" clId="Web-{AF92DCBE-6B12-4A23-85BD-1549F9DD18DA}" dt="2021-02-18T11:20:06.948" v="2"/>
+          <pc:sldLayoutMkLst>
+            <pc:docMk/>
+            <pc:sldMasterMk cId="2179112944" sldId="2147483856"/>
+            <pc:sldLayoutMk cId="163377270" sldId="2147483858"/>
+          </pc:sldLayoutMkLst>
+        </pc:sldLayoutChg>
+        <pc:sldLayoutChg chg="add mod replId">
+          <pc:chgData name="Mättas, O. (Otto)" userId="S::o.mattas@students.uu.nl::f944b869-84fe-4915-ac0f-2070e720f33b" providerId="AD" clId="Web-{AF92DCBE-6B12-4A23-85BD-1549F9DD18DA}" dt="2021-02-18T11:20:06.948" v="2"/>
+          <pc:sldLayoutMkLst>
+            <pc:docMk/>
+            <pc:sldMasterMk cId="2179112944" sldId="2147483856"/>
+            <pc:sldLayoutMk cId="3886655507" sldId="2147483859"/>
+          </pc:sldLayoutMkLst>
+        </pc:sldLayoutChg>
+        <pc:sldLayoutChg chg="add mod replId">
+          <pc:chgData name="Mättas, O. (Otto)" userId="S::o.mattas@students.uu.nl::f944b869-84fe-4915-ac0f-2070e720f33b" providerId="AD" clId="Web-{AF92DCBE-6B12-4A23-85BD-1549F9DD18DA}" dt="2021-02-18T11:20:06.948" v="2"/>
+          <pc:sldLayoutMkLst>
+            <pc:docMk/>
+            <pc:sldMasterMk cId="2179112944" sldId="2147483856"/>
+            <pc:sldLayoutMk cId="1542229629" sldId="2147483860"/>
+          </pc:sldLayoutMkLst>
+        </pc:sldLayoutChg>
+        <pc:sldLayoutChg chg="add mod replId">
+          <pc:chgData name="Mättas, O. (Otto)" userId="S::o.mattas@students.uu.nl::f944b869-84fe-4915-ac0f-2070e720f33b" providerId="AD" clId="Web-{AF92DCBE-6B12-4A23-85BD-1549F9DD18DA}" dt="2021-02-18T11:20:06.948" v="2"/>
+          <pc:sldLayoutMkLst>
+            <pc:docMk/>
+            <pc:sldMasterMk cId="2179112944" sldId="2147483856"/>
+            <pc:sldLayoutMk cId="3111242900" sldId="2147483861"/>
+          </pc:sldLayoutMkLst>
+        </pc:sldLayoutChg>
+        <pc:sldLayoutChg chg="add mod replId">
+          <pc:chgData name="Mättas, O. (Otto)" userId="S::o.mattas@students.uu.nl::f944b869-84fe-4915-ac0f-2070e720f33b" providerId="AD" clId="Web-{AF92DCBE-6B12-4A23-85BD-1549F9DD18DA}" dt="2021-02-18T11:20:06.948" v="2"/>
+          <pc:sldLayoutMkLst>
+            <pc:docMk/>
+            <pc:sldMasterMk cId="2179112944" sldId="2147483856"/>
+            <pc:sldLayoutMk cId="2721938079" sldId="2147483862"/>
+          </pc:sldLayoutMkLst>
+        </pc:sldLayoutChg>
+        <pc:sldLayoutChg chg="add mod replId">
+          <pc:chgData name="Mättas, O. (Otto)" userId="S::o.mattas@students.uu.nl::f944b869-84fe-4915-ac0f-2070e720f33b" providerId="AD" clId="Web-{AF92DCBE-6B12-4A23-85BD-1549F9DD18DA}" dt="2021-02-18T11:20:06.948" v="2"/>
+          <pc:sldLayoutMkLst>
+            <pc:docMk/>
+            <pc:sldMasterMk cId="2179112944" sldId="2147483856"/>
+            <pc:sldLayoutMk cId="1475076730" sldId="2147483863"/>
+          </pc:sldLayoutMkLst>
+        </pc:sldLayoutChg>
+        <pc:sldLayoutChg chg="add mod replId">
+          <pc:chgData name="Mättas, O. (Otto)" userId="S::o.mattas@students.uu.nl::f944b869-84fe-4915-ac0f-2070e720f33b" providerId="AD" clId="Web-{AF92DCBE-6B12-4A23-85BD-1549F9DD18DA}" dt="2021-02-18T11:20:06.948" v="2"/>
+          <pc:sldLayoutMkLst>
+            <pc:docMk/>
+            <pc:sldMasterMk cId="2179112944" sldId="2147483856"/>
+            <pc:sldLayoutMk cId="1274766439" sldId="2147483864"/>
+          </pc:sldLayoutMkLst>
+        </pc:sldLayoutChg>
+        <pc:sldLayoutChg chg="add mod replId">
+          <pc:chgData name="Mättas, O. (Otto)" userId="S::o.mattas@students.uu.nl::f944b869-84fe-4915-ac0f-2070e720f33b" providerId="AD" clId="Web-{AF92DCBE-6B12-4A23-85BD-1549F9DD18DA}" dt="2021-02-18T11:20:06.948" v="2"/>
+          <pc:sldLayoutMkLst>
+            <pc:docMk/>
+            <pc:sldMasterMk cId="2179112944" sldId="2147483856"/>
+            <pc:sldLayoutMk cId="1262936127" sldId="2147483865"/>
+          </pc:sldLayoutMkLst>
+        </pc:sldLayoutChg>
+        <pc:sldLayoutChg chg="add mod replId">
+          <pc:chgData name="Mättas, O. (Otto)" userId="S::o.mattas@students.uu.nl::f944b869-84fe-4915-ac0f-2070e720f33b" providerId="AD" clId="Web-{AF92DCBE-6B12-4A23-85BD-1549F9DD18DA}" dt="2021-02-18T11:20:06.948" v="2"/>
+          <pc:sldLayoutMkLst>
+            <pc:docMk/>
+            <pc:sldMasterMk cId="2179112944" sldId="2147483856"/>
+            <pc:sldLayoutMk cId="417577253" sldId="2147483866"/>
+          </pc:sldLayoutMkLst>
+        </pc:sldLayoutChg>
+        <pc:sldLayoutChg chg="add mod replId">
+          <pc:chgData name="Mättas, O. (Otto)" userId="S::o.mattas@students.uu.nl::f944b869-84fe-4915-ac0f-2070e720f33b" providerId="AD" clId="Web-{AF92DCBE-6B12-4A23-85BD-1549F9DD18DA}" dt="2021-02-18T11:20:06.948" v="2"/>
+          <pc:sldLayoutMkLst>
+            <pc:docMk/>
+            <pc:sldMasterMk cId="2179112944" sldId="2147483856"/>
+            <pc:sldLayoutMk cId="1856299591" sldId="2147483867"/>
+          </pc:sldLayoutMkLst>
+        </pc:sldLayoutChg>
+      </pc:sldMasterChg>
+    </pc:docChg>
+  </pc:docChgLst>
+  <pc:docChgLst>
+    <pc:chgData name="Mättas, O. (Otto)" userId="S::o.mattas@students.uu.nl::f944b869-84fe-4915-ac0f-2070e720f33b" providerId="AD" clId="Web-{7D0EB698-F84F-41B9-855A-F0E0EF9344CA}"/>
+    <pc:docChg chg="addSld modSld">
+      <pc:chgData name="Mättas, O. (Otto)" userId="S::o.mattas@students.uu.nl::f944b869-84fe-4915-ac0f-2070e720f33b" providerId="AD" clId="Web-{7D0EB698-F84F-41B9-855A-F0E0EF9344CA}" dt="2021-02-18T18:11:14.344" v="6"/>
+      <pc:docMkLst>
+        <pc:docMk/>
+      </pc:docMkLst>
+      <pc:sldChg chg="modSp">
+        <pc:chgData name="Mättas, O. (Otto)" userId="S::o.mattas@students.uu.nl::f944b869-84fe-4915-ac0f-2070e720f33b" providerId="AD" clId="Web-{7D0EB698-F84F-41B9-855A-F0E0EF9344CA}" dt="2021-02-18T17:34:47.954" v="4" actId="20577"/>
+        <pc:sldMkLst>
+          <pc:docMk/>
+          <pc:sldMk cId="2936770168" sldId="263"/>
+        </pc:sldMkLst>
+        <pc:graphicFrameChg chg="modGraphic">
+          <ac:chgData name="Mättas, O. (Otto)" userId="S::o.mattas@students.uu.nl::f944b869-84fe-4915-ac0f-2070e720f33b" providerId="AD" clId="Web-{7D0EB698-F84F-41B9-855A-F0E0EF9344CA}" dt="2021-02-18T17:34:47.954" v="4" actId="20577"/>
+          <ac:graphicFrameMkLst>
+            <pc:docMk/>
+            <pc:sldMk cId="2936770168" sldId="263"/>
+            <ac:graphicFrameMk id="5" creationId="{DBB9DA2F-3D83-45DF-B6BB-A9370C601005}"/>
+          </ac:graphicFrameMkLst>
+        </pc:graphicFrameChg>
+      </pc:sldChg>
+      <pc:sldChg chg="new">
+        <pc:chgData name="Mättas, O. (Otto)" userId="S::o.mattas@students.uu.nl::f944b869-84fe-4915-ac0f-2070e720f33b" providerId="AD" clId="Web-{7D0EB698-F84F-41B9-855A-F0E0EF9344CA}" dt="2021-02-18T18:09:28.576" v="5"/>
+        <pc:sldMkLst>
+          <pc:docMk/>
+          <pc:sldMk cId="3802910007" sldId="283"/>
+        </pc:sldMkLst>
+      </pc:sldChg>
+      <pc:sldChg chg="new">
+        <pc:chgData name="Mättas, O. (Otto)" userId="S::o.mattas@students.uu.nl::f944b869-84fe-4915-ac0f-2070e720f33b" providerId="AD" clId="Web-{7D0EB698-F84F-41B9-855A-F0E0EF9344CA}" dt="2021-02-18T18:11:14.344" v="6"/>
+        <pc:sldMkLst>
+          <pc:docMk/>
+          <pc:sldMk cId="1136344225" sldId="284"/>
+        </pc:sldMkLst>
       </pc:sldChg>
     </pc:docChg>
   </pc:docChgLst>
@@ -4058,6 +2062,2137 @@
     </pc:docChg>
   </pc:docChgLst>
   <pc:docChgLst>
+    <pc:chgData name="Mättas, O. (Otto)" userId="S::o.mattas@students.uu.nl::f944b869-84fe-4915-ac0f-2070e720f33b" providerId="AD" clId="Web-{B5BACD2D-C0CF-495D-862A-19D96D8B75A6}"/>
+    <pc:docChg chg="addSld delSld modSld">
+      <pc:chgData name="Mättas, O. (Otto)" userId="S::o.mattas@students.uu.nl::f944b869-84fe-4915-ac0f-2070e720f33b" providerId="AD" clId="Web-{B5BACD2D-C0CF-495D-862A-19D96D8B75A6}" dt="2021-02-18T16:50:52.082" v="102"/>
+      <pc:docMkLst>
+        <pc:docMk/>
+      </pc:docMkLst>
+      <pc:sldChg chg="addCm">
+        <pc:chgData name="Mättas, O. (Otto)" userId="S::o.mattas@students.uu.nl::f944b869-84fe-4915-ac0f-2070e720f33b" providerId="AD" clId="Web-{B5BACD2D-C0CF-495D-862A-19D96D8B75A6}" dt="2021-02-18T16:34:09.825" v="27"/>
+        <pc:sldMkLst>
+          <pc:docMk/>
+          <pc:sldMk cId="2942977414" sldId="259"/>
+        </pc:sldMkLst>
+      </pc:sldChg>
+      <pc:sldChg chg="modSp">
+        <pc:chgData name="Mättas, O. (Otto)" userId="S::o.mattas@students.uu.nl::f944b869-84fe-4915-ac0f-2070e720f33b" providerId="AD" clId="Web-{B5BACD2D-C0CF-495D-862A-19D96D8B75A6}" dt="2021-02-18T16:35:16.311" v="31" actId="1076"/>
+        <pc:sldMkLst>
+          <pc:docMk/>
+          <pc:sldMk cId="3940052765" sldId="260"/>
+        </pc:sldMkLst>
+        <pc:picChg chg="mod">
+          <ac:chgData name="Mättas, O. (Otto)" userId="S::o.mattas@students.uu.nl::f944b869-84fe-4915-ac0f-2070e720f33b" providerId="AD" clId="Web-{B5BACD2D-C0CF-495D-862A-19D96D8B75A6}" dt="2021-02-18T16:35:16.311" v="31" actId="1076"/>
+          <ac:picMkLst>
+            <pc:docMk/>
+            <pc:sldMk cId="3940052765" sldId="260"/>
+            <ac:picMk id="5" creationId="{75201437-FB9E-45C4-B9D3-6985C9DAAD21}"/>
+          </ac:picMkLst>
+        </pc:picChg>
+      </pc:sldChg>
+      <pc:sldChg chg="del">
+        <pc:chgData name="Mättas, O. (Otto)" userId="S::o.mattas@students.uu.nl::f944b869-84fe-4915-ac0f-2070e720f33b" providerId="AD" clId="Web-{B5BACD2D-C0CF-495D-862A-19D96D8B75A6}" dt="2021-02-18T16:50:52.082" v="102"/>
+        <pc:sldMkLst>
+          <pc:docMk/>
+          <pc:sldMk cId="2243679050" sldId="266"/>
+        </pc:sldMkLst>
+      </pc:sldChg>
+      <pc:sldChg chg="modSp del">
+        <pc:chgData name="Mättas, O. (Otto)" userId="S::o.mattas@students.uu.nl::f944b869-84fe-4915-ac0f-2070e720f33b" providerId="AD" clId="Web-{B5BACD2D-C0CF-495D-862A-19D96D8B75A6}" dt="2021-02-18T16:33:11.480" v="26"/>
+        <pc:sldMkLst>
+          <pc:docMk/>
+          <pc:sldMk cId="2808113713" sldId="272"/>
+        </pc:sldMkLst>
+        <pc:spChg chg="mod">
+          <ac:chgData name="Mättas, O. (Otto)" userId="S::o.mattas@students.uu.nl::f944b869-84fe-4915-ac0f-2070e720f33b" providerId="AD" clId="Web-{B5BACD2D-C0CF-495D-862A-19D96D8B75A6}" dt="2021-02-18T16:29:59.913" v="16" actId="20577"/>
+          <ac:spMkLst>
+            <pc:docMk/>
+            <pc:sldMk cId="2808113713" sldId="272"/>
+            <ac:spMk id="2" creationId="{F9337501-7464-4493-BBFD-1ABF0E419B60}"/>
+          </ac:spMkLst>
+        </pc:spChg>
+      </pc:sldChg>
+      <pc:sldChg chg="addSp delSp modSp addCm">
+        <pc:chgData name="Mättas, O. (Otto)" userId="S::o.mattas@students.uu.nl::f944b869-84fe-4915-ac0f-2070e720f33b" providerId="AD" clId="Web-{B5BACD2D-C0CF-495D-862A-19D96D8B75A6}" dt="2021-02-18T16:50:18.910" v="101" actId="14100"/>
+        <pc:sldMkLst>
+          <pc:docMk/>
+          <pc:sldMk cId="791204635" sldId="273"/>
+        </pc:sldMkLst>
+        <pc:spChg chg="mod">
+          <ac:chgData name="Mättas, O. (Otto)" userId="S::o.mattas@students.uu.nl::f944b869-84fe-4915-ac0f-2070e720f33b" providerId="AD" clId="Web-{B5BACD2D-C0CF-495D-862A-19D96D8B75A6}" dt="2021-02-18T16:50:12.597" v="100" actId="14100"/>
+          <ac:spMkLst>
+            <pc:docMk/>
+            <pc:sldMk cId="791204635" sldId="273"/>
+            <ac:spMk id="2" creationId="{13500107-AF01-4772-9FAD-298282E27771}"/>
+          </ac:spMkLst>
+        </pc:spChg>
+        <pc:spChg chg="mod">
+          <ac:chgData name="Mättas, O. (Otto)" userId="S::o.mattas@students.uu.nl::f944b869-84fe-4915-ac0f-2070e720f33b" providerId="AD" clId="Web-{B5BACD2D-C0CF-495D-862A-19D96D8B75A6}" dt="2021-02-18T16:50:18.910" v="101" actId="14100"/>
+          <ac:spMkLst>
+            <pc:docMk/>
+            <pc:sldMk cId="791204635" sldId="273"/>
+            <ac:spMk id="3" creationId="{E724A5E7-6828-46EE-A115-A33B8FA59E16}"/>
+          </ac:spMkLst>
+        </pc:spChg>
+        <pc:spChg chg="mod">
+          <ac:chgData name="Mättas, O. (Otto)" userId="S::o.mattas@students.uu.nl::f944b869-84fe-4915-ac0f-2070e720f33b" providerId="AD" clId="Web-{B5BACD2D-C0CF-495D-862A-19D96D8B75A6}" dt="2021-02-18T16:49:05.455" v="90"/>
+          <ac:spMkLst>
+            <pc:docMk/>
+            <pc:sldMk cId="791204635" sldId="273"/>
+            <ac:spMk id="4" creationId="{6A8513BB-6668-4079-9392-A158DF91FD21}"/>
+          </ac:spMkLst>
+        </pc:spChg>
+        <pc:spChg chg="del">
+          <ac:chgData name="Mättas, O. (Otto)" userId="S::o.mattas@students.uu.nl::f944b869-84fe-4915-ac0f-2070e720f33b" providerId="AD" clId="Web-{B5BACD2D-C0CF-495D-862A-19D96D8B75A6}" dt="2021-02-18T16:49:05.455" v="90"/>
+          <ac:spMkLst>
+            <pc:docMk/>
+            <pc:sldMk cId="791204635" sldId="273"/>
+            <ac:spMk id="34" creationId="{6132F700-8CFB-4C6C-B542-E0126AFD2ADE}"/>
+          </ac:spMkLst>
+        </pc:spChg>
+        <pc:spChg chg="del">
+          <ac:chgData name="Mättas, O. (Otto)" userId="S::o.mattas@students.uu.nl::f944b869-84fe-4915-ac0f-2070e720f33b" providerId="AD" clId="Web-{B5BACD2D-C0CF-495D-862A-19D96D8B75A6}" dt="2021-02-18T16:49:05.455" v="90"/>
+          <ac:spMkLst>
+            <pc:docMk/>
+            <pc:sldMk cId="791204635" sldId="273"/>
+            <ac:spMk id="36" creationId="{590E0492-A063-4322-A6F6-50EBE38B58F2}"/>
+          </ac:spMkLst>
+        </pc:spChg>
+        <pc:spChg chg="del">
+          <ac:chgData name="Mättas, O. (Otto)" userId="S::o.mattas@students.uu.nl::f944b869-84fe-4915-ac0f-2070e720f33b" providerId="AD" clId="Web-{B5BACD2D-C0CF-495D-862A-19D96D8B75A6}" dt="2021-02-18T16:49:05.455" v="90"/>
+          <ac:spMkLst>
+            <pc:docMk/>
+            <pc:sldMk cId="791204635" sldId="273"/>
+            <ac:spMk id="38" creationId="{8811F053-65BC-463F-A052-15EDF07DDC62}"/>
+          </ac:spMkLst>
+        </pc:spChg>
+        <pc:spChg chg="add">
+          <ac:chgData name="Mättas, O. (Otto)" userId="S::o.mattas@students.uu.nl::f944b869-84fe-4915-ac0f-2070e720f33b" providerId="AD" clId="Web-{B5BACD2D-C0CF-495D-862A-19D96D8B75A6}" dt="2021-02-18T16:49:05.455" v="90"/>
+          <ac:spMkLst>
+            <pc:docMk/>
+            <pc:sldMk cId="791204635" sldId="273"/>
+            <ac:spMk id="70" creationId="{F25D9EEC-24EA-4FED-9057-A7DF62184176}"/>
+          </ac:spMkLst>
+        </pc:spChg>
+        <pc:grpChg chg="del">
+          <ac:chgData name="Mättas, O. (Otto)" userId="S::o.mattas@students.uu.nl::f944b869-84fe-4915-ac0f-2070e720f33b" providerId="AD" clId="Web-{B5BACD2D-C0CF-495D-862A-19D96D8B75A6}" dt="2021-02-18T16:49:05.455" v="90"/>
+          <ac:grpSpMkLst>
+            <pc:docMk/>
+            <pc:sldMk cId="791204635" sldId="273"/>
+            <ac:grpSpMk id="8" creationId="{84DB7353-7D7A-431B-A5B6-A3845E6F2BB2}"/>
+          </ac:grpSpMkLst>
+        </pc:grpChg>
+        <pc:grpChg chg="del">
+          <ac:chgData name="Mättas, O. (Otto)" userId="S::o.mattas@students.uu.nl::f944b869-84fe-4915-ac0f-2070e720f33b" providerId="AD" clId="Web-{B5BACD2D-C0CF-495D-862A-19D96D8B75A6}" dt="2021-02-18T16:49:05.455" v="90"/>
+          <ac:grpSpMkLst>
+            <pc:docMk/>
+            <pc:sldMk cId="791204635" sldId="273"/>
+            <ac:grpSpMk id="29" creationId="{1B24766B-81CA-44C7-BF11-77A12BA42411}"/>
+          </ac:grpSpMkLst>
+        </pc:grpChg>
+        <pc:grpChg chg="add">
+          <ac:chgData name="Mättas, O. (Otto)" userId="S::o.mattas@students.uu.nl::f944b869-84fe-4915-ac0f-2070e720f33b" providerId="AD" clId="Web-{B5BACD2D-C0CF-495D-862A-19D96D8B75A6}" dt="2021-02-18T16:49:05.455" v="90"/>
+          <ac:grpSpMkLst>
+            <pc:docMk/>
+            <pc:sldMk cId="791204635" sldId="273"/>
+            <ac:grpSpMk id="44" creationId="{2DAE3342-9DFC-49D4-B09C-25E310769317}"/>
+          </ac:grpSpMkLst>
+        </pc:grpChg>
+        <pc:grpChg chg="add">
+          <ac:chgData name="Mättas, O. (Otto)" userId="S::o.mattas@students.uu.nl::f944b869-84fe-4915-ac0f-2070e720f33b" providerId="AD" clId="Web-{B5BACD2D-C0CF-495D-862A-19D96D8B75A6}" dt="2021-02-18T16:49:05.455" v="90"/>
+          <ac:grpSpMkLst>
+            <pc:docMk/>
+            <pc:sldMk cId="791204635" sldId="273"/>
+            <ac:grpSpMk id="65" creationId="{B54F73D8-62C2-4127-9D19-01219BBB9942}"/>
+          </ac:grpSpMkLst>
+        </pc:grpChg>
+        <pc:grpChg chg="add">
+          <ac:chgData name="Mättas, O. (Otto)" userId="S::o.mattas@students.uu.nl::f944b869-84fe-4915-ac0f-2070e720f33b" providerId="AD" clId="Web-{B5BACD2D-C0CF-495D-862A-19D96D8B75A6}" dt="2021-02-18T16:49:05.455" v="90"/>
+          <ac:grpSpMkLst>
+            <pc:docMk/>
+            <pc:sldMk cId="791204635" sldId="273"/>
+            <ac:grpSpMk id="72" creationId="{EE6BBC07-CF0C-4EE5-8031-F879DB97AE09}"/>
+          </ac:grpSpMkLst>
+        </pc:grpChg>
+        <pc:grpChg chg="add">
+          <ac:chgData name="Mättas, O. (Otto)" userId="S::o.mattas@students.uu.nl::f944b869-84fe-4915-ac0f-2070e720f33b" providerId="AD" clId="Web-{B5BACD2D-C0CF-495D-862A-19D96D8B75A6}" dt="2021-02-18T16:49:05.455" v="90"/>
+          <ac:grpSpMkLst>
+            <pc:docMk/>
+            <pc:sldMk cId="791204635" sldId="273"/>
+            <ac:grpSpMk id="93" creationId="{C823590F-2DA6-407F-920B-C16D7DF273D0}"/>
+          </ac:grpSpMkLst>
+        </pc:grpChg>
+        <pc:picChg chg="add">
+          <ac:chgData name="Mättas, O. (Otto)" userId="S::o.mattas@students.uu.nl::f944b869-84fe-4915-ac0f-2070e720f33b" providerId="AD" clId="Web-{B5BACD2D-C0CF-495D-862A-19D96D8B75A6}" dt="2021-02-18T16:49:05.455" v="90"/>
+          <ac:picMkLst>
+            <pc:docMk/>
+            <pc:sldMk cId="791204635" sldId="273"/>
+            <ac:picMk id="40" creationId="{AE7D6A68-B757-4080-958C-48FBB46F1090}"/>
+          </ac:picMkLst>
+        </pc:picChg>
+      </pc:sldChg>
+      <pc:sldChg chg="del">
+        <pc:chgData name="Mättas, O. (Otto)" userId="S::o.mattas@students.uu.nl::f944b869-84fe-4915-ac0f-2070e720f33b" providerId="AD" clId="Web-{B5BACD2D-C0CF-495D-862A-19D96D8B75A6}" dt="2021-02-18T16:49:21.393" v="91"/>
+        <pc:sldMkLst>
+          <pc:docMk/>
+          <pc:sldMk cId="80245984" sldId="275"/>
+        </pc:sldMkLst>
+      </pc:sldChg>
+      <pc:sldChg chg="addSp delSp modSp">
+        <pc:chgData name="Mättas, O. (Otto)" userId="S::o.mattas@students.uu.nl::f944b869-84fe-4915-ac0f-2070e720f33b" providerId="AD" clId="Web-{B5BACD2D-C0CF-495D-862A-19D96D8B75A6}" dt="2021-02-18T16:41:01.506" v="56"/>
+        <pc:sldMkLst>
+          <pc:docMk/>
+          <pc:sldMk cId="2936478737" sldId="277"/>
+        </pc:sldMkLst>
+        <pc:spChg chg="del">
+          <ac:chgData name="Mättas, O. (Otto)" userId="S::o.mattas@students.uu.nl::f944b869-84fe-4915-ac0f-2070e720f33b" providerId="AD" clId="Web-{B5BACD2D-C0CF-495D-862A-19D96D8B75A6}" dt="2021-02-18T16:40:57.631" v="54"/>
+          <ac:spMkLst>
+            <pc:docMk/>
+            <pc:sldMk cId="2936478737" sldId="277"/>
+            <ac:spMk id="2" creationId="{B238061C-8601-49D7-A023-7E0613707479}"/>
+          </ac:spMkLst>
+        </pc:spChg>
+        <pc:spChg chg="add del mod">
+          <ac:chgData name="Mättas, O. (Otto)" userId="S::o.mattas@students.uu.nl::f944b869-84fe-4915-ac0f-2070e720f33b" providerId="AD" clId="Web-{B5BACD2D-C0CF-495D-862A-19D96D8B75A6}" dt="2021-02-18T16:41:01.506" v="56"/>
+          <ac:spMkLst>
+            <pc:docMk/>
+            <pc:sldMk cId="2936478737" sldId="277"/>
+            <ac:spMk id="97" creationId="{7E9D2B18-666B-4228-9649-0B31872E29A2}"/>
+          </ac:spMkLst>
+        </pc:spChg>
+        <pc:picChg chg="add">
+          <ac:chgData name="Mättas, O. (Otto)" userId="S::o.mattas@students.uu.nl::f944b869-84fe-4915-ac0f-2070e720f33b" providerId="AD" clId="Web-{B5BACD2D-C0CF-495D-862A-19D96D8B75A6}" dt="2021-02-18T16:40:58.256" v="55"/>
+          <ac:picMkLst>
+            <pc:docMk/>
+            <pc:sldMk cId="2936478737" sldId="277"/>
+            <ac:picMk id="110" creationId="{340A2BBC-33B0-4B0E-B2CD-3B043A61BB75}"/>
+          </ac:picMkLst>
+        </pc:picChg>
+      </pc:sldChg>
+      <pc:sldChg chg="addSp delSp modSp addCm">
+        <pc:chgData name="Mättas, O. (Otto)" userId="S::o.mattas@students.uu.nl::f944b869-84fe-4915-ac0f-2070e720f33b" providerId="AD" clId="Web-{B5BACD2D-C0CF-495D-862A-19D96D8B75A6}" dt="2021-02-18T16:39:58.099" v="44" actId="1076"/>
+        <pc:sldMkLst>
+          <pc:docMk/>
+          <pc:sldMk cId="3166488700" sldId="278"/>
+        </pc:sldMkLst>
+        <pc:spChg chg="del">
+          <ac:chgData name="Mättas, O. (Otto)" userId="S::o.mattas@students.uu.nl::f944b869-84fe-4915-ac0f-2070e720f33b" providerId="AD" clId="Web-{B5BACD2D-C0CF-495D-862A-19D96D8B75A6}" dt="2021-02-18T16:39:40.145" v="41"/>
+          <ac:spMkLst>
+            <pc:docMk/>
+            <pc:sldMk cId="3166488700" sldId="278"/>
+            <ac:spMk id="2" creationId="{B238061C-8601-49D7-A023-7E0613707479}"/>
+          </ac:spMkLst>
+        </pc:spChg>
+        <pc:spChg chg="add del mod">
+          <ac:chgData name="Mättas, O. (Otto)" userId="S::o.mattas@students.uu.nl::f944b869-84fe-4915-ac0f-2070e720f33b" providerId="AD" clId="Web-{B5BACD2D-C0CF-495D-862A-19D96D8B75A6}" dt="2021-02-18T16:39:50.442" v="43"/>
+          <ac:spMkLst>
+            <pc:docMk/>
+            <pc:sldMk cId="3166488700" sldId="278"/>
+            <ac:spMk id="105" creationId="{2F46B0F4-157E-4BA8-8D11-CC3D117B7904}"/>
+          </ac:spMkLst>
+        </pc:spChg>
+        <pc:picChg chg="add mod">
+          <ac:chgData name="Mättas, O. (Otto)" userId="S::o.mattas@students.uu.nl::f944b869-84fe-4915-ac0f-2070e720f33b" providerId="AD" clId="Web-{B5BACD2D-C0CF-495D-862A-19D96D8B75A6}" dt="2021-02-18T16:39:58.099" v="44" actId="1076"/>
+          <ac:picMkLst>
+            <pc:docMk/>
+            <pc:sldMk cId="3166488700" sldId="278"/>
+            <ac:picMk id="103" creationId="{CDBD31A5-0E7B-4B41-AD02-B79475DAE712}"/>
+          </ac:picMkLst>
+        </pc:picChg>
+      </pc:sldChg>
+      <pc:sldChg chg="addSp delSp modSp">
+        <pc:chgData name="Mättas, O. (Otto)" userId="S::o.mattas@students.uu.nl::f944b869-84fe-4915-ac0f-2070e720f33b" providerId="AD" clId="Web-{B5BACD2D-C0CF-495D-862A-19D96D8B75A6}" dt="2021-02-18T16:40:47.115" v="53"/>
+        <pc:sldMkLst>
+          <pc:docMk/>
+          <pc:sldMk cId="1403399020" sldId="279"/>
+        </pc:sldMkLst>
+        <pc:spChg chg="del">
+          <ac:chgData name="Mättas, O. (Otto)" userId="S::o.mattas@students.uu.nl::f944b869-84fe-4915-ac0f-2070e720f33b" providerId="AD" clId="Web-{B5BACD2D-C0CF-495D-862A-19D96D8B75A6}" dt="2021-02-18T16:40:43.865" v="51"/>
+          <ac:spMkLst>
+            <pc:docMk/>
+            <pc:sldMk cId="1403399020" sldId="279"/>
+            <ac:spMk id="2" creationId="{B238061C-8601-49D7-A023-7E0613707479}"/>
+          </ac:spMkLst>
+        </pc:spChg>
+        <pc:spChg chg="add del mod">
+          <ac:chgData name="Mättas, O. (Otto)" userId="S::o.mattas@students.uu.nl::f944b869-84fe-4915-ac0f-2070e720f33b" providerId="AD" clId="Web-{B5BACD2D-C0CF-495D-862A-19D96D8B75A6}" dt="2021-02-18T16:40:47.115" v="53"/>
+          <ac:spMkLst>
+            <pc:docMk/>
+            <pc:sldMk cId="1403399020" sldId="279"/>
+            <ac:spMk id="96" creationId="{A516C1C0-2053-4D10-912D-914CA45A278A}"/>
+          </ac:spMkLst>
+        </pc:spChg>
+        <pc:picChg chg="add">
+          <ac:chgData name="Mättas, O. (Otto)" userId="S::o.mattas@students.uu.nl::f944b869-84fe-4915-ac0f-2070e720f33b" providerId="AD" clId="Web-{B5BACD2D-C0CF-495D-862A-19D96D8B75A6}" dt="2021-02-18T16:40:45.084" v="52"/>
+          <ac:picMkLst>
+            <pc:docMk/>
+            <pc:sldMk cId="1403399020" sldId="279"/>
+            <ac:picMk id="109" creationId="{3B19EDEC-5705-4CEF-8D8A-D7DE7A16A51A}"/>
+          </ac:picMkLst>
+        </pc:picChg>
+      </pc:sldChg>
+      <pc:sldChg chg="addSp delSp modSp">
+        <pc:chgData name="Mättas, O. (Otto)" userId="S::o.mattas@students.uu.nl::f944b869-84fe-4915-ac0f-2070e720f33b" providerId="AD" clId="Web-{B5BACD2D-C0CF-495D-862A-19D96D8B75A6}" dt="2021-02-18T16:40:34.334" v="50"/>
+        <pc:sldMkLst>
+          <pc:docMk/>
+          <pc:sldMk cId="547619505" sldId="280"/>
+        </pc:sldMkLst>
+        <pc:spChg chg="del">
+          <ac:chgData name="Mättas, O. (Otto)" userId="S::o.mattas@students.uu.nl::f944b869-84fe-4915-ac0f-2070e720f33b" providerId="AD" clId="Web-{B5BACD2D-C0CF-495D-862A-19D96D8B75A6}" dt="2021-02-18T16:40:28.068" v="48"/>
+          <ac:spMkLst>
+            <pc:docMk/>
+            <pc:sldMk cId="547619505" sldId="280"/>
+            <ac:spMk id="2" creationId="{B238061C-8601-49D7-A023-7E0613707479}"/>
+          </ac:spMkLst>
+        </pc:spChg>
+        <pc:spChg chg="add del mod">
+          <ac:chgData name="Mättas, O. (Otto)" userId="S::o.mattas@students.uu.nl::f944b869-84fe-4915-ac0f-2070e720f33b" providerId="AD" clId="Web-{B5BACD2D-C0CF-495D-862A-19D96D8B75A6}" dt="2021-02-18T16:40:34.334" v="50"/>
+          <ac:spMkLst>
+            <pc:docMk/>
+            <pc:sldMk cId="547619505" sldId="280"/>
+            <ac:spMk id="95" creationId="{47F11616-7384-44EC-B333-34A36549DDED}"/>
+          </ac:spMkLst>
+        </pc:spChg>
+        <pc:picChg chg="add">
+          <ac:chgData name="Mättas, O. (Otto)" userId="S::o.mattas@students.uu.nl::f944b869-84fe-4915-ac0f-2070e720f33b" providerId="AD" clId="Web-{B5BACD2D-C0CF-495D-862A-19D96D8B75A6}" dt="2021-02-18T16:40:28.803" v="49"/>
+          <ac:picMkLst>
+            <pc:docMk/>
+            <pc:sldMk cId="547619505" sldId="280"/>
+            <ac:picMk id="108" creationId="{9EC1EBBD-9F47-4DB3-888B-5022E7048DF0}"/>
+          </ac:picMkLst>
+        </pc:picChg>
+      </pc:sldChg>
+      <pc:sldChg chg="addSp delSp modSp">
+        <pc:chgData name="Mättas, O. (Otto)" userId="S::o.mattas@students.uu.nl::f944b869-84fe-4915-ac0f-2070e720f33b" providerId="AD" clId="Web-{B5BACD2D-C0CF-495D-862A-19D96D8B75A6}" dt="2021-02-18T16:40:18.943" v="47"/>
+        <pc:sldMkLst>
+          <pc:docMk/>
+          <pc:sldMk cId="3176483059" sldId="281"/>
+        </pc:sldMkLst>
+        <pc:spChg chg="del">
+          <ac:chgData name="Mättas, O. (Otto)" userId="S::o.mattas@students.uu.nl::f944b869-84fe-4915-ac0f-2070e720f33b" providerId="AD" clId="Web-{B5BACD2D-C0CF-495D-862A-19D96D8B75A6}" dt="2021-02-18T16:40:15.052" v="45"/>
+          <ac:spMkLst>
+            <pc:docMk/>
+            <pc:sldMk cId="3176483059" sldId="281"/>
+            <ac:spMk id="2" creationId="{B238061C-8601-49D7-A023-7E0613707479}"/>
+          </ac:spMkLst>
+        </pc:spChg>
+        <pc:spChg chg="add del mod">
+          <ac:chgData name="Mättas, O. (Otto)" userId="S::o.mattas@students.uu.nl::f944b869-84fe-4915-ac0f-2070e720f33b" providerId="AD" clId="Web-{B5BACD2D-C0CF-495D-862A-19D96D8B75A6}" dt="2021-02-18T16:40:18.943" v="47"/>
+          <ac:spMkLst>
+            <pc:docMk/>
+            <pc:sldMk cId="3176483059" sldId="281"/>
+            <ac:spMk id="105" creationId="{74677B4A-07C6-4436-88CD-B75F877EAC2B}"/>
+          </ac:spMkLst>
+        </pc:spChg>
+        <pc:picChg chg="add">
+          <ac:chgData name="Mättas, O. (Otto)" userId="S::o.mattas@students.uu.nl::f944b869-84fe-4915-ac0f-2070e720f33b" providerId="AD" clId="Web-{B5BACD2D-C0CF-495D-862A-19D96D8B75A6}" dt="2021-02-18T16:40:16.271" v="46"/>
+          <ac:picMkLst>
+            <pc:docMk/>
+            <pc:sldMk cId="3176483059" sldId="281"/>
+            <ac:picMk id="118" creationId="{6B9AC844-BE9B-4CFF-B424-9B7E20DCE148}"/>
+          </ac:picMkLst>
+        </pc:picChg>
+      </pc:sldChg>
+      <pc:sldChg chg="addSp delSp modSp new mod setBg">
+        <pc:chgData name="Mättas, O. (Otto)" userId="S::o.mattas@students.uu.nl::f944b869-84fe-4915-ac0f-2070e720f33b" providerId="AD" clId="Web-{B5BACD2D-C0CF-495D-862A-19D96D8B75A6}" dt="2021-02-18T16:35:58.922" v="38"/>
+        <pc:sldMkLst>
+          <pc:docMk/>
+          <pc:sldMk cId="3131762565" sldId="282"/>
+        </pc:sldMkLst>
+        <pc:spChg chg="mod ord">
+          <ac:chgData name="Mättas, O. (Otto)" userId="S::o.mattas@students.uu.nl::f944b869-84fe-4915-ac0f-2070e720f33b" providerId="AD" clId="Web-{B5BACD2D-C0CF-495D-862A-19D96D8B75A6}" dt="2021-02-18T16:33:01.418" v="25"/>
+          <ac:spMkLst>
+            <pc:docMk/>
+            <pc:sldMk cId="3131762565" sldId="282"/>
+            <ac:spMk id="2" creationId="{DF945E70-BAD2-47EA-B666-19218F126767}"/>
+          </ac:spMkLst>
+        </pc:spChg>
+        <pc:grpChg chg="add">
+          <ac:chgData name="Mättas, O. (Otto)" userId="S::o.mattas@students.uu.nl::f944b869-84fe-4915-ac0f-2070e720f33b" providerId="AD" clId="Web-{B5BACD2D-C0CF-495D-862A-19D96D8B75A6}" dt="2021-02-18T16:33:01.418" v="25"/>
+          <ac:grpSpMkLst>
+            <pc:docMk/>
+            <pc:sldMk cId="3131762565" sldId="282"/>
+            <ac:grpSpMk id="5" creationId="{02809643-1A52-4ED2-AA8C-EEF67E927206}"/>
+          </ac:grpSpMkLst>
+        </pc:grpChg>
+        <pc:grpChg chg="add del">
+          <ac:chgData name="Mättas, O. (Otto)" userId="S::o.mattas@students.uu.nl::f944b869-84fe-4915-ac0f-2070e720f33b" providerId="AD" clId="Web-{B5BACD2D-C0CF-495D-862A-19D96D8B75A6}" dt="2021-02-18T16:32:55.292" v="22"/>
+          <ac:grpSpMkLst>
+            <pc:docMk/>
+            <pc:sldMk cId="3131762565" sldId="282"/>
+            <ac:grpSpMk id="8" creationId="{02809643-1A52-4ED2-AA8C-EEF67E927206}"/>
+          </ac:grpSpMkLst>
+        </pc:grpChg>
+        <pc:picChg chg="add mod ord">
+          <ac:chgData name="Mättas, O. (Otto)" userId="S::o.mattas@students.uu.nl::f944b869-84fe-4915-ac0f-2070e720f33b" providerId="AD" clId="Web-{B5BACD2D-C0CF-495D-862A-19D96D8B75A6}" dt="2021-02-18T16:35:57.359" v="37"/>
+          <ac:picMkLst>
+            <pc:docMk/>
+            <pc:sldMk cId="3131762565" sldId="282"/>
+            <ac:picMk id="3" creationId="{39AAD341-10EE-4589-A369-E7B2D7F4F691}"/>
+          </ac:picMkLst>
+        </pc:picChg>
+        <pc:picChg chg="add del ord">
+          <ac:chgData name="Mättas, O. (Otto)" userId="S::o.mattas@students.uu.nl::f944b869-84fe-4915-ac0f-2070e720f33b" providerId="AD" clId="Web-{B5BACD2D-C0CF-495D-862A-19D96D8B75A6}" dt="2021-02-18T16:35:58.922" v="38"/>
+          <ac:picMkLst>
+            <pc:docMk/>
+            <pc:sldMk cId="3131762565" sldId="282"/>
+            <ac:picMk id="4" creationId="{D3DE0694-8EA7-4472-86F9-E8E8CB1D43A9}"/>
+          </ac:picMkLst>
+        </pc:picChg>
+      </pc:sldChg>
+    </pc:docChg>
+  </pc:docChgLst>
+  <pc:docChgLst>
+    <pc:chgData name="Mättas, O. (Otto)" userId="S::o.mattas@students.uu.nl::f944b869-84fe-4915-ac0f-2070e720f33b" providerId="AD" clId="Web-{D7840D99-4FBE-4B82-A919-56CD25E4427E}"/>
+    <pc:docChg chg="addSld delSld modSld addMainMaster delMainMaster">
+      <pc:chgData name="Mättas, O. (Otto)" userId="S::o.mattas@students.uu.nl::f944b869-84fe-4915-ac0f-2070e720f33b" providerId="AD" clId="Web-{D7840D99-4FBE-4B82-A919-56CD25E4427E}" dt="2021-02-18T11:18:47.225" v="738" actId="20577"/>
+      <pc:docMkLst>
+        <pc:docMk/>
+      </pc:docMkLst>
+      <pc:sldChg chg="addSp delSp modSp del mod setBg modClrScheme chgLayout">
+        <pc:chgData name="Mättas, O. (Otto)" userId="S::o.mattas@students.uu.nl::f944b869-84fe-4915-ac0f-2070e720f33b" providerId="AD" clId="Web-{D7840D99-4FBE-4B82-A919-56CD25E4427E}" dt="2021-02-18T10:39:13.345" v="211"/>
+        <pc:sldMkLst>
+          <pc:docMk/>
+          <pc:sldMk cId="109857222" sldId="256"/>
+        </pc:sldMkLst>
+        <pc:spChg chg="mod">
+          <ac:chgData name="Mättas, O. (Otto)" userId="S::o.mattas@students.uu.nl::f944b869-84fe-4915-ac0f-2070e720f33b" providerId="AD" clId="Web-{D7840D99-4FBE-4B82-A919-56CD25E4427E}" dt="2021-02-18T10:37:01.419" v="199" actId="1076"/>
+          <ac:spMkLst>
+            <pc:docMk/>
+            <pc:sldMk cId="109857222" sldId="256"/>
+            <ac:spMk id="2" creationId="{00000000-0000-0000-0000-000000000000}"/>
+          </ac:spMkLst>
+        </pc:spChg>
+        <pc:spChg chg="del mod">
+          <ac:chgData name="Mättas, O. (Otto)" userId="S::o.mattas@students.uu.nl::f944b869-84fe-4915-ac0f-2070e720f33b" providerId="AD" clId="Web-{D7840D99-4FBE-4B82-A919-56CD25E4427E}" dt="2021-02-18T09:50:13.699" v="14"/>
+          <ac:spMkLst>
+            <pc:docMk/>
+            <pc:sldMk cId="109857222" sldId="256"/>
+            <ac:spMk id="3" creationId="{00000000-0000-0000-0000-000000000000}"/>
+          </ac:spMkLst>
+        </pc:spChg>
+        <pc:spChg chg="add mod">
+          <ac:chgData name="Mättas, O. (Otto)" userId="S::o.mattas@students.uu.nl::f944b869-84fe-4915-ac0f-2070e720f33b" providerId="AD" clId="Web-{D7840D99-4FBE-4B82-A919-56CD25E4427E}" dt="2021-02-18T10:37:05.826" v="200" actId="1076"/>
+          <ac:spMkLst>
+            <pc:docMk/>
+            <pc:sldMk cId="109857222" sldId="256"/>
+            <ac:spMk id="3" creationId="{B0FA5F64-4433-4D3F-B057-C29F936D6B74}"/>
+          </ac:spMkLst>
+        </pc:spChg>
+        <pc:spChg chg="add del">
+          <ac:chgData name="Mättas, O. (Otto)" userId="S::o.mattas@students.uu.nl::f944b869-84fe-4915-ac0f-2070e720f33b" providerId="AD" clId="Web-{D7840D99-4FBE-4B82-A919-56CD25E4427E}" dt="2021-02-18T10:36:02.761" v="191"/>
+          <ac:spMkLst>
+            <pc:docMk/>
+            <pc:sldMk cId="109857222" sldId="256"/>
+            <ac:spMk id="5" creationId="{A5543539-5025-458F-BDBA-7E1723EDE578}"/>
+          </ac:spMkLst>
+        </pc:spChg>
+        <pc:spChg chg="add del mod">
+          <ac:chgData name="Mättas, O. (Otto)" userId="S::o.mattas@students.uu.nl::f944b869-84fe-4915-ac0f-2070e720f33b" providerId="AD" clId="Web-{D7840D99-4FBE-4B82-A919-56CD25E4427E}" dt="2021-02-18T10:36:00.121" v="190"/>
+          <ac:spMkLst>
+            <pc:docMk/>
+            <pc:sldMk cId="109857222" sldId="256"/>
+            <ac:spMk id="6" creationId="{062C3D79-F99E-47E5-A109-C3AD87EFDBBD}"/>
+          </ac:spMkLst>
+        </pc:spChg>
+        <pc:spChg chg="add del mod">
+          <ac:chgData name="Mättas, O. (Otto)" userId="S::o.mattas@students.uu.nl::f944b869-84fe-4915-ac0f-2070e720f33b" providerId="AD" clId="Web-{D7840D99-4FBE-4B82-A919-56CD25E4427E}" dt="2021-02-18T09:50:23.465" v="15"/>
+          <ac:spMkLst>
+            <pc:docMk/>
+            <pc:sldMk cId="109857222" sldId="256"/>
+            <ac:spMk id="6" creationId="{33873244-75BC-4A4B-94F7-89B6B9CD434C}"/>
+          </ac:spMkLst>
+        </pc:spChg>
+        <pc:spChg chg="add del mod">
+          <ac:chgData name="Mättas, O. (Otto)" userId="S::o.mattas@students.uu.nl::f944b869-84fe-4915-ac0f-2070e720f33b" providerId="AD" clId="Web-{D7840D99-4FBE-4B82-A919-56CD25E4427E}" dt="2021-02-18T10:36:04.355" v="192"/>
+          <ac:spMkLst>
+            <pc:docMk/>
+            <pc:sldMk cId="109857222" sldId="256"/>
+            <ac:spMk id="8" creationId="{2DD51BC6-FFCA-417B-B59A-F22103E488FD}"/>
+          </ac:spMkLst>
+        </pc:spChg>
+        <pc:spChg chg="add del">
+          <ac:chgData name="Mättas, O. (Otto)" userId="S::o.mattas@students.uu.nl::f944b869-84fe-4915-ac0f-2070e720f33b" providerId="AD" clId="Web-{D7840D99-4FBE-4B82-A919-56CD25E4427E}" dt="2021-02-18T09:50:50.045" v="16"/>
+          <ac:spMkLst>
+            <pc:docMk/>
+            <pc:sldMk cId="109857222" sldId="256"/>
+            <ac:spMk id="9" creationId="{1E644DE9-8D09-43E2-BA69-F57482CFC93A}"/>
+          </ac:spMkLst>
+        </pc:spChg>
+        <pc:spChg chg="add del">
+          <ac:chgData name="Mättas, O. (Otto)" userId="S::o.mattas@students.uu.nl::f944b869-84fe-4915-ac0f-2070e720f33b" providerId="AD" clId="Web-{D7840D99-4FBE-4B82-A919-56CD25E4427E}" dt="2021-02-18T09:50:50.045" v="16"/>
+          <ac:spMkLst>
+            <pc:docMk/>
+            <pc:sldMk cId="109857222" sldId="256"/>
+            <ac:spMk id="11" creationId="{6C23C919-B32E-40FF-B3D8-631316E84E3E}"/>
+          </ac:spMkLst>
+        </pc:spChg>
+        <pc:spChg chg="add del">
+          <ac:chgData name="Mättas, O. (Otto)" userId="S::o.mattas@students.uu.nl::f944b869-84fe-4915-ac0f-2070e720f33b" providerId="AD" clId="Web-{D7840D99-4FBE-4B82-A919-56CD25E4427E}" dt="2021-02-18T09:51:29.486" v="20"/>
+          <ac:spMkLst>
+            <pc:docMk/>
+            <pc:sldMk cId="109857222" sldId="256"/>
+            <ac:spMk id="16" creationId="{E91DC736-0EF8-4F87-9146-EBF1D2EE4D3D}"/>
+          </ac:spMkLst>
+        </pc:spChg>
+        <pc:spChg chg="add del">
+          <ac:chgData name="Mättas, O. (Otto)" userId="S::o.mattas@students.uu.nl::f944b869-84fe-4915-ac0f-2070e720f33b" providerId="AD" clId="Web-{D7840D99-4FBE-4B82-A919-56CD25E4427E}" dt="2021-02-18T09:51:29.486" v="20"/>
+          <ac:spMkLst>
+            <pc:docMk/>
+            <pc:sldMk cId="109857222" sldId="256"/>
+            <ac:spMk id="18" creationId="{097CD68E-23E3-4007-8847-CD0944C4F7BE}"/>
+          </ac:spMkLst>
+        </pc:spChg>
+        <pc:spChg chg="add del">
+          <ac:chgData name="Mättas, O. (Otto)" userId="S::o.mattas@students.uu.nl::f944b869-84fe-4915-ac0f-2070e720f33b" providerId="AD" clId="Web-{D7840D99-4FBE-4B82-A919-56CD25E4427E}" dt="2021-02-18T09:51:29.486" v="20"/>
+          <ac:spMkLst>
+            <pc:docMk/>
+            <pc:sldMk cId="109857222" sldId="256"/>
+            <ac:spMk id="20" creationId="{AF2F604E-43BE-4DC3-B983-E071523364F8}"/>
+          </ac:spMkLst>
+        </pc:spChg>
+        <pc:spChg chg="add del">
+          <ac:chgData name="Mättas, O. (Otto)" userId="S::o.mattas@students.uu.nl::f944b869-84fe-4915-ac0f-2070e720f33b" providerId="AD" clId="Web-{D7840D99-4FBE-4B82-A919-56CD25E4427E}" dt="2021-02-18T09:51:29.486" v="20"/>
+          <ac:spMkLst>
+            <pc:docMk/>
+            <pc:sldMk cId="109857222" sldId="256"/>
+            <ac:spMk id="22" creationId="{08C9B587-E65E-4B52-B37C-ABEBB6E87928}"/>
+          </ac:spMkLst>
+        </pc:spChg>
+        <pc:spChg chg="add">
+          <ac:chgData name="Mättas, O. (Otto)" userId="S::o.mattas@students.uu.nl::f944b869-84fe-4915-ac0f-2070e720f33b" providerId="AD" clId="Web-{D7840D99-4FBE-4B82-A919-56CD25E4427E}" dt="2021-02-18T09:51:29.486" v="20"/>
+          <ac:spMkLst>
+            <pc:docMk/>
+            <pc:sldMk cId="109857222" sldId="256"/>
+            <ac:spMk id="27" creationId="{BA6285CA-6AFA-4F27-AFB5-1B32CDE09B1A}"/>
+          </ac:spMkLst>
+        </pc:spChg>
+        <pc:spChg chg="add">
+          <ac:chgData name="Mättas, O. (Otto)" userId="S::o.mattas@students.uu.nl::f944b869-84fe-4915-ac0f-2070e720f33b" providerId="AD" clId="Web-{D7840D99-4FBE-4B82-A919-56CD25E4427E}" dt="2021-02-18T09:51:29.486" v="20"/>
+          <ac:spMkLst>
+            <pc:docMk/>
+            <pc:sldMk cId="109857222" sldId="256"/>
+            <ac:spMk id="29" creationId="{F8DD0EAF-BF73-48D8-A426-3085C4B88FAA}"/>
+          </ac:spMkLst>
+        </pc:spChg>
+        <pc:spChg chg="add">
+          <ac:chgData name="Mättas, O. (Otto)" userId="S::o.mattas@students.uu.nl::f944b869-84fe-4915-ac0f-2070e720f33b" providerId="AD" clId="Web-{D7840D99-4FBE-4B82-A919-56CD25E4427E}" dt="2021-02-18T09:51:29.486" v="20"/>
+          <ac:spMkLst>
+            <pc:docMk/>
+            <pc:sldMk cId="109857222" sldId="256"/>
+            <ac:spMk id="31" creationId="{7BCC6446-8462-4A63-9B6F-8F57EC40F648}"/>
+          </ac:spMkLst>
+        </pc:spChg>
+        <pc:grpChg chg="add">
+          <ac:chgData name="Mättas, O. (Otto)" userId="S::o.mattas@students.uu.nl::f944b869-84fe-4915-ac0f-2070e720f33b" providerId="AD" clId="Web-{D7840D99-4FBE-4B82-A919-56CD25E4427E}" dt="2021-02-18T09:51:29.486" v="20"/>
+          <ac:grpSpMkLst>
+            <pc:docMk/>
+            <pc:sldMk cId="109857222" sldId="256"/>
+            <ac:grpSpMk id="33" creationId="{8118ECEF-CA6A-4CB6-BCA5-59B2DB40C4AB}"/>
+          </ac:grpSpMkLst>
+        </pc:grpChg>
+        <pc:picChg chg="add mod ord">
+          <ac:chgData name="Mättas, O. (Otto)" userId="S::o.mattas@students.uu.nl::f944b869-84fe-4915-ac0f-2070e720f33b" providerId="AD" clId="Web-{D7840D99-4FBE-4B82-A919-56CD25E4427E}" dt="2021-02-18T10:37:10.451" v="201"/>
+          <ac:picMkLst>
+            <pc:docMk/>
+            <pc:sldMk cId="109857222" sldId="256"/>
+            <ac:picMk id="4" creationId="{11FF6C02-B344-42B3-8582-C610697C4062}"/>
+          </ac:picMkLst>
+        </pc:picChg>
+      </pc:sldChg>
+      <pc:sldChg chg="addSp delSp modSp new del">
+        <pc:chgData name="Mättas, O. (Otto)" userId="S::o.mattas@students.uu.nl::f944b869-84fe-4915-ac0f-2070e720f33b" providerId="AD" clId="Web-{D7840D99-4FBE-4B82-A919-56CD25E4427E}" dt="2021-02-18T10:57:51.330" v="370"/>
+        <pc:sldMkLst>
+          <pc:docMk/>
+          <pc:sldMk cId="2626502531" sldId="257"/>
+        </pc:sldMkLst>
+        <pc:spChg chg="del mod">
+          <ac:chgData name="Mättas, O. (Otto)" userId="S::o.mattas@students.uu.nl::f944b869-84fe-4915-ac0f-2070e720f33b" providerId="AD" clId="Web-{D7840D99-4FBE-4B82-A919-56CD25E4427E}" dt="2021-02-18T10:06:54.173" v="140"/>
+          <ac:spMkLst>
+            <pc:docMk/>
+            <pc:sldMk cId="2626502531" sldId="257"/>
+            <ac:spMk id="2" creationId="{DBD96396-78E8-4A97-9EDC-45B8255CBC45}"/>
+          </ac:spMkLst>
+        </pc:spChg>
+        <pc:spChg chg="mod">
+          <ac:chgData name="Mättas, O. (Otto)" userId="S::o.mattas@students.uu.nl::f944b869-84fe-4915-ac0f-2070e720f33b" providerId="AD" clId="Web-{D7840D99-4FBE-4B82-A919-56CD25E4427E}" dt="2021-02-18T10:07:06.033" v="143" actId="14100"/>
+          <ac:spMkLst>
+            <pc:docMk/>
+            <pc:sldMk cId="2626502531" sldId="257"/>
+            <ac:spMk id="3" creationId="{59AF4931-D4A7-4115-B5A8-BA8779CDA94E}"/>
+          </ac:spMkLst>
+        </pc:spChg>
+        <pc:spChg chg="del">
+          <ac:chgData name="Mättas, O. (Otto)" userId="S::o.mattas@students.uu.nl::f944b869-84fe-4915-ac0f-2070e720f33b" providerId="AD" clId="Web-{D7840D99-4FBE-4B82-A919-56CD25E4427E}" dt="2021-02-18T10:06:57.439" v="142"/>
+          <ac:spMkLst>
+            <pc:docMk/>
+            <pc:sldMk cId="2626502531" sldId="257"/>
+            <ac:spMk id="4" creationId="{A56D7AF6-17B8-417E-8B1D-AAD522501788}"/>
+          </ac:spMkLst>
+        </pc:spChg>
+        <pc:spChg chg="add del mod">
+          <ac:chgData name="Mättas, O. (Otto)" userId="S::o.mattas@students.uu.nl::f944b869-84fe-4915-ac0f-2070e720f33b" providerId="AD" clId="Web-{D7840D99-4FBE-4B82-A919-56CD25E4427E}" dt="2021-02-18T10:06:56.048" v="141"/>
+          <ac:spMkLst>
+            <pc:docMk/>
+            <pc:sldMk cId="2626502531" sldId="257"/>
+            <ac:spMk id="6" creationId="{BE85CC54-043C-4643-9C24-699E55AC67B3}"/>
+          </ac:spMkLst>
+        </pc:spChg>
+      </pc:sldChg>
+      <pc:sldChg chg="addSp delSp modSp new del mod setBg">
+        <pc:chgData name="Mättas, O. (Otto)" userId="S::o.mattas@students.uu.nl::f944b869-84fe-4915-ac0f-2070e720f33b" providerId="AD" clId="Web-{D7840D99-4FBE-4B82-A919-56CD25E4427E}" dt="2021-02-18T10:58:02.002" v="371"/>
+        <pc:sldMkLst>
+          <pc:docMk/>
+          <pc:sldMk cId="2652283454" sldId="258"/>
+        </pc:sldMkLst>
+        <pc:spChg chg="add del mod">
+          <ac:chgData name="Mättas, O. (Otto)" userId="S::o.mattas@students.uu.nl::f944b869-84fe-4915-ac0f-2070e720f33b" providerId="AD" clId="Web-{D7840D99-4FBE-4B82-A919-56CD25E4427E}" dt="2021-02-18T10:07:41.145" v="151"/>
+          <ac:spMkLst>
+            <pc:docMk/>
+            <pc:sldMk cId="2652283454" sldId="258"/>
+            <ac:spMk id="2" creationId="{793F66B1-1F93-4125-9EA0-CD25522B5249}"/>
+          </ac:spMkLst>
+        </pc:spChg>
+        <pc:spChg chg="add">
+          <ac:chgData name="Mättas, O. (Otto)" userId="S::o.mattas@students.uu.nl::f944b869-84fe-4915-ac0f-2070e720f33b" providerId="AD" clId="Web-{D7840D99-4FBE-4B82-A919-56CD25E4427E}" dt="2021-02-18T10:07:41.145" v="151"/>
+          <ac:spMkLst>
+            <pc:docMk/>
+            <pc:sldMk cId="2652283454" sldId="258"/>
+            <ac:spMk id="8" creationId="{A4798C7F-C8CA-4799-BF37-3AB4642CDB66}"/>
+          </ac:spMkLst>
+        </pc:spChg>
+        <pc:spChg chg="add">
+          <ac:chgData name="Mättas, O. (Otto)" userId="S::o.mattas@students.uu.nl::f944b869-84fe-4915-ac0f-2070e720f33b" providerId="AD" clId="Web-{D7840D99-4FBE-4B82-A919-56CD25E4427E}" dt="2021-02-18T10:07:41.145" v="151"/>
+          <ac:spMkLst>
+            <pc:docMk/>
+            <pc:sldMk cId="2652283454" sldId="258"/>
+            <ac:spMk id="41" creationId="{216BB147-20D5-4D93-BDA5-1BC614D6A4B2}"/>
+          </ac:spMkLst>
+        </pc:spChg>
+        <pc:spChg chg="add">
+          <ac:chgData name="Mättas, O. (Otto)" userId="S::o.mattas@students.uu.nl::f944b869-84fe-4915-ac0f-2070e720f33b" providerId="AD" clId="Web-{D7840D99-4FBE-4B82-A919-56CD25E4427E}" dt="2021-02-18T10:07:41.145" v="151"/>
+          <ac:spMkLst>
+            <pc:docMk/>
+            <pc:sldMk cId="2652283454" sldId="258"/>
+            <ac:spMk id="43" creationId="{0A253F60-DE40-4508-A37A-61331DF1DD5D}"/>
+          </ac:spMkLst>
+        </pc:spChg>
+        <pc:spChg chg="add">
+          <ac:chgData name="Mättas, O. (Otto)" userId="S::o.mattas@students.uu.nl::f944b869-84fe-4915-ac0f-2070e720f33b" providerId="AD" clId="Web-{D7840D99-4FBE-4B82-A919-56CD25E4427E}" dt="2021-02-18T10:07:41.145" v="151"/>
+          <ac:spMkLst>
+            <pc:docMk/>
+            <pc:sldMk cId="2652283454" sldId="258"/>
+            <ac:spMk id="45" creationId="{C701CD53-28FC-491C-9022-F74BE327CC33}"/>
+          </ac:spMkLst>
+        </pc:spChg>
+        <pc:spChg chg="add">
+          <ac:chgData name="Mättas, O. (Otto)" userId="S::o.mattas@students.uu.nl::f944b869-84fe-4915-ac0f-2070e720f33b" providerId="AD" clId="Web-{D7840D99-4FBE-4B82-A919-56CD25E4427E}" dt="2021-02-18T10:07:41.145" v="151"/>
+          <ac:spMkLst>
+            <pc:docMk/>
+            <pc:sldMk cId="2652283454" sldId="258"/>
+            <ac:spMk id="78" creationId="{F9B84E06-1DBF-4F55-9B5E-F2F1E38EBA57}"/>
+          </ac:spMkLst>
+        </pc:spChg>
+        <pc:spChg chg="add">
+          <ac:chgData name="Mättas, O. (Otto)" userId="S::o.mattas@students.uu.nl::f944b869-84fe-4915-ac0f-2070e720f33b" providerId="AD" clId="Web-{D7840D99-4FBE-4B82-A919-56CD25E4427E}" dt="2021-02-18T10:07:41.145" v="151"/>
+          <ac:spMkLst>
+            <pc:docMk/>
+            <pc:sldMk cId="2652283454" sldId="258"/>
+            <ac:spMk id="111" creationId="{8E7E1993-6448-42F8-8FB3-76104F45B344}"/>
+          </ac:spMkLst>
+        </pc:spChg>
+        <pc:spChg chg="add">
+          <ac:chgData name="Mättas, O. (Otto)" userId="S::o.mattas@students.uu.nl::f944b869-84fe-4915-ac0f-2070e720f33b" providerId="AD" clId="Web-{D7840D99-4FBE-4B82-A919-56CD25E4427E}" dt="2021-02-18T10:07:41.145" v="151"/>
+          <ac:spMkLst>
+            <pc:docMk/>
+            <pc:sldMk cId="2652283454" sldId="258"/>
+            <ac:spMk id="113" creationId="{5B62175A-9061-4508-B024-671E2C3C3AAD}"/>
+          </ac:spMkLst>
+        </pc:spChg>
+        <pc:spChg chg="add">
+          <ac:chgData name="Mättas, O. (Otto)" userId="S::o.mattas@students.uu.nl::f944b869-84fe-4915-ac0f-2070e720f33b" providerId="AD" clId="Web-{D7840D99-4FBE-4B82-A919-56CD25E4427E}" dt="2021-02-18T10:07:41.145" v="151"/>
+          <ac:spMkLst>
+            <pc:docMk/>
+            <pc:sldMk cId="2652283454" sldId="258"/>
+            <ac:spMk id="115" creationId="{2391C84E-C2EA-44FC-A7D1-FAE3E2850552}"/>
+          </ac:spMkLst>
+        </pc:spChg>
+        <pc:spChg chg="add">
+          <ac:chgData name="Mättas, O. (Otto)" userId="S::o.mattas@students.uu.nl::f944b869-84fe-4915-ac0f-2070e720f33b" providerId="AD" clId="Web-{D7840D99-4FBE-4B82-A919-56CD25E4427E}" dt="2021-02-18T10:07:41.145" v="151"/>
+          <ac:spMkLst>
+            <pc:docMk/>
+            <pc:sldMk cId="2652283454" sldId="258"/>
+            <ac:spMk id="148" creationId="{7D7F7755-C305-4B28-8A86-8EA8898124E3}"/>
+          </ac:spMkLst>
+        </pc:spChg>
+        <pc:grpChg chg="add">
+          <ac:chgData name="Mättas, O. (Otto)" userId="S::o.mattas@students.uu.nl::f944b869-84fe-4915-ac0f-2070e720f33b" providerId="AD" clId="Web-{D7840D99-4FBE-4B82-A919-56CD25E4427E}" dt="2021-02-18T10:07:41.145" v="151"/>
+          <ac:grpSpMkLst>
+            <pc:docMk/>
+            <pc:sldMk cId="2652283454" sldId="258"/>
+            <ac:grpSpMk id="10" creationId="{87F0794B-55D3-4D2D-BDE7-4688ED321E42}"/>
+          </ac:grpSpMkLst>
+        </pc:grpChg>
+        <pc:grpChg chg="add">
+          <ac:chgData name="Mättas, O. (Otto)" userId="S::o.mattas@students.uu.nl::f944b869-84fe-4915-ac0f-2070e720f33b" providerId="AD" clId="Web-{D7840D99-4FBE-4B82-A919-56CD25E4427E}" dt="2021-02-18T10:07:41.145" v="151"/>
+          <ac:grpSpMkLst>
+            <pc:docMk/>
+            <pc:sldMk cId="2652283454" sldId="258"/>
+            <ac:grpSpMk id="47" creationId="{BC25D6CE-B5F2-4E0D-894F-9521E2433076}"/>
+          </ac:grpSpMkLst>
+        </pc:grpChg>
+        <pc:grpChg chg="add">
+          <ac:chgData name="Mättas, O. (Otto)" userId="S::o.mattas@students.uu.nl::f944b869-84fe-4915-ac0f-2070e720f33b" providerId="AD" clId="Web-{D7840D99-4FBE-4B82-A919-56CD25E4427E}" dt="2021-02-18T10:07:41.145" v="151"/>
+          <ac:grpSpMkLst>
+            <pc:docMk/>
+            <pc:sldMk cId="2652283454" sldId="258"/>
+            <ac:grpSpMk id="80" creationId="{2D739D9D-4A11-49F5-B045-708F7DED1CD4}"/>
+          </ac:grpSpMkLst>
+        </pc:grpChg>
+        <pc:grpChg chg="add">
+          <ac:chgData name="Mättas, O. (Otto)" userId="S::o.mattas@students.uu.nl::f944b869-84fe-4915-ac0f-2070e720f33b" providerId="AD" clId="Web-{D7840D99-4FBE-4B82-A919-56CD25E4427E}" dt="2021-02-18T10:07:41.145" v="151"/>
+          <ac:grpSpMkLst>
+            <pc:docMk/>
+            <pc:sldMk cId="2652283454" sldId="258"/>
+            <ac:grpSpMk id="117" creationId="{47B3131A-B518-43E5-A896-E9D654A4863F}"/>
+          </ac:grpSpMkLst>
+        </pc:grpChg>
+        <pc:graphicFrameChg chg="add">
+          <ac:chgData name="Mättas, O. (Otto)" userId="S::o.mattas@students.uu.nl::f944b869-84fe-4915-ac0f-2070e720f33b" providerId="AD" clId="Web-{D7840D99-4FBE-4B82-A919-56CD25E4427E}" dt="2021-02-18T10:07:41.145" v="151"/>
+          <ac:graphicFrameMkLst>
+            <pc:docMk/>
+            <pc:sldMk cId="2652283454" sldId="258"/>
+            <ac:graphicFrameMk id="4" creationId="{3C51D4A9-6E06-4BED-ACE4-CFED7FB6C6DF}"/>
+          </ac:graphicFrameMkLst>
+        </pc:graphicFrameChg>
+      </pc:sldChg>
+      <pc:sldChg chg="addSp delSp modSp new mod setBg">
+        <pc:chgData name="Mättas, O. (Otto)" userId="S::o.mattas@students.uu.nl::f944b869-84fe-4915-ac0f-2070e720f33b" providerId="AD" clId="Web-{D7840D99-4FBE-4B82-A919-56CD25E4427E}" dt="2021-02-18T10:38:58.219" v="210" actId="14100"/>
+        <pc:sldMkLst>
+          <pc:docMk/>
+          <pc:sldMk cId="2942977414" sldId="259"/>
+        </pc:sldMkLst>
+        <pc:spChg chg="mod">
+          <ac:chgData name="Mättas, O. (Otto)" userId="S::o.mattas@students.uu.nl::f944b869-84fe-4915-ac0f-2070e720f33b" providerId="AD" clId="Web-{D7840D99-4FBE-4B82-A919-56CD25E4427E}" dt="2021-02-18T10:38:42.594" v="209" actId="20577"/>
+          <ac:spMkLst>
+            <pc:docMk/>
+            <pc:sldMk cId="2942977414" sldId="259"/>
+            <ac:spMk id="2" creationId="{3C99E8F2-BD1A-48E0-96E7-9F2C4A9D5F81}"/>
+          </ac:spMkLst>
+        </pc:spChg>
+        <pc:spChg chg="mod">
+          <ac:chgData name="Mättas, O. (Otto)" userId="S::o.mattas@students.uu.nl::f944b869-84fe-4915-ac0f-2070e720f33b" providerId="AD" clId="Web-{D7840D99-4FBE-4B82-A919-56CD25E4427E}" dt="2021-02-18T10:38:38.188" v="208" actId="20577"/>
+          <ac:spMkLst>
+            <pc:docMk/>
+            <pc:sldMk cId="2942977414" sldId="259"/>
+            <ac:spMk id="3" creationId="{BFECE727-F53F-4D44-A07A-D22D81C5C7A7}"/>
+          </ac:spMkLst>
+        </pc:spChg>
+        <pc:spChg chg="add del">
+          <ac:chgData name="Mättas, O. (Otto)" userId="S::o.mattas@students.uu.nl::f944b869-84fe-4915-ac0f-2070e720f33b" providerId="AD" clId="Web-{D7840D99-4FBE-4B82-A919-56CD25E4427E}" dt="2021-02-18T10:38:22.781" v="207"/>
+          <ac:spMkLst>
+            <pc:docMk/>
+            <pc:sldMk cId="2942977414" sldId="259"/>
+            <ac:spMk id="5" creationId="{BA6285CA-6AFA-4F27-AFB5-1B32CDE09B1A}"/>
+          </ac:spMkLst>
+        </pc:spChg>
+        <pc:spChg chg="add del">
+          <ac:chgData name="Mättas, O. (Otto)" userId="S::o.mattas@students.uu.nl::f944b869-84fe-4915-ac0f-2070e720f33b" providerId="AD" clId="Web-{D7840D99-4FBE-4B82-A919-56CD25E4427E}" dt="2021-02-18T10:38:22.781" v="207"/>
+          <ac:spMkLst>
+            <pc:docMk/>
+            <pc:sldMk cId="2942977414" sldId="259"/>
+            <ac:spMk id="6" creationId="{D690347A-6937-4F6D-93E3-D398D803DE33}"/>
+          </ac:spMkLst>
+        </pc:spChg>
+        <pc:spChg chg="add del">
+          <ac:chgData name="Mättas, O. (Otto)" userId="S::o.mattas@students.uu.nl::f944b869-84fe-4915-ac0f-2070e720f33b" providerId="AD" clId="Web-{D7840D99-4FBE-4B82-A919-56CD25E4427E}" dt="2021-02-18T10:38:22.781" v="207"/>
+          <ac:spMkLst>
+            <pc:docMk/>
+            <pc:sldMk cId="2942977414" sldId="259"/>
+            <ac:spMk id="7" creationId="{DE6FA2BA-220F-4070-A46C-D437A6D2421C}"/>
+          </ac:spMkLst>
+        </pc:spChg>
+        <pc:spChg chg="add del">
+          <ac:chgData name="Mättas, O. (Otto)" userId="S::o.mattas@students.uu.nl::f944b869-84fe-4915-ac0f-2070e720f33b" providerId="AD" clId="Web-{D7840D99-4FBE-4B82-A919-56CD25E4427E}" dt="2021-02-18T10:37:42.405" v="203"/>
+          <ac:spMkLst>
+            <pc:docMk/>
+            <pc:sldMk cId="2942977414" sldId="259"/>
+            <ac:spMk id="8" creationId="{BA6285CA-6AFA-4F27-AFB5-1B32CDE09B1A}"/>
+          </ac:spMkLst>
+        </pc:spChg>
+        <pc:spChg chg="add del">
+          <ac:chgData name="Mättas, O. (Otto)" userId="S::o.mattas@students.uu.nl::f944b869-84fe-4915-ac0f-2070e720f33b" providerId="AD" clId="Web-{D7840D99-4FBE-4B82-A919-56CD25E4427E}" dt="2021-02-18T10:38:22.781" v="207"/>
+          <ac:spMkLst>
+            <pc:docMk/>
+            <pc:sldMk cId="2942977414" sldId="259"/>
+            <ac:spMk id="9" creationId="{B18D2A95-840F-45DF-AD93-5FA412FCC7EA}"/>
+          </ac:spMkLst>
+        </pc:spChg>
+        <pc:spChg chg="add del">
+          <ac:chgData name="Mättas, O. (Otto)" userId="S::o.mattas@students.uu.nl::f944b869-84fe-4915-ac0f-2070e720f33b" providerId="AD" clId="Web-{D7840D99-4FBE-4B82-A919-56CD25E4427E}" dt="2021-02-18T10:37:42.405" v="203"/>
+          <ac:spMkLst>
+            <pc:docMk/>
+            <pc:sldMk cId="2942977414" sldId="259"/>
+            <ac:spMk id="10" creationId="{F25649CC-2F8D-4B4A-909E-0269173E1D44}"/>
+          </ac:spMkLst>
+        </pc:spChg>
+        <pc:spChg chg="add del">
+          <ac:chgData name="Mättas, O. (Otto)" userId="S::o.mattas@students.uu.nl::f944b869-84fe-4915-ac0f-2070e720f33b" providerId="AD" clId="Web-{D7840D99-4FBE-4B82-A919-56CD25E4427E}" dt="2021-02-18T10:38:22.781" v="207"/>
+          <ac:spMkLst>
+            <pc:docMk/>
+            <pc:sldMk cId="2942977414" sldId="259"/>
+            <ac:spMk id="11" creationId="{F92A3F2D-F424-43A3-88B0-FB258A0C1829}"/>
+          </ac:spMkLst>
+        </pc:spChg>
+        <pc:spChg chg="add del">
+          <ac:chgData name="Mättas, O. (Otto)" userId="S::o.mattas@students.uu.nl::f944b869-84fe-4915-ac0f-2070e720f33b" providerId="AD" clId="Web-{D7840D99-4FBE-4B82-A919-56CD25E4427E}" dt="2021-02-18T10:37:42.405" v="203"/>
+          <ac:spMkLst>
+            <pc:docMk/>
+            <pc:sldMk cId="2942977414" sldId="259"/>
+            <ac:spMk id="12" creationId="{EFA7FFE7-B4B1-4C77-ABD3-FE284CE2673C}"/>
+          </ac:spMkLst>
+        </pc:spChg>
+        <pc:spChg chg="add del">
+          <ac:chgData name="Mättas, O. (Otto)" userId="S::o.mattas@students.uu.nl::f944b869-84fe-4915-ac0f-2070e720f33b" providerId="AD" clId="Web-{D7840D99-4FBE-4B82-A919-56CD25E4427E}" dt="2021-02-18T10:37:42.405" v="203"/>
+          <ac:spMkLst>
+            <pc:docMk/>
+            <pc:sldMk cId="2942977414" sldId="259"/>
+            <ac:spMk id="14" creationId="{DE6FA2BA-220F-4070-A46C-D437A6D2421C}"/>
+          </ac:spMkLst>
+        </pc:spChg>
+        <pc:spChg chg="add del">
+          <ac:chgData name="Mättas, O. (Otto)" userId="S::o.mattas@students.uu.nl::f944b869-84fe-4915-ac0f-2070e720f33b" providerId="AD" clId="Web-{D7840D99-4FBE-4B82-A919-56CD25E4427E}" dt="2021-02-18T10:37:42.405" v="203"/>
+          <ac:spMkLst>
+            <pc:docMk/>
+            <pc:sldMk cId="2942977414" sldId="259"/>
+            <ac:spMk id="16" creationId="{37CE8AAF-11BE-4CD8-AFF3-BD3038B18F09}"/>
+          </ac:spMkLst>
+        </pc:spChg>
+        <pc:spChg chg="add">
+          <ac:chgData name="Mättas, O. (Otto)" userId="S::o.mattas@students.uu.nl::f944b869-84fe-4915-ac0f-2070e720f33b" providerId="AD" clId="Web-{D7840D99-4FBE-4B82-A919-56CD25E4427E}" dt="2021-02-18T10:38:22.781" v="207"/>
+          <ac:spMkLst>
+            <pc:docMk/>
+            <pc:sldMk cId="2942977414" sldId="259"/>
+            <ac:spMk id="52" creationId="{BA6285CA-6AFA-4F27-AFB5-1B32CDE09B1A}"/>
+          </ac:spMkLst>
+        </pc:spChg>
+        <pc:spChg chg="add">
+          <ac:chgData name="Mättas, O. (Otto)" userId="S::o.mattas@students.uu.nl::f944b869-84fe-4915-ac0f-2070e720f33b" providerId="AD" clId="Web-{D7840D99-4FBE-4B82-A919-56CD25E4427E}" dt="2021-02-18T10:38:22.781" v="207"/>
+          <ac:spMkLst>
+            <pc:docMk/>
+            <pc:sldMk cId="2942977414" sldId="259"/>
+            <ac:spMk id="54" creationId="{F8DD0EAF-BF73-48D8-A426-3085C4B88FAA}"/>
+          </ac:spMkLst>
+        </pc:spChg>
+        <pc:spChg chg="add">
+          <ac:chgData name="Mättas, O. (Otto)" userId="S::o.mattas@students.uu.nl::f944b869-84fe-4915-ac0f-2070e720f33b" providerId="AD" clId="Web-{D7840D99-4FBE-4B82-A919-56CD25E4427E}" dt="2021-02-18T10:38:22.781" v="207"/>
+          <ac:spMkLst>
+            <pc:docMk/>
+            <pc:sldMk cId="2942977414" sldId="259"/>
+            <ac:spMk id="56" creationId="{7BCC6446-8462-4A63-9B6F-8F57EC40F648}"/>
+          </ac:spMkLst>
+        </pc:spChg>
+        <pc:grpChg chg="add del">
+          <ac:chgData name="Mättas, O. (Otto)" userId="S::o.mattas@students.uu.nl::f944b869-84fe-4915-ac0f-2070e720f33b" providerId="AD" clId="Web-{D7840D99-4FBE-4B82-A919-56CD25E4427E}" dt="2021-02-18T10:38:22.781" v="207"/>
+          <ac:grpSpMkLst>
+            <pc:docMk/>
+            <pc:sldMk cId="2942977414" sldId="259"/>
+            <ac:grpSpMk id="13" creationId="{E8BBA9B4-EF00-4579-A73A-061C5F902438}"/>
+          </ac:grpSpMkLst>
+        </pc:grpChg>
+        <pc:grpChg chg="add del">
+          <ac:chgData name="Mättas, O. (Otto)" userId="S::o.mattas@students.uu.nl::f944b869-84fe-4915-ac0f-2070e720f33b" providerId="AD" clId="Web-{D7840D99-4FBE-4B82-A919-56CD25E4427E}" dt="2021-02-18T10:37:42.405" v="203"/>
+          <ac:grpSpMkLst>
+            <pc:docMk/>
+            <pc:sldMk cId="2942977414" sldId="259"/>
+            <ac:grpSpMk id="18" creationId="{E8BBA9B4-EF00-4579-A73A-061C5F902438}"/>
+          </ac:grpSpMkLst>
+        </pc:grpChg>
+        <pc:grpChg chg="add">
+          <ac:chgData name="Mättas, O. (Otto)" userId="S::o.mattas@students.uu.nl::f944b869-84fe-4915-ac0f-2070e720f33b" providerId="AD" clId="Web-{D7840D99-4FBE-4B82-A919-56CD25E4427E}" dt="2021-02-18T10:38:22.781" v="207"/>
+          <ac:grpSpMkLst>
+            <pc:docMk/>
+            <pc:sldMk cId="2942977414" sldId="259"/>
+            <ac:grpSpMk id="58" creationId="{8118ECEF-CA6A-4CB6-BCA5-59B2DB40C4AB}"/>
+          </ac:grpSpMkLst>
+        </pc:grpChg>
+        <pc:picChg chg="add mod">
+          <ac:chgData name="Mättas, O. (Otto)" userId="S::o.mattas@students.uu.nl::f944b869-84fe-4915-ac0f-2070e720f33b" providerId="AD" clId="Web-{D7840D99-4FBE-4B82-A919-56CD25E4427E}" dt="2021-02-18T10:38:58.219" v="210" actId="14100"/>
+          <ac:picMkLst>
+            <pc:docMk/>
+            <pc:sldMk cId="2942977414" sldId="259"/>
+            <ac:picMk id="4" creationId="{38C2E213-0C12-4798-8BA9-8D234CD533F1}"/>
+          </ac:picMkLst>
+        </pc:picChg>
+      </pc:sldChg>
+      <pc:sldChg chg="addSp delSp modSp new mod setBg">
+        <pc:chgData name="Mättas, O. (Otto)" userId="S::o.mattas@students.uu.nl::f944b869-84fe-4915-ac0f-2070e720f33b" providerId="AD" clId="Web-{D7840D99-4FBE-4B82-A919-56CD25E4427E}" dt="2021-02-18T10:45:47.668" v="217"/>
+        <pc:sldMkLst>
+          <pc:docMk/>
+          <pc:sldMk cId="3940052765" sldId="260"/>
+        </pc:sldMkLst>
+        <pc:spChg chg="del">
+          <ac:chgData name="Mättas, O. (Otto)" userId="S::o.mattas@students.uu.nl::f944b869-84fe-4915-ac0f-2070e720f33b" providerId="AD" clId="Web-{D7840D99-4FBE-4B82-A919-56CD25E4427E}" dt="2021-02-18T10:40:10.175" v="215"/>
+          <ac:spMkLst>
+            <pc:docMk/>
+            <pc:sldMk cId="3940052765" sldId="260"/>
+            <ac:spMk id="2" creationId="{60A5EB27-9FF3-4FBB-979C-A896C91BA51D}"/>
+          </ac:spMkLst>
+        </pc:spChg>
+        <pc:spChg chg="del">
+          <ac:chgData name="Mättas, O. (Otto)" userId="S::o.mattas@students.uu.nl::f944b869-84fe-4915-ac0f-2070e720f33b" providerId="AD" clId="Web-{D7840D99-4FBE-4B82-A919-56CD25E4427E}" dt="2021-02-18T10:40:03.971" v="213"/>
+          <ac:spMkLst>
+            <pc:docMk/>
+            <pc:sldMk cId="3940052765" sldId="260"/>
+            <ac:spMk id="3" creationId="{00AF745F-2B0C-4C8C-B755-50EF4146D911}"/>
+          </ac:spMkLst>
+        </pc:spChg>
+        <pc:spChg chg="del">
+          <ac:chgData name="Mättas, O. (Otto)" userId="S::o.mattas@students.uu.nl::f944b869-84fe-4915-ac0f-2070e720f33b" providerId="AD" clId="Web-{D7840D99-4FBE-4B82-A919-56CD25E4427E}" dt="2021-02-18T10:40:05.784" v="214"/>
+          <ac:spMkLst>
+            <pc:docMk/>
+            <pc:sldMk cId="3940052765" sldId="260"/>
+            <ac:spMk id="4" creationId="{97D96E55-A2F7-4B4B-9D0E-3DB87922BAC7}"/>
+          </ac:spMkLst>
+        </pc:spChg>
+        <pc:spChg chg="add">
+          <ac:chgData name="Mättas, O. (Otto)" userId="S::o.mattas@students.uu.nl::f944b869-84fe-4915-ac0f-2070e720f33b" providerId="AD" clId="Web-{D7840D99-4FBE-4B82-A919-56CD25E4427E}" dt="2021-02-18T10:45:47.668" v="217"/>
+          <ac:spMkLst>
+            <pc:docMk/>
+            <pc:sldMk cId="3940052765" sldId="260"/>
+            <ac:spMk id="10" creationId="{A4798C7F-C8CA-4799-BF37-3AB4642CDB66}"/>
+          </ac:spMkLst>
+        </pc:spChg>
+        <pc:spChg chg="add">
+          <ac:chgData name="Mättas, O. (Otto)" userId="S::o.mattas@students.uu.nl::f944b869-84fe-4915-ac0f-2070e720f33b" providerId="AD" clId="Web-{D7840D99-4FBE-4B82-A919-56CD25E4427E}" dt="2021-02-18T10:45:47.668" v="217"/>
+          <ac:spMkLst>
+            <pc:docMk/>
+            <pc:sldMk cId="3940052765" sldId="260"/>
+            <ac:spMk id="43" creationId="{216BB147-20D5-4D93-BDA5-1BC614D6A4B2}"/>
+          </ac:spMkLst>
+        </pc:spChg>
+        <pc:spChg chg="add">
+          <ac:chgData name="Mättas, O. (Otto)" userId="S::o.mattas@students.uu.nl::f944b869-84fe-4915-ac0f-2070e720f33b" providerId="AD" clId="Web-{D7840D99-4FBE-4B82-A919-56CD25E4427E}" dt="2021-02-18T10:45:47.668" v="217"/>
+          <ac:spMkLst>
+            <pc:docMk/>
+            <pc:sldMk cId="3940052765" sldId="260"/>
+            <ac:spMk id="45" creationId="{0A253F60-DE40-4508-A37A-61331DF1DD5D}"/>
+          </ac:spMkLst>
+        </pc:spChg>
+        <pc:spChg chg="add">
+          <ac:chgData name="Mättas, O. (Otto)" userId="S::o.mattas@students.uu.nl::f944b869-84fe-4915-ac0f-2070e720f33b" providerId="AD" clId="Web-{D7840D99-4FBE-4B82-A919-56CD25E4427E}" dt="2021-02-18T10:45:47.668" v="217"/>
+          <ac:spMkLst>
+            <pc:docMk/>
+            <pc:sldMk cId="3940052765" sldId="260"/>
+            <ac:spMk id="47" creationId="{326AD51D-D59E-4689-A5DF-6A9857053BF6}"/>
+          </ac:spMkLst>
+        </pc:spChg>
+        <pc:spChg chg="add">
+          <ac:chgData name="Mättas, O. (Otto)" userId="S::o.mattas@students.uu.nl::f944b869-84fe-4915-ac0f-2070e720f33b" providerId="AD" clId="Web-{D7840D99-4FBE-4B82-A919-56CD25E4427E}" dt="2021-02-18T10:45:47.668" v="217"/>
+          <ac:spMkLst>
+            <pc:docMk/>
+            <pc:sldMk cId="3940052765" sldId="260"/>
+            <ac:spMk id="80" creationId="{7A6DA27B-24A2-4FAF-9CB9-A814BF835B9F}"/>
+          </ac:spMkLst>
+        </pc:spChg>
+        <pc:spChg chg="add">
+          <ac:chgData name="Mättas, O. (Otto)" userId="S::o.mattas@students.uu.nl::f944b869-84fe-4915-ac0f-2070e720f33b" providerId="AD" clId="Web-{D7840D99-4FBE-4B82-A919-56CD25E4427E}" dt="2021-02-18T10:45:47.668" v="217"/>
+          <ac:spMkLst>
+            <pc:docMk/>
+            <pc:sldMk cId="3940052765" sldId="260"/>
+            <ac:spMk id="113" creationId="{13B6DAC6-0186-4D62-AD69-90B9C0411EA3}"/>
+          </ac:spMkLst>
+        </pc:spChg>
+        <pc:spChg chg="add">
+          <ac:chgData name="Mättas, O. (Otto)" userId="S::o.mattas@students.uu.nl::f944b869-84fe-4915-ac0f-2070e720f33b" providerId="AD" clId="Web-{D7840D99-4FBE-4B82-A919-56CD25E4427E}" dt="2021-02-18T10:45:47.668" v="217"/>
+          <ac:spMkLst>
+            <pc:docMk/>
+            <pc:sldMk cId="3940052765" sldId="260"/>
+            <ac:spMk id="115" creationId="{BA6285CA-6AFA-4F27-AFB5-1B32CDE09B1A}"/>
+          </ac:spMkLst>
+        </pc:spChg>
+        <pc:spChg chg="add">
+          <ac:chgData name="Mättas, O. (Otto)" userId="S::o.mattas@students.uu.nl::f944b869-84fe-4915-ac0f-2070e720f33b" providerId="AD" clId="Web-{D7840D99-4FBE-4B82-A919-56CD25E4427E}" dt="2021-02-18T10:45:47.668" v="217"/>
+          <ac:spMkLst>
+            <pc:docMk/>
+            <pc:sldMk cId="3940052765" sldId="260"/>
+            <ac:spMk id="117" creationId="{4BE5C09D-B3C1-42F3-B945-39AEDFD19898}"/>
+          </ac:spMkLst>
+        </pc:spChg>
+        <pc:grpChg chg="add">
+          <ac:chgData name="Mättas, O. (Otto)" userId="S::o.mattas@students.uu.nl::f944b869-84fe-4915-ac0f-2070e720f33b" providerId="AD" clId="Web-{D7840D99-4FBE-4B82-A919-56CD25E4427E}" dt="2021-02-18T10:45:47.668" v="217"/>
+          <ac:grpSpMkLst>
+            <pc:docMk/>
+            <pc:sldMk cId="3940052765" sldId="260"/>
+            <ac:grpSpMk id="12" creationId="{87F0794B-55D3-4D2D-BDE7-4688ED321E42}"/>
+          </ac:grpSpMkLst>
+        </pc:grpChg>
+        <pc:grpChg chg="add">
+          <ac:chgData name="Mättas, O. (Otto)" userId="S::o.mattas@students.uu.nl::f944b869-84fe-4915-ac0f-2070e720f33b" providerId="AD" clId="Web-{D7840D99-4FBE-4B82-A919-56CD25E4427E}" dt="2021-02-18T10:45:47.668" v="217"/>
+          <ac:grpSpMkLst>
+            <pc:docMk/>
+            <pc:sldMk cId="3940052765" sldId="260"/>
+            <ac:grpSpMk id="49" creationId="{05578CCE-1E06-4634-B7D3-B75915B79B54}"/>
+          </ac:grpSpMkLst>
+        </pc:grpChg>
+        <pc:grpChg chg="add">
+          <ac:chgData name="Mättas, O. (Otto)" userId="S::o.mattas@students.uu.nl::f944b869-84fe-4915-ac0f-2070e720f33b" providerId="AD" clId="Web-{D7840D99-4FBE-4B82-A919-56CD25E4427E}" dt="2021-02-18T10:45:47.668" v="217"/>
+          <ac:grpSpMkLst>
+            <pc:docMk/>
+            <pc:sldMk cId="3940052765" sldId="260"/>
+            <ac:grpSpMk id="82" creationId="{ED48258A-6826-4A24-97F8-B65FE4D99A4E}"/>
+          </ac:grpSpMkLst>
+        </pc:grpChg>
+        <pc:grpChg chg="add">
+          <ac:chgData name="Mättas, O. (Otto)" userId="S::o.mattas@students.uu.nl::f944b869-84fe-4915-ac0f-2070e720f33b" providerId="AD" clId="Web-{D7840D99-4FBE-4B82-A919-56CD25E4427E}" dt="2021-02-18T10:45:47.668" v="217"/>
+          <ac:grpSpMkLst>
+            <pc:docMk/>
+            <pc:sldMk cId="3940052765" sldId="260"/>
+            <ac:grpSpMk id="119" creationId="{91108A0F-8C78-4294-B028-9F09581FC0A3}"/>
+          </ac:grpSpMkLst>
+        </pc:grpChg>
+        <pc:picChg chg="add mod">
+          <ac:chgData name="Mättas, O. (Otto)" userId="S::o.mattas@students.uu.nl::f944b869-84fe-4915-ac0f-2070e720f33b" providerId="AD" clId="Web-{D7840D99-4FBE-4B82-A919-56CD25E4427E}" dt="2021-02-18T10:45:47.668" v="217"/>
+          <ac:picMkLst>
+            <pc:docMk/>
+            <pc:sldMk cId="3940052765" sldId="260"/>
+            <ac:picMk id="5" creationId="{75201437-FB9E-45C4-B9D3-6985C9DAAD21}"/>
+          </ac:picMkLst>
+        </pc:picChg>
+      </pc:sldChg>
+      <pc:sldChg chg="addSp delSp modSp new mod setBg">
+        <pc:chgData name="Mättas, O. (Otto)" userId="S::o.mattas@students.uu.nl::f944b869-84fe-4915-ac0f-2070e720f33b" providerId="AD" clId="Web-{D7840D99-4FBE-4B82-A919-56CD25E4427E}" dt="2021-02-18T10:51:12.615" v="222"/>
+        <pc:sldMkLst>
+          <pc:docMk/>
+          <pc:sldMk cId="3916209493" sldId="261"/>
+        </pc:sldMkLst>
+        <pc:spChg chg="del">
+          <ac:chgData name="Mättas, O. (Otto)" userId="S::o.mattas@students.uu.nl::f944b869-84fe-4915-ac0f-2070e720f33b" providerId="AD" clId="Web-{D7840D99-4FBE-4B82-A919-56CD25E4427E}" dt="2021-02-18T10:50:55.708" v="219"/>
+          <ac:spMkLst>
+            <pc:docMk/>
+            <pc:sldMk cId="3916209493" sldId="261"/>
+            <ac:spMk id="2" creationId="{016660BA-E678-4359-8D74-B221F82D5DFA}"/>
+          </ac:spMkLst>
+        </pc:spChg>
+        <pc:spChg chg="del">
+          <ac:chgData name="Mättas, O. (Otto)" userId="S::o.mattas@students.uu.nl::f944b869-84fe-4915-ac0f-2070e720f33b" providerId="AD" clId="Web-{D7840D99-4FBE-4B82-A919-56CD25E4427E}" dt="2021-02-18T10:50:57.146" v="220"/>
+          <ac:spMkLst>
+            <pc:docMk/>
+            <pc:sldMk cId="3916209493" sldId="261"/>
+            <ac:spMk id="3" creationId="{9837CA79-270A-45B8-827A-47E9D9220CFA}"/>
+          </ac:spMkLst>
+        </pc:spChg>
+        <pc:spChg chg="add">
+          <ac:chgData name="Mättas, O. (Otto)" userId="S::o.mattas@students.uu.nl::f944b869-84fe-4915-ac0f-2070e720f33b" providerId="AD" clId="Web-{D7840D99-4FBE-4B82-A919-56CD25E4427E}" dt="2021-02-18T10:51:12.615" v="222"/>
+          <ac:spMkLst>
+            <pc:docMk/>
+            <pc:sldMk cId="3916209493" sldId="261"/>
+            <ac:spMk id="9" creationId="{A4798C7F-C8CA-4799-BF37-3AB4642CDB66}"/>
+          </ac:spMkLst>
+        </pc:spChg>
+        <pc:spChg chg="add">
+          <ac:chgData name="Mättas, O. (Otto)" userId="S::o.mattas@students.uu.nl::f944b869-84fe-4915-ac0f-2070e720f33b" providerId="AD" clId="Web-{D7840D99-4FBE-4B82-A919-56CD25E4427E}" dt="2021-02-18T10:51:12.615" v="222"/>
+          <ac:spMkLst>
+            <pc:docMk/>
+            <pc:sldMk cId="3916209493" sldId="261"/>
+            <ac:spMk id="42" creationId="{216BB147-20D5-4D93-BDA5-1BC614D6A4B2}"/>
+          </ac:spMkLst>
+        </pc:spChg>
+        <pc:spChg chg="add">
+          <ac:chgData name="Mättas, O. (Otto)" userId="S::o.mattas@students.uu.nl::f944b869-84fe-4915-ac0f-2070e720f33b" providerId="AD" clId="Web-{D7840D99-4FBE-4B82-A919-56CD25E4427E}" dt="2021-02-18T10:51:12.615" v="222"/>
+          <ac:spMkLst>
+            <pc:docMk/>
+            <pc:sldMk cId="3916209493" sldId="261"/>
+            <ac:spMk id="44" creationId="{0A253F60-DE40-4508-A37A-61331DF1DD5D}"/>
+          </ac:spMkLst>
+        </pc:spChg>
+        <pc:spChg chg="add">
+          <ac:chgData name="Mättas, O. (Otto)" userId="S::o.mattas@students.uu.nl::f944b869-84fe-4915-ac0f-2070e720f33b" providerId="AD" clId="Web-{D7840D99-4FBE-4B82-A919-56CD25E4427E}" dt="2021-02-18T10:51:12.615" v="222"/>
+          <ac:spMkLst>
+            <pc:docMk/>
+            <pc:sldMk cId="3916209493" sldId="261"/>
+            <ac:spMk id="46" creationId="{326AD51D-D59E-4689-A5DF-6A9857053BF6}"/>
+          </ac:spMkLst>
+        </pc:spChg>
+        <pc:spChg chg="add">
+          <ac:chgData name="Mättas, O. (Otto)" userId="S::o.mattas@students.uu.nl::f944b869-84fe-4915-ac0f-2070e720f33b" providerId="AD" clId="Web-{D7840D99-4FBE-4B82-A919-56CD25E4427E}" dt="2021-02-18T10:51:12.615" v="222"/>
+          <ac:spMkLst>
+            <pc:docMk/>
+            <pc:sldMk cId="3916209493" sldId="261"/>
+            <ac:spMk id="79" creationId="{7A6DA27B-24A2-4FAF-9CB9-A814BF835B9F}"/>
+          </ac:spMkLst>
+        </pc:spChg>
+        <pc:spChg chg="add">
+          <ac:chgData name="Mättas, O. (Otto)" userId="S::o.mattas@students.uu.nl::f944b869-84fe-4915-ac0f-2070e720f33b" providerId="AD" clId="Web-{D7840D99-4FBE-4B82-A919-56CD25E4427E}" dt="2021-02-18T10:51:12.615" v="222"/>
+          <ac:spMkLst>
+            <pc:docMk/>
+            <pc:sldMk cId="3916209493" sldId="261"/>
+            <ac:spMk id="112" creationId="{13B6DAC6-0186-4D62-AD69-90B9C0411EA3}"/>
+          </ac:spMkLst>
+        </pc:spChg>
+        <pc:spChg chg="add">
+          <ac:chgData name="Mättas, O. (Otto)" userId="S::o.mattas@students.uu.nl::f944b869-84fe-4915-ac0f-2070e720f33b" providerId="AD" clId="Web-{D7840D99-4FBE-4B82-A919-56CD25E4427E}" dt="2021-02-18T10:51:12.615" v="222"/>
+          <ac:spMkLst>
+            <pc:docMk/>
+            <pc:sldMk cId="3916209493" sldId="261"/>
+            <ac:spMk id="114" creationId="{BA6285CA-6AFA-4F27-AFB5-1B32CDE09B1A}"/>
+          </ac:spMkLst>
+        </pc:spChg>
+        <pc:spChg chg="add">
+          <ac:chgData name="Mättas, O. (Otto)" userId="S::o.mattas@students.uu.nl::f944b869-84fe-4915-ac0f-2070e720f33b" providerId="AD" clId="Web-{D7840D99-4FBE-4B82-A919-56CD25E4427E}" dt="2021-02-18T10:51:12.615" v="222"/>
+          <ac:spMkLst>
+            <pc:docMk/>
+            <pc:sldMk cId="3916209493" sldId="261"/>
+            <ac:spMk id="116" creationId="{4BE5C09D-B3C1-42F3-B945-39AEDFD19898}"/>
+          </ac:spMkLst>
+        </pc:spChg>
+        <pc:grpChg chg="add">
+          <ac:chgData name="Mättas, O. (Otto)" userId="S::o.mattas@students.uu.nl::f944b869-84fe-4915-ac0f-2070e720f33b" providerId="AD" clId="Web-{D7840D99-4FBE-4B82-A919-56CD25E4427E}" dt="2021-02-18T10:51:12.615" v="222"/>
+          <ac:grpSpMkLst>
+            <pc:docMk/>
+            <pc:sldMk cId="3916209493" sldId="261"/>
+            <ac:grpSpMk id="11" creationId="{87F0794B-55D3-4D2D-BDE7-4688ED321E42}"/>
+          </ac:grpSpMkLst>
+        </pc:grpChg>
+        <pc:grpChg chg="add">
+          <ac:chgData name="Mättas, O. (Otto)" userId="S::o.mattas@students.uu.nl::f944b869-84fe-4915-ac0f-2070e720f33b" providerId="AD" clId="Web-{D7840D99-4FBE-4B82-A919-56CD25E4427E}" dt="2021-02-18T10:51:12.615" v="222"/>
+          <ac:grpSpMkLst>
+            <pc:docMk/>
+            <pc:sldMk cId="3916209493" sldId="261"/>
+            <ac:grpSpMk id="48" creationId="{05578CCE-1E06-4634-B7D3-B75915B79B54}"/>
+          </ac:grpSpMkLst>
+        </pc:grpChg>
+        <pc:grpChg chg="add">
+          <ac:chgData name="Mättas, O. (Otto)" userId="S::o.mattas@students.uu.nl::f944b869-84fe-4915-ac0f-2070e720f33b" providerId="AD" clId="Web-{D7840D99-4FBE-4B82-A919-56CD25E4427E}" dt="2021-02-18T10:51:12.615" v="222"/>
+          <ac:grpSpMkLst>
+            <pc:docMk/>
+            <pc:sldMk cId="3916209493" sldId="261"/>
+            <ac:grpSpMk id="81" creationId="{ED48258A-6826-4A24-97F8-B65FE4D99A4E}"/>
+          </ac:grpSpMkLst>
+        </pc:grpChg>
+        <pc:grpChg chg="add">
+          <ac:chgData name="Mättas, O. (Otto)" userId="S::o.mattas@students.uu.nl::f944b869-84fe-4915-ac0f-2070e720f33b" providerId="AD" clId="Web-{D7840D99-4FBE-4B82-A919-56CD25E4427E}" dt="2021-02-18T10:51:12.615" v="222"/>
+          <ac:grpSpMkLst>
+            <pc:docMk/>
+            <pc:sldMk cId="3916209493" sldId="261"/>
+            <ac:grpSpMk id="118" creationId="{628E122F-BCB2-43BD-850B-48491CEEF415}"/>
+          </ac:grpSpMkLst>
+        </pc:grpChg>
+        <pc:picChg chg="add mod">
+          <ac:chgData name="Mättas, O. (Otto)" userId="S::o.mattas@students.uu.nl::f944b869-84fe-4915-ac0f-2070e720f33b" providerId="AD" clId="Web-{D7840D99-4FBE-4B82-A919-56CD25E4427E}" dt="2021-02-18T10:51:12.615" v="222"/>
+          <ac:picMkLst>
+            <pc:docMk/>
+            <pc:sldMk cId="3916209493" sldId="261"/>
+            <ac:picMk id="4" creationId="{15FC6A0F-6EC1-49E3-88C6-BC8668A9642B}"/>
+          </ac:picMkLst>
+        </pc:picChg>
+      </pc:sldChg>
+      <pc:sldChg chg="addSp delSp modSp new mod setBg">
+        <pc:chgData name="Mättas, O. (Otto)" userId="S::o.mattas@students.uu.nl::f944b869-84fe-4915-ac0f-2070e720f33b" providerId="AD" clId="Web-{D7840D99-4FBE-4B82-A919-56CD25E4427E}" dt="2021-02-18T10:54:18.980" v="272"/>
+        <pc:sldMkLst>
+          <pc:docMk/>
+          <pc:sldMk cId="4145148005" sldId="262"/>
+        </pc:sldMkLst>
+        <pc:spChg chg="del">
+          <ac:chgData name="Mättas, O. (Otto)" userId="S::o.mattas@students.uu.nl::f944b869-84fe-4915-ac0f-2070e720f33b" providerId="AD" clId="Web-{D7840D99-4FBE-4B82-A919-56CD25E4427E}" dt="2021-02-18T10:51:47.085" v="224"/>
+          <ac:spMkLst>
+            <pc:docMk/>
+            <pc:sldMk cId="4145148005" sldId="262"/>
+            <ac:spMk id="2" creationId="{3CA986FB-DF8A-459B-B6F7-A87A879D237E}"/>
+          </ac:spMkLst>
+        </pc:spChg>
+        <pc:spChg chg="del mod">
+          <ac:chgData name="Mättas, O. (Otto)" userId="S::o.mattas@students.uu.nl::f944b869-84fe-4915-ac0f-2070e720f33b" providerId="AD" clId="Web-{D7840D99-4FBE-4B82-A919-56CD25E4427E}" dt="2021-02-18T10:52:50.524" v="260"/>
+          <ac:spMkLst>
+            <pc:docMk/>
+            <pc:sldMk cId="4145148005" sldId="262"/>
+            <ac:spMk id="3" creationId="{77463601-5D79-47DD-A6A4-05A13E5432EC}"/>
+          </ac:spMkLst>
+        </pc:spChg>
+        <pc:spChg chg="add">
+          <ac:chgData name="Mättas, O. (Otto)" userId="S::o.mattas@students.uu.nl::f944b869-84fe-4915-ac0f-2070e720f33b" providerId="AD" clId="Web-{D7840D99-4FBE-4B82-A919-56CD25E4427E}" dt="2021-02-18T10:54:18.980" v="272"/>
+          <ac:spMkLst>
+            <pc:docMk/>
+            <pc:sldMk cId="4145148005" sldId="262"/>
+            <ac:spMk id="10" creationId="{8E7E1993-6448-42F8-8FB3-76104F45B344}"/>
+          </ac:spMkLst>
+        </pc:spChg>
+        <pc:spChg chg="add">
+          <ac:chgData name="Mättas, O. (Otto)" userId="S::o.mattas@students.uu.nl::f944b869-84fe-4915-ac0f-2070e720f33b" providerId="AD" clId="Web-{D7840D99-4FBE-4B82-A919-56CD25E4427E}" dt="2021-02-18T10:54:18.980" v="272"/>
+          <ac:spMkLst>
+            <pc:docMk/>
+            <pc:sldMk cId="4145148005" sldId="262"/>
+            <ac:spMk id="12" creationId="{5B62175A-9061-4508-B024-671E2C3C3AAD}"/>
+          </ac:spMkLst>
+        </pc:spChg>
+        <pc:spChg chg="add">
+          <ac:chgData name="Mättas, O. (Otto)" userId="S::o.mattas@students.uu.nl::f944b869-84fe-4915-ac0f-2070e720f33b" providerId="AD" clId="Web-{D7840D99-4FBE-4B82-A919-56CD25E4427E}" dt="2021-02-18T10:54:18.980" v="272"/>
+          <ac:spMkLst>
+            <pc:docMk/>
+            <pc:sldMk cId="4145148005" sldId="262"/>
+            <ac:spMk id="14" creationId="{2391C84E-C2EA-44FC-A7D1-FAE3E2850552}"/>
+          </ac:spMkLst>
+        </pc:spChg>
+        <pc:spChg chg="add">
+          <ac:chgData name="Mättas, O. (Otto)" userId="S::o.mattas@students.uu.nl::f944b869-84fe-4915-ac0f-2070e720f33b" providerId="AD" clId="Web-{D7840D99-4FBE-4B82-A919-56CD25E4427E}" dt="2021-02-18T10:54:18.980" v="272"/>
+          <ac:spMkLst>
+            <pc:docMk/>
+            <pc:sldMk cId="4145148005" sldId="262"/>
+            <ac:spMk id="47" creationId="{7D7F7755-C305-4B28-8A86-8EA8898124E3}"/>
+          </ac:spMkLst>
+        </pc:spChg>
+        <pc:grpChg chg="add">
+          <ac:chgData name="Mättas, O. (Otto)" userId="S::o.mattas@students.uu.nl::f944b869-84fe-4915-ac0f-2070e720f33b" providerId="AD" clId="Web-{D7840D99-4FBE-4B82-A919-56CD25E4427E}" dt="2021-02-18T10:54:18.980" v="272"/>
+          <ac:grpSpMkLst>
+            <pc:docMk/>
+            <pc:sldMk cId="4145148005" sldId="262"/>
+            <ac:grpSpMk id="16" creationId="{47B3131A-B518-43E5-A896-E9D654A4863F}"/>
+          </ac:grpSpMkLst>
+        </pc:grpChg>
+        <pc:graphicFrameChg chg="add mod modGraphic">
+          <ac:chgData name="Mättas, O. (Otto)" userId="S::o.mattas@students.uu.nl::f944b869-84fe-4915-ac0f-2070e720f33b" providerId="AD" clId="Web-{D7840D99-4FBE-4B82-A919-56CD25E4427E}" dt="2021-02-18T10:54:18.980" v="272"/>
+          <ac:graphicFrameMkLst>
+            <pc:docMk/>
+            <pc:sldMk cId="4145148005" sldId="262"/>
+            <ac:graphicFrameMk id="5" creationId="{4462317A-43FB-4114-8CBE-E0D7CDFEB563}"/>
+          </ac:graphicFrameMkLst>
+        </pc:graphicFrameChg>
+      </pc:sldChg>
+      <pc:sldChg chg="addSp delSp modSp new mod setBg">
+        <pc:chgData name="Mättas, O. (Otto)" userId="S::o.mattas@students.uu.nl::f944b869-84fe-4915-ac0f-2070e720f33b" providerId="AD" clId="Web-{D7840D99-4FBE-4B82-A919-56CD25E4427E}" dt="2021-02-18T11:02:10.946" v="454"/>
+        <pc:sldMkLst>
+          <pc:docMk/>
+          <pc:sldMk cId="2936770168" sldId="263"/>
+        </pc:sldMkLst>
+        <pc:spChg chg="del mod">
+          <ac:chgData name="Mättas, O. (Otto)" userId="S::o.mattas@students.uu.nl::f944b869-84fe-4915-ac0f-2070e720f33b" providerId="AD" clId="Web-{D7840D99-4FBE-4B82-A919-56CD25E4427E}" dt="2021-02-18T11:01:58.196" v="452"/>
+          <ac:spMkLst>
+            <pc:docMk/>
+            <pc:sldMk cId="2936770168" sldId="263"/>
+            <ac:spMk id="2" creationId="{E8F605E9-8F2C-428E-819C-4F0314319D70}"/>
+          </ac:spMkLst>
+        </pc:spChg>
+        <pc:spChg chg="del mod">
+          <ac:chgData name="Mättas, O. (Otto)" userId="S::o.mattas@students.uu.nl::f944b869-84fe-4915-ac0f-2070e720f33b" providerId="AD" clId="Web-{D7840D99-4FBE-4B82-A919-56CD25E4427E}" dt="2021-02-18T10:57:36.814" v="369"/>
+          <ac:spMkLst>
+            <pc:docMk/>
+            <pc:sldMk cId="2936770168" sldId="263"/>
+            <ac:spMk id="3" creationId="{7AF7D3EB-5806-4FFF-B284-CC730CA4D1EB}"/>
+          </ac:spMkLst>
+        </pc:spChg>
+        <pc:spChg chg="add del">
+          <ac:chgData name="Mättas, O. (Otto)" userId="S::o.mattas@students.uu.nl::f944b869-84fe-4915-ac0f-2070e720f33b" providerId="AD" clId="Web-{D7840D99-4FBE-4B82-A919-56CD25E4427E}" dt="2021-02-18T11:02:10.946" v="454"/>
+          <ac:spMkLst>
+            <pc:docMk/>
+            <pc:sldMk cId="2936770168" sldId="263"/>
+            <ac:spMk id="9" creationId="{8E7E1993-6448-42F8-8FB3-76104F45B344}"/>
+          </ac:spMkLst>
+        </pc:spChg>
+        <pc:spChg chg="add del">
+          <ac:chgData name="Mättas, O. (Otto)" userId="S::o.mattas@students.uu.nl::f944b869-84fe-4915-ac0f-2070e720f33b" providerId="AD" clId="Web-{D7840D99-4FBE-4B82-A919-56CD25E4427E}" dt="2021-02-18T11:02:10.946" v="454"/>
+          <ac:spMkLst>
+            <pc:docMk/>
+            <pc:sldMk cId="2936770168" sldId="263"/>
+            <ac:spMk id="11" creationId="{5B62175A-9061-4508-B024-671E2C3C3AAD}"/>
+          </ac:spMkLst>
+        </pc:spChg>
+        <pc:spChg chg="add del">
+          <ac:chgData name="Mättas, O. (Otto)" userId="S::o.mattas@students.uu.nl::f944b869-84fe-4915-ac0f-2070e720f33b" providerId="AD" clId="Web-{D7840D99-4FBE-4B82-A919-56CD25E4427E}" dt="2021-02-18T11:02:10.946" v="454"/>
+          <ac:spMkLst>
+            <pc:docMk/>
+            <pc:sldMk cId="2936770168" sldId="263"/>
+            <ac:spMk id="13" creationId="{2391C84E-C2EA-44FC-A7D1-FAE3E2850552}"/>
+          </ac:spMkLst>
+        </pc:spChg>
+        <pc:spChg chg="add del">
+          <ac:chgData name="Mättas, O. (Otto)" userId="S::o.mattas@students.uu.nl::f944b869-84fe-4915-ac0f-2070e720f33b" providerId="AD" clId="Web-{D7840D99-4FBE-4B82-A919-56CD25E4427E}" dt="2021-02-18T11:02:10.946" v="454"/>
+          <ac:spMkLst>
+            <pc:docMk/>
+            <pc:sldMk cId="2936770168" sldId="263"/>
+            <ac:spMk id="46" creationId="{7D7F7755-C305-4B28-8A86-8EA8898124E3}"/>
+          </ac:spMkLst>
+        </pc:spChg>
+        <pc:spChg chg="add">
+          <ac:chgData name="Mättas, O. (Otto)" userId="S::o.mattas@students.uu.nl::f944b869-84fe-4915-ac0f-2070e720f33b" providerId="AD" clId="Web-{D7840D99-4FBE-4B82-A919-56CD25E4427E}" dt="2021-02-18T11:02:10.946" v="454"/>
+          <ac:spMkLst>
+            <pc:docMk/>
+            <pc:sldMk cId="2936770168" sldId="263"/>
+            <ac:spMk id="48" creationId="{C0CB7D2E-C7F8-43A5-99C4-1D761C49BD79}"/>
+          </ac:spMkLst>
+        </pc:spChg>
+        <pc:spChg chg="add">
+          <ac:chgData name="Mättas, O. (Otto)" userId="S::o.mattas@students.uu.nl::f944b869-84fe-4915-ac0f-2070e720f33b" providerId="AD" clId="Web-{D7840D99-4FBE-4B82-A919-56CD25E4427E}" dt="2021-02-18T11:02:10.946" v="454"/>
+          <ac:spMkLst>
+            <pc:docMk/>
+            <pc:sldMk cId="2936770168" sldId="263"/>
+            <ac:spMk id="51" creationId="{8E7E1993-6448-42F8-8FB3-76104F45B344}"/>
+          </ac:spMkLst>
+        </pc:spChg>
+        <pc:spChg chg="add del mod">
+          <ac:chgData name="Mättas, O. (Otto)" userId="S::o.mattas@students.uu.nl::f944b869-84fe-4915-ac0f-2070e720f33b" providerId="AD" clId="Web-{D7840D99-4FBE-4B82-A919-56CD25E4427E}" dt="2021-02-18T11:02:01.337" v="453"/>
+          <ac:spMkLst>
+            <pc:docMk/>
+            <pc:sldMk cId="2936770168" sldId="263"/>
+            <ac:spMk id="53" creationId="{3E4CE31B-33CE-4DAF-AF22-FB03E1CEAE1D}"/>
+          </ac:spMkLst>
+        </pc:spChg>
+        <pc:spChg chg="add">
+          <ac:chgData name="Mättas, O. (Otto)" userId="S::o.mattas@students.uu.nl::f944b869-84fe-4915-ac0f-2070e720f33b" providerId="AD" clId="Web-{D7840D99-4FBE-4B82-A919-56CD25E4427E}" dt="2021-02-18T11:02:10.946" v="454"/>
+          <ac:spMkLst>
+            <pc:docMk/>
+            <pc:sldMk cId="2936770168" sldId="263"/>
+            <ac:spMk id="55" creationId="{2391C84E-C2EA-44FC-A7D1-FAE3E2850552}"/>
+          </ac:spMkLst>
+        </pc:spChg>
+        <pc:spChg chg="add">
+          <ac:chgData name="Mättas, O. (Otto)" userId="S::o.mattas@students.uu.nl::f944b869-84fe-4915-ac0f-2070e720f33b" providerId="AD" clId="Web-{D7840D99-4FBE-4B82-A919-56CD25E4427E}" dt="2021-02-18T11:02:10.946" v="454"/>
+          <ac:spMkLst>
+            <pc:docMk/>
+            <pc:sldMk cId="2936770168" sldId="263"/>
+            <ac:spMk id="88" creationId="{A21FD571-42E4-4432-8E86-148D0A97D63E}"/>
+          </ac:spMkLst>
+        </pc:spChg>
+        <pc:grpChg chg="add del">
+          <ac:chgData name="Mättas, O. (Otto)" userId="S::o.mattas@students.uu.nl::f944b869-84fe-4915-ac0f-2070e720f33b" providerId="AD" clId="Web-{D7840D99-4FBE-4B82-A919-56CD25E4427E}" dt="2021-02-18T11:02:10.946" v="454"/>
+          <ac:grpSpMkLst>
+            <pc:docMk/>
+            <pc:sldMk cId="2936770168" sldId="263"/>
+            <ac:grpSpMk id="15" creationId="{47B3131A-B518-43E5-A896-E9D654A4863F}"/>
+          </ac:grpSpMkLst>
+        </pc:grpChg>
+        <pc:grpChg chg="add">
+          <ac:chgData name="Mättas, O. (Otto)" userId="S::o.mattas@students.uu.nl::f944b869-84fe-4915-ac0f-2070e720f33b" providerId="AD" clId="Web-{D7840D99-4FBE-4B82-A919-56CD25E4427E}" dt="2021-02-18T11:02:10.946" v="454"/>
+          <ac:grpSpMkLst>
+            <pc:docMk/>
+            <pc:sldMk cId="2936770168" sldId="263"/>
+            <ac:grpSpMk id="57" creationId="{47B3131A-B518-43E5-A896-E9D654A4863F}"/>
+          </ac:grpSpMkLst>
+        </pc:grpChg>
+        <pc:graphicFrameChg chg="add mod modGraphic">
+          <ac:chgData name="Mättas, O. (Otto)" userId="S::o.mattas@students.uu.nl::f944b869-84fe-4915-ac0f-2070e720f33b" providerId="AD" clId="Web-{D7840D99-4FBE-4B82-A919-56CD25E4427E}" dt="2021-02-18T11:02:10.946" v="454"/>
+          <ac:graphicFrameMkLst>
+            <pc:docMk/>
+            <pc:sldMk cId="2936770168" sldId="263"/>
+            <ac:graphicFrameMk id="5" creationId="{DBB9DA2F-3D83-45DF-B6BB-A9370C601005}"/>
+          </ac:graphicFrameMkLst>
+        </pc:graphicFrameChg>
+      </pc:sldChg>
+      <pc:sldChg chg="addSp delSp modSp new del mod setBg">
+        <pc:chgData name="Mättas, O. (Otto)" userId="S::o.mattas@students.uu.nl::f944b869-84fe-4915-ac0f-2070e720f33b" providerId="AD" clId="Web-{D7840D99-4FBE-4B82-A919-56CD25E4427E}" dt="2021-02-18T11:00:39.459" v="420"/>
+        <pc:sldMkLst>
+          <pc:docMk/>
+          <pc:sldMk cId="1252473876" sldId="264"/>
+        </pc:sldMkLst>
+        <pc:spChg chg="del mod">
+          <ac:chgData name="Mättas, O. (Otto)" userId="S::o.mattas@students.uu.nl::f944b869-84fe-4915-ac0f-2070e720f33b" providerId="AD" clId="Web-{D7840D99-4FBE-4B82-A919-56CD25E4427E}" dt="2021-02-18T10:59:39.067" v="401"/>
+          <ac:spMkLst>
+            <pc:docMk/>
+            <pc:sldMk cId="1252473876" sldId="264"/>
+            <ac:spMk id="2" creationId="{6D71B6B4-09B2-4840-A446-39971C23217E}"/>
+          </ac:spMkLst>
+        </pc:spChg>
+        <pc:spChg chg="del mod">
+          <ac:chgData name="Mättas, O. (Otto)" userId="S::o.mattas@students.uu.nl::f944b869-84fe-4915-ac0f-2070e720f33b" providerId="AD" clId="Web-{D7840D99-4FBE-4B82-A919-56CD25E4427E}" dt="2021-02-18T10:59:54.193" v="403"/>
+          <ac:spMkLst>
+            <pc:docMk/>
+            <pc:sldMk cId="1252473876" sldId="264"/>
+            <ac:spMk id="3" creationId="{54EBC182-1196-4BA6-B2B0-D3E947BB7A9A}"/>
+          </ac:spMkLst>
+        </pc:spChg>
+        <pc:spChg chg="add del mod">
+          <ac:chgData name="Mättas, O. (Otto)" userId="S::o.mattas@students.uu.nl::f944b869-84fe-4915-ac0f-2070e720f33b" providerId="AD" clId="Web-{D7840D99-4FBE-4B82-A919-56CD25E4427E}" dt="2021-02-18T10:59:44.130" v="402"/>
+          <ac:spMkLst>
+            <pc:docMk/>
+            <pc:sldMk cId="1252473876" sldId="264"/>
+            <ac:spMk id="5" creationId="{7792D4EA-BC25-4921-9D3D-F86F668DE584}"/>
+          </ac:spMkLst>
+        </pc:spChg>
+        <pc:spChg chg="add mod">
+          <ac:chgData name="Mättas, O. (Otto)" userId="S::o.mattas@students.uu.nl::f944b869-84fe-4915-ac0f-2070e720f33b" providerId="AD" clId="Web-{D7840D99-4FBE-4B82-A919-56CD25E4427E}" dt="2021-02-18T10:59:54.193" v="403"/>
+          <ac:spMkLst>
+            <pc:docMk/>
+            <pc:sldMk cId="1252473876" sldId="264"/>
+            <ac:spMk id="7" creationId="{232CCBE5-73C9-4394-ACA4-08BB44A4FB6E}"/>
+          </ac:spMkLst>
+        </pc:spChg>
+        <pc:spChg chg="add">
+          <ac:chgData name="Mättas, O. (Otto)" userId="S::o.mattas@students.uu.nl::f944b869-84fe-4915-ac0f-2070e720f33b" providerId="AD" clId="Web-{D7840D99-4FBE-4B82-A919-56CD25E4427E}" dt="2021-02-18T10:59:33.442" v="400"/>
+          <ac:spMkLst>
+            <pc:docMk/>
+            <pc:sldMk cId="1252473876" sldId="264"/>
+            <ac:spMk id="8" creationId="{A4798C7F-C8CA-4799-BF37-3AB4642CDB66}"/>
+          </ac:spMkLst>
+        </pc:spChg>
+        <pc:spChg chg="add">
+          <ac:chgData name="Mättas, O. (Otto)" userId="S::o.mattas@students.uu.nl::f944b869-84fe-4915-ac0f-2070e720f33b" providerId="AD" clId="Web-{D7840D99-4FBE-4B82-A919-56CD25E4427E}" dt="2021-02-18T10:59:33.442" v="400"/>
+          <ac:spMkLst>
+            <pc:docMk/>
+            <pc:sldMk cId="1252473876" sldId="264"/>
+            <ac:spMk id="41" creationId="{216BB147-20D5-4D93-BDA5-1BC614D6A4B2}"/>
+          </ac:spMkLst>
+        </pc:spChg>
+        <pc:spChg chg="add">
+          <ac:chgData name="Mättas, O. (Otto)" userId="S::o.mattas@students.uu.nl::f944b869-84fe-4915-ac0f-2070e720f33b" providerId="AD" clId="Web-{D7840D99-4FBE-4B82-A919-56CD25E4427E}" dt="2021-02-18T10:59:33.442" v="400"/>
+          <ac:spMkLst>
+            <pc:docMk/>
+            <pc:sldMk cId="1252473876" sldId="264"/>
+            <ac:spMk id="43" creationId="{0A253F60-DE40-4508-A37A-61331DF1DD5D}"/>
+          </ac:spMkLst>
+        </pc:spChg>
+        <pc:spChg chg="add">
+          <ac:chgData name="Mättas, O. (Otto)" userId="S::o.mattas@students.uu.nl::f944b869-84fe-4915-ac0f-2070e720f33b" providerId="AD" clId="Web-{D7840D99-4FBE-4B82-A919-56CD25E4427E}" dt="2021-02-18T10:59:33.442" v="400"/>
+          <ac:spMkLst>
+            <pc:docMk/>
+            <pc:sldMk cId="1252473876" sldId="264"/>
+            <ac:spMk id="107" creationId="{BA6285CA-6AFA-4F27-AFB5-1B32CDE09B1A}"/>
+          </ac:spMkLst>
+        </pc:spChg>
+        <pc:spChg chg="add">
+          <ac:chgData name="Mättas, O. (Otto)" userId="S::o.mattas@students.uu.nl::f944b869-84fe-4915-ac0f-2070e720f33b" providerId="AD" clId="Web-{D7840D99-4FBE-4B82-A919-56CD25E4427E}" dt="2021-02-18T10:59:33.442" v="400"/>
+          <ac:spMkLst>
+            <pc:docMk/>
+            <pc:sldMk cId="1252473876" sldId="264"/>
+            <ac:spMk id="109" creationId="{D690347A-6937-4F6D-93E3-D398D803DE33}"/>
+          </ac:spMkLst>
+        </pc:spChg>
+        <pc:spChg chg="add">
+          <ac:chgData name="Mättas, O. (Otto)" userId="S::o.mattas@students.uu.nl::f944b869-84fe-4915-ac0f-2070e720f33b" providerId="AD" clId="Web-{D7840D99-4FBE-4B82-A919-56CD25E4427E}" dt="2021-02-18T10:59:33.442" v="400"/>
+          <ac:spMkLst>
+            <pc:docMk/>
+            <pc:sldMk cId="1252473876" sldId="264"/>
+            <ac:spMk id="111" creationId="{DE6FA2BA-220F-4070-A46C-D437A6D2421C}"/>
+          </ac:spMkLst>
+        </pc:spChg>
+        <pc:spChg chg="add">
+          <ac:chgData name="Mättas, O. (Otto)" userId="S::o.mattas@students.uu.nl::f944b869-84fe-4915-ac0f-2070e720f33b" providerId="AD" clId="Web-{D7840D99-4FBE-4B82-A919-56CD25E4427E}" dt="2021-02-18T10:59:33.442" v="400"/>
+          <ac:spMkLst>
+            <pc:docMk/>
+            <pc:sldMk cId="1252473876" sldId="264"/>
+            <ac:spMk id="113" creationId="{B18D2A95-840F-45DF-AD93-5FA412FCC7EA}"/>
+          </ac:spMkLst>
+        </pc:spChg>
+        <pc:spChg chg="add">
+          <ac:chgData name="Mättas, O. (Otto)" userId="S::o.mattas@students.uu.nl::f944b869-84fe-4915-ac0f-2070e720f33b" providerId="AD" clId="Web-{D7840D99-4FBE-4B82-A919-56CD25E4427E}" dt="2021-02-18T10:59:33.442" v="400"/>
+          <ac:spMkLst>
+            <pc:docMk/>
+            <pc:sldMk cId="1252473876" sldId="264"/>
+            <ac:spMk id="115" creationId="{F92A3F2D-F424-43A3-88B0-FB258A0C1829}"/>
+          </ac:spMkLst>
+        </pc:spChg>
+        <pc:grpChg chg="add">
+          <ac:chgData name="Mättas, O. (Otto)" userId="S::o.mattas@students.uu.nl::f944b869-84fe-4915-ac0f-2070e720f33b" providerId="AD" clId="Web-{D7840D99-4FBE-4B82-A919-56CD25E4427E}" dt="2021-02-18T10:59:33.442" v="400"/>
+          <ac:grpSpMkLst>
+            <pc:docMk/>
+            <pc:sldMk cId="1252473876" sldId="264"/>
+            <ac:grpSpMk id="10" creationId="{87F0794B-55D3-4D2D-BDE7-4688ED321E42}"/>
+          </ac:grpSpMkLst>
+        </pc:grpChg>
+        <pc:grpChg chg="add">
+          <ac:chgData name="Mättas, O. (Otto)" userId="S::o.mattas@students.uu.nl::f944b869-84fe-4915-ac0f-2070e720f33b" providerId="AD" clId="Web-{D7840D99-4FBE-4B82-A919-56CD25E4427E}" dt="2021-02-18T10:59:33.442" v="400"/>
+          <ac:grpSpMkLst>
+            <pc:docMk/>
+            <pc:sldMk cId="1252473876" sldId="264"/>
+            <ac:grpSpMk id="45" creationId="{CFB42397-759B-4110-90F9-11A099A04F18}"/>
+          </ac:grpSpMkLst>
+        </pc:grpChg>
+        <pc:grpChg chg="add">
+          <ac:chgData name="Mättas, O. (Otto)" userId="S::o.mattas@students.uu.nl::f944b869-84fe-4915-ac0f-2070e720f33b" providerId="AD" clId="Web-{D7840D99-4FBE-4B82-A919-56CD25E4427E}" dt="2021-02-18T10:59:33.442" v="400"/>
+          <ac:grpSpMkLst>
+            <pc:docMk/>
+            <pc:sldMk cId="1252473876" sldId="264"/>
+            <ac:grpSpMk id="76" creationId="{9A50F0F9-04C8-47E4-AF66-B3CAF8C81917}"/>
+          </ac:grpSpMkLst>
+        </pc:grpChg>
+        <pc:grpChg chg="add">
+          <ac:chgData name="Mättas, O. (Otto)" userId="S::o.mattas@students.uu.nl::f944b869-84fe-4915-ac0f-2070e720f33b" providerId="AD" clId="Web-{D7840D99-4FBE-4B82-A919-56CD25E4427E}" dt="2021-02-18T10:59:33.442" v="400"/>
+          <ac:grpSpMkLst>
+            <pc:docMk/>
+            <pc:sldMk cId="1252473876" sldId="264"/>
+            <ac:grpSpMk id="117" creationId="{E8BBA9B4-EF00-4579-A73A-061C5F902438}"/>
+          </ac:grpSpMkLst>
+        </pc:grpChg>
+      </pc:sldChg>
+      <pc:sldChg chg="modSp new del">
+        <pc:chgData name="Mättas, O. (Otto)" userId="S::o.mattas@students.uu.nl::f944b869-84fe-4915-ac0f-2070e720f33b" providerId="AD" clId="Web-{D7840D99-4FBE-4B82-A919-56CD25E4427E}" dt="2021-02-18T11:00:46.288" v="421"/>
+        <pc:sldMkLst>
+          <pc:docMk/>
+          <pc:sldMk cId="305843566" sldId="265"/>
+        </pc:sldMkLst>
+        <pc:spChg chg="mod">
+          <ac:chgData name="Mättas, O. (Otto)" userId="S::o.mattas@students.uu.nl::f944b869-84fe-4915-ac0f-2070e720f33b" providerId="AD" clId="Web-{D7840D99-4FBE-4B82-A919-56CD25E4427E}" dt="2021-02-18T11:00:10.193" v="410" actId="20577"/>
+          <ac:spMkLst>
+            <pc:docMk/>
+            <pc:sldMk cId="305843566" sldId="265"/>
+            <ac:spMk id="2" creationId="{74BF473F-021F-4ED5-9D25-EFF2C19362C3}"/>
+          </ac:spMkLst>
+        </pc:spChg>
+      </pc:sldChg>
+      <pc:sldChg chg="addSp delSp modSp new mod setBg">
+        <pc:chgData name="Mättas, O. (Otto)" userId="S::o.mattas@students.uu.nl::f944b869-84fe-4915-ac0f-2070e720f33b" providerId="AD" clId="Web-{D7840D99-4FBE-4B82-A919-56CD25E4427E}" dt="2021-02-18T11:08:04.753" v="563" actId="20577"/>
+        <pc:sldMkLst>
+          <pc:docMk/>
+          <pc:sldMk cId="2243679050" sldId="266"/>
+        </pc:sldMkLst>
+        <pc:spChg chg="mod">
+          <ac:chgData name="Mättas, O. (Otto)" userId="S::o.mattas@students.uu.nl::f944b869-84fe-4915-ac0f-2070e720f33b" providerId="AD" clId="Web-{D7840D99-4FBE-4B82-A919-56CD25E4427E}" dt="2021-02-18T11:08:04.753" v="563" actId="20577"/>
+          <ac:spMkLst>
+            <pc:docMk/>
+            <pc:sldMk cId="2243679050" sldId="266"/>
+            <ac:spMk id="2" creationId="{B238061C-8601-49D7-A023-7E0613707479}"/>
+          </ac:spMkLst>
+        </pc:spChg>
+        <pc:spChg chg="del mod">
+          <ac:chgData name="Mättas, O. (Otto)" userId="S::o.mattas@students.uu.nl::f944b869-84fe-4915-ac0f-2070e720f33b" providerId="AD" clId="Web-{D7840D99-4FBE-4B82-A919-56CD25E4427E}" dt="2021-02-18T11:07:58.300" v="561"/>
+          <ac:spMkLst>
+            <pc:docMk/>
+            <pc:sldMk cId="2243679050" sldId="266"/>
+            <ac:spMk id="3" creationId="{90BE858E-06A9-4E27-9DA7-9A649B757DE2}"/>
+          </ac:spMkLst>
+        </pc:spChg>
+        <pc:spChg chg="del mod">
+          <ac:chgData name="Mättas, O. (Otto)" userId="S::o.mattas@students.uu.nl::f944b869-84fe-4915-ac0f-2070e720f33b" providerId="AD" clId="Web-{D7840D99-4FBE-4B82-A919-56CD25E4427E}" dt="2021-02-18T11:07:29.190" v="559"/>
+          <ac:spMkLst>
+            <pc:docMk/>
+            <pc:sldMk cId="2243679050" sldId="266"/>
+            <ac:spMk id="4" creationId="{BC564DE1-82D0-428B-8F71-FA7ED9267ADF}"/>
+          </ac:spMkLst>
+        </pc:spChg>
+        <pc:spChg chg="add">
+          <ac:chgData name="Mättas, O. (Otto)" userId="S::o.mattas@students.uu.nl::f944b869-84fe-4915-ac0f-2070e720f33b" providerId="AD" clId="Web-{D7840D99-4FBE-4B82-A919-56CD25E4427E}" dt="2021-02-18T11:07:58.300" v="561"/>
+          <ac:spMkLst>
+            <pc:docMk/>
+            <pc:sldMk cId="2243679050" sldId="266"/>
+            <ac:spMk id="9" creationId="{A4798C7F-C8CA-4799-BF37-3AB4642CDB66}"/>
+          </ac:spMkLst>
+        </pc:spChg>
+        <pc:spChg chg="add">
+          <ac:chgData name="Mättas, O. (Otto)" userId="S::o.mattas@students.uu.nl::f944b869-84fe-4915-ac0f-2070e720f33b" providerId="AD" clId="Web-{D7840D99-4FBE-4B82-A919-56CD25E4427E}" dt="2021-02-18T11:07:58.300" v="561"/>
+          <ac:spMkLst>
+            <pc:docMk/>
+            <pc:sldMk cId="2243679050" sldId="266"/>
+            <ac:spMk id="42" creationId="{216BB147-20D5-4D93-BDA5-1BC614D6A4B2}"/>
+          </ac:spMkLst>
+        </pc:spChg>
+        <pc:spChg chg="add">
+          <ac:chgData name="Mättas, O. (Otto)" userId="S::o.mattas@students.uu.nl::f944b869-84fe-4915-ac0f-2070e720f33b" providerId="AD" clId="Web-{D7840D99-4FBE-4B82-A919-56CD25E4427E}" dt="2021-02-18T11:07:58.300" v="561"/>
+          <ac:spMkLst>
+            <pc:docMk/>
+            <pc:sldMk cId="2243679050" sldId="266"/>
+            <ac:spMk id="44" creationId="{0A253F60-DE40-4508-A37A-61331DF1DD5D}"/>
+          </ac:spMkLst>
+        </pc:spChg>
+        <pc:spChg chg="add">
+          <ac:chgData name="Mättas, O. (Otto)" userId="S::o.mattas@students.uu.nl::f944b869-84fe-4915-ac0f-2070e720f33b" providerId="AD" clId="Web-{D7840D99-4FBE-4B82-A919-56CD25E4427E}" dt="2021-02-18T11:07:58.300" v="561"/>
+          <ac:spMkLst>
+            <pc:docMk/>
+            <pc:sldMk cId="2243679050" sldId="266"/>
+            <ac:spMk id="46" creationId="{C701CD53-28FC-491C-9022-F74BE327CC33}"/>
+          </ac:spMkLst>
+        </pc:spChg>
+        <pc:spChg chg="add">
+          <ac:chgData name="Mättas, O. (Otto)" userId="S::o.mattas@students.uu.nl::f944b869-84fe-4915-ac0f-2070e720f33b" providerId="AD" clId="Web-{D7840D99-4FBE-4B82-A919-56CD25E4427E}" dt="2021-02-18T11:07:58.300" v="561"/>
+          <ac:spMkLst>
+            <pc:docMk/>
+            <pc:sldMk cId="2243679050" sldId="266"/>
+            <ac:spMk id="79" creationId="{F9B84E06-1DBF-4F55-9B5E-F2F1E38EBA57}"/>
+          </ac:spMkLst>
+        </pc:spChg>
+        <pc:spChg chg="add">
+          <ac:chgData name="Mättas, O. (Otto)" userId="S::o.mattas@students.uu.nl::f944b869-84fe-4915-ac0f-2070e720f33b" providerId="AD" clId="Web-{D7840D99-4FBE-4B82-A919-56CD25E4427E}" dt="2021-02-18T11:07:58.300" v="561"/>
+          <ac:spMkLst>
+            <pc:docMk/>
+            <pc:sldMk cId="2243679050" sldId="266"/>
+            <ac:spMk id="112" creationId="{8E7E1993-6448-42F8-8FB3-76104F45B344}"/>
+          </ac:spMkLst>
+        </pc:spChg>
+        <pc:spChg chg="add">
+          <ac:chgData name="Mättas, O. (Otto)" userId="S::o.mattas@students.uu.nl::f944b869-84fe-4915-ac0f-2070e720f33b" providerId="AD" clId="Web-{D7840D99-4FBE-4B82-A919-56CD25E4427E}" dt="2021-02-18T11:07:58.300" v="561"/>
+          <ac:spMkLst>
+            <pc:docMk/>
+            <pc:sldMk cId="2243679050" sldId="266"/>
+            <ac:spMk id="114" creationId="{3CDAD724-AF32-45EC-B0B9-360C73C9D26E}"/>
+          </ac:spMkLst>
+        </pc:spChg>
+        <pc:spChg chg="add">
+          <ac:chgData name="Mättas, O. (Otto)" userId="S::o.mattas@students.uu.nl::f944b869-84fe-4915-ac0f-2070e720f33b" providerId="AD" clId="Web-{D7840D99-4FBE-4B82-A919-56CD25E4427E}" dt="2021-02-18T11:07:58.300" v="561"/>
+          <ac:spMkLst>
+            <pc:docMk/>
+            <pc:sldMk cId="2243679050" sldId="266"/>
+            <ac:spMk id="116" creationId="{2391C84E-C2EA-44FC-A7D1-FAE3E2850552}"/>
+          </ac:spMkLst>
+        </pc:spChg>
+        <pc:spChg chg="add">
+          <ac:chgData name="Mättas, O. (Otto)" userId="S::o.mattas@students.uu.nl::f944b869-84fe-4915-ac0f-2070e720f33b" providerId="AD" clId="Web-{D7840D99-4FBE-4B82-A919-56CD25E4427E}" dt="2021-02-18T11:07:58.300" v="561"/>
+          <ac:spMkLst>
+            <pc:docMk/>
+            <pc:sldMk cId="2243679050" sldId="266"/>
+            <ac:spMk id="149" creationId="{BA4D4000-2689-4306-BBA6-BF744AB5F807}"/>
+          </ac:spMkLst>
+        </pc:spChg>
+        <pc:grpChg chg="add">
+          <ac:chgData name="Mättas, O. (Otto)" userId="S::o.mattas@students.uu.nl::f944b869-84fe-4915-ac0f-2070e720f33b" providerId="AD" clId="Web-{D7840D99-4FBE-4B82-A919-56CD25E4427E}" dt="2021-02-18T11:07:58.300" v="561"/>
+          <ac:grpSpMkLst>
+            <pc:docMk/>
+            <pc:sldMk cId="2243679050" sldId="266"/>
+            <ac:grpSpMk id="11" creationId="{87F0794B-55D3-4D2D-BDE7-4688ED321E42}"/>
+          </ac:grpSpMkLst>
+        </pc:grpChg>
+        <pc:grpChg chg="add">
+          <ac:chgData name="Mättas, O. (Otto)" userId="S::o.mattas@students.uu.nl::f944b869-84fe-4915-ac0f-2070e720f33b" providerId="AD" clId="Web-{D7840D99-4FBE-4B82-A919-56CD25E4427E}" dt="2021-02-18T11:07:58.300" v="561"/>
+          <ac:grpSpMkLst>
+            <pc:docMk/>
+            <pc:sldMk cId="2243679050" sldId="266"/>
+            <ac:grpSpMk id="48" creationId="{BC25D6CE-B5F2-4E0D-894F-9521E2433076}"/>
+          </ac:grpSpMkLst>
+        </pc:grpChg>
+        <pc:grpChg chg="add">
+          <ac:chgData name="Mättas, O. (Otto)" userId="S::o.mattas@students.uu.nl::f944b869-84fe-4915-ac0f-2070e720f33b" providerId="AD" clId="Web-{D7840D99-4FBE-4B82-A919-56CD25E4427E}" dt="2021-02-18T11:07:58.300" v="561"/>
+          <ac:grpSpMkLst>
+            <pc:docMk/>
+            <pc:sldMk cId="2243679050" sldId="266"/>
+            <ac:grpSpMk id="81" creationId="{2D739D9D-4A11-49F5-B045-708F7DED1CD4}"/>
+          </ac:grpSpMkLst>
+        </pc:grpChg>
+        <pc:grpChg chg="add">
+          <ac:chgData name="Mättas, O. (Otto)" userId="S::o.mattas@students.uu.nl::f944b869-84fe-4915-ac0f-2070e720f33b" providerId="AD" clId="Web-{D7840D99-4FBE-4B82-A919-56CD25E4427E}" dt="2021-02-18T11:07:58.300" v="561"/>
+          <ac:grpSpMkLst>
+            <pc:docMk/>
+            <pc:sldMk cId="2243679050" sldId="266"/>
+            <ac:grpSpMk id="118" creationId="{47B3131A-B518-43E5-A896-E9D654A4863F}"/>
+          </ac:grpSpMkLst>
+        </pc:grpChg>
+        <pc:graphicFrameChg chg="add">
+          <ac:chgData name="Mättas, O. (Otto)" userId="S::o.mattas@students.uu.nl::f944b869-84fe-4915-ac0f-2070e720f33b" providerId="AD" clId="Web-{D7840D99-4FBE-4B82-A919-56CD25E4427E}" dt="2021-02-18T11:07:58.300" v="561"/>
+          <ac:graphicFrameMkLst>
+            <pc:docMk/>
+            <pc:sldMk cId="2243679050" sldId="266"/>
+            <ac:graphicFrameMk id="5" creationId="{F0C8A44F-8CC2-460B-85DC-5F7EA19140DE}"/>
+          </ac:graphicFrameMkLst>
+        </pc:graphicFrameChg>
+      </pc:sldChg>
+      <pc:sldChg chg="delSp modSp new">
+        <pc:chgData name="Mättas, O. (Otto)" userId="S::o.mattas@students.uu.nl::f944b869-84fe-4915-ac0f-2070e720f33b" providerId="AD" clId="Web-{D7840D99-4FBE-4B82-A919-56CD25E4427E}" dt="2021-02-18T11:18:47.225" v="738" actId="20577"/>
+        <pc:sldMkLst>
+          <pc:docMk/>
+          <pc:sldMk cId="3352485896" sldId="267"/>
+        </pc:sldMkLst>
+        <pc:spChg chg="del">
+          <ac:chgData name="Mättas, O. (Otto)" userId="S::o.mattas@students.uu.nl::f944b869-84fe-4915-ac0f-2070e720f33b" providerId="AD" clId="Web-{D7840D99-4FBE-4B82-A919-56CD25E4427E}" dt="2021-02-18T11:11:10.337" v="565"/>
+          <ac:spMkLst>
+            <pc:docMk/>
+            <pc:sldMk cId="3352485896" sldId="267"/>
+            <ac:spMk id="2" creationId="{0EB0A1D5-FDFB-4695-A291-EF0C180853E0}"/>
+          </ac:spMkLst>
+        </pc:spChg>
+        <pc:spChg chg="mod">
+          <ac:chgData name="Mättas, O. (Otto)" userId="S::o.mattas@students.uu.nl::f944b869-84fe-4915-ac0f-2070e720f33b" providerId="AD" clId="Web-{D7840D99-4FBE-4B82-A919-56CD25E4427E}" dt="2021-02-18T11:18:47.225" v="738" actId="20577"/>
+          <ac:spMkLst>
+            <pc:docMk/>
+            <pc:sldMk cId="3352485896" sldId="267"/>
+            <ac:spMk id="3" creationId="{85F1C677-B643-4C9A-8F66-3425EDA81799}"/>
+          </ac:spMkLst>
+        </pc:spChg>
+      </pc:sldChg>
+      <pc:sldChg chg="addSp delSp modSp new">
+        <pc:chgData name="Mättas, O. (Otto)" userId="S::o.mattas@students.uu.nl::f944b869-84fe-4915-ac0f-2070e720f33b" providerId="AD" clId="Web-{D7840D99-4FBE-4B82-A919-56CD25E4427E}" dt="2021-02-18T11:15:55.017" v="647"/>
+        <pc:sldMkLst>
+          <pc:docMk/>
+          <pc:sldMk cId="2239535384" sldId="268"/>
+        </pc:sldMkLst>
+        <pc:spChg chg="del mod">
+          <ac:chgData name="Mättas, O. (Otto)" userId="S::o.mattas@students.uu.nl::f944b869-84fe-4915-ac0f-2070e720f33b" providerId="AD" clId="Web-{D7840D99-4FBE-4B82-A919-56CD25E4427E}" dt="2021-02-18T11:15:55.017" v="647"/>
+          <ac:spMkLst>
+            <pc:docMk/>
+            <pc:sldMk cId="2239535384" sldId="268"/>
+            <ac:spMk id="2" creationId="{40C6B18F-F108-4573-80FE-DCCB7435F346}"/>
+          </ac:spMkLst>
+        </pc:spChg>
+        <pc:spChg chg="add mod">
+          <ac:chgData name="Mättas, O. (Otto)" userId="S::o.mattas@students.uu.nl::f944b869-84fe-4915-ac0f-2070e720f33b" providerId="AD" clId="Web-{D7840D99-4FBE-4B82-A919-56CD25E4427E}" dt="2021-02-18T11:15:55.017" v="647"/>
+          <ac:spMkLst>
+            <pc:docMk/>
+            <pc:sldMk cId="2239535384" sldId="268"/>
+            <ac:spMk id="5" creationId="{98101226-F13E-4EDC-BB86-D402613B10C5}"/>
+          </ac:spMkLst>
+        </pc:spChg>
+      </pc:sldChg>
+      <pc:sldChg chg="delSp modSp new">
+        <pc:chgData name="Mättas, O. (Otto)" userId="S::o.mattas@students.uu.nl::f944b869-84fe-4915-ac0f-2070e720f33b" providerId="AD" clId="Web-{D7840D99-4FBE-4B82-A919-56CD25E4427E}" dt="2021-02-18T11:17:27.566" v="718" actId="20577"/>
+        <pc:sldMkLst>
+          <pc:docMk/>
+          <pc:sldMk cId="996816977" sldId="269"/>
+        </pc:sldMkLst>
+        <pc:spChg chg="del">
+          <ac:chgData name="Mättas, O. (Otto)" userId="S::o.mattas@students.uu.nl::f944b869-84fe-4915-ac0f-2070e720f33b" providerId="AD" clId="Web-{D7840D99-4FBE-4B82-A919-56CD25E4427E}" dt="2021-02-18T11:17:17.410" v="715"/>
+          <ac:spMkLst>
+            <pc:docMk/>
+            <pc:sldMk cId="996816977" sldId="269"/>
+            <ac:spMk id="2" creationId="{079615F3-0D64-4F41-825E-E628D3617EDF}"/>
+          </ac:spMkLst>
+        </pc:spChg>
+        <pc:spChg chg="mod">
+          <ac:chgData name="Mättas, O. (Otto)" userId="S::o.mattas@students.uu.nl::f944b869-84fe-4915-ac0f-2070e720f33b" providerId="AD" clId="Web-{D7840D99-4FBE-4B82-A919-56CD25E4427E}" dt="2021-02-18T11:17:27.566" v="718" actId="20577"/>
+          <ac:spMkLst>
+            <pc:docMk/>
+            <pc:sldMk cId="996816977" sldId="269"/>
+            <ac:spMk id="3" creationId="{B8CB00BB-DE84-4184-8C86-7AD831B937A5}"/>
+          </ac:spMkLst>
+        </pc:spChg>
+        <pc:spChg chg="del">
+          <ac:chgData name="Mättas, O. (Otto)" userId="S::o.mattas@students.uu.nl::f944b869-84fe-4915-ac0f-2070e720f33b" providerId="AD" clId="Web-{D7840D99-4FBE-4B82-A919-56CD25E4427E}" dt="2021-02-18T11:17:18.801" v="716"/>
+          <ac:spMkLst>
+            <pc:docMk/>
+            <pc:sldMk cId="996816977" sldId="269"/>
+            <ac:spMk id="4" creationId="{16714B63-A01B-4475-8844-737207E15F51}"/>
+          </ac:spMkLst>
+        </pc:spChg>
+      </pc:sldChg>
+      <pc:sldChg chg="addSp delSp modSp new mod setBg">
+        <pc:chgData name="Mättas, O. (Otto)" userId="S::o.mattas@students.uu.nl::f944b869-84fe-4915-ac0f-2070e720f33b" providerId="AD" clId="Web-{D7840D99-4FBE-4B82-A919-56CD25E4427E}" dt="2021-02-18T11:18:13.286" v="722"/>
+        <pc:sldMkLst>
+          <pc:docMk/>
+          <pc:sldMk cId="2138862049" sldId="270"/>
+        </pc:sldMkLst>
+        <pc:spChg chg="del">
+          <ac:chgData name="Mättas, O. (Otto)" userId="S::o.mattas@students.uu.nl::f944b869-84fe-4915-ac0f-2070e720f33b" providerId="AD" clId="Web-{D7840D99-4FBE-4B82-A919-56CD25E4427E}" dt="2021-02-18T11:18:06.614" v="721"/>
+          <ac:spMkLst>
+            <pc:docMk/>
+            <pc:sldMk cId="2138862049" sldId="270"/>
+            <ac:spMk id="2" creationId="{787BA892-C73B-45F7-9B02-4BC6495FB828}"/>
+          </ac:spMkLst>
+        </pc:spChg>
+        <pc:spChg chg="mod">
+          <ac:chgData name="Mättas, O. (Otto)" userId="S::o.mattas@students.uu.nl::f944b869-84fe-4915-ac0f-2070e720f33b" providerId="AD" clId="Web-{D7840D99-4FBE-4B82-A919-56CD25E4427E}" dt="2021-02-18T11:18:13.286" v="722"/>
+          <ac:spMkLst>
+            <pc:docMk/>
+            <pc:sldMk cId="2138862049" sldId="270"/>
+            <ac:spMk id="3" creationId="{3CA9CCB2-A4BF-41E7-8EEC-3FEA6D9C7CB1}"/>
+          </ac:spMkLst>
+        </pc:spChg>
+        <pc:spChg chg="add">
+          <ac:chgData name="Mättas, O. (Otto)" userId="S::o.mattas@students.uu.nl::f944b869-84fe-4915-ac0f-2070e720f33b" providerId="AD" clId="Web-{D7840D99-4FBE-4B82-A919-56CD25E4427E}" dt="2021-02-18T11:18:13.286" v="722"/>
+          <ac:spMkLst>
+            <pc:docMk/>
+            <pc:sldMk cId="2138862049" sldId="270"/>
+            <ac:spMk id="8" creationId="{1C582B07-D0F0-4B6B-A5D9-D2F192CB3A4E}"/>
+          </ac:spMkLst>
+        </pc:spChg>
+        <pc:spChg chg="add">
+          <ac:chgData name="Mättas, O. (Otto)" userId="S::o.mattas@students.uu.nl::f944b869-84fe-4915-ac0f-2070e720f33b" providerId="AD" clId="Web-{D7840D99-4FBE-4B82-A919-56CD25E4427E}" dt="2021-02-18T11:18:13.286" v="722"/>
+          <ac:spMkLst>
+            <pc:docMk/>
+            <pc:sldMk cId="2138862049" sldId="270"/>
+            <ac:spMk id="10" creationId="{21B645D3-580E-4657-9154-484648880ED5}"/>
+          </ac:spMkLst>
+        </pc:spChg>
+        <pc:spChg chg="add">
+          <ac:chgData name="Mättas, O. (Otto)" userId="S::o.mattas@students.uu.nl::f944b869-84fe-4915-ac0f-2070e720f33b" providerId="AD" clId="Web-{D7840D99-4FBE-4B82-A919-56CD25E4427E}" dt="2021-02-18T11:18:13.286" v="722"/>
+          <ac:spMkLst>
+            <pc:docMk/>
+            <pc:sldMk cId="2138862049" sldId="270"/>
+            <ac:spMk id="12" creationId="{DA1A4301-6FFC-4C82-A1FA-7634D8CAA8F5}"/>
+          </ac:spMkLst>
+        </pc:spChg>
+        <pc:spChg chg="add">
+          <ac:chgData name="Mättas, O. (Otto)" userId="S::o.mattas@students.uu.nl::f944b869-84fe-4915-ac0f-2070e720f33b" providerId="AD" clId="Web-{D7840D99-4FBE-4B82-A919-56CD25E4427E}" dt="2021-02-18T11:18:13.286" v="722"/>
+          <ac:spMkLst>
+            <pc:docMk/>
+            <pc:sldMk cId="2138862049" sldId="270"/>
+            <ac:spMk id="14" creationId="{27870DA4-44E8-43FB-940A-4AF9766959C0}"/>
+          </ac:spMkLst>
+        </pc:spChg>
+        <pc:grpChg chg="add">
+          <ac:chgData name="Mättas, O. (Otto)" userId="S::o.mattas@students.uu.nl::f944b869-84fe-4915-ac0f-2070e720f33b" providerId="AD" clId="Web-{D7840D99-4FBE-4B82-A919-56CD25E4427E}" dt="2021-02-18T11:18:13.286" v="722"/>
+          <ac:grpSpMkLst>
+            <pc:docMk/>
+            <pc:sldMk cId="2138862049" sldId="270"/>
+            <ac:grpSpMk id="16" creationId="{8323DD1D-77DE-48B2-A0A0-6265801531E5}"/>
+          </ac:grpSpMkLst>
+        </pc:grpChg>
+      </pc:sldChg>
+      <pc:sldMasterChg chg="del delSldLayout">
+        <pc:chgData name="Mättas, O. (Otto)" userId="S::o.mattas@students.uu.nl::f944b869-84fe-4915-ac0f-2070e720f33b" providerId="AD" clId="Web-{D7840D99-4FBE-4B82-A919-56CD25E4427E}" dt="2021-02-18T09:48:41.755" v="13"/>
+        <pc:sldMasterMkLst>
+          <pc:docMk/>
+          <pc:sldMasterMk cId="2460954070" sldId="2147483660"/>
+        </pc:sldMasterMkLst>
+        <pc:sldLayoutChg chg="del">
+          <pc:chgData name="Mättas, O. (Otto)" userId="S::o.mattas@students.uu.nl::f944b869-84fe-4915-ac0f-2070e720f33b" providerId="AD" clId="Web-{D7840D99-4FBE-4B82-A919-56CD25E4427E}" dt="2021-02-18T09:48:41.755" v="13"/>
+          <pc:sldLayoutMkLst>
+            <pc:docMk/>
+            <pc:sldMasterMk cId="2460954070" sldId="2147483660"/>
+            <pc:sldLayoutMk cId="2385387890" sldId="2147483661"/>
+          </pc:sldLayoutMkLst>
+        </pc:sldLayoutChg>
+        <pc:sldLayoutChg chg="del">
+          <pc:chgData name="Mättas, O. (Otto)" userId="S::o.mattas@students.uu.nl::f944b869-84fe-4915-ac0f-2070e720f33b" providerId="AD" clId="Web-{D7840D99-4FBE-4B82-A919-56CD25E4427E}" dt="2021-02-18T09:48:41.755" v="13"/>
+          <pc:sldLayoutMkLst>
+            <pc:docMk/>
+            <pc:sldMasterMk cId="2460954070" sldId="2147483660"/>
+            <pc:sldLayoutMk cId="949138452" sldId="2147483662"/>
+          </pc:sldLayoutMkLst>
+        </pc:sldLayoutChg>
+        <pc:sldLayoutChg chg="del">
+          <pc:chgData name="Mättas, O. (Otto)" userId="S::o.mattas@students.uu.nl::f944b869-84fe-4915-ac0f-2070e720f33b" providerId="AD" clId="Web-{D7840D99-4FBE-4B82-A919-56CD25E4427E}" dt="2021-02-18T09:48:41.755" v="13"/>
+          <pc:sldLayoutMkLst>
+            <pc:docMk/>
+            <pc:sldMasterMk cId="2460954070" sldId="2147483660"/>
+            <pc:sldLayoutMk cId="2591524520" sldId="2147483663"/>
+          </pc:sldLayoutMkLst>
+        </pc:sldLayoutChg>
+        <pc:sldLayoutChg chg="del">
+          <pc:chgData name="Mättas, O. (Otto)" userId="S::o.mattas@students.uu.nl::f944b869-84fe-4915-ac0f-2070e720f33b" providerId="AD" clId="Web-{D7840D99-4FBE-4B82-A919-56CD25E4427E}" dt="2021-02-18T09:48:41.755" v="13"/>
+          <pc:sldLayoutMkLst>
+            <pc:docMk/>
+            <pc:sldMasterMk cId="2460954070" sldId="2147483660"/>
+            <pc:sldLayoutMk cId="1203092039" sldId="2147483664"/>
+          </pc:sldLayoutMkLst>
+        </pc:sldLayoutChg>
+        <pc:sldLayoutChg chg="del">
+          <pc:chgData name="Mättas, O. (Otto)" userId="S::o.mattas@students.uu.nl::f944b869-84fe-4915-ac0f-2070e720f33b" providerId="AD" clId="Web-{D7840D99-4FBE-4B82-A919-56CD25E4427E}" dt="2021-02-18T09:48:41.755" v="13"/>
+          <pc:sldLayoutMkLst>
+            <pc:docMk/>
+            <pc:sldMasterMk cId="2460954070" sldId="2147483660"/>
+            <pc:sldLayoutMk cId="3733172339" sldId="2147483665"/>
+          </pc:sldLayoutMkLst>
+        </pc:sldLayoutChg>
+        <pc:sldLayoutChg chg="del">
+          <pc:chgData name="Mättas, O. (Otto)" userId="S::o.mattas@students.uu.nl::f944b869-84fe-4915-ac0f-2070e720f33b" providerId="AD" clId="Web-{D7840D99-4FBE-4B82-A919-56CD25E4427E}" dt="2021-02-18T09:48:41.755" v="13"/>
+          <pc:sldLayoutMkLst>
+            <pc:docMk/>
+            <pc:sldMasterMk cId="2460954070" sldId="2147483660"/>
+            <pc:sldLayoutMk cId="3210312558" sldId="2147483666"/>
+          </pc:sldLayoutMkLst>
+        </pc:sldLayoutChg>
+        <pc:sldLayoutChg chg="del">
+          <pc:chgData name="Mättas, O. (Otto)" userId="S::o.mattas@students.uu.nl::f944b869-84fe-4915-ac0f-2070e720f33b" providerId="AD" clId="Web-{D7840D99-4FBE-4B82-A919-56CD25E4427E}" dt="2021-02-18T09:48:41.755" v="13"/>
+          <pc:sldLayoutMkLst>
+            <pc:docMk/>
+            <pc:sldMasterMk cId="2460954070" sldId="2147483660"/>
+            <pc:sldLayoutMk cId="3146388984" sldId="2147483667"/>
+          </pc:sldLayoutMkLst>
+        </pc:sldLayoutChg>
+        <pc:sldLayoutChg chg="del">
+          <pc:chgData name="Mättas, O. (Otto)" userId="S::o.mattas@students.uu.nl::f944b869-84fe-4915-ac0f-2070e720f33b" providerId="AD" clId="Web-{D7840D99-4FBE-4B82-A919-56CD25E4427E}" dt="2021-02-18T09:48:41.755" v="13"/>
+          <pc:sldLayoutMkLst>
+            <pc:docMk/>
+            <pc:sldMasterMk cId="2460954070" sldId="2147483660"/>
+            <pc:sldLayoutMk cId="3171841454" sldId="2147483668"/>
+          </pc:sldLayoutMkLst>
+        </pc:sldLayoutChg>
+        <pc:sldLayoutChg chg="del">
+          <pc:chgData name="Mättas, O. (Otto)" userId="S::o.mattas@students.uu.nl::f944b869-84fe-4915-ac0f-2070e720f33b" providerId="AD" clId="Web-{D7840D99-4FBE-4B82-A919-56CD25E4427E}" dt="2021-02-18T09:48:41.755" v="13"/>
+          <pc:sldLayoutMkLst>
+            <pc:docMk/>
+            <pc:sldMasterMk cId="2460954070" sldId="2147483660"/>
+            <pc:sldLayoutMk cId="1718958274" sldId="2147483669"/>
+          </pc:sldLayoutMkLst>
+        </pc:sldLayoutChg>
+        <pc:sldLayoutChg chg="del">
+          <pc:chgData name="Mättas, O. (Otto)" userId="S::o.mattas@students.uu.nl::f944b869-84fe-4915-ac0f-2070e720f33b" providerId="AD" clId="Web-{D7840D99-4FBE-4B82-A919-56CD25E4427E}" dt="2021-02-18T09:48:41.755" v="13"/>
+          <pc:sldLayoutMkLst>
+            <pc:docMk/>
+            <pc:sldMasterMk cId="2460954070" sldId="2147483660"/>
+            <pc:sldLayoutMk cId="2202905451" sldId="2147483670"/>
+          </pc:sldLayoutMkLst>
+        </pc:sldLayoutChg>
+        <pc:sldLayoutChg chg="del">
+          <pc:chgData name="Mättas, O. (Otto)" userId="S::o.mattas@students.uu.nl::f944b869-84fe-4915-ac0f-2070e720f33b" providerId="AD" clId="Web-{D7840D99-4FBE-4B82-A919-56CD25E4427E}" dt="2021-02-18T09:48:41.755" v="13"/>
+          <pc:sldLayoutMkLst>
+            <pc:docMk/>
+            <pc:sldMasterMk cId="2460954070" sldId="2147483660"/>
+            <pc:sldLayoutMk cId="3479445657" sldId="2147483671"/>
+          </pc:sldLayoutMkLst>
+        </pc:sldLayoutChg>
+      </pc:sldMasterChg>
+      <pc:sldMasterChg chg="add del addSldLayout delSldLayout">
+        <pc:chgData name="Mättas, O. (Otto)" userId="S::o.mattas@students.uu.nl::f944b869-84fe-4915-ac0f-2070e720f33b" providerId="AD" clId="Web-{D7840D99-4FBE-4B82-A919-56CD25E4427E}" dt="2021-02-18T09:50:50.045" v="16"/>
+        <pc:sldMasterMkLst>
+          <pc:docMk/>
+          <pc:sldMasterMk cId="2297767852" sldId="2147483737"/>
+        </pc:sldMasterMkLst>
+        <pc:sldLayoutChg chg="add del">
+          <pc:chgData name="Mättas, O. (Otto)" userId="S::o.mattas@students.uu.nl::f944b869-84fe-4915-ac0f-2070e720f33b" providerId="AD" clId="Web-{D7840D99-4FBE-4B82-A919-56CD25E4427E}" dt="2021-02-18T09:50:50.045" v="16"/>
+          <pc:sldLayoutMkLst>
+            <pc:docMk/>
+            <pc:sldMasterMk cId="2297767852" sldId="2147483737"/>
+            <pc:sldLayoutMk cId="562087145" sldId="2147483726"/>
+          </pc:sldLayoutMkLst>
+        </pc:sldLayoutChg>
+        <pc:sldLayoutChg chg="add del">
+          <pc:chgData name="Mättas, O. (Otto)" userId="S::o.mattas@students.uu.nl::f944b869-84fe-4915-ac0f-2070e720f33b" providerId="AD" clId="Web-{D7840D99-4FBE-4B82-A919-56CD25E4427E}" dt="2021-02-18T09:50:50.045" v="16"/>
+          <pc:sldLayoutMkLst>
+            <pc:docMk/>
+            <pc:sldMasterMk cId="2297767852" sldId="2147483737"/>
+            <pc:sldLayoutMk cId="23764496" sldId="2147483727"/>
+          </pc:sldLayoutMkLst>
+        </pc:sldLayoutChg>
+        <pc:sldLayoutChg chg="add del">
+          <pc:chgData name="Mättas, O. (Otto)" userId="S::o.mattas@students.uu.nl::f944b869-84fe-4915-ac0f-2070e720f33b" providerId="AD" clId="Web-{D7840D99-4FBE-4B82-A919-56CD25E4427E}" dt="2021-02-18T09:50:50.045" v="16"/>
+          <pc:sldLayoutMkLst>
+            <pc:docMk/>
+            <pc:sldMasterMk cId="2297767852" sldId="2147483737"/>
+            <pc:sldLayoutMk cId="2145911785" sldId="2147483728"/>
+          </pc:sldLayoutMkLst>
+        </pc:sldLayoutChg>
+        <pc:sldLayoutChg chg="add del">
+          <pc:chgData name="Mättas, O. (Otto)" userId="S::o.mattas@students.uu.nl::f944b869-84fe-4915-ac0f-2070e720f33b" providerId="AD" clId="Web-{D7840D99-4FBE-4B82-A919-56CD25E4427E}" dt="2021-02-18T09:50:50.045" v="16"/>
+          <pc:sldLayoutMkLst>
+            <pc:docMk/>
+            <pc:sldMasterMk cId="2297767852" sldId="2147483737"/>
+            <pc:sldLayoutMk cId="2229706226" sldId="2147483729"/>
+          </pc:sldLayoutMkLst>
+        </pc:sldLayoutChg>
+        <pc:sldLayoutChg chg="add del">
+          <pc:chgData name="Mättas, O. (Otto)" userId="S::o.mattas@students.uu.nl::f944b869-84fe-4915-ac0f-2070e720f33b" providerId="AD" clId="Web-{D7840D99-4FBE-4B82-A919-56CD25E4427E}" dt="2021-02-18T09:50:50.045" v="16"/>
+          <pc:sldLayoutMkLst>
+            <pc:docMk/>
+            <pc:sldMasterMk cId="2297767852" sldId="2147483737"/>
+            <pc:sldLayoutMk cId="1657700371" sldId="2147483730"/>
+          </pc:sldLayoutMkLst>
+        </pc:sldLayoutChg>
+        <pc:sldLayoutChg chg="add del">
+          <pc:chgData name="Mättas, O. (Otto)" userId="S::o.mattas@students.uu.nl::f944b869-84fe-4915-ac0f-2070e720f33b" providerId="AD" clId="Web-{D7840D99-4FBE-4B82-A919-56CD25E4427E}" dt="2021-02-18T09:50:50.045" v="16"/>
+          <pc:sldLayoutMkLst>
+            <pc:docMk/>
+            <pc:sldMasterMk cId="2297767852" sldId="2147483737"/>
+            <pc:sldLayoutMk cId="3490913234" sldId="2147483731"/>
+          </pc:sldLayoutMkLst>
+        </pc:sldLayoutChg>
+        <pc:sldLayoutChg chg="add del">
+          <pc:chgData name="Mättas, O. (Otto)" userId="S::o.mattas@students.uu.nl::f944b869-84fe-4915-ac0f-2070e720f33b" providerId="AD" clId="Web-{D7840D99-4FBE-4B82-A919-56CD25E4427E}" dt="2021-02-18T09:50:50.045" v="16"/>
+          <pc:sldLayoutMkLst>
+            <pc:docMk/>
+            <pc:sldMasterMk cId="2297767852" sldId="2147483737"/>
+            <pc:sldLayoutMk cId="516474357" sldId="2147483732"/>
+          </pc:sldLayoutMkLst>
+        </pc:sldLayoutChg>
+        <pc:sldLayoutChg chg="add del">
+          <pc:chgData name="Mättas, O. (Otto)" userId="S::o.mattas@students.uu.nl::f944b869-84fe-4915-ac0f-2070e720f33b" providerId="AD" clId="Web-{D7840D99-4FBE-4B82-A919-56CD25E4427E}" dt="2021-02-18T09:50:50.045" v="16"/>
+          <pc:sldLayoutMkLst>
+            <pc:docMk/>
+            <pc:sldMasterMk cId="2297767852" sldId="2147483737"/>
+            <pc:sldLayoutMk cId="2221439790" sldId="2147483733"/>
+          </pc:sldLayoutMkLst>
+        </pc:sldLayoutChg>
+        <pc:sldLayoutChg chg="add del">
+          <pc:chgData name="Mättas, O. (Otto)" userId="S::o.mattas@students.uu.nl::f944b869-84fe-4915-ac0f-2070e720f33b" providerId="AD" clId="Web-{D7840D99-4FBE-4B82-A919-56CD25E4427E}" dt="2021-02-18T09:50:50.045" v="16"/>
+          <pc:sldLayoutMkLst>
+            <pc:docMk/>
+            <pc:sldMasterMk cId="2297767852" sldId="2147483737"/>
+            <pc:sldLayoutMk cId="1326915441" sldId="2147483734"/>
+          </pc:sldLayoutMkLst>
+        </pc:sldLayoutChg>
+        <pc:sldLayoutChg chg="add del">
+          <pc:chgData name="Mättas, O. (Otto)" userId="S::o.mattas@students.uu.nl::f944b869-84fe-4915-ac0f-2070e720f33b" providerId="AD" clId="Web-{D7840D99-4FBE-4B82-A919-56CD25E4427E}" dt="2021-02-18T09:50:50.045" v="16"/>
+          <pc:sldLayoutMkLst>
+            <pc:docMk/>
+            <pc:sldMasterMk cId="2297767852" sldId="2147483737"/>
+            <pc:sldLayoutMk cId="229006845" sldId="2147483735"/>
+          </pc:sldLayoutMkLst>
+        </pc:sldLayoutChg>
+        <pc:sldLayoutChg chg="add del">
+          <pc:chgData name="Mättas, O. (Otto)" userId="S::o.mattas@students.uu.nl::f944b869-84fe-4915-ac0f-2070e720f33b" providerId="AD" clId="Web-{D7840D99-4FBE-4B82-A919-56CD25E4427E}" dt="2021-02-18T09:50:50.045" v="16"/>
+          <pc:sldLayoutMkLst>
+            <pc:docMk/>
+            <pc:sldMasterMk cId="2297767852" sldId="2147483737"/>
+            <pc:sldLayoutMk cId="3398604053" sldId="2147483736"/>
+          </pc:sldLayoutMkLst>
+        </pc:sldLayoutChg>
+      </pc:sldMasterChg>
+      <pc:sldMasterChg chg="add del addSldLayout delSldLayout">
+        <pc:chgData name="Mättas, O. (Otto)" userId="S::o.mattas@students.uu.nl::f944b869-84fe-4915-ac0f-2070e720f33b" providerId="AD" clId="Web-{D7840D99-4FBE-4B82-A919-56CD25E4427E}" dt="2021-02-18T09:51:29.486" v="20"/>
+        <pc:sldMasterMkLst>
+          <pc:docMk/>
+          <pc:sldMasterMk cId="1189630935" sldId="2147483761"/>
+        </pc:sldMasterMkLst>
+        <pc:sldLayoutChg chg="add del">
+          <pc:chgData name="Mättas, O. (Otto)" userId="S::o.mattas@students.uu.nl::f944b869-84fe-4915-ac0f-2070e720f33b" providerId="AD" clId="Web-{D7840D99-4FBE-4B82-A919-56CD25E4427E}" dt="2021-02-18T09:51:29.486" v="20"/>
+          <pc:sldLayoutMkLst>
+            <pc:docMk/>
+            <pc:sldMasterMk cId="1189630935" sldId="2147483761"/>
+            <pc:sldLayoutMk cId="3153472649" sldId="2147483750"/>
+          </pc:sldLayoutMkLst>
+        </pc:sldLayoutChg>
+        <pc:sldLayoutChg chg="add del">
+          <pc:chgData name="Mättas, O. (Otto)" userId="S::o.mattas@students.uu.nl::f944b869-84fe-4915-ac0f-2070e720f33b" providerId="AD" clId="Web-{D7840D99-4FBE-4B82-A919-56CD25E4427E}" dt="2021-02-18T09:51:29.486" v="20"/>
+          <pc:sldLayoutMkLst>
+            <pc:docMk/>
+            <pc:sldMasterMk cId="1189630935" sldId="2147483761"/>
+            <pc:sldLayoutMk cId="2336863293" sldId="2147483751"/>
+          </pc:sldLayoutMkLst>
+        </pc:sldLayoutChg>
+        <pc:sldLayoutChg chg="add del">
+          <pc:chgData name="Mättas, O. (Otto)" userId="S::o.mattas@students.uu.nl::f944b869-84fe-4915-ac0f-2070e720f33b" providerId="AD" clId="Web-{D7840D99-4FBE-4B82-A919-56CD25E4427E}" dt="2021-02-18T09:51:29.486" v="20"/>
+          <pc:sldLayoutMkLst>
+            <pc:docMk/>
+            <pc:sldMasterMk cId="1189630935" sldId="2147483761"/>
+            <pc:sldLayoutMk cId="1218672568" sldId="2147483752"/>
+          </pc:sldLayoutMkLst>
+        </pc:sldLayoutChg>
+        <pc:sldLayoutChg chg="add del">
+          <pc:chgData name="Mättas, O. (Otto)" userId="S::o.mattas@students.uu.nl::f944b869-84fe-4915-ac0f-2070e720f33b" providerId="AD" clId="Web-{D7840D99-4FBE-4B82-A919-56CD25E4427E}" dt="2021-02-18T09:51:29.486" v="20"/>
+          <pc:sldLayoutMkLst>
+            <pc:docMk/>
+            <pc:sldMasterMk cId="1189630935" sldId="2147483761"/>
+            <pc:sldLayoutMk cId="2471213274" sldId="2147483753"/>
+          </pc:sldLayoutMkLst>
+        </pc:sldLayoutChg>
+        <pc:sldLayoutChg chg="add del">
+          <pc:chgData name="Mättas, O. (Otto)" userId="S::o.mattas@students.uu.nl::f944b869-84fe-4915-ac0f-2070e720f33b" providerId="AD" clId="Web-{D7840D99-4FBE-4B82-A919-56CD25E4427E}" dt="2021-02-18T09:51:29.486" v="20"/>
+          <pc:sldLayoutMkLst>
+            <pc:docMk/>
+            <pc:sldMasterMk cId="1189630935" sldId="2147483761"/>
+            <pc:sldLayoutMk cId="494883817" sldId="2147483754"/>
+          </pc:sldLayoutMkLst>
+        </pc:sldLayoutChg>
+        <pc:sldLayoutChg chg="add del">
+          <pc:chgData name="Mättas, O. (Otto)" userId="S::o.mattas@students.uu.nl::f944b869-84fe-4915-ac0f-2070e720f33b" providerId="AD" clId="Web-{D7840D99-4FBE-4B82-A919-56CD25E4427E}" dt="2021-02-18T09:51:29.486" v="20"/>
+          <pc:sldLayoutMkLst>
+            <pc:docMk/>
+            <pc:sldMasterMk cId="1189630935" sldId="2147483761"/>
+            <pc:sldLayoutMk cId="129119996" sldId="2147483755"/>
+          </pc:sldLayoutMkLst>
+        </pc:sldLayoutChg>
+        <pc:sldLayoutChg chg="add del">
+          <pc:chgData name="Mättas, O. (Otto)" userId="S::o.mattas@students.uu.nl::f944b869-84fe-4915-ac0f-2070e720f33b" providerId="AD" clId="Web-{D7840D99-4FBE-4B82-A919-56CD25E4427E}" dt="2021-02-18T09:51:29.486" v="20"/>
+          <pc:sldLayoutMkLst>
+            <pc:docMk/>
+            <pc:sldMasterMk cId="1189630935" sldId="2147483761"/>
+            <pc:sldLayoutMk cId="1788876181" sldId="2147483756"/>
+          </pc:sldLayoutMkLst>
+        </pc:sldLayoutChg>
+        <pc:sldLayoutChg chg="add del">
+          <pc:chgData name="Mättas, O. (Otto)" userId="S::o.mattas@students.uu.nl::f944b869-84fe-4915-ac0f-2070e720f33b" providerId="AD" clId="Web-{D7840D99-4FBE-4B82-A919-56CD25E4427E}" dt="2021-02-18T09:51:29.486" v="20"/>
+          <pc:sldLayoutMkLst>
+            <pc:docMk/>
+            <pc:sldMasterMk cId="1189630935" sldId="2147483761"/>
+            <pc:sldLayoutMk cId="3969475786" sldId="2147483757"/>
+          </pc:sldLayoutMkLst>
+        </pc:sldLayoutChg>
+        <pc:sldLayoutChg chg="add del">
+          <pc:chgData name="Mättas, O. (Otto)" userId="S::o.mattas@students.uu.nl::f944b869-84fe-4915-ac0f-2070e720f33b" providerId="AD" clId="Web-{D7840D99-4FBE-4B82-A919-56CD25E4427E}" dt="2021-02-18T09:51:29.486" v="20"/>
+          <pc:sldLayoutMkLst>
+            <pc:docMk/>
+            <pc:sldMasterMk cId="1189630935" sldId="2147483761"/>
+            <pc:sldLayoutMk cId="738181925" sldId="2147483758"/>
+          </pc:sldLayoutMkLst>
+        </pc:sldLayoutChg>
+        <pc:sldLayoutChg chg="add del">
+          <pc:chgData name="Mättas, O. (Otto)" userId="S::o.mattas@students.uu.nl::f944b869-84fe-4915-ac0f-2070e720f33b" providerId="AD" clId="Web-{D7840D99-4FBE-4B82-A919-56CD25E4427E}" dt="2021-02-18T09:51:29.486" v="20"/>
+          <pc:sldLayoutMkLst>
+            <pc:docMk/>
+            <pc:sldMasterMk cId="1189630935" sldId="2147483761"/>
+            <pc:sldLayoutMk cId="1343011975" sldId="2147483759"/>
+          </pc:sldLayoutMkLst>
+        </pc:sldLayoutChg>
+        <pc:sldLayoutChg chg="add del">
+          <pc:chgData name="Mättas, O. (Otto)" userId="S::o.mattas@students.uu.nl::f944b869-84fe-4915-ac0f-2070e720f33b" providerId="AD" clId="Web-{D7840D99-4FBE-4B82-A919-56CD25E4427E}" dt="2021-02-18T09:51:29.486" v="20"/>
+          <pc:sldLayoutMkLst>
+            <pc:docMk/>
+            <pc:sldMasterMk cId="1189630935" sldId="2147483761"/>
+            <pc:sldLayoutMk cId="822153302" sldId="2147483760"/>
+          </pc:sldLayoutMkLst>
+        </pc:sldLayoutChg>
+      </pc:sldMasterChg>
+      <pc:sldMasterChg chg="add addSldLayout">
+        <pc:chgData name="Mättas, O. (Otto)" userId="S::o.mattas@students.uu.nl::f944b869-84fe-4915-ac0f-2070e720f33b" providerId="AD" clId="Web-{D7840D99-4FBE-4B82-A919-56CD25E4427E}" dt="2021-02-18T09:51:29.486" v="20"/>
+        <pc:sldMasterMkLst>
+          <pc:docMk/>
+          <pc:sldMasterMk cId="3073113103" sldId="2147483837"/>
+        </pc:sldMasterMkLst>
+        <pc:sldLayoutChg chg="add">
+          <pc:chgData name="Mättas, O. (Otto)" userId="S::o.mattas@students.uu.nl::f944b869-84fe-4915-ac0f-2070e720f33b" providerId="AD" clId="Web-{D7840D99-4FBE-4B82-A919-56CD25E4427E}" dt="2021-02-18T09:51:29.486" v="20"/>
+          <pc:sldLayoutMkLst>
+            <pc:docMk/>
+            <pc:sldMasterMk cId="3073113103" sldId="2147483837"/>
+            <pc:sldLayoutMk cId="1909958680" sldId="2147483826"/>
+          </pc:sldLayoutMkLst>
+        </pc:sldLayoutChg>
+        <pc:sldLayoutChg chg="add">
+          <pc:chgData name="Mättas, O. (Otto)" userId="S::o.mattas@students.uu.nl::f944b869-84fe-4915-ac0f-2070e720f33b" providerId="AD" clId="Web-{D7840D99-4FBE-4B82-A919-56CD25E4427E}" dt="2021-02-18T09:51:29.486" v="20"/>
+          <pc:sldLayoutMkLst>
+            <pc:docMk/>
+            <pc:sldMasterMk cId="3073113103" sldId="2147483837"/>
+            <pc:sldLayoutMk cId="1962207166" sldId="2147483827"/>
+          </pc:sldLayoutMkLst>
+        </pc:sldLayoutChg>
+        <pc:sldLayoutChg chg="add">
+          <pc:chgData name="Mättas, O. (Otto)" userId="S::o.mattas@students.uu.nl::f944b869-84fe-4915-ac0f-2070e720f33b" providerId="AD" clId="Web-{D7840D99-4FBE-4B82-A919-56CD25E4427E}" dt="2021-02-18T09:51:29.486" v="20"/>
+          <pc:sldLayoutMkLst>
+            <pc:docMk/>
+            <pc:sldMasterMk cId="3073113103" sldId="2147483837"/>
+            <pc:sldLayoutMk cId="1898096197" sldId="2147483828"/>
+          </pc:sldLayoutMkLst>
+        </pc:sldLayoutChg>
+        <pc:sldLayoutChg chg="add">
+          <pc:chgData name="Mättas, O. (Otto)" userId="S::o.mattas@students.uu.nl::f944b869-84fe-4915-ac0f-2070e720f33b" providerId="AD" clId="Web-{D7840D99-4FBE-4B82-A919-56CD25E4427E}" dt="2021-02-18T09:51:29.486" v="20"/>
+          <pc:sldLayoutMkLst>
+            <pc:docMk/>
+            <pc:sldMasterMk cId="3073113103" sldId="2147483837"/>
+            <pc:sldLayoutMk cId="1208919444" sldId="2147483829"/>
+          </pc:sldLayoutMkLst>
+        </pc:sldLayoutChg>
+        <pc:sldLayoutChg chg="add">
+          <pc:chgData name="Mättas, O. (Otto)" userId="S::o.mattas@students.uu.nl::f944b869-84fe-4915-ac0f-2070e720f33b" providerId="AD" clId="Web-{D7840D99-4FBE-4B82-A919-56CD25E4427E}" dt="2021-02-18T09:51:29.486" v="20"/>
+          <pc:sldLayoutMkLst>
+            <pc:docMk/>
+            <pc:sldMasterMk cId="3073113103" sldId="2147483837"/>
+            <pc:sldLayoutMk cId="38639405" sldId="2147483830"/>
+          </pc:sldLayoutMkLst>
+        </pc:sldLayoutChg>
+        <pc:sldLayoutChg chg="add">
+          <pc:chgData name="Mättas, O. (Otto)" userId="S::o.mattas@students.uu.nl::f944b869-84fe-4915-ac0f-2070e720f33b" providerId="AD" clId="Web-{D7840D99-4FBE-4B82-A919-56CD25E4427E}" dt="2021-02-18T09:51:29.486" v="20"/>
+          <pc:sldLayoutMkLst>
+            <pc:docMk/>
+            <pc:sldMasterMk cId="3073113103" sldId="2147483837"/>
+            <pc:sldLayoutMk cId="1556968761" sldId="2147483831"/>
+          </pc:sldLayoutMkLst>
+        </pc:sldLayoutChg>
+        <pc:sldLayoutChg chg="add">
+          <pc:chgData name="Mättas, O. (Otto)" userId="S::o.mattas@students.uu.nl::f944b869-84fe-4915-ac0f-2070e720f33b" providerId="AD" clId="Web-{D7840D99-4FBE-4B82-A919-56CD25E4427E}" dt="2021-02-18T09:51:29.486" v="20"/>
+          <pc:sldLayoutMkLst>
+            <pc:docMk/>
+            <pc:sldMasterMk cId="3073113103" sldId="2147483837"/>
+            <pc:sldLayoutMk cId="1544083366" sldId="2147483832"/>
+          </pc:sldLayoutMkLst>
+        </pc:sldLayoutChg>
+        <pc:sldLayoutChg chg="add">
+          <pc:chgData name="Mättas, O. (Otto)" userId="S::o.mattas@students.uu.nl::f944b869-84fe-4915-ac0f-2070e720f33b" providerId="AD" clId="Web-{D7840D99-4FBE-4B82-A919-56CD25E4427E}" dt="2021-02-18T09:51:29.486" v="20"/>
+          <pc:sldLayoutMkLst>
+            <pc:docMk/>
+            <pc:sldMasterMk cId="3073113103" sldId="2147483837"/>
+            <pc:sldLayoutMk cId="3742730611" sldId="2147483833"/>
+          </pc:sldLayoutMkLst>
+        </pc:sldLayoutChg>
+        <pc:sldLayoutChg chg="add">
+          <pc:chgData name="Mättas, O. (Otto)" userId="S::o.mattas@students.uu.nl::f944b869-84fe-4915-ac0f-2070e720f33b" providerId="AD" clId="Web-{D7840D99-4FBE-4B82-A919-56CD25E4427E}" dt="2021-02-18T09:51:29.486" v="20"/>
+          <pc:sldLayoutMkLst>
+            <pc:docMk/>
+            <pc:sldMasterMk cId="3073113103" sldId="2147483837"/>
+            <pc:sldLayoutMk cId="1320726923" sldId="2147483834"/>
+          </pc:sldLayoutMkLst>
+        </pc:sldLayoutChg>
+        <pc:sldLayoutChg chg="add">
+          <pc:chgData name="Mättas, O. (Otto)" userId="S::o.mattas@students.uu.nl::f944b869-84fe-4915-ac0f-2070e720f33b" providerId="AD" clId="Web-{D7840D99-4FBE-4B82-A919-56CD25E4427E}" dt="2021-02-18T09:51:29.486" v="20"/>
+          <pc:sldLayoutMkLst>
+            <pc:docMk/>
+            <pc:sldMasterMk cId="3073113103" sldId="2147483837"/>
+            <pc:sldLayoutMk cId="2875095821" sldId="2147483835"/>
+          </pc:sldLayoutMkLst>
+        </pc:sldLayoutChg>
+        <pc:sldLayoutChg chg="add">
+          <pc:chgData name="Mättas, O. (Otto)" userId="S::o.mattas@students.uu.nl::f944b869-84fe-4915-ac0f-2070e720f33b" providerId="AD" clId="Web-{D7840D99-4FBE-4B82-A919-56CD25E4427E}" dt="2021-02-18T09:51:29.486" v="20"/>
+          <pc:sldLayoutMkLst>
+            <pc:docMk/>
+            <pc:sldMasterMk cId="3073113103" sldId="2147483837"/>
+            <pc:sldLayoutMk cId="3300323690" sldId="2147483836"/>
+          </pc:sldLayoutMkLst>
+        </pc:sldLayoutChg>
+      </pc:sldMasterChg>
+    </pc:docChg>
+  </pc:docChgLst>
+  <pc:docChgLst>
     <pc:chgData name="Di Grandi, D. (Daniele)" userId="S::d.digrandi@students.uu.nl::6673f43e-5b16-46ee-8605-fa11644727b4" providerId="AD" clId="Web-{F4F91DCE-6C7C-47FD-884C-4BFEB11ED150}"/>
     <pc:docChg chg="addSld delSld modSld">
       <pc:chgData name="Di Grandi, D. (Daniele)" userId="S::d.digrandi@students.uu.nl::6673f43e-5b16-46ee-8605-fa11644727b4" providerId="AD" clId="Web-{F4F91DCE-6C7C-47FD-884C-4BFEB11ED150}" dt="2021-02-18T18:15:25.334" v="31"/>
@@ -4170,116 +4305,6 @@
             <pc:docMk/>
             <pc:sldMk cId="1198111051" sldId="285"/>
             <ac:picMk id="3" creationId="{A0AB9791-424B-4527-B512-D13641D62D01}"/>
-          </ac:picMkLst>
-        </pc:picChg>
-      </pc:sldChg>
-    </pc:docChg>
-  </pc:docChgLst>
-  <pc:docChgLst>
-    <pc:chgData name="Mättas, O. (Otto)" userId="S::o.mattas@students.uu.nl::f944b869-84fe-4915-ac0f-2070e720f33b" providerId="AD" clId="Web-{215D138E-632B-4E6F-BAAE-169C6CC24215}"/>
-    <pc:docChg chg="addSld delSld modSld">
-      <pc:chgData name="Mättas, O. (Otto)" userId="S::o.mattas@students.uu.nl::f944b869-84fe-4915-ac0f-2070e720f33b" providerId="AD" clId="Web-{215D138E-632B-4E6F-BAAE-169C6CC24215}" dt="2021-02-18T18:16:17.464" v="24"/>
-      <pc:docMkLst>
-        <pc:docMk/>
-      </pc:docMkLst>
-      <pc:sldChg chg="addSp delSp modSp del mod setBg">
-        <pc:chgData name="Mättas, O. (Otto)" userId="S::o.mattas@students.uu.nl::f944b869-84fe-4915-ac0f-2070e720f33b" providerId="AD" clId="Web-{215D138E-632B-4E6F-BAAE-169C6CC24215}" dt="2021-02-18T18:16:17.464" v="24"/>
-        <pc:sldMkLst>
-          <pc:docMk/>
-          <pc:sldMk cId="1136344225" sldId="284"/>
-        </pc:sldMkLst>
-        <pc:spChg chg="mod">
-          <ac:chgData name="Mättas, O. (Otto)" userId="S::o.mattas@students.uu.nl::f944b869-84fe-4915-ac0f-2070e720f33b" providerId="AD" clId="Web-{215D138E-632B-4E6F-BAAE-169C6CC24215}" dt="2021-02-18T18:13:13.586" v="3"/>
-          <ac:spMkLst>
-            <pc:docMk/>
-            <pc:sldMk cId="1136344225" sldId="284"/>
-            <ac:spMk id="2" creationId="{D53A730B-0341-4E1F-8D29-3CB754438BB1}"/>
-          </ac:spMkLst>
-        </pc:spChg>
-        <pc:grpChg chg="add">
-          <ac:chgData name="Mättas, O. (Otto)" userId="S::o.mattas@students.uu.nl::f944b869-84fe-4915-ac0f-2070e720f33b" providerId="AD" clId="Web-{215D138E-632B-4E6F-BAAE-169C6CC24215}" dt="2021-02-18T18:13:13.586" v="3"/>
-          <ac:grpSpMkLst>
-            <pc:docMk/>
-            <pc:sldMk cId="1136344225" sldId="284"/>
-            <ac:grpSpMk id="10" creationId="{02809643-1A52-4ED2-AA8C-EEF67E927206}"/>
-          </ac:grpSpMkLst>
-        </pc:grpChg>
-        <pc:picChg chg="add del">
-          <ac:chgData name="Mättas, O. (Otto)" userId="S::o.mattas@students.uu.nl::f944b869-84fe-4915-ac0f-2070e720f33b" providerId="AD" clId="Web-{215D138E-632B-4E6F-BAAE-169C6CC24215}" dt="2021-02-18T18:13:05.227" v="2"/>
-          <ac:picMkLst>
-            <pc:docMk/>
-            <pc:sldMk cId="1136344225" sldId="284"/>
-            <ac:picMk id="4" creationId="{3304B26E-04DD-4538-AFCD-441B100A405A}"/>
-          </ac:picMkLst>
-        </pc:picChg>
-        <pc:picChg chg="add mod ord">
-          <ac:chgData name="Mättas, O. (Otto)" userId="S::o.mattas@students.uu.nl::f944b869-84fe-4915-ac0f-2070e720f33b" providerId="AD" clId="Web-{215D138E-632B-4E6F-BAAE-169C6CC24215}" dt="2021-02-18T18:14:09.993" v="11"/>
-          <ac:picMkLst>
-            <pc:docMk/>
-            <pc:sldMk cId="1136344225" sldId="284"/>
-            <ac:picMk id="5" creationId="{218FE54A-E021-4DCA-9E1C-A97BEA8C09E1}"/>
-          </ac:picMkLst>
-        </pc:picChg>
-        <pc:picChg chg="add del ord">
-          <ac:chgData name="Mättas, O. (Otto)" userId="S::o.mattas@students.uu.nl::f944b869-84fe-4915-ac0f-2070e720f33b" providerId="AD" clId="Web-{215D138E-632B-4E6F-BAAE-169C6CC24215}" dt="2021-02-18T18:14:11.415" v="12"/>
-          <ac:picMkLst>
-            <pc:docMk/>
-            <pc:sldMk cId="1136344225" sldId="284"/>
-            <ac:picMk id="6" creationId="{2347ACC1-5A66-4854-8E05-AF74F989E89D}"/>
-          </ac:picMkLst>
-        </pc:picChg>
-      </pc:sldChg>
-      <pc:sldChg chg="addSp modSp mod setBg">
-        <pc:chgData name="Mättas, O. (Otto)" userId="S::o.mattas@students.uu.nl::f944b869-84fe-4915-ac0f-2070e720f33b" providerId="AD" clId="Web-{215D138E-632B-4E6F-BAAE-169C6CC24215}" dt="2021-02-18T18:14:21.665" v="13"/>
-        <pc:sldMkLst>
-          <pc:docMk/>
-          <pc:sldMk cId="1198111051" sldId="285"/>
-        </pc:sldMkLst>
-        <pc:spChg chg="mod">
-          <ac:chgData name="Mättas, O. (Otto)" userId="S::o.mattas@students.uu.nl::f944b869-84fe-4915-ac0f-2070e720f33b" providerId="AD" clId="Web-{215D138E-632B-4E6F-BAAE-169C6CC24215}" dt="2021-02-18T18:14:21.665" v="13"/>
-          <ac:spMkLst>
-            <pc:docMk/>
-            <pc:sldMk cId="1198111051" sldId="285"/>
-            <ac:spMk id="2" creationId="{91E652D8-C945-4616-BCB2-12F823763517}"/>
-          </ac:spMkLst>
-        </pc:spChg>
-        <pc:grpChg chg="add">
-          <ac:chgData name="Mättas, O. (Otto)" userId="S::o.mattas@students.uu.nl::f944b869-84fe-4915-ac0f-2070e720f33b" providerId="AD" clId="Web-{215D138E-632B-4E6F-BAAE-169C6CC24215}" dt="2021-02-18T18:14:21.665" v="13"/>
-          <ac:grpSpMkLst>
-            <pc:docMk/>
-            <pc:sldMk cId="1198111051" sldId="285"/>
-            <ac:grpSpMk id="8" creationId="{02809643-1A52-4ED2-AA8C-EEF67E927206}"/>
-          </ac:grpSpMkLst>
-        </pc:grpChg>
-        <pc:picChg chg="mod">
-          <ac:chgData name="Mättas, O. (Otto)" userId="S::o.mattas@students.uu.nl::f944b869-84fe-4915-ac0f-2070e720f33b" providerId="AD" clId="Web-{215D138E-632B-4E6F-BAAE-169C6CC24215}" dt="2021-02-18T18:14:21.665" v="13"/>
-          <ac:picMkLst>
-            <pc:docMk/>
-            <pc:sldMk cId="1198111051" sldId="285"/>
-            <ac:picMk id="3" creationId="{A0AB9791-424B-4527-B512-D13641D62D01}"/>
-          </ac:picMkLst>
-        </pc:picChg>
-      </pc:sldChg>
-      <pc:sldChg chg="addSp delSp modSp add replId">
-        <pc:chgData name="Mättas, O. (Otto)" userId="S::o.mattas@students.uu.nl::f944b869-84fe-4915-ac0f-2070e720f33b" providerId="AD" clId="Web-{215D138E-632B-4E6F-BAAE-169C6CC24215}" dt="2021-02-18T18:15:35.666" v="23"/>
-        <pc:sldMkLst>
-          <pc:docMk/>
-          <pc:sldMk cId="2913552737" sldId="286"/>
-        </pc:sldMkLst>
-        <pc:picChg chg="add mod ord">
-          <ac:chgData name="Mättas, O. (Otto)" userId="S::o.mattas@students.uu.nl::f944b869-84fe-4915-ac0f-2070e720f33b" providerId="AD" clId="Web-{215D138E-632B-4E6F-BAAE-169C6CC24215}" dt="2021-02-18T18:15:33.416" v="22"/>
-          <ac:picMkLst>
-            <pc:docMk/>
-            <pc:sldMk cId="2913552737" sldId="286"/>
-            <ac:picMk id="3" creationId="{B9C206FE-8BE6-4B62-B721-293B445310FF}"/>
-          </ac:picMkLst>
-        </pc:picChg>
-        <pc:picChg chg="del ord">
-          <ac:chgData name="Mättas, O. (Otto)" userId="S::o.mattas@students.uu.nl::f944b869-84fe-4915-ac0f-2070e720f33b" providerId="AD" clId="Web-{215D138E-632B-4E6F-BAAE-169C6CC24215}" dt="2021-02-18T18:15:35.666" v="23"/>
-          <ac:picMkLst>
-            <pc:docMk/>
-            <pc:sldMk cId="2913552737" sldId="286"/>
-            <ac:picMk id="5" creationId="{218FE54A-E021-4DCA-9E1C-A97BEA8C09E1}"/>
           </ac:picMkLst>
         </pc:picChg>
       </pc:sldChg>
@@ -6910,7 +6935,7 @@
         </a:bodyPr>
         <a:lstStyle/>
         <a:p>
-          <a:pPr marL="0" lvl="0" indent="0" algn="ctr" defTabSz="844550">
+          <a:pPr marL="0" lvl="0" indent="0" algn="ctr" defTabSz="977900">
             <a:lnSpc>
               <a:spcPct val="100000"/>
             </a:lnSpc>
@@ -6923,13 +6948,13 @@
             <a:buNone/>
           </a:pPr>
           <a:r>
-            <a:rPr lang="en-GB" sz="1900" b="1" kern="1200">
+            <a:rPr lang="en-GB" sz="2200" b="1" kern="1200">
               <a:latin typeface="Calibri Light"/>
               <a:cs typeface="Calibri"/>
             </a:rPr>
             <a:t>Machine Learning</a:t>
           </a:r>
-          <a:endParaRPr lang="en-US" sz="1900" b="1" kern="1200">
+          <a:endParaRPr lang="en-US" sz="2200" b="1" kern="1200">
             <a:latin typeface="Calibri Light"/>
             <a:cs typeface="Calibri"/>
           </a:endParaRPr>
@@ -7026,7 +7051,7 @@
         </a:bodyPr>
         <a:lstStyle/>
         <a:p>
-          <a:pPr marL="0" lvl="0" indent="0" algn="ctr" defTabSz="844550">
+          <a:pPr marL="0" lvl="0" indent="0" algn="ctr" defTabSz="977900">
             <a:lnSpc>
               <a:spcPct val="100000"/>
             </a:lnSpc>
@@ -7039,13 +7064,13 @@
             <a:buNone/>
           </a:pPr>
           <a:r>
-            <a:rPr lang="en-GB" sz="1900" b="1" kern="1200">
+            <a:rPr lang="en-GB" sz="2200" b="1" kern="1200">
               <a:latin typeface="Calibri Light"/>
               <a:cs typeface="Calibri"/>
             </a:rPr>
             <a:t>Human-Computer Interactions</a:t>
           </a:r>
-          <a:endParaRPr lang="en-US" sz="1900" b="1" kern="1200">
+          <a:endParaRPr lang="en-US" sz="2200" b="1" kern="1200">
             <a:latin typeface="Calibri Light"/>
             <a:cs typeface="Calibri"/>
           </a:endParaRPr>
@@ -7142,7 +7167,7 @@
         </a:bodyPr>
         <a:lstStyle/>
         <a:p>
-          <a:pPr marL="0" lvl="0" indent="0" algn="ctr" defTabSz="844550" rtl="0">
+          <a:pPr marL="0" lvl="0" indent="0" algn="ctr" defTabSz="977900" rtl="0">
             <a:lnSpc>
               <a:spcPct val="100000"/>
             </a:lnSpc>
@@ -7155,13 +7180,13 @@
             <a:buNone/>
           </a:pPr>
           <a:r>
-            <a:rPr lang="en-GB" sz="1900" b="1" kern="1200">
+            <a:rPr lang="en-GB" sz="2200" b="1" kern="1200">
               <a:latin typeface="Calibri Light"/>
               <a:cs typeface="Calibri"/>
             </a:rPr>
             <a:t>Knowledge-Based Reasoning</a:t>
           </a:r>
-          <a:endParaRPr lang="en-US" sz="1900" b="1" kern="1200">
+          <a:endParaRPr lang="en-US" sz="2200" b="1" kern="1200">
             <a:latin typeface="Calibri Light"/>
             <a:cs typeface="Calibri"/>
           </a:endParaRPr>
@@ -7258,7 +7283,7 @@
         </a:bodyPr>
         <a:lstStyle/>
         <a:p>
-          <a:pPr marL="0" lvl="0" indent="0" algn="ctr" defTabSz="844550" rtl="0">
+          <a:pPr marL="0" lvl="0" indent="0" algn="ctr" defTabSz="977900" rtl="0">
             <a:lnSpc>
               <a:spcPct val="100000"/>
             </a:lnSpc>
@@ -7271,13 +7296,13 @@
             <a:buNone/>
           </a:pPr>
           <a:r>
-            <a:rPr lang="en-GB" sz="1900" b="1" kern="1200">
+            <a:rPr lang="en-GB" sz="2200" b="1" kern="1200">
               <a:latin typeface="Calibri Light"/>
               <a:cs typeface="Calibri"/>
             </a:rPr>
             <a:t>Data Mining</a:t>
           </a:r>
-          <a:endParaRPr lang="en-US" sz="1900" b="1" kern="1200">
+          <a:endParaRPr lang="en-US" sz="2200" b="1" kern="1200">
             <a:latin typeface="Calibri Light"/>
             <a:cs typeface="Calibri"/>
           </a:endParaRPr>
@@ -29099,6 +29124,57 @@
           </a:p>
         </p:txBody>
       </p:sp>
+      <p:sp>
+        <p:nvSpPr>
+          <p:cNvPr id="5" name="TextBox 4">
+            <a:extLst>
+              <a:ext uri="{FF2B5EF4-FFF2-40B4-BE49-F238E27FC236}">
+                <a16:creationId xmlns:a16="http://schemas.microsoft.com/office/drawing/2014/main" id="{31F1657C-6292-47CC-BC60-C4B67CF3BFA3}"/>
+              </a:ext>
+            </a:extLst>
+          </p:cNvPr>
+          <p:cNvSpPr txBox="1"/>
+          <p:nvPr/>
+        </p:nvSpPr>
+        <p:spPr>
+          <a:xfrm>
+            <a:off x="3912704" y="1345095"/>
+            <a:ext cx="4341742" cy="461665"/>
+          </a:xfrm>
+          <a:prstGeom prst="rect">
+            <a:avLst/>
+          </a:prstGeom>
+          <a:noFill/>
+        </p:spPr>
+        <p:txBody>
+          <a:bodyPr rot="0" spcFirstLastPara="0" vertOverflow="overflow" horzOverflow="overflow" vert="horz" wrap="square" lIns="91440" tIns="45720" rIns="91440" bIns="45720" numCol="1" spcCol="0" rtlCol="0" fromWordArt="0" anchor="t" anchorCtr="0" forceAA="0" compatLnSpc="1">
+            <a:prstTxWarp prst="textNoShape">
+              <a:avLst/>
+            </a:prstTxWarp>
+            <a:spAutoFit/>
+          </a:bodyPr>
+          <a:lstStyle/>
+          <a:p>
+            <a:r>
+              <a:rPr lang="en-GB" sz="2400">
+                <a:solidFill>
+                  <a:schemeClr val="bg1"/>
+                </a:solidFill>
+                <a:latin typeface="Calibri Light"/>
+                <a:cs typeface="Calibri Light"/>
+              </a:rPr>
+              <a:t>Jim | Daniele | Filippo | Otto</a:t>
+            </a:r>
+            <a:endParaRPr lang="en-US" sz="2400">
+              <a:solidFill>
+                <a:schemeClr val="bg1"/>
+              </a:solidFill>
+              <a:latin typeface="Calibri Light"/>
+              <a:cs typeface="Calibri Light"/>
+            </a:endParaRPr>
+          </a:p>
+        </p:txBody>
+      </p:sp>
     </p:spTree>
     <p:extLst>
       <p:ext uri="{BB962C8B-B14F-4D97-AF65-F5344CB8AC3E}">
@@ -39930,8 +40006,8 @@
 </file>
 
 <file path=customXml/item1.xml><?xml version="1.0" encoding="utf-8"?>
-<ct:contentTypeSchema xmlns:ct="http://schemas.microsoft.com/office/2006/metadata/contentType" xmlns:ma="http://schemas.microsoft.com/office/2006/metadata/properties/metaAttributes" ct:_="" ma:_="" ma:contentTypeName="Document" ma:contentTypeID="0x0101006B0798CFC79F8E4CA8588106699A7536" ma:contentTypeVersion="2" ma:contentTypeDescription="Create a new document." ma:contentTypeScope="" ma:versionID="3fc79db10f72f7f1f111509ac8072afa">
-  <xsd:schema xmlns:xsd="http://www.w3.org/2001/XMLSchema" xmlns:xs="http://www.w3.org/2001/XMLSchema" xmlns:p="http://schemas.microsoft.com/office/2006/metadata/properties" xmlns:ns2="d38465c1-fd35-4650-b833-eab3bfbba0f1" targetNamespace="http://schemas.microsoft.com/office/2006/metadata/properties" ma:root="true" ma:fieldsID="18a988e0cabde841cd9c1c36b4e46274" ns2:_="">
+<ct:contentTypeSchema xmlns:ct="http://schemas.microsoft.com/office/2006/metadata/contentType" xmlns:ma="http://schemas.microsoft.com/office/2006/metadata/properties/metaAttributes" ct:_="" ma:_="" ma:contentTypeName="Document" ma:contentTypeID="0x0101006B0798CFC79F8E4CA8588106699A7536" ma:contentTypeVersion="8" ma:contentTypeDescription="Create a new document." ma:contentTypeScope="" ma:versionID="55586fcd3cf7c6e25e5e5ec7a6e25c00">
+  <xsd:schema xmlns:xsd="http://www.w3.org/2001/XMLSchema" xmlns:xs="http://www.w3.org/2001/XMLSchema" xmlns:p="http://schemas.microsoft.com/office/2006/metadata/properties" xmlns:ns2="d38465c1-fd35-4650-b833-eab3bfbba0f1" targetNamespace="http://schemas.microsoft.com/office/2006/metadata/properties" ma:root="true" ma:fieldsID="73bcb5fe3d43d266fbb0f025d867bace" ns2:_="">
     <xsd:import namespace="d38465c1-fd35-4650-b833-eab3bfbba0f1"/>
     <xsd:element name="properties">
       <xsd:complexType>
@@ -39941,6 +40017,12 @@
               <xsd:all>
                 <xsd:element ref="ns2:MediaServiceMetadata" minOccurs="0"/>
                 <xsd:element ref="ns2:MediaServiceFastMetadata" minOccurs="0"/>
+                <xsd:element ref="ns2:MediaServiceAutoTags" minOccurs="0"/>
+                <xsd:element ref="ns2:MediaServiceOCR" minOccurs="0"/>
+                <xsd:element ref="ns2:MediaServiceGenerationTime" minOccurs="0"/>
+                <xsd:element ref="ns2:MediaServiceEventHashCode" minOccurs="0"/>
+                <xsd:element ref="ns2:MediaServiceAutoKeyPoints" minOccurs="0"/>
+                <xsd:element ref="ns2:MediaServiceKeyPoints" minOccurs="0"/>
               </xsd:all>
             </xsd:complexType>
           </xsd:element>
@@ -39959,6 +40041,40 @@
     <xsd:element name="MediaServiceFastMetadata" ma:index="9" nillable="true" ma:displayName="MediaServiceFastMetadata" ma:hidden="true" ma:internalName="MediaServiceFastMetadata" ma:readOnly="true">
       <xsd:simpleType>
         <xsd:restriction base="dms:Note"/>
+      </xsd:simpleType>
+    </xsd:element>
+    <xsd:element name="MediaServiceAutoTags" ma:index="10" nillable="true" ma:displayName="Tags" ma:internalName="MediaServiceAutoTags" ma:readOnly="true">
+      <xsd:simpleType>
+        <xsd:restriction base="dms:Text"/>
+      </xsd:simpleType>
+    </xsd:element>
+    <xsd:element name="MediaServiceOCR" ma:index="11" nillable="true" ma:displayName="Extracted Text" ma:internalName="MediaServiceOCR" ma:readOnly="true">
+      <xsd:simpleType>
+        <xsd:restriction base="dms:Note">
+          <xsd:maxLength value="255"/>
+        </xsd:restriction>
+      </xsd:simpleType>
+    </xsd:element>
+    <xsd:element name="MediaServiceGenerationTime" ma:index="12" nillable="true" ma:displayName="MediaServiceGenerationTime" ma:hidden="true" ma:internalName="MediaServiceGenerationTime" ma:readOnly="true">
+      <xsd:simpleType>
+        <xsd:restriction base="dms:Text"/>
+      </xsd:simpleType>
+    </xsd:element>
+    <xsd:element name="MediaServiceEventHashCode" ma:index="13" nillable="true" ma:displayName="MediaServiceEventHashCode" ma:hidden="true" ma:internalName="MediaServiceEventHashCode" ma:readOnly="true">
+      <xsd:simpleType>
+        <xsd:restriction base="dms:Text"/>
+      </xsd:simpleType>
+    </xsd:element>
+    <xsd:element name="MediaServiceAutoKeyPoints" ma:index="14" nillable="true" ma:displayName="MediaServiceAutoKeyPoints" ma:hidden="true" ma:internalName="MediaServiceAutoKeyPoints" ma:readOnly="true">
+      <xsd:simpleType>
+        <xsd:restriction base="dms:Note"/>
+      </xsd:simpleType>
+    </xsd:element>
+    <xsd:element name="MediaServiceKeyPoints" ma:index="15" nillable="true" ma:displayName="KeyPoints" ma:internalName="MediaServiceKeyPoints" ma:readOnly="true">
+      <xsd:simpleType>
+        <xsd:restriction base="dms:Note">
+          <xsd:maxLength value="255"/>
+        </xsd:restriction>
       </xsd:simpleType>
     </xsd:element>
   </xsd:schema>
@@ -40077,21 +40193,7 @@
 </file>
 
 <file path=customXml/itemProps1.xml><?xml version="1.0" encoding="utf-8"?>
-<ds:datastoreItem xmlns:ds="http://schemas.openxmlformats.org/officeDocument/2006/customXml" ds:itemID="{C35EA43E-3310-4468-9C8C-F23CB31C3534}">
-  <ds:schemaRefs>
-    <ds:schemaRef ds:uri="d38465c1-fd35-4650-b833-eab3bfbba0f1"/>
-    <ds:schemaRef ds:uri="http://purl.org/dc/elements/1.1/"/>
-    <ds:schemaRef ds:uri="http://purl.org/dc/terms/"/>
-    <ds:schemaRef ds:uri="http://schemas.microsoft.com/internal/obd"/>
-    <ds:schemaRef ds:uri="http://schemas.microsoft.com/office/2006/documentManagement/types"/>
-    <ds:schemaRef ds:uri="http://schemas.microsoft.com/office/2006/metadata/contentType"/>
-    <ds:schemaRef ds:uri="http://schemas.microsoft.com/office/2006/metadata/properties"/>
-    <ds:schemaRef ds:uri="http://schemas.microsoft.com/office/2006/metadata/properties/metaAttributes"/>
-    <ds:schemaRef ds:uri="http://schemas.microsoft.com/office/infopath/2007/PartnerControls"/>
-    <ds:schemaRef ds:uri="http://schemas.openxmlformats.org/package/2006/metadata/core-properties"/>
-    <ds:schemaRef ds:uri="http://www.w3.org/2001/XMLSchema"/>
-  </ds:schemaRefs>
-</ds:datastoreItem>
+<ds:datastoreItem xmlns:ds="http://schemas.openxmlformats.org/officeDocument/2006/customXml" ds:itemID="{90B80A80-0CE1-4B34-8417-67781946CF25}"/>
 </file>
 
 <file path=customXml/itemProps2.xml><?xml version="1.0" encoding="utf-8"?>
